--- a/temp/NMN商业计划书2.pptx
+++ b/temp/NMN商业计划书2.pptx
@@ -136,975 +136,6 @@
     </a:lvl9pPr>
   </p:defaultTextStyle>
 </p:presentation>
-</file>
-
-<file path=ppt/charts/chart1.xml><?xml version="1.0" encoding="utf-8"?>
-<c:chartSpace xmlns:c="http://schemas.openxmlformats.org/drawingml/2006/chart" xmlns:a="http://schemas.openxmlformats.org/drawingml/2006/main" xmlns:r="http://schemas.openxmlformats.org/officeDocument/2006/relationships">
-  <c:date1904 val="1"/>
-  <c:lang val="zh-CN"/>
-  <c:chart>
-    <c:autoTitleDeleted val="1"/>
-    <c:plotArea>
-      <c:layout/>
-      <c:barChart>
-        <c:barDir val="col"/>
-        <c:grouping val="clustered"/>
-        <c:ser>
-          <c:idx val="0"/>
-          <c:order val="0"/>
-          <c:tx>
-            <c:strRef>
-              <c:f>Sheet1!$B$1</c:f>
-              <c:strCache>
-                <c:ptCount val="1"/>
-                <c:pt idx="0">
-                  <c:v>系列 1</c:v>
-                </c:pt>
-              </c:strCache>
-            </c:strRef>
-          </c:tx>
-          <c:spPr>
-            <a:solidFill>
-              <a:schemeClr val="accent1"/>
-            </a:solidFill>
-            <a:ln>
-              <a:noFill/>
-            </a:ln>
-            <a:effectLst/>
-          </c:spPr>
-          <c:cat>
-            <c:numRef>
-              <c:f>Sheet1!$A$2:$A$3</c:f>
-              <c:numCache>
-                <c:formatCode>General</c:formatCode>
-                <c:ptCount val="2"/>
-                <c:pt idx="0">
-                  <c:v>2019</c:v>
-                </c:pt>
-                <c:pt idx="1">
-                  <c:v>2025</c:v>
-                </c:pt>
-              </c:numCache>
-              <c:extLst>
-                <c:ext xmlns:c15="http://schemas.microsoft.com/office/drawing/2012/chart" uri="{02D57815-91ED-43cb-92C2-25804820EDAC}">
-                  <c15:fullRef>
-                    <c15:sqref>Sheet1!$A$2:$A$5</c15:sqref>
-                  </c15:fullRef>
-                </c:ext>
-              </c:extLst>
-            </c:numRef>
-          </c:cat>
-          <c:val>
-            <c:numRef>
-              <c:f>Sheet1!$B$2:$B$3</c:f>
-              <c:numCache>
-                <c:formatCode>General</c:formatCode>
-                <c:ptCount val="2"/>
-                <c:pt idx="0">
-                  <c:v>96.3</c:v>
-                </c:pt>
-                <c:pt idx="1">
-                  <c:v>129.1</c:v>
-                </c:pt>
-              </c:numCache>
-              <c:extLst>
-                <c:ext xmlns:c15="http://schemas.microsoft.com/office/drawing/2012/chart" uri="{02D57815-91ED-43cb-92C2-25804820EDAC}">
-                  <c15:fullRef>
-                    <c15:sqref>Sheet1!$B$2:$B$5</c15:sqref>
-                  </c15:fullRef>
-                </c:ext>
-              </c:extLst>
-            </c:numRef>
-          </c:val>
-        </c:ser>
-        <c:gapWidth val="219"/>
-        <c:overlap val="-27"/>
-        <c:axId val="58165504"/>
-        <c:axId val="58167680"/>
-        <c:extLst>
-          <c:ext xmlns:c15="http://schemas.microsoft.com/office/drawing/2012/chart" uri="{02D57815-91ED-43cb-92C2-25804820EDAC}">
-            <c15:filteredBarSeries>
-              <c15:ser>
-                <c:idx val="1"/>
-                <c:order val="1"/>
-                <c:tx>
-                  <c:strRef>
-                    <c:extLst>
-                      <c:ext uri="{02D57815-91ED-43cb-92C2-25804820EDAC}">
-                        <c15:formulaRef>
-                          <c15:sqref>Sheet1!$C$1</c15:sqref>
-                        </c15:formulaRef>
-                      </c:ext>
-                    </c:extLst>
-                    <c:strCache>
-                      <c:ptCount val="1"/>
-                      <c:pt idx="0">
-                        <c:v>系列 2</c:v>
-                      </c:pt>
-                    </c:strCache>
-                  </c:strRef>
-                </c:tx>
-                <c:spPr>
-                  <a:solidFill>
-                    <a:schemeClr val="accent2"/>
-                  </a:solidFill>
-                  <a:ln>
-                    <a:noFill/>
-                  </a:ln>
-                  <a:effectLst/>
-                </c:spPr>
-                <c:invertIfNegative val="0"/>
-                <c:dLbls>
-                  <c:delete val="1"/>
-                </c:dLbls>
-                <c:cat>
-                  <c:numRef>
-                    <c:extLst>
-                      <c:ext uri="{02D57815-91ED-43cb-92C2-25804820EDAC}">
-                        <c15:fullRef>
-                          <c15:sqref>Sheet1!$A$2:$A$5</c15:sqref>
-                        </c15:fullRef>
-                        <c15:formulaRef>
-                          <c15:sqref>Sheet1!$A$2:$A$3</c15:sqref>
-                        </c15:formulaRef>
-                      </c:ext>
-                    </c:extLst>
-                    <c:numCache>
-                      <c:formatCode>General</c:formatCode>
-                      <c:ptCount val="2"/>
-                      <c:pt idx="0">
-                        <c:v>2019</c:v>
-                      </c:pt>
-                      <c:pt idx="1">
-                        <c:v>2025</c:v>
-                      </c:pt>
-                    </c:numCache>
-                  </c:numRef>
-                </c:cat>
-                <c:val>
-                  <c:numRef>
-                    <c:extLst>
-                      <c:ext uri="{02D57815-91ED-43cb-92C2-25804820EDAC}">
-                        <c15:fullRef>
-                          <c15:sqref>Sheet1!$C$2:$C$5</c15:sqref>
-                        </c15:fullRef>
-                        <c15:formulaRef>
-                          <c15:sqref>Sheet1!$C$2:$C$3</c15:sqref>
-                        </c15:formulaRef>
-                      </c:ext>
-                    </c:extLst>
-                    <c:numCache>
-                      <c:formatCode>General</c:formatCode>
-                      <c:ptCount val="2"/>
-                      <c:pt idx="0">
-                        <c:v>2.4</c:v>
-                      </c:pt>
-                      <c:pt idx="1">
-                        <c:v>4.4</c:v>
-                      </c:pt>
-                    </c:numCache>
-                  </c:numRef>
-                </c:val>
-              </c15:ser>
-            </c15:filteredBarSeries>
-            <c15:filteredBarSeries>
-              <c15:ser>
-                <c:idx val="2"/>
-                <c:order val="2"/>
-                <c:tx>
-                  <c:strRef>
-                    <c:extLst>
-                      <c:ext uri="{02D57815-91ED-43cb-92C2-25804820EDAC}">
-                        <c15:formulaRef>
-                          <c15:sqref>Sheet1!$D$1</c15:sqref>
-                        </c15:formulaRef>
-                      </c:ext>
-                    </c:extLst>
-                    <c:strCache>
-                      <c:ptCount val="1"/>
-                      <c:pt idx="0">
-                        <c:v>系列 3</c:v>
-                      </c:pt>
-                    </c:strCache>
-                  </c:strRef>
-                </c:tx>
-                <c:spPr>
-                  <a:solidFill>
-                    <a:schemeClr val="accent3"/>
-                  </a:solidFill>
-                  <a:ln>
-                    <a:noFill/>
-                  </a:ln>
-                  <a:effectLst/>
-                </c:spPr>
-                <c:invertIfNegative val="0"/>
-                <c:dLbls>
-                  <c:delete val="1"/>
-                </c:dLbls>
-                <c:cat>
-                  <c:numRef>
-                    <c:extLst>
-                      <c:ext uri="{02D57815-91ED-43cb-92C2-25804820EDAC}">
-                        <c15:fullRef>
-                          <c15:sqref>Sheet1!$A$2:$A$5</c15:sqref>
-                        </c15:fullRef>
-                        <c15:formulaRef>
-                          <c15:sqref>Sheet1!$A$2:$A$3</c15:sqref>
-                        </c15:formulaRef>
-                      </c:ext>
-                    </c:extLst>
-                    <c:numCache>
-                      <c:formatCode>General</c:formatCode>
-                      <c:ptCount val="2"/>
-                      <c:pt idx="0">
-                        <c:v>2019</c:v>
-                      </c:pt>
-                      <c:pt idx="1">
-                        <c:v>2025</c:v>
-                      </c:pt>
-                    </c:numCache>
-                  </c:numRef>
-                </c:cat>
-                <c:val>
-                  <c:numRef>
-                    <c:extLst>
-                      <c:ext uri="{02D57815-91ED-43cb-92C2-25804820EDAC}">
-                        <c15:fullRef>
-                          <c15:sqref>Sheet1!$D$2:$D$5</c15:sqref>
-                        </c15:fullRef>
-                        <c15:formulaRef>
-                          <c15:sqref>Sheet1!$D$2:$D$3</c15:sqref>
-                        </c15:formulaRef>
-                      </c:ext>
-                    </c:extLst>
-                    <c:numCache>
-                      <c:formatCode>General</c:formatCode>
-                      <c:ptCount val="2"/>
-                      <c:pt idx="0">
-                        <c:v>2</c:v>
-                      </c:pt>
-                      <c:pt idx="1">
-                        <c:v>2</c:v>
-                      </c:pt>
-                    </c:numCache>
-                  </c:numRef>
-                </c:val>
-              </c15:ser>
-            </c15:filteredBarSeries>
-          </c:ext>
-        </c:extLst>
-      </c:barChart>
-      <c:catAx>
-        <c:axId val="58165504"/>
-        <c:scaling>
-          <c:orientation val="minMax"/>
-        </c:scaling>
-        <c:axPos val="b"/>
-        <c:title>
-          <c:tx>
-            <c:rich>
-              <a:bodyPr rot="0" vert="horz"/>
-              <a:lstStyle/>
-              <a:p>
-                <a:pPr>
-                  <a:defRPr/>
-                </a:pPr>
-                <a:r>
-                  <a:t>年份</a:t>
-                </a:r>
-              </a:p>
-            </c:rich>
-          </c:tx>
-          <c:layout/>
-          <c:spPr>
-            <a:noFill/>
-            <a:ln>
-              <a:noFill/>
-            </a:ln>
-            <a:effectLst/>
-          </c:spPr>
-        </c:title>
-        <c:numFmt formatCode="General" sourceLinked="1"/>
-        <c:majorTickMark val="none"/>
-        <c:tickLblPos val="nextTo"/>
-        <c:spPr>
-          <a:noFill/>
-          <a:ln w="9525" cap="flat" cmpd="sng" algn="ctr">
-            <a:solidFill>
-              <a:schemeClr val="tx1">
-                <a:lumMod val="15000"/>
-                <a:lumOff val="85000"/>
-              </a:schemeClr>
-            </a:solidFill>
-            <a:round/>
-          </a:ln>
-          <a:effectLst/>
-        </c:spPr>
-        <c:txPr>
-          <a:bodyPr rot="-60000000" vert="horz"/>
-          <a:lstStyle/>
-          <a:p>
-            <a:pPr>
-              <a:defRPr/>
-            </a:pPr>
-            <a:endParaRPr lang="zh-CN"/>
-          </a:p>
-        </c:txPr>
-        <c:crossAx val="58167680"/>
-        <c:crosses val="autoZero"/>
-        <c:auto val="1"/>
-        <c:lblAlgn val="ctr"/>
-        <c:lblOffset val="100"/>
-      </c:catAx>
-      <c:valAx>
-        <c:axId val="58167680"/>
-        <c:scaling>
-          <c:orientation val="minMax"/>
-        </c:scaling>
-        <c:axPos val="l"/>
-        <c:majorGridlines>
-          <c:spPr>
-            <a:ln w="9525" cap="flat" cmpd="sng" algn="ctr">
-              <a:solidFill>
-                <a:schemeClr val="tx1">
-                  <a:lumMod val="15000"/>
-                  <a:lumOff val="85000"/>
-                </a:schemeClr>
-              </a:solidFill>
-              <a:round/>
-            </a:ln>
-            <a:effectLst/>
-          </c:spPr>
-        </c:majorGridlines>
-        <c:title>
-          <c:tx>
-            <c:rich>
-              <a:bodyPr rot="-5400000" vert="horz"/>
-              <a:lstStyle/>
-              <a:p>
-                <a:pPr>
-                  <a:defRPr/>
-                </a:pPr>
-                <a:r>
-                  <a:rPr dirty="0" smtClean="0"/>
-                  <a:t>市场规模</a:t>
-                </a:r>
-                <a:r>
-                  <a:rPr lang="zh-CN" altLang="en-US" dirty="0" smtClean="0"/>
-                  <a:t>（亿美元）</a:t>
-                </a:r>
-                <a:endParaRPr dirty="0"/>
-              </a:p>
-            </c:rich>
-          </c:tx>
-          <c:layout/>
-          <c:spPr>
-            <a:noFill/>
-            <a:ln>
-              <a:noFill/>
-            </a:ln>
-            <a:effectLst/>
-          </c:spPr>
-        </c:title>
-        <c:numFmt formatCode="General" sourceLinked="1"/>
-        <c:majorTickMark val="none"/>
-        <c:tickLblPos val="nextTo"/>
-        <c:spPr>
-          <a:noFill/>
-          <a:ln>
-            <a:noFill/>
-          </a:ln>
-          <a:effectLst/>
-        </c:spPr>
-        <c:txPr>
-          <a:bodyPr rot="-60000000" vert="horz"/>
-          <a:lstStyle/>
-          <a:p>
-            <a:pPr>
-              <a:defRPr/>
-            </a:pPr>
-            <a:endParaRPr lang="zh-CN"/>
-          </a:p>
-        </c:txPr>
-        <c:crossAx val="58165504"/>
-        <c:crosses val="autoZero"/>
-        <c:crossBetween val="between"/>
-      </c:valAx>
-      <c:spPr>
-        <a:noFill/>
-        <a:ln>
-          <a:noFill/>
-        </a:ln>
-        <a:effectLst/>
-      </c:spPr>
-    </c:plotArea>
-    <c:plotVisOnly val="1"/>
-    <c:dispBlanksAs val="gap"/>
-  </c:chart>
-  <c:spPr>
-    <a:noFill/>
-    <a:ln>
-      <a:noFill/>
-    </a:ln>
-    <a:effectLst/>
-  </c:spPr>
-  <c:txPr>
-    <a:bodyPr/>
-    <a:lstStyle/>
-    <a:p>
-      <a:pPr>
-        <a:defRPr lang="zh-CN" baseline="0">
-          <a:latin typeface="Times New Roman" pitchFamily="18" charset="0"/>
-        </a:defRPr>
-      </a:pPr>
-      <a:endParaRPr lang="zh-CN"/>
-    </a:p>
-  </c:txPr>
-  <c:externalData r:id="rId1"/>
-</c:chartSpace>
-</file>
-
-<file path=ppt/charts/colors1.xml><?xml version="1.0" encoding="utf-8"?>
-<cs:colorStyle xmlns:cs="http://schemas.microsoft.com/office/drawing/2012/chartStyle" xmlns:a="http://schemas.openxmlformats.org/drawingml/2006/main" meth="cycle" id="10">
-  <a:schemeClr val="accent1"/>
-  <a:schemeClr val="accent2"/>
-  <a:schemeClr val="accent3"/>
-  <a:schemeClr val="accent4"/>
-  <a:schemeClr val="accent5"/>
-  <a:schemeClr val="accent6"/>
-  <cs:variation/>
-  <cs:variation>
-    <a:lumMod val="60000"/>
-  </cs:variation>
-  <cs:variation>
-    <a:lumMod val="80000"/>
-    <a:lumOff val="20000"/>
-  </cs:variation>
-  <cs:variation>
-    <a:lumMod val="80000"/>
-  </cs:variation>
-  <cs:variation>
-    <a:lumMod val="60000"/>
-    <a:lumOff val="40000"/>
-  </cs:variation>
-  <cs:variation>
-    <a:lumMod val="50000"/>
-  </cs:variation>
-  <cs:variation>
-    <a:lumMod val="70000"/>
-    <a:lumOff val="30000"/>
-  </cs:variation>
-  <cs:variation>
-    <a:lumMod val="70000"/>
-  </cs:variation>
-  <cs:variation>
-    <a:lumMod val="50000"/>
-    <a:lumOff val="50000"/>
-  </cs:variation>
-</cs:colorStyle>
-</file>
-
-<file path=ppt/charts/style1.xml><?xml version="1.0" encoding="utf-8"?>
-<cs:chartStyle xmlns:cs="http://schemas.microsoft.com/office/drawing/2012/chartStyle" xmlns:a="http://schemas.openxmlformats.org/drawingml/2006/main" id="201">
-  <cs:axisTitle>
-    <cs:lnRef idx="0"/>
-    <cs:fillRef idx="0"/>
-    <cs:effectRef idx="0"/>
-    <cs:fontRef idx="minor">
-      <a:schemeClr val="tx1">
-        <a:lumMod val="65000"/>
-        <a:lumOff val="35000"/>
-      </a:schemeClr>
-    </cs:fontRef>
-    <cs:defRPr sz="1000" kern="1200"/>
-  </cs:axisTitle>
-  <cs:categoryAxis>
-    <cs:lnRef idx="0"/>
-    <cs:fillRef idx="0"/>
-    <cs:effectRef idx="0"/>
-    <cs:fontRef idx="minor">
-      <a:schemeClr val="tx1">
-        <a:lumMod val="65000"/>
-        <a:lumOff val="35000"/>
-      </a:schemeClr>
-    </cs:fontRef>
-    <cs:spPr>
-      <a:ln w="9525" cap="flat" cmpd="sng" algn="ctr">
-        <a:solidFill>
-          <a:schemeClr val="tx1">
-            <a:lumMod val="15000"/>
-            <a:lumOff val="85000"/>
-          </a:schemeClr>
-        </a:solidFill>
-        <a:round/>
-      </a:ln>
-    </cs:spPr>
-    <cs:defRPr sz="900" kern="1200"/>
-  </cs:categoryAxis>
-  <cs:chartArea mods="allowNoFillOverride allowNoLineOverride">
-    <cs:lnRef idx="0"/>
-    <cs:fillRef idx="0"/>
-    <cs:effectRef idx="0"/>
-    <cs:fontRef idx="minor">
-      <a:schemeClr val="tx1"/>
-    </cs:fontRef>
-    <cs:spPr>
-      <a:solidFill>
-        <a:schemeClr val="bg1"/>
-      </a:solidFill>
-      <a:ln w="9525" cap="flat" cmpd="sng" algn="ctr">
-        <a:solidFill>
-          <a:schemeClr val="tx1">
-            <a:lumMod val="15000"/>
-            <a:lumOff val="85000"/>
-          </a:schemeClr>
-        </a:solidFill>
-        <a:round/>
-      </a:ln>
-    </cs:spPr>
-    <cs:defRPr sz="1000" kern="1200"/>
-  </cs:chartArea>
-  <cs:dataLabel>
-    <cs:lnRef idx="0"/>
-    <cs:fillRef idx="0"/>
-    <cs:effectRef idx="0"/>
-    <cs:fontRef idx="minor">
-      <a:schemeClr val="tx1">
-        <a:lumMod val="75000"/>
-        <a:lumOff val="25000"/>
-      </a:schemeClr>
-    </cs:fontRef>
-    <cs:defRPr sz="900" kern="1200"/>
-  </cs:dataLabel>
-  <cs:dataLabelCallout>
-    <cs:lnRef idx="0"/>
-    <cs:fillRef idx="0"/>
-    <cs:effectRef idx="0"/>
-    <cs:fontRef idx="minor">
-      <a:schemeClr val="dk1">
-        <a:lumMod val="65000"/>
-        <a:lumOff val="35000"/>
-      </a:schemeClr>
-    </cs:fontRef>
-    <cs:spPr>
-      <a:solidFill>
-        <a:schemeClr val="lt1"/>
-      </a:solidFill>
-      <a:ln>
-        <a:solidFill>
-          <a:schemeClr val="dk1">
-            <a:lumMod val="25000"/>
-            <a:lumOff val="75000"/>
-          </a:schemeClr>
-        </a:solidFill>
-      </a:ln>
-    </cs:spPr>
-    <cs:defRPr sz="900" kern="1200"/>
-    <cs:bodyPr rot="0" spcFirstLastPara="1" vertOverflow="clip" horzOverflow="clip" vert="horz" wrap="square" lIns="36576" tIns="18288" rIns="36576" bIns="18288" anchor="ctr" anchorCtr="1">
-      <a:spAutoFit/>
-    </cs:bodyPr>
-  </cs:dataLabelCallout>
-  <cs:dataPoint>
-    <cs:lnRef idx="0"/>
-    <cs:fillRef idx="1">
-      <cs:styleClr val="auto"/>
-    </cs:fillRef>
-    <cs:effectRef idx="0"/>
-    <cs:fontRef idx="minor">
-      <a:schemeClr val="tx1"/>
-    </cs:fontRef>
-  </cs:dataPoint>
-  <cs:dataPoint3D>
-    <cs:lnRef idx="0"/>
-    <cs:fillRef idx="1">
-      <cs:styleClr val="auto"/>
-    </cs:fillRef>
-    <cs:effectRef idx="0"/>
-    <cs:fontRef idx="minor">
-      <a:schemeClr val="tx1"/>
-    </cs:fontRef>
-  </cs:dataPoint3D>
-  <cs:dataPointLine>
-    <cs:lnRef idx="0">
-      <cs:styleClr val="auto"/>
-    </cs:lnRef>
-    <cs:fillRef idx="1"/>
-    <cs:effectRef idx="0"/>
-    <cs:fontRef idx="minor">
-      <a:schemeClr val="tx1"/>
-    </cs:fontRef>
-    <cs:spPr>
-      <a:ln w="28575" cap="rnd">
-        <a:solidFill>
-          <a:schemeClr val="phClr"/>
-        </a:solidFill>
-        <a:round/>
-      </a:ln>
-    </cs:spPr>
-  </cs:dataPointLine>
-  <cs:dataPointMarker>
-    <cs:lnRef idx="0">
-      <cs:styleClr val="auto"/>
-    </cs:lnRef>
-    <cs:fillRef idx="1">
-      <cs:styleClr val="auto"/>
-    </cs:fillRef>
-    <cs:effectRef idx="0"/>
-    <cs:fontRef idx="minor">
-      <a:schemeClr val="tx1"/>
-    </cs:fontRef>
-    <cs:spPr>
-      <a:ln w="9525">
-        <a:solidFill>
-          <a:schemeClr val="phClr"/>
-        </a:solidFill>
-      </a:ln>
-    </cs:spPr>
-  </cs:dataPointMarker>
-  <cs:dataPointMarkerLayout symbol="circle" size="5"/>
-  <cs:dataPointWireframe>
-    <cs:lnRef idx="0">
-      <cs:styleClr val="auto"/>
-    </cs:lnRef>
-    <cs:fillRef idx="1"/>
-    <cs:effectRef idx="0"/>
-    <cs:fontRef idx="minor">
-      <a:schemeClr val="tx1"/>
-    </cs:fontRef>
-    <cs:spPr>
-      <a:ln w="9525" cap="rnd">
-        <a:solidFill>
-          <a:schemeClr val="phClr"/>
-        </a:solidFill>
-        <a:round/>
-      </a:ln>
-    </cs:spPr>
-  </cs:dataPointWireframe>
-  <cs:dataTable>
-    <cs:lnRef idx="0"/>
-    <cs:fillRef idx="0"/>
-    <cs:effectRef idx="0"/>
-    <cs:fontRef idx="minor">
-      <a:schemeClr val="tx1">
-        <a:lumMod val="65000"/>
-        <a:lumOff val="35000"/>
-      </a:schemeClr>
-    </cs:fontRef>
-    <cs:spPr>
-      <a:noFill/>
-      <a:ln w="9525" cap="flat" cmpd="sng" algn="ctr">
-        <a:solidFill>
-          <a:schemeClr val="tx1">
-            <a:lumMod val="15000"/>
-            <a:lumOff val="85000"/>
-          </a:schemeClr>
-        </a:solidFill>
-        <a:round/>
-      </a:ln>
-    </cs:spPr>
-    <cs:defRPr sz="900" kern="1200"/>
-  </cs:dataTable>
-  <cs:downBar>
-    <cs:lnRef idx="0"/>
-    <cs:fillRef idx="0"/>
-    <cs:effectRef idx="0"/>
-    <cs:fontRef idx="minor">
-      <a:schemeClr val="dk1"/>
-    </cs:fontRef>
-    <cs:spPr>
-      <a:solidFill>
-        <a:schemeClr val="dk1">
-          <a:lumMod val="65000"/>
-          <a:lumOff val="35000"/>
-        </a:schemeClr>
-      </a:solidFill>
-      <a:ln w="9525">
-        <a:solidFill>
-          <a:schemeClr val="tx1">
-            <a:lumMod val="65000"/>
-            <a:lumOff val="35000"/>
-          </a:schemeClr>
-        </a:solidFill>
-      </a:ln>
-    </cs:spPr>
-  </cs:downBar>
-  <cs:dropLine>
-    <cs:lnRef idx="0"/>
-    <cs:fillRef idx="0"/>
-    <cs:effectRef idx="0"/>
-    <cs:fontRef idx="minor">
-      <a:schemeClr val="tx1"/>
-    </cs:fontRef>
-    <cs:spPr>
-      <a:ln w="9525" cap="flat" cmpd="sng" algn="ctr">
-        <a:solidFill>
-          <a:schemeClr val="tx1">
-            <a:lumMod val="35000"/>
-            <a:lumOff val="65000"/>
-          </a:schemeClr>
-        </a:solidFill>
-        <a:round/>
-      </a:ln>
-    </cs:spPr>
-  </cs:dropLine>
-  <cs:errorBar>
-    <cs:lnRef idx="0"/>
-    <cs:fillRef idx="0"/>
-    <cs:effectRef idx="0"/>
-    <cs:fontRef idx="minor">
-      <a:schemeClr val="tx1"/>
-    </cs:fontRef>
-    <cs:spPr>
-      <a:ln w="9525" cap="flat" cmpd="sng" algn="ctr">
-        <a:solidFill>
-          <a:schemeClr val="tx1">
-            <a:lumMod val="65000"/>
-            <a:lumOff val="35000"/>
-          </a:schemeClr>
-        </a:solidFill>
-        <a:round/>
-      </a:ln>
-    </cs:spPr>
-  </cs:errorBar>
-  <cs:floor>
-    <cs:lnRef idx="0"/>
-    <cs:fillRef idx="0"/>
-    <cs:effectRef idx="0"/>
-    <cs:fontRef idx="minor">
-      <a:schemeClr val="tx1"/>
-    </cs:fontRef>
-    <cs:spPr>
-      <a:noFill/>
-      <a:ln>
-        <a:noFill/>
-      </a:ln>
-    </cs:spPr>
-  </cs:floor>
-  <cs:gridlineMajor>
-    <cs:lnRef idx="0"/>
-    <cs:fillRef idx="0"/>
-    <cs:effectRef idx="0"/>
-    <cs:fontRef idx="minor">
-      <a:schemeClr val="tx1"/>
-    </cs:fontRef>
-    <cs:spPr>
-      <a:ln w="9525" cap="flat" cmpd="sng" algn="ctr">
-        <a:solidFill>
-          <a:schemeClr val="tx1">
-            <a:lumMod val="15000"/>
-            <a:lumOff val="85000"/>
-          </a:schemeClr>
-        </a:solidFill>
-        <a:round/>
-      </a:ln>
-    </cs:spPr>
-  </cs:gridlineMajor>
-  <cs:gridlineMinor>
-    <cs:lnRef idx="0"/>
-    <cs:fillRef idx="0"/>
-    <cs:effectRef idx="0"/>
-    <cs:fontRef idx="minor">
-      <a:schemeClr val="tx1"/>
-    </cs:fontRef>
-    <cs:spPr>
-      <a:ln w="9525" cap="flat" cmpd="sng" algn="ctr">
-        <a:solidFill>
-          <a:schemeClr val="tx1">
-            <a:lumMod val="5000"/>
-            <a:lumOff val="95000"/>
-          </a:schemeClr>
-        </a:solidFill>
-        <a:round/>
-      </a:ln>
-    </cs:spPr>
-  </cs:gridlineMinor>
-  <cs:hiLoLine>
-    <cs:lnRef idx="0"/>
-    <cs:fillRef idx="0"/>
-    <cs:effectRef idx="0"/>
-    <cs:fontRef idx="minor">
-      <a:schemeClr val="tx1"/>
-    </cs:fontRef>
-    <cs:spPr>
-      <a:ln w="9525" cap="flat" cmpd="sng" algn="ctr">
-        <a:solidFill>
-          <a:schemeClr val="tx1">
-            <a:lumMod val="75000"/>
-            <a:lumOff val="25000"/>
-          </a:schemeClr>
-        </a:solidFill>
-        <a:round/>
-      </a:ln>
-    </cs:spPr>
-  </cs:hiLoLine>
-  <cs:leaderLine>
-    <cs:lnRef idx="0"/>
-    <cs:fillRef idx="0"/>
-    <cs:effectRef idx="0"/>
-    <cs:fontRef idx="minor">
-      <a:schemeClr val="tx1"/>
-    </cs:fontRef>
-    <cs:spPr>
-      <a:ln w="9525" cap="flat" cmpd="sng" algn="ctr">
-        <a:solidFill>
-          <a:schemeClr val="tx1">
-            <a:lumMod val="35000"/>
-            <a:lumOff val="65000"/>
-          </a:schemeClr>
-        </a:solidFill>
-        <a:round/>
-      </a:ln>
-    </cs:spPr>
-  </cs:leaderLine>
-  <cs:legend>
-    <cs:lnRef idx="0"/>
-    <cs:fillRef idx="0"/>
-    <cs:effectRef idx="0"/>
-    <cs:fontRef idx="minor">
-      <a:schemeClr val="tx1">
-        <a:lumMod val="65000"/>
-        <a:lumOff val="35000"/>
-      </a:schemeClr>
-    </cs:fontRef>
-    <cs:defRPr sz="900" kern="1200"/>
-  </cs:legend>
-  <cs:plotArea mods="allowNoFillOverride allowNoLineOverride">
-    <cs:lnRef idx="0"/>
-    <cs:fillRef idx="0"/>
-    <cs:effectRef idx="0"/>
-    <cs:fontRef idx="minor">
-      <a:schemeClr val="tx1"/>
-    </cs:fontRef>
-  </cs:plotArea>
-  <cs:plotArea3D mods="allowNoFillOverride allowNoLineOverride">
-    <cs:lnRef idx="0"/>
-    <cs:fillRef idx="0"/>
-    <cs:effectRef idx="0"/>
-    <cs:fontRef idx="minor">
-      <a:schemeClr val="tx1"/>
-    </cs:fontRef>
-  </cs:plotArea3D>
-  <cs:seriesAxis>
-    <cs:lnRef idx="0"/>
-    <cs:fillRef idx="0"/>
-    <cs:effectRef idx="0"/>
-    <cs:fontRef idx="minor">
-      <a:schemeClr val="tx1">
-        <a:lumMod val="65000"/>
-        <a:lumOff val="35000"/>
-      </a:schemeClr>
-    </cs:fontRef>
-    <cs:defRPr sz="900" kern="1200"/>
-  </cs:seriesAxis>
-  <cs:seriesLine>
-    <cs:lnRef idx="0"/>
-    <cs:fillRef idx="0"/>
-    <cs:effectRef idx="0"/>
-    <cs:fontRef idx="minor">
-      <a:schemeClr val="tx1"/>
-    </cs:fontRef>
-    <cs:spPr>
-      <a:ln w="9525" cap="flat" cmpd="sng" algn="ctr">
-        <a:solidFill>
-          <a:schemeClr val="tx1">
-            <a:lumMod val="35000"/>
-            <a:lumOff val="65000"/>
-          </a:schemeClr>
-        </a:solidFill>
-        <a:round/>
-      </a:ln>
-    </cs:spPr>
-  </cs:seriesLine>
-  <cs:title>
-    <cs:lnRef idx="0"/>
-    <cs:fillRef idx="0"/>
-    <cs:effectRef idx="0"/>
-    <cs:fontRef idx="minor">
-      <a:schemeClr val="tx1">
-        <a:lumMod val="65000"/>
-        <a:lumOff val="35000"/>
-      </a:schemeClr>
-    </cs:fontRef>
-    <cs:defRPr sz="1400" b="0" kern="1200" spc="0" baseline="0"/>
-  </cs:title>
-  <cs:trendline>
-    <cs:lnRef idx="0">
-      <cs:styleClr val="auto"/>
-    </cs:lnRef>
-    <cs:fillRef idx="0"/>
-    <cs:effectRef idx="0"/>
-    <cs:fontRef idx="minor">
-      <a:schemeClr val="tx1"/>
-    </cs:fontRef>
-    <cs:spPr>
-      <a:ln w="19050" cap="rnd">
-        <a:solidFill>
-          <a:schemeClr val="phClr"/>
-        </a:solidFill>
-        <a:prstDash val="sysDot"/>
-      </a:ln>
-    </cs:spPr>
-  </cs:trendline>
-  <cs:trendlineLabel>
-    <cs:lnRef idx="0"/>
-    <cs:fillRef idx="0"/>
-    <cs:effectRef idx="0"/>
-    <cs:fontRef idx="minor">
-      <a:schemeClr val="tx1">
-        <a:lumMod val="65000"/>
-        <a:lumOff val="35000"/>
-      </a:schemeClr>
-    </cs:fontRef>
-    <cs:defRPr sz="900" kern="1200"/>
-  </cs:trendlineLabel>
-  <cs:upBar>
-    <cs:lnRef idx="0"/>
-    <cs:fillRef idx="0"/>
-    <cs:effectRef idx="0"/>
-    <cs:fontRef idx="minor">
-      <a:schemeClr val="dk1"/>
-    </cs:fontRef>
-    <cs:spPr>
-      <a:solidFill>
-        <a:schemeClr val="lt1"/>
-      </a:solidFill>
-      <a:ln w="9525">
-        <a:solidFill>
-          <a:schemeClr val="tx1">
-            <a:lumMod val="15000"/>
-            <a:lumOff val="85000"/>
-          </a:schemeClr>
-        </a:solidFill>
-      </a:ln>
-    </cs:spPr>
-  </cs:upBar>
-  <cs:valueAxis>
-    <cs:lnRef idx="0"/>
-    <cs:fillRef idx="0"/>
-    <cs:effectRef idx="0"/>
-    <cs:fontRef idx="minor">
-      <a:schemeClr val="tx1">
-        <a:lumMod val="65000"/>
-        <a:lumOff val="35000"/>
-      </a:schemeClr>
-    </cs:fontRef>
-    <cs:defRPr sz="900" kern="1200"/>
-  </cs:valueAxis>
-  <cs:wall>
-    <cs:lnRef idx="0"/>
-    <cs:fillRef idx="0"/>
-    <cs:effectRef idx="0"/>
-    <cs:fontRef idx="minor">
-      <a:schemeClr val="tx1"/>
-    </cs:fontRef>
-    <cs:spPr>
-      <a:noFill/>
-      <a:ln>
-        <a:noFill/>
-      </a:ln>
-    </cs:spPr>
-  </cs:wall>
-</cs:chartStyle>
 </file>
 
 <file path=ppt/diagrams/colors1.xml><?xml version="1.0" encoding="utf-8"?>
@@ -3642,7 +2673,7 @@
             <a:fld id="{225D6CB0-397D-4D45-AE62-FA2210A743CE}" type="datetimeFigureOut">
               <a:rPr lang="zh-CN" altLang="en-US" smtClean="0"/>
               <a:pPr/>
-              <a:t>2020/11/26</a:t>
+              <a:t>2020/11/27</a:t>
             </a:fld>
             <a:endParaRPr lang="zh-CN" altLang="en-US"/>
           </a:p>
@@ -3805,7 +2836,7 @@
             <a:fld id="{25AD3388-242D-4241-BD47-FD158BBB91DE}" type="datetimeFigureOut">
               <a:rPr lang="zh-CN" altLang="en-US" smtClean="0"/>
               <a:pPr/>
-              <a:t>2020/11/26</a:t>
+              <a:t>2020/11/27</a:t>
             </a:fld>
             <a:endParaRPr lang="zh-CN" altLang="en-US"/>
           </a:p>
@@ -4412,7 +3443,7 @@
 <p:sldLayout xmlns:a="http://schemas.openxmlformats.org/drawingml/2006/main" xmlns:r="http://schemas.openxmlformats.org/officeDocument/2006/relationships" xmlns:p="http://schemas.openxmlformats.org/presentationml/2006/main" preserve="1" userDrawn="1">
   <p:cSld name="节标题">
     <p:bg>
-      <p:bgRef idx="1003">
+      <p:bgRef idx="1001">
         <a:schemeClr val="bg1"/>
       </p:bgRef>
     </p:bg>
@@ -4786,7 +3817,7 @@
           <a:blip r:embed="rId2">
             <a:extLst>
               <a:ext uri="{28A0092B-C50C-407E-A947-70E740481C1C}">
-                <a14:useLocalDpi xmlns:a14="http://schemas.microsoft.com/office/drawing/2010/main" xmlns="" val="0"/>
+                <a14:useLocalDpi xmlns="" xmlns:a14="http://schemas.microsoft.com/office/drawing/2010/main" val="0"/>
               </a:ext>
             </a:extLst>
           </a:blip>
@@ -5470,6 +4501,7 @@
                 <a:solidFill>
                   <a:schemeClr val="bg1"/>
                 </a:solidFill>
+                <a:latin typeface="Times New Roman" pitchFamily="18" charset="0"/>
               </a:rPr>
               <a:t>2025</a:t>
             </a:r>
@@ -5477,6 +4509,7 @@
               <a:solidFill>
                 <a:schemeClr val="bg1"/>
               </a:solidFill>
+              <a:latin typeface="Times New Roman" pitchFamily="18" charset="0"/>
             </a:endParaRPr>
           </a:p>
         </p:txBody>
@@ -5489,8 +4522,8 @@
         </p:nvSpPr>
         <p:spPr>
           <a:xfrm>
-            <a:off x="5751861" y="3583457"/>
-            <a:ext cx="1989455" cy="305435"/>
+            <a:off x="5910481" y="3592787"/>
+            <a:ext cx="1971750" cy="307773"/>
           </a:xfrm>
           <a:prstGeom prst="rect">
             <a:avLst/>
@@ -5502,12 +4535,13 @@
           </a:bodyPr>
           <a:lstStyle/>
           <a:p>
-            <a:pPr algn="ctr"/>
+            <a:pPr algn="just"/>
             <a:r>
               <a:rPr kumimoji="1" lang="en-US" altLang="zh-CN" sz="1400" dirty="0">
                 <a:solidFill>
                   <a:schemeClr val="bg1"/>
                 </a:solidFill>
+                <a:latin typeface="Times New Roman" pitchFamily="18" charset="0"/>
               </a:rPr>
               <a:t>PRESENTED</a:t>
             </a:r>
@@ -5516,6 +4550,7 @@
                 <a:solidFill>
                   <a:schemeClr val="bg1"/>
                 </a:solidFill>
+                <a:latin typeface="Times New Roman" pitchFamily="18" charset="0"/>
               </a:rPr>
               <a:t> </a:t>
             </a:r>
@@ -5524,6 +4559,7 @@
                 <a:solidFill>
                   <a:schemeClr val="bg1"/>
                 </a:solidFill>
+                <a:latin typeface="Times New Roman" pitchFamily="18" charset="0"/>
               </a:rPr>
               <a:t>BY</a:t>
             </a:r>
@@ -5532,6 +4568,7 @@
                 <a:solidFill>
                   <a:schemeClr val="bg1"/>
                 </a:solidFill>
+                <a:latin typeface="Times New Roman" pitchFamily="18" charset="0"/>
               </a:rPr>
               <a:t> </a:t>
             </a:r>
@@ -5540,6 +4577,7 @@
                 <a:solidFill>
                   <a:schemeClr val="bg1"/>
                 </a:solidFill>
+                <a:latin typeface="Times New Roman" pitchFamily="18" charset="0"/>
               </a:rPr>
               <a:t>BIGO</a:t>
             </a:r>
@@ -5554,7 +4592,7 @@
         </p:nvSpPr>
         <p:spPr>
           <a:xfrm>
-            <a:off x="5803654" y="2530942"/>
+            <a:off x="5840977" y="2502950"/>
             <a:ext cx="5192395" cy="768350"/>
           </a:xfrm>
           <a:prstGeom prst="rect">
@@ -5573,6 +4611,8 @@
                 <a:solidFill>
                   <a:schemeClr val="bg1"/>
                 </a:solidFill>
+                <a:latin typeface="Times New Roman" pitchFamily="18" charset="0"/>
+                <a:ea typeface="微软雅黑" pitchFamily="34" charset="-122"/>
               </a:rPr>
               <a:t>NMN</a:t>
             </a:r>
@@ -5581,6 +4621,8 @@
                 <a:solidFill>
                   <a:schemeClr val="bg1"/>
                 </a:solidFill>
+                <a:latin typeface="Times New Roman" pitchFamily="18" charset="0"/>
+                <a:ea typeface="微软雅黑" pitchFamily="34" charset="-122"/>
               </a:rPr>
               <a:t>商业计划书</a:t>
             </a:r>
@@ -5593,7 +4635,7 @@
     <a:masterClrMapping/>
   </p:clrMapOvr>
   <mc:AlternateContent xmlns:mc="http://schemas.openxmlformats.org/markup-compatibility/2006">
-    <mc:Choice xmlns:p14="http://schemas.microsoft.com/office/powerpoint/2010/main" xmlns="" Requires="p14">
+    <mc:Choice xmlns="" xmlns:p14="http://schemas.microsoft.com/office/powerpoint/2010/main" Requires="p14">
       <p:transition spd="slow" p14:dur="800">
         <p:circle/>
       </p:transition>
@@ -5659,7 +4701,8 @@
             </a:pPr>
             <a:r>
               <a:rPr sz="2000" dirty="0">
-                <a:latin typeface="宋体" charset="0"/>
+                <a:latin typeface="Times New Roman" pitchFamily="18" charset="0"/>
+                <a:ea typeface="微软雅黑" pitchFamily="34" charset="-122"/>
                 <a:cs typeface="宋体" charset="0"/>
                 <a:sym typeface="+mn-ea"/>
               </a:rPr>
@@ -5693,7 +4736,7 @@
           </a:bodyPr>
           <a:lstStyle/>
           <a:p>
-            <a:pPr indent="0" algn="l" fontAlgn="auto">
+            <a:pPr marL="252000" indent="-252000" algn="l" fontAlgn="auto">
               <a:lnSpc>
                 <a:spcPct val="150000"/>
               </a:lnSpc>
@@ -5703,13 +4746,14 @@
             <a:r>
               <a:rPr lang="zh-CN" altLang="en-US" sz="2000" b="0" dirty="0">
                 <a:latin typeface="Times New Roman" pitchFamily="18" charset="0"/>
+                <a:ea typeface="微软雅黑" pitchFamily="34" charset="-122"/>
                 <a:cs typeface="Times New Roman" pitchFamily="18" charset="0"/>
               </a:rPr>
               <a:t>前景有喜有忧</a:t>
             </a:r>
           </a:p>
           <a:p>
-            <a:pPr indent="0" algn="l" fontAlgn="auto">
+            <a:pPr marL="252000" algn="l" fontAlgn="auto">
               <a:lnSpc>
                 <a:spcPct val="150000"/>
               </a:lnSpc>
@@ -5721,11 +4765,35 @@
                 <a:latin typeface="Times New Roman" pitchFamily="18" charset="0"/>
                 <a:cs typeface="Times New Roman" pitchFamily="18" charset="0"/>
               </a:rPr>
-              <a:t>NMN的蓝海市场，吸引了越来越多的商家，但是，因缺乏统一的行业标准，没有科研实力的公司也有自己的NMN品牌。</a:t>
-            </a:r>
-          </a:p>
-          <a:p>
-            <a:pPr indent="0" algn="l" fontAlgn="auto">
+              <a:t>NMN</a:t>
+            </a:r>
+            <a:r>
+              <a:rPr lang="zh-CN" altLang="en-US" sz="2000" b="0" dirty="0">
+                <a:latin typeface="Times New Roman" pitchFamily="18" charset="0"/>
+                <a:ea typeface="微软雅黑" pitchFamily="34" charset="-122"/>
+                <a:cs typeface="Times New Roman" pitchFamily="18" charset="0"/>
+              </a:rPr>
+              <a:t>的蓝海市场，吸引了越来越多的商家，但是，因缺乏统一的行业标准</a:t>
+            </a:r>
+            <a:r>
+              <a:rPr lang="zh-CN" altLang="en-US" sz="2000" b="0" dirty="0" smtClean="0">
+                <a:latin typeface="Times New Roman" pitchFamily="18" charset="0"/>
+                <a:ea typeface="微软雅黑" pitchFamily="34" charset="-122"/>
+                <a:cs typeface="Times New Roman" pitchFamily="18" charset="0"/>
+              </a:rPr>
+              <a:t>，进入门槛低，没有</a:t>
+            </a:r>
+            <a:r>
+              <a:rPr lang="zh-CN" altLang="en-US" sz="2000" b="0" dirty="0">
+                <a:latin typeface="Times New Roman" pitchFamily="18" charset="0"/>
+                <a:ea typeface="微软雅黑" pitchFamily="34" charset="-122"/>
+                <a:cs typeface="Times New Roman" pitchFamily="18" charset="0"/>
+              </a:rPr>
+              <a:t>科研实力的公司也有自己的NMN品牌。</a:t>
+            </a:r>
+          </a:p>
+          <a:p>
+            <a:pPr marL="252000" indent="-252000" algn="l" fontAlgn="auto">
               <a:lnSpc>
                 <a:spcPct val="150000"/>
               </a:lnSpc>
@@ -5735,13 +4803,14 @@
             <a:r>
               <a:rPr lang="zh-CN" altLang="en-US" sz="2000" b="0" dirty="0">
                 <a:latin typeface="Times New Roman" pitchFamily="18" charset="0"/>
+                <a:ea typeface="微软雅黑" pitchFamily="34" charset="-122"/>
                 <a:cs typeface="Times New Roman" pitchFamily="18" charset="0"/>
               </a:rPr>
               <a:t>赛道拥挤，主导地位不变</a:t>
             </a:r>
           </a:p>
           <a:p>
-            <a:pPr indent="0" algn="l" fontAlgn="auto">
+            <a:pPr marL="252000" indent="0" algn="l" fontAlgn="auto">
               <a:lnSpc>
                 <a:spcPct val="150000"/>
               </a:lnSpc>
@@ -5751,6 +4820,7 @@
             <a:r>
               <a:rPr lang="zh-CN" altLang="en-US" sz="2000" b="0" dirty="0">
                 <a:latin typeface="Times New Roman" pitchFamily="18" charset="0"/>
+                <a:ea typeface="微软雅黑" pitchFamily="34" charset="-122"/>
                 <a:cs typeface="Times New Roman" pitchFamily="18" charset="0"/>
               </a:rPr>
               <a:t>NMN进入门槛不高与巨大前景的诱惑，势必</a:t>
@@ -5758,34 +4828,30 @@
             <a:r>
               <a:rPr lang="zh-CN" altLang="en-US" sz="2000" b="0" dirty="0" smtClean="0">
                 <a:latin typeface="Times New Roman" pitchFamily="18" charset="0"/>
-                <a:cs typeface="Times New Roman" pitchFamily="18" charset="0"/>
-              </a:rPr>
-              <a:t>引发企业"</a:t>
+                <a:ea typeface="微软雅黑" pitchFamily="34" charset="-122"/>
+                <a:cs typeface="Times New Roman" pitchFamily="18" charset="0"/>
+              </a:rPr>
+              <a:t>引发</a:t>
+            </a:r>
+            <a:r>
+              <a:rPr lang="zh-CN" altLang="en-US" sz="2000" b="0" dirty="0" smtClean="0">
+                <a:latin typeface="Times New Roman" pitchFamily="18" charset="0"/>
+                <a:ea typeface="微软雅黑" pitchFamily="34" charset="-122"/>
+                <a:cs typeface="Times New Roman" pitchFamily="18" charset="0"/>
+              </a:rPr>
+              <a:t>企业“扎堆”，导致行业乱象。</a:t>
             </a:r>
             <a:r>
               <a:rPr lang="zh-CN" altLang="en-US" sz="2000" b="0" dirty="0">
                 <a:latin typeface="Times New Roman" pitchFamily="18" charset="0"/>
-                <a:cs typeface="Times New Roman" pitchFamily="18" charset="0"/>
-              </a:rPr>
-              <a:t>扎堆</a:t>
-            </a:r>
-            <a:r>
-              <a:rPr lang="zh-CN" altLang="en-US" sz="2000" b="0" dirty="0" smtClean="0">
-                <a:latin typeface="Times New Roman" pitchFamily="18" charset="0"/>
-                <a:cs typeface="Times New Roman" pitchFamily="18" charset="0"/>
-              </a:rPr>
-              <a:t>"。</a:t>
-            </a:r>
-            <a:r>
-              <a:rPr lang="zh-CN" altLang="en-US" sz="2000" b="0" dirty="0">
-                <a:latin typeface="Times New Roman" pitchFamily="18" charset="0"/>
+                <a:ea typeface="微软雅黑" pitchFamily="34" charset="-122"/>
                 <a:cs typeface="Times New Roman" pitchFamily="18" charset="0"/>
               </a:rPr>
               <a:t>但是，不做新时代的布局，不靠学术支撑，很难进入未来的赛道。</a:t>
             </a:r>
           </a:p>
           <a:p>
-            <a:pPr indent="0" algn="l" fontAlgn="auto">
+            <a:pPr marL="252000" indent="-252000" algn="l" fontAlgn="auto">
               <a:lnSpc>
                 <a:spcPct val="150000"/>
               </a:lnSpc>
@@ -5795,26 +4861,151 @@
             <a:r>
               <a:rPr lang="zh-CN" altLang="en-US" sz="2000" b="0" dirty="0">
                 <a:latin typeface="Times New Roman" pitchFamily="18" charset="0"/>
+                <a:ea typeface="微软雅黑" pitchFamily="34" charset="-122"/>
                 <a:cs typeface="Times New Roman" pitchFamily="18" charset="0"/>
               </a:rPr>
               <a:t>风口浪尖，先面壁再破壁</a:t>
             </a:r>
           </a:p>
           <a:p>
-            <a:pPr indent="0" algn="l" fontAlgn="auto">
+            <a:pPr marL="252000">
               <a:lnSpc>
                 <a:spcPct val="150000"/>
               </a:lnSpc>
-              <a:buFont typeface="Wingdings" panose="05000000000000000000" charset="0"/>
-              <a:buNone/>
             </a:pPr>
             <a:r>
               <a:rPr lang="zh-CN" altLang="en-US" sz="2000" b="0" dirty="0">
                 <a:latin typeface="Times New Roman" pitchFamily="18" charset="0"/>
-                <a:cs typeface="Times New Roman" pitchFamily="18" charset="0"/>
-              </a:rPr>
-              <a:t>NMN处于风口浪尖，大量劣质品涌入，很多时候，消费者甚至对产品"安全性"这一最基本要求充满质疑。</a:t>
-            </a:r>
+                <a:ea typeface="微软雅黑" pitchFamily="34" charset="-122"/>
+                <a:cs typeface="Times New Roman" pitchFamily="18" charset="0"/>
+              </a:rPr>
+              <a:t>NMN处于风口浪尖，大量劣质品涌入，很多时候，消费者甚至对</a:t>
+            </a:r>
+            <a:r>
+              <a:rPr lang="zh-CN" altLang="en-US" sz="2000" b="0" dirty="0" smtClean="0">
+                <a:latin typeface="Times New Roman" pitchFamily="18" charset="0"/>
+                <a:ea typeface="微软雅黑" pitchFamily="34" charset="-122"/>
+                <a:cs typeface="Times New Roman" pitchFamily="18" charset="0"/>
+              </a:rPr>
+              <a:t>产品“安全性”这</a:t>
+            </a:r>
+            <a:r>
+              <a:rPr lang="zh-CN" altLang="en-US" sz="2000" b="0" dirty="0">
+                <a:latin typeface="Times New Roman" pitchFamily="18" charset="0"/>
+                <a:ea typeface="微软雅黑" pitchFamily="34" charset="-122"/>
+                <a:cs typeface="Times New Roman" pitchFamily="18" charset="0"/>
+              </a:rPr>
+              <a:t>一最基本要求充满质疑</a:t>
+            </a:r>
+            <a:r>
+              <a:rPr lang="zh-CN" altLang="en-US" sz="2000" dirty="0" smtClean="0">
+                <a:latin typeface="Times New Roman" pitchFamily="18" charset="0"/>
+                <a:ea typeface="微软雅黑" pitchFamily="34" charset="-122"/>
+                <a:cs typeface="Times New Roman" pitchFamily="18" charset="0"/>
+              </a:rPr>
+              <a:t>。 </a:t>
+            </a:r>
+            <a:r>
+              <a:rPr lang="zh-CN" altLang="en-US" sz="2000" dirty="0" smtClean="0">
+                <a:latin typeface="Times New Roman" pitchFamily="18" charset="0"/>
+                <a:ea typeface="微软雅黑" pitchFamily="34" charset="-122"/>
+                <a:cs typeface="Times New Roman" pitchFamily="18" charset="0"/>
+              </a:rPr>
+              <a:t>因此</a:t>
+            </a:r>
+            <a:r>
+              <a:rPr lang="en-US" altLang="zh-CN" sz="2000" dirty="0" smtClean="0">
+                <a:latin typeface="Times New Roman" pitchFamily="18" charset="0"/>
+                <a:ea typeface="微软雅黑" pitchFamily="34" charset="-122"/>
+                <a:cs typeface="Times New Roman" pitchFamily="18" charset="0"/>
+              </a:rPr>
+              <a:t>NMN</a:t>
+            </a:r>
+            <a:r>
+              <a:rPr lang="zh-CN" altLang="en-US" sz="2000" dirty="0" smtClean="0">
+                <a:latin typeface="Times New Roman" pitchFamily="18" charset="0"/>
+                <a:ea typeface="微软雅黑" pitchFamily="34" charset="-122"/>
+                <a:cs typeface="Times New Roman" pitchFamily="18" charset="0"/>
+              </a:rPr>
+              <a:t>企业</a:t>
+            </a:r>
+            <a:r>
+              <a:rPr lang="zh-CN" altLang="en-US" sz="2000" dirty="0" smtClean="0">
+                <a:latin typeface="Times New Roman" pitchFamily="18" charset="0"/>
+                <a:ea typeface="微软雅黑" pitchFamily="34" charset="-122"/>
+                <a:cs typeface="Times New Roman" pitchFamily="18" charset="0"/>
+              </a:rPr>
+              <a:t>现在</a:t>
+            </a:r>
+            <a:r>
+              <a:rPr lang="zh-CN" altLang="en-US" sz="2000" dirty="0" smtClean="0">
+                <a:latin typeface="Times New Roman" pitchFamily="18" charset="0"/>
+                <a:ea typeface="微软雅黑" pitchFamily="34" charset="-122"/>
+                <a:cs typeface="Times New Roman" pitchFamily="18" charset="0"/>
+              </a:rPr>
+              <a:t>要做的</a:t>
+            </a:r>
+            <a:r>
+              <a:rPr lang="zh-CN" altLang="en-US" sz="2000" dirty="0" smtClean="0">
+                <a:latin typeface="Times New Roman" pitchFamily="18" charset="0"/>
+                <a:ea typeface="微软雅黑" pitchFamily="34" charset="-122"/>
+                <a:cs typeface="Times New Roman" pitchFamily="18" charset="0"/>
+              </a:rPr>
+              <a:t>就是</a:t>
+            </a:r>
+            <a:r>
+              <a:rPr lang="en-US" altLang="zh-CN" sz="2000" dirty="0" smtClean="0">
+                <a:latin typeface="Times New Roman" pitchFamily="18" charset="0"/>
+                <a:ea typeface="微软雅黑" pitchFamily="34" charset="-122"/>
+                <a:cs typeface="Times New Roman" pitchFamily="18" charset="0"/>
+              </a:rPr>
+              <a:t>“</a:t>
+            </a:r>
+            <a:r>
+              <a:rPr lang="zh-CN" altLang="en-US" sz="2000" dirty="0" smtClean="0">
+                <a:latin typeface="Times New Roman" pitchFamily="18" charset="0"/>
+                <a:ea typeface="微软雅黑" pitchFamily="34" charset="-122"/>
+                <a:cs typeface="Times New Roman" pitchFamily="18" charset="0"/>
+              </a:rPr>
+              <a:t>面壁</a:t>
+            </a:r>
+            <a:r>
+              <a:rPr lang="en-US" altLang="zh-CN" sz="2000" dirty="0" smtClean="0">
+                <a:latin typeface="Times New Roman" pitchFamily="18" charset="0"/>
+                <a:ea typeface="微软雅黑" pitchFamily="34" charset="-122"/>
+                <a:cs typeface="Times New Roman" pitchFamily="18" charset="0"/>
+              </a:rPr>
+              <a:t>”</a:t>
+            </a:r>
+            <a:r>
+              <a:rPr lang="zh-CN" altLang="en-US" sz="2000" dirty="0" smtClean="0">
+                <a:latin typeface="Times New Roman" pitchFamily="18" charset="0"/>
+                <a:ea typeface="微软雅黑" pitchFamily="34" charset="-122"/>
+                <a:cs typeface="Times New Roman" pitchFamily="18" charset="0"/>
+              </a:rPr>
+              <a:t>，</a:t>
+            </a:r>
+            <a:r>
+              <a:rPr lang="zh-CN" altLang="en-US" sz="2000" dirty="0" smtClean="0">
+                <a:latin typeface="Times New Roman" pitchFamily="18" charset="0"/>
+                <a:ea typeface="微软雅黑" pitchFamily="34" charset="-122"/>
+                <a:cs typeface="Times New Roman" pitchFamily="18" charset="0"/>
+              </a:rPr>
+              <a:t>找出隐忧，再谋</a:t>
+            </a:r>
+            <a:r>
+              <a:rPr lang="zh-CN" altLang="en-US" sz="2000" dirty="0" smtClean="0">
+                <a:latin typeface="Times New Roman" pitchFamily="18" charset="0"/>
+                <a:ea typeface="微软雅黑" pitchFamily="34" charset="-122"/>
+                <a:cs typeface="Times New Roman" pitchFamily="18" charset="0"/>
+              </a:rPr>
+              <a:t>发展。</a:t>
+            </a:r>
+            <a:endParaRPr lang="zh-CN" altLang="en-US" sz="2000" b="0" dirty="0">
+              <a:latin typeface="Times New Roman" pitchFamily="18" charset="0"/>
+              <a:ea typeface="微软雅黑" pitchFamily="34" charset="-122"/>
+              <a:cs typeface="Times New Roman" pitchFamily="18" charset="0"/>
+            </a:endParaRPr>
           </a:p>
         </p:txBody>
       </p:sp>
@@ -5842,8 +5033,8 @@
           <a:p>
             <a:r>
               <a:rPr lang="zh-CN" altLang="en-US" sz="3200" dirty="0" smtClean="0">
-                <a:latin typeface="微软雅黑" panose="020B0503020204020204" pitchFamily="34" charset="-122"/>
-                <a:ea typeface="微软雅黑" panose="020B0503020204020204" pitchFamily="34" charset="-122"/>
+                <a:latin typeface="Times New Roman" pitchFamily="18" charset="0"/>
+                <a:ea typeface="微软雅黑" pitchFamily="34" charset="-122"/>
               </a:rPr>
               <a:t>市场介绍</a:t>
             </a:r>
@@ -5890,7 +5081,7 @@
         </p:nvSpPr>
         <p:spPr>
           <a:xfrm>
-            <a:off x="407617" y="1529846"/>
+            <a:off x="743519" y="1529846"/>
             <a:ext cx="8387080" cy="5169535"/>
           </a:xfrm>
           <a:prstGeom prst="rect">
@@ -5907,7 +5098,7 @@
           </a:bodyPr>
           <a:lstStyle/>
           <a:p>
-            <a:pPr marL="342900" indent="0" algn="l" fontAlgn="auto">
+            <a:pPr indent="0" algn="l" fontAlgn="auto">
               <a:lnSpc>
                 <a:spcPct val="150000"/>
               </a:lnSpc>
@@ -5923,12 +5114,12 @@
             </a:r>
           </a:p>
           <a:p>
-            <a:pPr marL="342900" indent="0" algn="l" fontAlgn="auto">
+            <a:pPr marL="252000" indent="-252000" algn="l" fontAlgn="auto">
               <a:lnSpc>
                 <a:spcPct val="150000"/>
               </a:lnSpc>
-              <a:buFont typeface="Wingdings" panose="05000000000000000000" charset="0"/>
-              <a:buNone/>
+              <a:buFont typeface="Wingdings" pitchFamily="2" charset="2"/>
+              <a:buChar char="l"/>
             </a:pPr>
             <a:r>
               <a:rPr lang="zh-CN" altLang="en-US" sz="2000" b="0" dirty="0">
@@ -5939,12 +5130,12 @@
             </a:r>
           </a:p>
           <a:p>
-            <a:pPr marL="342900" indent="0" algn="l" fontAlgn="auto">
+            <a:pPr marL="252000" indent="-252000" algn="l" fontAlgn="auto">
               <a:lnSpc>
                 <a:spcPct val="150000"/>
               </a:lnSpc>
-              <a:buFont typeface="Wingdings" panose="05000000000000000000" charset="0"/>
-              <a:buNone/>
+              <a:buFont typeface="Wingdings" pitchFamily="2" charset="2"/>
+              <a:buChar char="l"/>
             </a:pPr>
             <a:r>
               <a:rPr lang="zh-CN" altLang="en-US" sz="2000" b="0" dirty="0">
@@ -5955,12 +5146,12 @@
             </a:r>
           </a:p>
           <a:p>
-            <a:pPr marL="342900" indent="0" algn="l" fontAlgn="auto">
+            <a:pPr marL="252000" indent="-252000" algn="l" fontAlgn="auto">
               <a:lnSpc>
                 <a:spcPct val="150000"/>
               </a:lnSpc>
-              <a:buFont typeface="Wingdings" panose="05000000000000000000" charset="0"/>
-              <a:buNone/>
+              <a:buFont typeface="Wingdings" pitchFamily="2" charset="2"/>
+              <a:buChar char="l"/>
             </a:pPr>
             <a:r>
               <a:rPr lang="zh-CN" altLang="en-US" sz="2000" b="0" dirty="0">
@@ -5971,12 +5162,12 @@
             </a:r>
           </a:p>
           <a:p>
-            <a:pPr marL="342900" indent="0" algn="l" fontAlgn="auto">
+            <a:pPr marL="252000" indent="-252000" algn="l" fontAlgn="auto">
               <a:lnSpc>
                 <a:spcPct val="150000"/>
               </a:lnSpc>
-              <a:buFont typeface="Wingdings" panose="05000000000000000000" charset="0"/>
-              <a:buNone/>
+              <a:buFont typeface="Wingdings" pitchFamily="2" charset="2"/>
+              <a:buChar char="l"/>
             </a:pPr>
             <a:r>
               <a:rPr lang="zh-CN" altLang="en-US" sz="2000" b="0" dirty="0">
@@ -5987,12 +5178,12 @@
             </a:r>
           </a:p>
           <a:p>
-            <a:pPr marL="342900" indent="0" algn="l" fontAlgn="auto">
+            <a:pPr marL="252000" indent="-252000" algn="l" fontAlgn="auto">
               <a:lnSpc>
                 <a:spcPct val="150000"/>
               </a:lnSpc>
-              <a:buFont typeface="Wingdings" panose="05000000000000000000" charset="0"/>
-              <a:buNone/>
+              <a:buFont typeface="Wingdings" pitchFamily="2" charset="2"/>
+              <a:buChar char="l"/>
             </a:pPr>
             <a:r>
               <a:rPr lang="zh-CN" altLang="en-US" sz="2000" b="0" dirty="0">
@@ -6003,12 +5194,12 @@
             </a:r>
           </a:p>
           <a:p>
-            <a:pPr marL="342900" indent="0" algn="l" fontAlgn="auto">
+            <a:pPr marL="252000" indent="-252000" algn="l" fontAlgn="auto">
               <a:lnSpc>
                 <a:spcPct val="150000"/>
               </a:lnSpc>
-              <a:buFont typeface="Wingdings" panose="05000000000000000000" charset="0"/>
-              <a:buNone/>
+              <a:buFont typeface="Wingdings" pitchFamily="2" charset="2"/>
+              <a:buChar char="l"/>
             </a:pPr>
             <a:r>
               <a:rPr lang="zh-CN" altLang="en-US" sz="2000" b="0" dirty="0">
@@ -6019,12 +5210,12 @@
             </a:r>
           </a:p>
           <a:p>
-            <a:pPr marL="342900" indent="0" algn="l" fontAlgn="auto">
+            <a:pPr marL="252000" indent="-252000" algn="l" fontAlgn="auto">
               <a:lnSpc>
                 <a:spcPct val="150000"/>
               </a:lnSpc>
-              <a:buFont typeface="Wingdings" panose="05000000000000000000" charset="0"/>
-              <a:buNone/>
+              <a:buFont typeface="Wingdings" pitchFamily="2" charset="2"/>
+              <a:buChar char="l"/>
             </a:pPr>
             <a:r>
               <a:rPr lang="zh-CN" altLang="en-US" sz="2000" b="0" dirty="0">
@@ -6035,12 +5226,12 @@
             </a:r>
           </a:p>
           <a:p>
-            <a:pPr marL="342900" indent="0" algn="l" fontAlgn="auto">
+            <a:pPr marL="252000" indent="-252000" algn="l" fontAlgn="auto">
               <a:lnSpc>
                 <a:spcPct val="150000"/>
               </a:lnSpc>
-              <a:buFont typeface="Wingdings" panose="05000000000000000000" charset="0"/>
-              <a:buNone/>
+              <a:buFont typeface="Wingdings" pitchFamily="2" charset="2"/>
+              <a:buChar char="l"/>
             </a:pPr>
             <a:r>
               <a:rPr lang="zh-CN" altLang="en-US" sz="2000" b="0" dirty="0">
@@ -6051,12 +5242,12 @@
             </a:r>
           </a:p>
           <a:p>
-            <a:pPr marL="342900" indent="0" algn="l" fontAlgn="auto">
+            <a:pPr marL="252000" indent="-252000" algn="l" fontAlgn="auto">
               <a:lnSpc>
                 <a:spcPct val="150000"/>
               </a:lnSpc>
-              <a:buFont typeface="Wingdings" panose="05000000000000000000" charset="0"/>
-              <a:buNone/>
+              <a:buFont typeface="Wingdings" pitchFamily="2" charset="2"/>
+              <a:buChar char="l"/>
             </a:pPr>
             <a:r>
               <a:rPr lang="zh-CN" altLang="en-US" sz="2000" b="0" dirty="0">
@@ -6067,12 +5258,12 @@
             </a:r>
           </a:p>
           <a:p>
-            <a:pPr marL="342900" indent="0" algn="l" fontAlgn="auto">
+            <a:pPr marL="252000" indent="-252000" algn="l" fontAlgn="auto">
               <a:lnSpc>
                 <a:spcPct val="150000"/>
               </a:lnSpc>
-              <a:buFont typeface="Wingdings" panose="05000000000000000000" charset="0"/>
-              <a:buNone/>
+              <a:buFont typeface="Wingdings" pitchFamily="2" charset="2"/>
+              <a:buChar char="l"/>
             </a:pPr>
             <a:r>
               <a:rPr lang="zh-CN" altLang="en-US" sz="2000" b="0" dirty="0">
@@ -6153,6 +5344,91 @@
           </a:p>
         </p:txBody>
       </p:sp>
+      <p:pic>
+        <p:nvPicPr>
+          <p:cNvPr id="5122" name="Picture 2"/>
+          <p:cNvPicPr>
+            <a:picLocks noChangeAspect="1" noChangeArrowheads="1"/>
+          </p:cNvPicPr>
+          <p:nvPr/>
+        </p:nvPicPr>
+        <p:blipFill>
+          <a:blip r:embed="rId2"/>
+          <a:srcRect/>
+          <a:stretch>
+            <a:fillRect/>
+          </a:stretch>
+        </p:blipFill>
+        <p:spPr bwMode="auto">
+          <a:xfrm>
+            <a:off x="6736702" y="1991938"/>
+            <a:ext cx="1978332" cy="1945579"/>
+          </a:xfrm>
+          <a:prstGeom prst="rect">
+            <a:avLst/>
+          </a:prstGeom>
+          <a:noFill/>
+          <a:ln w="9525">
+            <a:noFill/>
+            <a:miter lim="800000"/>
+            <a:headEnd/>
+            <a:tailEnd/>
+          </a:ln>
+          <a:effectLst/>
+        </p:spPr>
+      </p:pic>
+      <p:pic>
+        <p:nvPicPr>
+          <p:cNvPr id="5123" name="Picture 3" descr="E:\DELL\Documents\tem\images.jpg"/>
+          <p:cNvPicPr>
+            <a:picLocks noChangeAspect="1" noChangeArrowheads="1"/>
+          </p:cNvPicPr>
+          <p:nvPr/>
+        </p:nvPicPr>
+        <p:blipFill>
+          <a:blip r:embed="rId3"/>
+          <a:srcRect/>
+          <a:stretch>
+            <a:fillRect/>
+          </a:stretch>
+        </p:blipFill>
+        <p:spPr bwMode="auto">
+          <a:xfrm>
+            <a:off x="8411449" y="1881577"/>
+            <a:ext cx="2143125" cy="2143125"/>
+          </a:xfrm>
+          <a:prstGeom prst="rect">
+            <a:avLst/>
+          </a:prstGeom>
+          <a:noFill/>
+        </p:spPr>
+      </p:pic>
+      <p:pic>
+        <p:nvPicPr>
+          <p:cNvPr id="5124" name="Picture 4" descr="E:\DELL\Documents\tem\download.jpg"/>
+          <p:cNvPicPr>
+            <a:picLocks noChangeAspect="1" noChangeArrowheads="1"/>
+          </p:cNvPicPr>
+          <p:nvPr/>
+        </p:nvPicPr>
+        <p:blipFill>
+          <a:blip r:embed="rId4"/>
+          <a:srcRect/>
+          <a:stretch>
+            <a:fillRect/>
+          </a:stretch>
+        </p:blipFill>
+        <p:spPr bwMode="auto">
+          <a:xfrm>
+            <a:off x="7510755" y="4279933"/>
+            <a:ext cx="2171700" cy="2105025"/>
+          </a:xfrm>
+          <a:prstGeom prst="rect">
+            <a:avLst/>
+          </a:prstGeom>
+          <a:noFill/>
+        </p:spPr>
+      </p:pic>
     </p:spTree>
   </p:cSld>
   <p:clrMapOvr>
@@ -6220,9 +5496,10 @@
             <a:r>
               <a:rPr lang="zh-CN" altLang="en-US" sz="2000" b="0" dirty="0">
                 <a:latin typeface="Times New Roman" pitchFamily="18" charset="0"/>
-                <a:cs typeface="Times New Roman" pitchFamily="18" charset="0"/>
-              </a:rPr>
-              <a:t>以目前占据最大市场的GeneHarbor为例，GeneHarbor投资了</a:t>
+                <a:ea typeface="微软雅黑" pitchFamily="34" charset="-122"/>
+                <a:cs typeface="Times New Roman" pitchFamily="18" charset="0"/>
+              </a:rPr>
+              <a:t>以目前占据最大市场的GeneHarbor为例，GeneHarbor</a:t>
             </a:r>
             <a:r>
               <a:rPr lang="zh-CN" altLang="en-US" sz="2000" b="0" dirty="0">
@@ -6230,13 +5507,15 @@
                   <a:srgbClr val="C00000"/>
                 </a:solidFill>
                 <a:latin typeface="Times New Roman" pitchFamily="18" charset="0"/>
-                <a:cs typeface="Times New Roman" pitchFamily="18" charset="0"/>
-              </a:rPr>
-              <a:t>20亿</a:t>
+                <a:ea typeface="微软雅黑" pitchFamily="34" charset="-122"/>
+                <a:cs typeface="Times New Roman" pitchFamily="18" charset="0"/>
+              </a:rPr>
+              <a:t>投资了20亿</a:t>
             </a:r>
             <a:r>
               <a:rPr lang="zh-CN" altLang="en-US" sz="2000" b="0" dirty="0">
                 <a:latin typeface="Times New Roman" pitchFamily="18" charset="0"/>
+                <a:ea typeface="微软雅黑" pitchFamily="34" charset="-122"/>
                 <a:cs typeface="Times New Roman" pitchFamily="18" charset="0"/>
               </a:rPr>
               <a:t>修建了全球最大规模的NMN工厂。如今，该工厂已经正式投入生产，一期平均</a:t>
@@ -6247,6 +5526,7 @@
                   <a:srgbClr val="C00000"/>
                 </a:solidFill>
                 <a:latin typeface="Times New Roman" pitchFamily="18" charset="0"/>
+                <a:ea typeface="微软雅黑" pitchFamily="34" charset="-122"/>
                 <a:cs typeface="Times New Roman" pitchFamily="18" charset="0"/>
               </a:rPr>
               <a:t>每年200吨</a:t>
@@ -6254,6 +5534,7 @@
             <a:r>
               <a:rPr lang="zh-CN" altLang="en-US" sz="2000" b="0" dirty="0">
                 <a:latin typeface="Times New Roman" pitchFamily="18" charset="0"/>
+                <a:ea typeface="微软雅黑" pitchFamily="34" charset="-122"/>
                 <a:cs typeface="Times New Roman" pitchFamily="18" charset="0"/>
               </a:rPr>
               <a:t>产量，最高可达300吨产量，可以满足近80万人的需求，2019年营业额</a:t>
@@ -6261,6 +5542,7 @@
             <a:r>
               <a:rPr lang="zh-CN" altLang="en-US" sz="2000" b="0" dirty="0" smtClean="0">
                 <a:latin typeface="Times New Roman" pitchFamily="18" charset="0"/>
+                <a:ea typeface="微软雅黑" pitchFamily="34" charset="-122"/>
                 <a:cs typeface="Times New Roman" pitchFamily="18" charset="0"/>
               </a:rPr>
               <a:t>达到</a:t>
@@ -6271,6 +5553,7 @@
                   <a:srgbClr val="C00000"/>
                 </a:solidFill>
                 <a:latin typeface="Times New Roman" pitchFamily="18" charset="0"/>
+                <a:ea typeface="微软雅黑" pitchFamily="34" charset="-122"/>
                 <a:cs typeface="Times New Roman" pitchFamily="18" charset="0"/>
               </a:rPr>
               <a:t>17</a:t>
@@ -6281,6 +5564,7 @@
                   <a:srgbClr val="C00000"/>
                 </a:solidFill>
                 <a:latin typeface="Times New Roman" pitchFamily="18" charset="0"/>
+                <a:ea typeface="微软雅黑" pitchFamily="34" charset="-122"/>
                 <a:cs typeface="Times New Roman" pitchFamily="18" charset="0"/>
               </a:rPr>
               <a:t>亿</a:t>
@@ -6291,6 +5575,7 @@
                   <a:srgbClr val="C00000"/>
                 </a:solidFill>
                 <a:latin typeface="Times New Roman" pitchFamily="18" charset="0"/>
+                <a:ea typeface="微软雅黑" pitchFamily="34" charset="-122"/>
                 <a:cs typeface="Times New Roman" pitchFamily="18" charset="0"/>
               </a:rPr>
               <a:t>元</a:t>
@@ -6298,9 +5583,42 @@
             <a:r>
               <a:rPr lang="zh-CN" altLang="en-US" sz="2000" b="0" dirty="0">
                 <a:latin typeface="Times New Roman" pitchFamily="18" charset="0"/>
-                <a:cs typeface="Times New Roman" pitchFamily="18" charset="0"/>
-              </a:rPr>
-              <a:t>。二期工程将建成年产量1000吨的产能。</a:t>
+                <a:ea typeface="微软雅黑" pitchFamily="34" charset="-122"/>
+                <a:cs typeface="Times New Roman" pitchFamily="18" charset="0"/>
+              </a:rPr>
+              <a:t>。二期工程</a:t>
+            </a:r>
+            <a:r>
+              <a:rPr lang="zh-CN" altLang="en-US" sz="2000" b="0" dirty="0" smtClean="0">
+                <a:latin typeface="Times New Roman" pitchFamily="18" charset="0"/>
+                <a:ea typeface="微软雅黑" pitchFamily="34" charset="-122"/>
+                <a:cs typeface="Times New Roman" pitchFamily="18" charset="0"/>
+              </a:rPr>
+              <a:t>将</a:t>
+            </a:r>
+            <a:r>
+              <a:rPr lang="zh-CN" altLang="en-US" sz="2000" dirty="0" smtClean="0">
+                <a:latin typeface="Times New Roman" pitchFamily="18" charset="0"/>
+                <a:ea typeface="微软雅黑" pitchFamily="34" charset="-122"/>
+                <a:cs typeface="Times New Roman" pitchFamily="18" charset="0"/>
+              </a:rPr>
+              <a:t>拥有</a:t>
+            </a:r>
+            <a:r>
+              <a:rPr lang="zh-CN" altLang="en-US" sz="2000" b="0" dirty="0" smtClean="0">
+                <a:latin typeface="Times New Roman" pitchFamily="18" charset="0"/>
+                <a:ea typeface="微软雅黑" pitchFamily="34" charset="-122"/>
+                <a:cs typeface="Times New Roman" pitchFamily="18" charset="0"/>
+              </a:rPr>
+              <a:t>年产量</a:t>
+            </a:r>
+            <a:r>
+              <a:rPr lang="zh-CN" altLang="en-US" sz="2000" b="0" dirty="0">
+                <a:latin typeface="Times New Roman" pitchFamily="18" charset="0"/>
+                <a:ea typeface="微软雅黑" pitchFamily="34" charset="-122"/>
+                <a:cs typeface="Times New Roman" pitchFamily="18" charset="0"/>
+              </a:rPr>
+              <a:t>1000吨的产能。</a:t>
             </a:r>
           </a:p>
         </p:txBody>
@@ -6333,7 +5651,8 @@
             </a:pPr>
             <a:r>
               <a:rPr lang="zh-CN" altLang="en-US" sz="2000" dirty="0">
-                <a:latin typeface="宋体" charset="0"/>
+                <a:latin typeface="Times New Roman" pitchFamily="18" charset="0"/>
+                <a:ea typeface="微软雅黑" pitchFamily="34" charset="-122"/>
                 <a:cs typeface="宋体" charset="0"/>
                 <a:sym typeface="+mn-ea"/>
               </a:rPr>
@@ -6370,7 +5689,8 @@
             </a:pPr>
             <a:r>
               <a:rPr lang="zh-CN" altLang="en-US" sz="2000">
-                <a:latin typeface="宋体" charset="0"/>
+                <a:latin typeface="Times New Roman" pitchFamily="18" charset="0"/>
+                <a:ea typeface="微软雅黑" pitchFamily="34" charset="-122"/>
                 <a:cs typeface="宋体" charset="0"/>
                 <a:sym typeface="+mn-ea"/>
               </a:rPr>
@@ -6413,7 +5733,8 @@
             </a:pPr>
             <a:r>
               <a:rPr lang="zh-CN" altLang="en-US" sz="2000" b="0" dirty="0">
-                <a:latin typeface="宋体" charset="0"/>
+                <a:latin typeface="Times New Roman" pitchFamily="18" charset="0"/>
+                <a:ea typeface="微软雅黑" pitchFamily="34" charset="-122"/>
                 <a:cs typeface="宋体" charset="0"/>
               </a:rPr>
               <a:t>目前的市场竞争激烈，但缺乏统一的行业标准，质量标准参差不齐，很多企业的产品纯度低，以次充好，大量没有资质的产品充次在市场中。市场</a:t>
@@ -6423,14 +5744,16 @@
                 <a:solidFill>
                   <a:srgbClr val="C00000"/>
                 </a:solidFill>
-                <a:latin typeface="宋体" charset="0"/>
+                <a:latin typeface="Times New Roman" pitchFamily="18" charset="0"/>
+                <a:ea typeface="微软雅黑" pitchFamily="34" charset="-122"/>
                 <a:cs typeface="宋体" charset="0"/>
               </a:rPr>
               <a:t>急需要有资质</a:t>
             </a:r>
             <a:r>
               <a:rPr lang="zh-CN" altLang="en-US" sz="2000" b="0" dirty="0">
-                <a:latin typeface="宋体" charset="0"/>
+                <a:latin typeface="Times New Roman" pitchFamily="18" charset="0"/>
+                <a:ea typeface="微软雅黑" pitchFamily="34" charset="-122"/>
                 <a:cs typeface="宋体" charset="0"/>
               </a:rPr>
               <a:t>，</a:t>
@@ -6440,14 +5763,16 @@
                 <a:solidFill>
                   <a:srgbClr val="C00000"/>
                 </a:solidFill>
-                <a:latin typeface="宋体" charset="0"/>
+                <a:latin typeface="Times New Roman" pitchFamily="18" charset="0"/>
+                <a:ea typeface="微软雅黑" pitchFamily="34" charset="-122"/>
                 <a:cs typeface="宋体" charset="0"/>
               </a:rPr>
               <a:t>质量有保障</a:t>
             </a:r>
             <a:r>
               <a:rPr lang="zh-CN" altLang="en-US" sz="2000" b="0" dirty="0">
-                <a:latin typeface="宋体" charset="0"/>
+                <a:latin typeface="Times New Roman" pitchFamily="18" charset="0"/>
+                <a:ea typeface="微软雅黑" pitchFamily="34" charset="-122"/>
                 <a:cs typeface="宋体" charset="0"/>
               </a:rPr>
               <a:t>的品牌，因此市场仍然有巨大的发展空间。</a:t>
@@ -6479,8 +5804,8 @@
           <a:p>
             <a:r>
               <a:rPr lang="zh-CN" altLang="en-US" sz="3200" dirty="0" smtClean="0">
-                <a:latin typeface="微软雅黑" panose="020B0503020204020204" pitchFamily="34" charset="-122"/>
-                <a:ea typeface="微软雅黑" panose="020B0503020204020204" pitchFamily="34" charset="-122"/>
+                <a:latin typeface="Times New Roman" pitchFamily="18" charset="0"/>
+                <a:ea typeface="微软雅黑" pitchFamily="34" charset="-122"/>
               </a:rPr>
               <a:t>同行分析</a:t>
             </a:r>
@@ -6597,7 +5922,7 @@
           </a:bodyPr>
           <a:lstStyle/>
           <a:p>
-            <a:pPr indent="0" algn="l" fontAlgn="auto">
+            <a:pPr marL="252000" indent="-252000" algn="l" fontAlgn="auto">
               <a:lnSpc>
                 <a:spcPct val="150000"/>
               </a:lnSpc>
@@ -6613,7 +5938,7 @@
             </a:r>
           </a:p>
           <a:p>
-            <a:pPr indent="0" algn="l" fontAlgn="auto">
+            <a:pPr marL="252000" algn="l" fontAlgn="auto">
               <a:lnSpc>
                 <a:spcPct val="150000"/>
               </a:lnSpc>
@@ -6625,11 +5950,28 @@
                 <a:latin typeface="Times New Roman" pitchFamily="18" charset="0"/>
                 <a:cs typeface="Times New Roman" pitchFamily="18" charset="0"/>
               </a:rPr>
-              <a:t>由于目前没有统一标准，其中不乏虚假资质、鱼目混珠的产品，另外一些企业夸大效果，把NMN描述成包治百病的“神药”，让公众产生疑惑，引起信任危机。</a:t>
-            </a:r>
-          </a:p>
-          <a:p>
-            <a:pPr indent="0" algn="l" fontAlgn="auto">
+              <a:t>由于目前没有统一标准，其中不乏</a:t>
+            </a:r>
+            <a:r>
+              <a:rPr lang="zh-CN" altLang="en-US" sz="2000" b="0" dirty="0">
+                <a:solidFill>
+                  <a:srgbClr val="C00000"/>
+                </a:solidFill>
+                <a:latin typeface="Times New Roman" pitchFamily="18" charset="0"/>
+                <a:cs typeface="Times New Roman" pitchFamily="18" charset="0"/>
+              </a:rPr>
+              <a:t>虚假资质、鱼目混珠的产品</a:t>
+            </a:r>
+            <a:r>
+              <a:rPr lang="zh-CN" altLang="en-US" sz="2000" b="0" dirty="0">
+                <a:latin typeface="Times New Roman" pitchFamily="18" charset="0"/>
+                <a:cs typeface="Times New Roman" pitchFamily="18" charset="0"/>
+              </a:rPr>
+              <a:t>，另外一些企业夸大效果，把NMN描述成包治百病的“神药”，让公众产生疑惑，引起信任危机。</a:t>
+            </a:r>
+          </a:p>
+          <a:p>
+            <a:pPr marL="252000" indent="-252000" algn="l" fontAlgn="auto">
               <a:lnSpc>
                 <a:spcPct val="150000"/>
               </a:lnSpc>
@@ -6645,7 +5987,7 @@
             </a:r>
           </a:p>
           <a:p>
-            <a:pPr indent="0" algn="l" fontAlgn="auto">
+            <a:pPr marL="252000" algn="l" fontAlgn="auto">
               <a:lnSpc>
                 <a:spcPct val="150000"/>
               </a:lnSpc>
@@ -6657,7 +5999,7 @@
                 <a:latin typeface="Times New Roman" pitchFamily="18" charset="0"/>
                 <a:cs typeface="Times New Roman" pitchFamily="18" charset="0"/>
               </a:rPr>
-              <a:t>目前很少有企业能够达到NMN的生产提纯的标准，缺少生产工艺和设备的企业大量存在，因此市场中</a:t>
+              <a:t>目前很少有企业能够达到NMN的生产提纯的标准，</a:t>
             </a:r>
             <a:r>
               <a:rPr lang="zh-CN" altLang="en-US" sz="2000" b="0" dirty="0">
@@ -6667,18 +6009,38 @@
                 <a:latin typeface="Times New Roman" pitchFamily="18" charset="0"/>
                 <a:cs typeface="Times New Roman" pitchFamily="18" charset="0"/>
               </a:rPr>
-              <a:t>存在大量以次充好</a:t>
+              <a:t>缺少生产</a:t>
+            </a:r>
+            <a:r>
+              <a:rPr lang="zh-CN" altLang="en-US" sz="2000" b="0" dirty="0" smtClean="0">
+                <a:solidFill>
+                  <a:srgbClr val="C00000"/>
+                </a:solidFill>
+                <a:latin typeface="Times New Roman" pitchFamily="18" charset="0"/>
+                <a:cs typeface="Times New Roman" pitchFamily="18" charset="0"/>
+              </a:rPr>
+              <a:t>工艺和</a:t>
             </a:r>
             <a:r>
               <a:rPr lang="zh-CN" altLang="en-US" sz="2000" b="0" dirty="0">
-                <a:latin typeface="Times New Roman" pitchFamily="18" charset="0"/>
-                <a:cs typeface="Times New Roman" pitchFamily="18" charset="0"/>
-              </a:rPr>
-              <a:t>的产品。</a:t>
-            </a:r>
-          </a:p>
-          <a:p>
-            <a:pPr indent="0" algn="l" fontAlgn="auto">
+                <a:solidFill>
+                  <a:srgbClr val="C00000"/>
+                </a:solidFill>
+                <a:latin typeface="Times New Roman" pitchFamily="18" charset="0"/>
+                <a:cs typeface="Times New Roman" pitchFamily="18" charset="0"/>
+              </a:rPr>
+              <a:t>设备</a:t>
+            </a:r>
+            <a:r>
+              <a:rPr lang="zh-CN" altLang="en-US" sz="2000" b="0" dirty="0">
+                <a:latin typeface="Times New Roman" pitchFamily="18" charset="0"/>
+                <a:cs typeface="Times New Roman" pitchFamily="18" charset="0"/>
+              </a:rPr>
+              <a:t>的企业大量存在，因此市场中存在大量以次充好的产品。</a:t>
+            </a:r>
+          </a:p>
+          <a:p>
+            <a:pPr marL="252000" indent="-252000" algn="l" fontAlgn="auto">
               <a:lnSpc>
                 <a:spcPct val="150000"/>
               </a:lnSpc>
@@ -6694,7 +6056,7 @@
             </a:r>
           </a:p>
           <a:p>
-            <a:pPr indent="0" algn="l" fontAlgn="auto">
+            <a:pPr marL="252000" algn="l" fontAlgn="auto">
               <a:lnSpc>
                 <a:spcPct val="150000"/>
               </a:lnSpc>
@@ -6734,8 +6096,19 @@
                 <a:latin typeface="Times New Roman" pitchFamily="18" charset="0"/>
                 <a:cs typeface="Times New Roman" pitchFamily="18" charset="0"/>
               </a:rPr>
-              <a:t>批发平台上为1-2万/kg，也有低至千元每千克的售价，价格高低不一。</a:t>
-            </a:r>
+              <a:t>批发平台上为1-2万/kg，也有低至千元每千克的售价，</a:t>
+            </a:r>
+            <a:r>
+              <a:rPr lang="zh-CN" altLang="en-US" sz="2000" b="0" dirty="0" smtClean="0">
+                <a:latin typeface="Times New Roman" pitchFamily="18" charset="0"/>
+                <a:cs typeface="Times New Roman" pitchFamily="18" charset="0"/>
+              </a:rPr>
+              <a:t>价格高低不一，价格与产品质量不匹配。</a:t>
+            </a:r>
+            <a:endParaRPr lang="zh-CN" altLang="en-US" sz="2000" b="0" dirty="0">
+              <a:latin typeface="Times New Roman" pitchFamily="18" charset="0"/>
+              <a:cs typeface="Times New Roman" pitchFamily="18" charset="0"/>
+            </a:endParaRPr>
           </a:p>
         </p:txBody>
       </p:sp>
@@ -6831,7 +6204,8 @@
             </a:pPr>
             <a:r>
               <a:rPr lang="zh-CN" sz="2000" dirty="0">
-                <a:latin typeface="宋体" charset="0"/>
+                <a:latin typeface="Times New Roman" pitchFamily="18" charset="0"/>
+                <a:ea typeface="微软雅黑" pitchFamily="34" charset="-122"/>
                 <a:cs typeface="宋体" charset="0"/>
                 <a:sym typeface="+mn-ea"/>
               </a:rPr>
@@ -6848,8 +6222,8 @@
         </p:nvSpPr>
         <p:spPr>
           <a:xfrm>
-            <a:off x="617868" y="1789469"/>
-            <a:ext cx="10634850" cy="1938020"/>
+            <a:off x="599207" y="1630848"/>
+            <a:ext cx="10634850" cy="2400657"/>
           </a:xfrm>
           <a:prstGeom prst="rect">
             <a:avLst/>
@@ -6865,7 +6239,7 @@
           </a:bodyPr>
           <a:lstStyle/>
           <a:p>
-            <a:pPr indent="0" algn="l" fontAlgn="auto">
+            <a:pPr marL="252000" indent="-252000" algn="l" fontAlgn="auto">
               <a:lnSpc>
                 <a:spcPct val="150000"/>
               </a:lnSpc>
@@ -6875,9 +6249,18 @@
             <a:r>
               <a:rPr lang="zh-CN" altLang="en-US" sz="2000" b="0" dirty="0">
                 <a:latin typeface="Times New Roman" pitchFamily="18" charset="0"/>
-                <a:cs typeface="Times New Roman" pitchFamily="18" charset="0"/>
-              </a:rPr>
-              <a:t>中国公民普遍对</a:t>
+                <a:ea typeface="微软雅黑" pitchFamily="34" charset="-122"/>
+                <a:cs typeface="Times New Roman" pitchFamily="18" charset="0"/>
+              </a:rPr>
+              <a:t>中国公民</a:t>
+            </a:r>
+            <a:r>
+              <a:rPr lang="zh-CN" altLang="en-US" sz="2000" b="0" dirty="0" smtClean="0">
+                <a:latin typeface="Times New Roman" pitchFamily="18" charset="0"/>
+                <a:ea typeface="微软雅黑" pitchFamily="34" charset="-122"/>
+                <a:cs typeface="Times New Roman" pitchFamily="18" charset="0"/>
+              </a:rPr>
+              <a:t>普遍有对</a:t>
             </a:r>
             <a:r>
               <a:rPr lang="zh-CN" altLang="en-US" sz="2000" b="0" dirty="0">
@@ -6885,6 +6268,7 @@
                   <a:srgbClr val="C00000"/>
                 </a:solidFill>
                 <a:latin typeface="Times New Roman" pitchFamily="18" charset="0"/>
+                <a:ea typeface="微软雅黑" pitchFamily="34" charset="-122"/>
                 <a:cs typeface="Times New Roman" pitchFamily="18" charset="0"/>
               </a:rPr>
               <a:t>健康</a:t>
@@ -6892,6 +6276,7 @@
             <a:r>
               <a:rPr lang="zh-CN" altLang="en-US" sz="2000" b="0" dirty="0">
                 <a:latin typeface="Times New Roman" pitchFamily="18" charset="0"/>
+                <a:ea typeface="微软雅黑" pitchFamily="34" charset="-122"/>
                 <a:cs typeface="Times New Roman" pitchFamily="18" charset="0"/>
               </a:rPr>
               <a:t>、</a:t>
@@ -6902,6 +6287,7 @@
                   <a:srgbClr val="C00000"/>
                 </a:solidFill>
                 <a:latin typeface="Times New Roman" pitchFamily="18" charset="0"/>
+                <a:ea typeface="微软雅黑" pitchFamily="34" charset="-122"/>
                 <a:cs typeface="Times New Roman" pitchFamily="18" charset="0"/>
               </a:rPr>
               <a:t>长寿</a:t>
@@ -6909,13 +6295,27 @@
             <a:r>
               <a:rPr lang="zh-CN" altLang="en-US" sz="2000" b="0" dirty="0">
                 <a:latin typeface="Times New Roman" pitchFamily="18" charset="0"/>
-                <a:cs typeface="Times New Roman" pitchFamily="18" charset="0"/>
-              </a:rPr>
-              <a:t>的需求；</a:t>
-            </a:r>
-          </a:p>
-          <a:p>
-            <a:pPr indent="0" algn="l" fontAlgn="auto">
+                <a:ea typeface="微软雅黑" pitchFamily="34" charset="-122"/>
+                <a:cs typeface="Times New Roman" pitchFamily="18" charset="0"/>
+              </a:rPr>
+              <a:t>的</a:t>
+            </a:r>
+            <a:r>
+              <a:rPr lang="zh-CN" altLang="en-US" sz="2000" b="0" dirty="0" smtClean="0">
+                <a:latin typeface="Times New Roman" pitchFamily="18" charset="0"/>
+                <a:ea typeface="微软雅黑" pitchFamily="34" charset="-122"/>
+                <a:cs typeface="Times New Roman" pitchFamily="18" charset="0"/>
+              </a:rPr>
+              <a:t>需求，然而目前随着社会老龄化，公民的健康问题日渐突出，医疗机构负担重；</a:t>
+            </a:r>
+            <a:endParaRPr lang="zh-CN" altLang="en-US" sz="2000" b="0" dirty="0">
+              <a:latin typeface="Times New Roman" pitchFamily="18" charset="0"/>
+              <a:ea typeface="微软雅黑" pitchFamily="34" charset="-122"/>
+              <a:cs typeface="Times New Roman" pitchFamily="18" charset="0"/>
+            </a:endParaRPr>
+          </a:p>
+          <a:p>
+            <a:pPr marL="252000" indent="-252000" algn="l" fontAlgn="auto">
               <a:lnSpc>
                 <a:spcPct val="150000"/>
               </a:lnSpc>
@@ -6925,30 +6325,46 @@
             <a:r>
               <a:rPr lang="zh-CN" altLang="en-US" sz="2000" b="0" dirty="0">
                 <a:latin typeface="Times New Roman" pitchFamily="18" charset="0"/>
-                <a:cs typeface="Times New Roman" pitchFamily="18" charset="0"/>
-              </a:rPr>
-              <a:t>NMN市场混乱，消费者缺少准确的信息，</a:t>
+                <a:ea typeface="微软雅黑" pitchFamily="34" charset="-122"/>
+                <a:cs typeface="Times New Roman" pitchFamily="18" charset="0"/>
+              </a:rPr>
+              <a:t>NMN市场混乱，消费者</a:t>
             </a:r>
             <a:r>
               <a:rPr lang="zh-CN" altLang="en-US" sz="2000" b="0" dirty="0">
                 <a:solidFill>
-                  <a:srgbClr val="FF0000"/>
+                  <a:srgbClr val="C00000"/>
                 </a:solidFill>
                 <a:latin typeface="Times New Roman" pitchFamily="18" charset="0"/>
-                <a:cs typeface="Times New Roman" pitchFamily="18" charset="0"/>
-              </a:rPr>
-              <a:t>没有资质的产品</a:t>
+                <a:ea typeface="微软雅黑" pitchFamily="34" charset="-122"/>
+                <a:cs typeface="Times New Roman" pitchFamily="18" charset="0"/>
+              </a:rPr>
+              <a:t>缺少准确的信息</a:t>
             </a:r>
             <a:r>
               <a:rPr lang="zh-CN" altLang="en-US" sz="2000" b="0" dirty="0">
                 <a:latin typeface="Times New Roman" pitchFamily="18" charset="0"/>
-                <a:cs typeface="Times New Roman" pitchFamily="18" charset="0"/>
-              </a:rPr>
-              <a:t>大量充斥在市场中，有的厂商甚至出售假冒产品；</a:t>
-            </a:r>
-          </a:p>
-          <a:p>
-            <a:pPr indent="0" algn="l" fontAlgn="auto">
+                <a:ea typeface="微软雅黑" pitchFamily="34" charset="-122"/>
+                <a:cs typeface="Times New Roman" pitchFamily="18" charset="0"/>
+              </a:rPr>
+              <a:t>，没有资质的产品大量充斥在市场中，有的厂商甚至出售假冒</a:t>
+            </a:r>
+            <a:r>
+              <a:rPr lang="zh-CN" altLang="en-US" sz="2000" b="0" dirty="0" smtClean="0">
+                <a:latin typeface="Times New Roman" pitchFamily="18" charset="0"/>
+                <a:ea typeface="微软雅黑" pitchFamily="34" charset="-122"/>
+                <a:cs typeface="Times New Roman" pitchFamily="18" charset="0"/>
+              </a:rPr>
+              <a:t>产品，消费者很难买到质量过关的产品；</a:t>
+            </a:r>
+            <a:endParaRPr lang="zh-CN" altLang="en-US" sz="2000" b="0" dirty="0">
+              <a:latin typeface="Times New Roman" pitchFamily="18" charset="0"/>
+              <a:ea typeface="微软雅黑" pitchFamily="34" charset="-122"/>
+              <a:cs typeface="Times New Roman" pitchFamily="18" charset="0"/>
+            </a:endParaRPr>
+          </a:p>
+          <a:p>
+            <a:pPr marL="252000" indent="-252000" algn="l" fontAlgn="auto">
               <a:lnSpc>
                 <a:spcPct val="150000"/>
               </a:lnSpc>
@@ -6956,11 +6372,36 @@
               <a:buChar char=""/>
             </a:pPr>
             <a:r>
+              <a:rPr lang="zh-CN" altLang="en-US" sz="2000" b="0" dirty="0" smtClean="0">
+                <a:latin typeface="Times New Roman" pitchFamily="18" charset="0"/>
+                <a:ea typeface="微软雅黑" pitchFamily="34" charset="-122"/>
+                <a:cs typeface="Times New Roman" pitchFamily="18" charset="0"/>
+              </a:rPr>
+              <a:t>NMN市场缺乏统一标准，定价混乱，</a:t>
+            </a:r>
+            <a:r>
               <a:rPr lang="zh-CN" altLang="en-US" sz="2000" b="0" dirty="0">
                 <a:latin typeface="Times New Roman" pitchFamily="18" charset="0"/>
-                <a:cs typeface="Times New Roman" pitchFamily="18" charset="0"/>
-              </a:rPr>
-              <a:t>NMN价格不一，消费者无法买到高质量、合理价格的NMN。</a:t>
+                <a:ea typeface="微软雅黑" pitchFamily="34" charset="-122"/>
+                <a:cs typeface="Times New Roman" pitchFamily="18" charset="0"/>
+              </a:rPr>
+              <a:t>消费者无法买到</a:t>
+            </a:r>
+            <a:r>
+              <a:rPr lang="zh-CN" altLang="en-US" sz="2000" b="0" dirty="0" smtClean="0">
+                <a:latin typeface="Times New Roman" pitchFamily="18" charset="0"/>
+                <a:ea typeface="微软雅黑" pitchFamily="34" charset="-122"/>
+                <a:cs typeface="Times New Roman" pitchFamily="18" charset="0"/>
+              </a:rPr>
+              <a:t>高质量且价格合理的</a:t>
+            </a:r>
+            <a:r>
+              <a:rPr lang="zh-CN" altLang="en-US" sz="2000" b="0" dirty="0">
+                <a:latin typeface="Times New Roman" pitchFamily="18" charset="0"/>
+                <a:ea typeface="微软雅黑" pitchFamily="34" charset="-122"/>
+                <a:cs typeface="Times New Roman" pitchFamily="18" charset="0"/>
+              </a:rPr>
+              <a:t>NMN。</a:t>
             </a:r>
           </a:p>
         </p:txBody>
@@ -6973,8 +6414,8 @@
         </p:nvSpPr>
         <p:spPr>
           <a:xfrm>
-            <a:off x="540592" y="4169695"/>
-            <a:ext cx="1585690" cy="400110"/>
+            <a:off x="549923" y="4514927"/>
+            <a:ext cx="1842171" cy="400110"/>
           </a:xfrm>
           <a:prstGeom prst="rect">
             <a:avLst/>
@@ -6994,6 +6435,7 @@
             <a:r>
               <a:rPr lang="en-US" altLang="zh-CN" sz="2000" dirty="0" smtClean="0">
                 <a:latin typeface="Times New Roman" pitchFamily="18" charset="0"/>
+                <a:ea typeface="微软雅黑" pitchFamily="34" charset="-122"/>
                 <a:cs typeface="Times New Roman" pitchFamily="18" charset="0"/>
                 <a:sym typeface="+mn-ea"/>
               </a:rPr>
@@ -7002,13 +6444,15 @@
             <a:r>
               <a:rPr lang="zh-CN" altLang="en-US" sz="2000" dirty="0" smtClean="0">
                 <a:latin typeface="Times New Roman" pitchFamily="18" charset="0"/>
+                <a:ea typeface="微软雅黑" pitchFamily="34" charset="-122"/>
                 <a:cs typeface="Times New Roman" pitchFamily="18" charset="0"/>
                 <a:sym typeface="+mn-ea"/>
               </a:rPr>
-              <a:t>缺陷</a:t>
+              <a:t>局限性</a:t>
             </a:r>
             <a:endParaRPr lang="zh-CN" sz="2000" dirty="0">
               <a:latin typeface="Times New Roman" pitchFamily="18" charset="0"/>
+              <a:ea typeface="微软雅黑" pitchFamily="34" charset="-122"/>
               <a:cs typeface="Times New Roman" pitchFamily="18" charset="0"/>
               <a:sym typeface="+mn-ea"/>
             </a:endParaRPr>
@@ -7023,8 +6467,8 @@
         </p:nvSpPr>
         <p:spPr>
           <a:xfrm>
-            <a:off x="147320" y="4881012"/>
-            <a:ext cx="10974770" cy="553998"/>
+            <a:off x="660503" y="5142270"/>
+            <a:ext cx="7242526" cy="1015663"/>
           </a:xfrm>
           <a:prstGeom prst="rect">
             <a:avLst/>
@@ -7040,7 +6484,7 @@
           </a:bodyPr>
           <a:lstStyle/>
           <a:p>
-            <a:pPr marL="342900" indent="0" algn="l" fontAlgn="auto">
+            <a:pPr marL="252000" indent="-252000" algn="l" fontAlgn="auto">
               <a:lnSpc>
                 <a:spcPct val="150000"/>
               </a:lnSpc>
@@ -7050,6 +6494,7 @@
             <a:r>
               <a:rPr lang="zh-CN" altLang="en-US" sz="2000" b="0" dirty="0" smtClean="0">
                 <a:latin typeface="Times New Roman" pitchFamily="18" charset="0"/>
+                <a:ea typeface="微软雅黑" pitchFamily="34" charset="-122"/>
                 <a:cs typeface="Times New Roman" pitchFamily="18" charset="0"/>
               </a:rPr>
               <a:t>单一补充</a:t>
@@ -7057,6 +6502,7 @@
             <a:r>
               <a:rPr lang="en-US" altLang="zh-CN" sz="2000" dirty="0" smtClean="0">
                 <a:latin typeface="Times New Roman" pitchFamily="18" charset="0"/>
+                <a:ea typeface="微软雅黑" pitchFamily="34" charset="-122"/>
                 <a:cs typeface="Times New Roman" pitchFamily="18" charset="0"/>
               </a:rPr>
               <a:t>NMN</a:t>
@@ -7064,6 +6510,7 @@
             <a:r>
               <a:rPr lang="zh-CN" altLang="en-US" sz="2000" dirty="0" smtClean="0">
                 <a:latin typeface="Times New Roman" pitchFamily="18" charset="0"/>
+                <a:ea typeface="微软雅黑" pitchFamily="34" charset="-122"/>
                 <a:cs typeface="Times New Roman" pitchFamily="18" charset="0"/>
               </a:rPr>
               <a:t>有局限性，细胞对</a:t>
@@ -7071,6 +6518,7 @@
             <a:r>
               <a:rPr lang="en-US" altLang="zh-CN" sz="2000" dirty="0" smtClean="0">
                 <a:latin typeface="Times New Roman" pitchFamily="18" charset="0"/>
+                <a:ea typeface="微软雅黑" pitchFamily="34" charset="-122"/>
                 <a:cs typeface="Times New Roman" pitchFamily="18" charset="0"/>
               </a:rPr>
               <a:t>NMN</a:t>
@@ -7078,13 +6526,29 @@
             <a:r>
               <a:rPr lang="zh-CN" altLang="en-US" sz="2000" dirty="0" smtClean="0">
                 <a:latin typeface="Times New Roman" pitchFamily="18" charset="0"/>
-                <a:cs typeface="Times New Roman" pitchFamily="18" charset="0"/>
-              </a:rPr>
-              <a:t>吸收率有限，无法最大限度提升体内</a:t>
+                <a:ea typeface="微软雅黑" pitchFamily="34" charset="-122"/>
+                <a:cs typeface="Times New Roman" pitchFamily="18" charset="0"/>
+              </a:rPr>
+              <a:t>吸收率有限，</a:t>
+            </a:r>
+            <a:r>
+              <a:rPr lang="zh-CN" altLang="en-US" sz="2000" dirty="0" smtClean="0">
+                <a:solidFill>
+                  <a:srgbClr val="C00000"/>
+                </a:solidFill>
+                <a:latin typeface="Times New Roman" pitchFamily="18" charset="0"/>
+                <a:ea typeface="微软雅黑" pitchFamily="34" charset="-122"/>
+                <a:cs typeface="Times New Roman" pitchFamily="18" charset="0"/>
+              </a:rPr>
+              <a:t>无法最大限度提升体内</a:t>
             </a:r>
             <a:r>
               <a:rPr lang="en-US" altLang="zh-CN" sz="2000" dirty="0" smtClean="0">
-                <a:latin typeface="Times New Roman" pitchFamily="18" charset="0"/>
+                <a:solidFill>
+                  <a:srgbClr val="C00000"/>
+                </a:solidFill>
+                <a:latin typeface="Times New Roman" pitchFamily="18" charset="0"/>
+                <a:ea typeface="微软雅黑" pitchFamily="34" charset="-122"/>
                 <a:cs typeface="Times New Roman" pitchFamily="18" charset="0"/>
               </a:rPr>
               <a:t>NAD+</a:t>
@@ -7092,12 +6556,14 @@
             <a:r>
               <a:rPr lang="zh-CN" altLang="en-US" sz="2000" dirty="0" smtClean="0">
                 <a:latin typeface="Times New Roman" pitchFamily="18" charset="0"/>
+                <a:ea typeface="微软雅黑" pitchFamily="34" charset="-122"/>
                 <a:cs typeface="Times New Roman" pitchFamily="18" charset="0"/>
               </a:rPr>
               <a:t>。</a:t>
             </a:r>
             <a:endParaRPr lang="zh-CN" altLang="en-US" sz="2000" b="0" dirty="0">
               <a:latin typeface="Times New Roman" pitchFamily="18" charset="0"/>
+              <a:ea typeface="微软雅黑" pitchFamily="34" charset="-122"/>
               <a:cs typeface="Times New Roman" pitchFamily="18" charset="0"/>
             </a:endParaRPr>
           </a:p>
@@ -7127,14 +6593,47 @@
           <a:p>
             <a:r>
               <a:rPr lang="zh-CN" altLang="en-US" sz="3200" dirty="0" smtClean="0">
-                <a:latin typeface="微软雅黑" panose="020B0503020204020204" pitchFamily="34" charset="-122"/>
-                <a:ea typeface="微软雅黑" panose="020B0503020204020204" pitchFamily="34" charset="-122"/>
+                <a:latin typeface="Times New Roman" pitchFamily="18" charset="0"/>
+                <a:ea typeface="微软雅黑" pitchFamily="34" charset="-122"/>
               </a:rPr>
               <a:t>存在问题</a:t>
             </a:r>
           </a:p>
         </p:txBody>
       </p:sp>
+      <p:pic>
+        <p:nvPicPr>
+          <p:cNvPr id="3074" name="Picture 2"/>
+          <p:cNvPicPr>
+            <a:picLocks noChangeAspect="1" noChangeArrowheads="1"/>
+          </p:cNvPicPr>
+          <p:nvPr/>
+        </p:nvPicPr>
+        <p:blipFill>
+          <a:blip r:embed="rId2"/>
+          <a:srcRect/>
+          <a:stretch>
+            <a:fillRect/>
+          </a:stretch>
+        </p:blipFill>
+        <p:spPr bwMode="auto">
+          <a:xfrm>
+            <a:off x="7904338" y="3988973"/>
+            <a:ext cx="3227082" cy="2869027"/>
+          </a:xfrm>
+          <a:prstGeom prst="rect">
+            <a:avLst/>
+          </a:prstGeom>
+          <a:noFill/>
+          <a:ln w="9525">
+            <a:noFill/>
+            <a:miter lim="800000"/>
+            <a:headEnd/>
+            <a:tailEnd/>
+          </a:ln>
+          <a:effectLst/>
+        </p:spPr>
+      </p:pic>
     </p:spTree>
   </p:cSld>
   <p:clrMapOvr>
@@ -7175,8 +6674,8 @@
         </p:nvSpPr>
         <p:spPr>
           <a:xfrm>
-            <a:off x="513183" y="1416245"/>
-            <a:ext cx="10356979" cy="1938992"/>
+            <a:off x="618541" y="1264817"/>
+            <a:ext cx="10887659" cy="5170646"/>
           </a:xfrm>
           <a:prstGeom prst="rect">
             <a:avLst/>
@@ -7192,7 +6691,7 @@
           </a:bodyPr>
           <a:lstStyle/>
           <a:p>
-            <a:pPr marL="342900" indent="0" algn="l" fontAlgn="auto">
+            <a:pPr marL="252000" indent="-252000" algn="l" fontAlgn="auto">
               <a:lnSpc>
                 <a:spcPct val="150000"/>
               </a:lnSpc>
@@ -7200,11 +6699,107 @@
               <a:buChar char=""/>
             </a:pPr>
             <a:r>
+              <a:rPr lang="zh-CN" altLang="en-US" sz="2000" b="0" dirty="0" smtClean="0">
+                <a:latin typeface="Times New Roman" pitchFamily="18" charset="0"/>
+                <a:ea typeface="微软雅黑" pitchFamily="34" charset="-122"/>
+                <a:cs typeface="Times New Roman" pitchFamily="18" charset="0"/>
+              </a:rPr>
+              <a:t>技术问题</a:t>
+            </a:r>
+            <a:endParaRPr lang="en-US" altLang="zh-CN" sz="2000" b="0" dirty="0" smtClean="0">
+              <a:latin typeface="Times New Roman" pitchFamily="18" charset="0"/>
+              <a:ea typeface="微软雅黑" pitchFamily="34" charset="-122"/>
+              <a:cs typeface="Times New Roman" pitchFamily="18" charset="0"/>
+            </a:endParaRPr>
+          </a:p>
+          <a:p>
+            <a:pPr marL="252000">
+              <a:lnSpc>
+                <a:spcPct val="150000"/>
+              </a:lnSpc>
+            </a:pPr>
+            <a:r>
+              <a:rPr lang="zh-CN" altLang="en-US" sz="2000" dirty="0" smtClean="0">
+                <a:latin typeface="Times New Roman" pitchFamily="18" charset="0"/>
+                <a:ea typeface="微软雅黑" pitchFamily="34" charset="-122"/>
+                <a:cs typeface="Times New Roman" pitchFamily="18" charset="0"/>
+              </a:rPr>
+              <a:t>没有学术支撑，未来很难</a:t>
+            </a:r>
+            <a:r>
+              <a:rPr lang="zh-CN" altLang="en-US" sz="2000" dirty="0" smtClean="0">
+                <a:latin typeface="Times New Roman" pitchFamily="18" charset="0"/>
+                <a:ea typeface="微软雅黑" pitchFamily="34" charset="-122"/>
+                <a:cs typeface="Times New Roman" pitchFamily="18" charset="0"/>
+              </a:rPr>
+              <a:t>进入</a:t>
+            </a:r>
+            <a:r>
+              <a:rPr lang="en-US" altLang="zh-CN" sz="2000" dirty="0" smtClean="0">
+                <a:latin typeface="Times New Roman" pitchFamily="18" charset="0"/>
+                <a:ea typeface="微软雅黑" pitchFamily="34" charset="-122"/>
+                <a:cs typeface="Times New Roman" pitchFamily="18" charset="0"/>
+              </a:rPr>
+              <a:t>NMN</a:t>
+            </a:r>
+            <a:r>
+              <a:rPr lang="zh-CN" altLang="en-US" sz="2000" dirty="0" smtClean="0">
+                <a:latin typeface="Times New Roman" pitchFamily="18" charset="0"/>
+                <a:ea typeface="微软雅黑" pitchFamily="34" charset="-122"/>
+                <a:cs typeface="Times New Roman" pitchFamily="18" charset="0"/>
+              </a:rPr>
+              <a:t>的赛道</a:t>
+            </a:r>
+            <a:r>
+              <a:rPr lang="zh-CN" altLang="en-US" sz="2000" dirty="0" smtClean="0">
+                <a:latin typeface="Times New Roman" pitchFamily="18" charset="0"/>
+                <a:ea typeface="微软雅黑" pitchFamily="34" charset="-122"/>
+                <a:cs typeface="Times New Roman" pitchFamily="18" charset="0"/>
+              </a:rPr>
+              <a:t>，因此</a:t>
+            </a:r>
+            <a:r>
+              <a:rPr lang="zh-CN" altLang="en-US" sz="2000" dirty="0" smtClean="0">
+                <a:latin typeface="Times New Roman" pitchFamily="18" charset="0"/>
+                <a:ea typeface="微软雅黑" pitchFamily="34" charset="-122"/>
+                <a:cs typeface="Times New Roman" pitchFamily="18" charset="0"/>
+              </a:rPr>
+              <a:t>要</a:t>
+            </a:r>
+            <a:r>
+              <a:rPr lang="zh-CN" altLang="en-US" sz="2000" b="0" dirty="0" smtClean="0">
+                <a:latin typeface="Times New Roman" pitchFamily="18" charset="0"/>
+                <a:ea typeface="微软雅黑" pitchFamily="34" charset="-122"/>
+                <a:cs typeface="Times New Roman" pitchFamily="18" charset="0"/>
+              </a:rPr>
+              <a:t>依靠</a:t>
+            </a:r>
+            <a:r>
               <a:rPr lang="zh-CN" altLang="en-US" sz="2000" b="0" dirty="0">
                 <a:latin typeface="Times New Roman" pitchFamily="18" charset="0"/>
-                <a:cs typeface="Times New Roman" pitchFamily="18" charset="0"/>
-              </a:rPr>
-              <a:t>依靠强大的科研团队，获取</a:t>
+                <a:ea typeface="微软雅黑" pitchFamily="34" charset="-122"/>
+                <a:cs typeface="Times New Roman" pitchFamily="18" charset="0"/>
+              </a:rPr>
+              <a:t>强大的科研团队</a:t>
+            </a:r>
+            <a:r>
+              <a:rPr lang="zh-CN" altLang="en-US" sz="2000" b="0" dirty="0" smtClean="0">
+                <a:latin typeface="Times New Roman" pitchFamily="18" charset="0"/>
+                <a:ea typeface="微软雅黑" pitchFamily="34" charset="-122"/>
+                <a:cs typeface="Times New Roman" pitchFamily="18" charset="0"/>
+              </a:rPr>
+              <a:t>，采用先进的设备生产</a:t>
+            </a:r>
+            <a:r>
+              <a:rPr lang="zh-CN" altLang="en-US" sz="2000" b="0" dirty="0" smtClean="0">
+                <a:solidFill>
+                  <a:srgbClr val="C00000"/>
+                </a:solidFill>
+                <a:latin typeface="Times New Roman" pitchFamily="18" charset="0"/>
+                <a:ea typeface="微软雅黑" pitchFamily="34" charset="-122"/>
+                <a:cs typeface="Times New Roman" pitchFamily="18" charset="0"/>
+              </a:rPr>
+              <a:t>高</a:t>
             </a:r>
             <a:r>
               <a:rPr lang="zh-CN" altLang="en-US" sz="2000" b="0" dirty="0">
@@ -7212,13 +6807,15 @@
                   <a:srgbClr val="C00000"/>
                 </a:solidFill>
                 <a:latin typeface="Times New Roman" pitchFamily="18" charset="0"/>
-                <a:cs typeface="Times New Roman" pitchFamily="18" charset="0"/>
-              </a:rPr>
-              <a:t>高纯度</a:t>
+                <a:ea typeface="微软雅黑" pitchFamily="34" charset="-122"/>
+                <a:cs typeface="Times New Roman" pitchFamily="18" charset="0"/>
+              </a:rPr>
+              <a:t>纯度</a:t>
             </a:r>
             <a:r>
               <a:rPr lang="zh-CN" altLang="en-US" sz="2000" b="0" dirty="0">
                 <a:latin typeface="Times New Roman" pitchFamily="18" charset="0"/>
+                <a:ea typeface="微软雅黑" pitchFamily="34" charset="-122"/>
                 <a:cs typeface="Times New Roman" pitchFamily="18" charset="0"/>
               </a:rPr>
               <a:t>、</a:t>
@@ -7229,6 +6826,7 @@
                   <a:srgbClr val="C00000"/>
                 </a:solidFill>
                 <a:latin typeface="Times New Roman" pitchFamily="18" charset="0"/>
+                <a:ea typeface="微软雅黑" pitchFamily="34" charset="-122"/>
                 <a:cs typeface="Times New Roman" pitchFamily="18" charset="0"/>
               </a:rPr>
               <a:t>无杂质</a:t>
@@ -7236,13 +6834,43 @@
             <a:r>
               <a:rPr lang="zh-CN" altLang="en-US" sz="2000" b="0" dirty="0">
                 <a:latin typeface="Times New Roman" pitchFamily="18" charset="0"/>
-                <a:cs typeface="Times New Roman" pitchFamily="18" charset="0"/>
-              </a:rPr>
-              <a:t>的原材料；</a:t>
-            </a:r>
-          </a:p>
-          <a:p>
-            <a:pPr marL="342900" indent="0" algn="l" fontAlgn="auto">
+                <a:ea typeface="微软雅黑" pitchFamily="34" charset="-122"/>
+                <a:cs typeface="Times New Roman" pitchFamily="18" charset="0"/>
+              </a:rPr>
+              <a:t>的</a:t>
+            </a:r>
+            <a:r>
+              <a:rPr lang="zh-CN" altLang="en-US" sz="2000" b="0" dirty="0" smtClean="0">
+                <a:latin typeface="Times New Roman" pitchFamily="18" charset="0"/>
+                <a:ea typeface="微软雅黑" pitchFamily="34" charset="-122"/>
+                <a:cs typeface="Times New Roman" pitchFamily="18" charset="0"/>
+              </a:rPr>
+              <a:t>原材料，确保</a:t>
+            </a:r>
+            <a:r>
+              <a:rPr lang="en-US" altLang="zh-CN" sz="2000" b="0" dirty="0" smtClean="0">
+                <a:latin typeface="Times New Roman" pitchFamily="18" charset="0"/>
+                <a:ea typeface="微软雅黑" pitchFamily="34" charset="-122"/>
+                <a:cs typeface="Times New Roman" pitchFamily="18" charset="0"/>
+              </a:rPr>
+              <a:t>NMN</a:t>
+            </a:r>
+            <a:r>
+              <a:rPr lang="zh-CN" altLang="en-US" sz="2000" b="0" dirty="0" smtClean="0">
+                <a:latin typeface="Times New Roman" pitchFamily="18" charset="0"/>
+                <a:ea typeface="微软雅黑" pitchFamily="34" charset="-122"/>
+                <a:cs typeface="Times New Roman" pitchFamily="18" charset="0"/>
+              </a:rPr>
+              <a:t>的安全性和有效性。</a:t>
+            </a:r>
+            <a:endParaRPr lang="en-US" altLang="zh-CN" sz="2000" b="0" dirty="0" smtClean="0">
+              <a:latin typeface="Times New Roman" pitchFamily="18" charset="0"/>
+              <a:ea typeface="微软雅黑" pitchFamily="34" charset="-122"/>
+              <a:cs typeface="Times New Roman" pitchFamily="18" charset="0"/>
+            </a:endParaRPr>
+          </a:p>
+          <a:p>
+            <a:pPr marL="252000" indent="-252000" algn="l" fontAlgn="auto">
               <a:lnSpc>
                 <a:spcPct val="150000"/>
               </a:lnSpc>
@@ -7250,25 +6878,96 @@
               <a:buChar char=""/>
             </a:pPr>
             <a:r>
+              <a:rPr lang="zh-CN" altLang="en-US" sz="2000" dirty="0" smtClean="0">
+                <a:latin typeface="Times New Roman" pitchFamily="18" charset="0"/>
+                <a:ea typeface="微软雅黑" pitchFamily="34" charset="-122"/>
+                <a:cs typeface="Times New Roman" pitchFamily="18" charset="0"/>
+              </a:rPr>
+              <a:t>公众信任问题</a:t>
+            </a:r>
+            <a:endParaRPr lang="en-US" altLang="zh-CN" sz="2000" b="0" dirty="0" smtClean="0">
+              <a:latin typeface="Times New Roman" pitchFamily="18" charset="0"/>
+              <a:ea typeface="微软雅黑" pitchFamily="34" charset="-122"/>
+              <a:cs typeface="Times New Roman" pitchFamily="18" charset="0"/>
+            </a:endParaRPr>
+          </a:p>
+          <a:p>
+            <a:pPr marL="252000">
+              <a:lnSpc>
+                <a:spcPct val="150000"/>
+              </a:lnSpc>
+            </a:pPr>
+            <a:r>
+              <a:rPr lang="zh-CN" altLang="en-US" sz="2000" b="0" dirty="0" smtClean="0">
+                <a:latin typeface="Times New Roman" pitchFamily="18" charset="0"/>
+                <a:ea typeface="微软雅黑" pitchFamily="34" charset="-122"/>
+                <a:cs typeface="Times New Roman" pitchFamily="18" charset="0"/>
+              </a:rPr>
+              <a:t>重视</a:t>
+            </a:r>
+            <a:r>
               <a:rPr lang="zh-CN" altLang="en-US" sz="2000" b="0" dirty="0">
                 <a:latin typeface="Times New Roman" pitchFamily="18" charset="0"/>
-                <a:cs typeface="Times New Roman" pitchFamily="18" charset="0"/>
-              </a:rPr>
-              <a:t>重视NMN相关科普，正确宣传，不</a:t>
+                <a:ea typeface="微软雅黑" pitchFamily="34" charset="-122"/>
+                <a:cs typeface="Times New Roman" pitchFamily="18" charset="0"/>
+              </a:rPr>
+              <a:t>NMN相关</a:t>
             </a:r>
             <a:r>
               <a:rPr lang="zh-CN" altLang="en-US" sz="2000" b="0" dirty="0" smtClean="0">
                 <a:latin typeface="Times New Roman" pitchFamily="18" charset="0"/>
-                <a:cs typeface="Times New Roman" pitchFamily="18" charset="0"/>
-              </a:rPr>
-              <a:t>夸大NMN的作用，</a:t>
+                <a:ea typeface="微软雅黑" pitchFamily="34" charset="-122"/>
+                <a:cs typeface="Times New Roman" pitchFamily="18" charset="0"/>
+              </a:rPr>
+              <a:t>科普，</a:t>
+            </a:r>
+            <a:r>
+              <a:rPr lang="zh-CN" altLang="en-US" sz="2000" dirty="0" smtClean="0">
+                <a:latin typeface="Times New Roman" pitchFamily="18" charset="0"/>
+                <a:ea typeface="微软雅黑" pitchFamily="34" charset="-122"/>
+                <a:cs typeface="Times New Roman" pitchFamily="18" charset="0"/>
+              </a:rPr>
+              <a:t>与相关医学专家、学术机构合作，建立论坛和科普</a:t>
+            </a:r>
+            <a:r>
+              <a:rPr lang="zh-CN" altLang="en-US" sz="2000" dirty="0" smtClean="0">
+                <a:latin typeface="Times New Roman" pitchFamily="18" charset="0"/>
+                <a:ea typeface="微软雅黑" pitchFamily="34" charset="-122"/>
+                <a:cs typeface="Times New Roman" pitchFamily="18" charset="0"/>
+              </a:rPr>
+              <a:t>网站</a:t>
+            </a:r>
+            <a:r>
+              <a:rPr lang="zh-CN" altLang="en-US" sz="2000" dirty="0" smtClean="0">
+                <a:latin typeface="Times New Roman" pitchFamily="18" charset="0"/>
+                <a:ea typeface="微软雅黑" pitchFamily="34" charset="-122"/>
+                <a:cs typeface="Times New Roman" pitchFamily="18" charset="0"/>
+              </a:rPr>
+              <a:t>，正确宣传，不夸大NMN的作用</a:t>
+            </a:r>
+            <a:r>
+              <a:rPr lang="zh-CN" altLang="en-US" sz="2000" dirty="0" smtClean="0">
+                <a:latin typeface="Times New Roman" pitchFamily="18" charset="0"/>
+                <a:ea typeface="微软雅黑" pitchFamily="34" charset="-122"/>
+                <a:cs typeface="Times New Roman" pitchFamily="18" charset="0"/>
+              </a:rPr>
+              <a:t>，</a:t>
+            </a:r>
+            <a:r>
+              <a:rPr lang="zh-CN" altLang="en-US" sz="2000" b="0" dirty="0" smtClean="0">
+                <a:latin typeface="Times New Roman" pitchFamily="18" charset="0"/>
+                <a:ea typeface="微软雅黑" pitchFamily="34" charset="-122"/>
+                <a:cs typeface="Times New Roman" pitchFamily="18" charset="0"/>
+              </a:rPr>
+              <a:t>让</a:t>
             </a:r>
             <a:r>
               <a:rPr lang="zh-CN" altLang="en-US" sz="2000" b="0" dirty="0">
                 <a:latin typeface="Times New Roman" pitchFamily="18" charset="0"/>
-                <a:cs typeface="Times New Roman" pitchFamily="18" charset="0"/>
-              </a:rPr>
-              <a:t>让公众</a:t>
+                <a:ea typeface="微软雅黑" pitchFamily="34" charset="-122"/>
+                <a:cs typeface="Times New Roman" pitchFamily="18" charset="0"/>
+              </a:rPr>
+              <a:t>公众</a:t>
             </a:r>
             <a:r>
               <a:rPr lang="zh-CN" altLang="en-US" sz="2000" b="0" dirty="0">
@@ -7276,27 +6975,38 @@
                   <a:srgbClr val="C00000"/>
                 </a:solidFill>
                 <a:latin typeface="Times New Roman" pitchFamily="18" charset="0"/>
-                <a:cs typeface="Times New Roman" pitchFamily="18" charset="0"/>
-              </a:rPr>
-              <a:t>正确认识NMN</a:t>
-            </a:r>
-            <a:r>
-              <a:rPr lang="zh-CN" altLang="en-US" sz="2000" b="0" dirty="0">
+                <a:ea typeface="微软雅黑" pitchFamily="34" charset="-122"/>
+                <a:cs typeface="Times New Roman" pitchFamily="18" charset="0"/>
+              </a:rPr>
+              <a:t>正确认识</a:t>
+            </a:r>
+            <a:r>
+              <a:rPr lang="zh-CN" altLang="en-US" sz="2000" b="0" dirty="0" smtClean="0">
                 <a:solidFill>
-                  <a:schemeClr val="tx1"/>
+                  <a:srgbClr val="C00000"/>
                 </a:solidFill>
                 <a:latin typeface="Times New Roman" pitchFamily="18" charset="0"/>
-                <a:cs typeface="Times New Roman" pitchFamily="18" charset="0"/>
-              </a:rPr>
-              <a:t>；</a:t>
+                <a:ea typeface="微软雅黑" pitchFamily="34" charset="-122"/>
+                <a:cs typeface="Times New Roman" pitchFamily="18" charset="0"/>
+              </a:rPr>
+              <a:t>NMN</a:t>
+            </a:r>
+            <a:r>
+              <a:rPr lang="zh-CN" altLang="en-US" sz="2000" dirty="0" smtClean="0">
+                <a:latin typeface="Times New Roman" pitchFamily="18" charset="0"/>
+                <a:ea typeface="微软雅黑" pitchFamily="34" charset="-122"/>
+                <a:cs typeface="Times New Roman" pitchFamily="18" charset="0"/>
+              </a:rPr>
+              <a:t>。</a:t>
             </a:r>
             <a:endParaRPr lang="zh-CN" altLang="en-US" sz="2000" b="0" dirty="0">
               <a:latin typeface="Times New Roman" pitchFamily="18" charset="0"/>
+              <a:ea typeface="微软雅黑" pitchFamily="34" charset="-122"/>
               <a:cs typeface="Times New Roman" pitchFamily="18" charset="0"/>
             </a:endParaRPr>
           </a:p>
           <a:p>
-            <a:pPr marL="342900" indent="0" algn="l" fontAlgn="auto">
+            <a:pPr marL="252000" indent="-252000" algn="l" fontAlgn="auto">
               <a:lnSpc>
                 <a:spcPct val="150000"/>
               </a:lnSpc>
@@ -7304,11 +7014,48 @@
               <a:buChar char=""/>
             </a:pPr>
             <a:r>
+              <a:rPr lang="zh-CN" altLang="en-US" sz="2000" b="0" dirty="0" smtClean="0">
+                <a:latin typeface="Times New Roman" pitchFamily="18" charset="0"/>
+                <a:ea typeface="微软雅黑" pitchFamily="34" charset="-122"/>
+                <a:cs typeface="Times New Roman" pitchFamily="18" charset="0"/>
+              </a:rPr>
+              <a:t>价格问题</a:t>
+            </a:r>
+            <a:endParaRPr lang="en-US" altLang="zh-CN" sz="2000" b="0" dirty="0" smtClean="0">
+              <a:latin typeface="Times New Roman" pitchFamily="18" charset="0"/>
+              <a:ea typeface="微软雅黑" pitchFamily="34" charset="-122"/>
+              <a:cs typeface="Times New Roman" pitchFamily="18" charset="0"/>
+            </a:endParaRPr>
+          </a:p>
+          <a:p>
+            <a:pPr marL="252000" algn="l" fontAlgn="auto">
+              <a:lnSpc>
+                <a:spcPct val="150000"/>
+              </a:lnSpc>
+            </a:pPr>
+            <a:r>
+              <a:rPr lang="zh-CN" altLang="en-US" sz="2000" b="0" dirty="0" smtClean="0">
+                <a:latin typeface="Times New Roman" pitchFamily="18" charset="0"/>
+                <a:ea typeface="微软雅黑" pitchFamily="34" charset="-122"/>
+                <a:cs typeface="Times New Roman" pitchFamily="18" charset="0"/>
+              </a:rPr>
+              <a:t>减少</a:t>
+            </a:r>
+            <a:r>
               <a:rPr lang="zh-CN" altLang="en-US" sz="2000" b="0" dirty="0">
                 <a:latin typeface="Times New Roman" pitchFamily="18" charset="0"/>
-                <a:cs typeface="Times New Roman" pitchFamily="18" charset="0"/>
-              </a:rPr>
-              <a:t>减少中间商环节，</a:t>
+                <a:ea typeface="微软雅黑" pitchFamily="34" charset="-122"/>
+                <a:cs typeface="Times New Roman" pitchFamily="18" charset="0"/>
+              </a:rPr>
+              <a:t>中间商环</a:t>
+            </a:r>
+            <a:r>
+              <a:rPr lang="zh-CN" altLang="en-US" sz="2000" b="0" dirty="0" smtClean="0">
+                <a:latin typeface="Times New Roman" pitchFamily="18" charset="0"/>
+                <a:ea typeface="微软雅黑" pitchFamily="34" charset="-122"/>
+                <a:cs typeface="Times New Roman" pitchFamily="18" charset="0"/>
+              </a:rPr>
+              <a:t>节，建立官网直销途径和第三方（淘宝、京东）直营店，</a:t>
             </a:r>
             <a:r>
               <a:rPr lang="zh-CN" altLang="en-US" sz="2000" b="0" dirty="0">
@@ -7316,6 +7063,7 @@
                   <a:srgbClr val="C00000"/>
                 </a:solidFill>
                 <a:latin typeface="Times New Roman" pitchFamily="18" charset="0"/>
+                <a:ea typeface="微软雅黑" pitchFamily="34" charset="-122"/>
                 <a:cs typeface="Times New Roman" pitchFamily="18" charset="0"/>
               </a:rPr>
               <a:t>确保消费者买到高质量</a:t>
@@ -7323,6 +7071,7 @@
             <a:r>
               <a:rPr lang="zh-CN" altLang="en-US" sz="2000" b="0" dirty="0" smtClean="0">
                 <a:latin typeface="Times New Roman" pitchFamily="18" charset="0"/>
+                <a:ea typeface="微软雅黑" pitchFamily="34" charset="-122"/>
                 <a:cs typeface="Times New Roman" pitchFamily="18" charset="0"/>
               </a:rPr>
               <a:t>、</a:t>
@@ -7333,6 +7082,7 @@
                   <a:srgbClr val="C00000"/>
                 </a:solidFill>
                 <a:latin typeface="Times New Roman" pitchFamily="18" charset="0"/>
+                <a:ea typeface="微软雅黑" pitchFamily="34" charset="-122"/>
                 <a:cs typeface="Times New Roman" pitchFamily="18" charset="0"/>
               </a:rPr>
               <a:t>合理</a:t>
@@ -7343,6 +7093,7 @@
                   <a:srgbClr val="C00000"/>
                 </a:solidFill>
                 <a:latin typeface="Times New Roman" pitchFamily="18" charset="0"/>
+                <a:ea typeface="微软雅黑" pitchFamily="34" charset="-122"/>
                 <a:cs typeface="Times New Roman" pitchFamily="18" charset="0"/>
               </a:rPr>
               <a:t>价位</a:t>
@@ -7350,6 +7101,7 @@
             <a:r>
               <a:rPr lang="zh-CN" altLang="en-US" sz="2000" b="0" dirty="0">
                 <a:latin typeface="Times New Roman" pitchFamily="18" charset="0"/>
+                <a:ea typeface="微软雅黑" pitchFamily="34" charset="-122"/>
                 <a:cs typeface="Times New Roman" pitchFamily="18" charset="0"/>
               </a:rPr>
               <a:t>的</a:t>
@@ -7357,24 +7109,27 @@
             <a:r>
               <a:rPr lang="zh-CN" altLang="en-US" sz="2000" b="0" dirty="0" smtClean="0">
                 <a:latin typeface="Times New Roman" pitchFamily="18" charset="0"/>
+                <a:ea typeface="微软雅黑" pitchFamily="34" charset="-122"/>
                 <a:cs typeface="Times New Roman" pitchFamily="18" charset="0"/>
               </a:rPr>
               <a:t>NMN</a:t>
             </a:r>
             <a:r>
-              <a:rPr lang="zh-CN" altLang="en-US" sz="2000" dirty="0" smtClean="0">
-                <a:latin typeface="Times New Roman" pitchFamily="18" charset="0"/>
-                <a:cs typeface="Times New Roman" pitchFamily="18" charset="0"/>
-              </a:rPr>
-              <a:t>；</a:t>
+              <a:rPr lang="zh-CN" altLang="en-US" sz="2000" b="0" dirty="0" smtClean="0">
+                <a:latin typeface="Times New Roman" pitchFamily="18" charset="0"/>
+                <a:ea typeface="微软雅黑" pitchFamily="34" charset="-122"/>
+                <a:cs typeface="Times New Roman" pitchFamily="18" charset="0"/>
+              </a:rPr>
+              <a:t>。</a:t>
             </a:r>
             <a:endParaRPr lang="en-US" altLang="zh-CN" sz="2000" b="0" dirty="0" smtClean="0">
               <a:latin typeface="Times New Roman" pitchFamily="18" charset="0"/>
+              <a:ea typeface="微软雅黑" pitchFamily="34" charset="-122"/>
               <a:cs typeface="Times New Roman" pitchFamily="18" charset="0"/>
             </a:endParaRPr>
           </a:p>
           <a:p>
-            <a:pPr marL="342900" indent="0" algn="l" fontAlgn="auto">
+            <a:pPr marL="252000" indent="-252000" algn="l" fontAlgn="auto">
               <a:lnSpc>
                 <a:spcPct val="150000"/>
               </a:lnSpc>
@@ -7382,11 +7137,64 @@
               <a:buChar char=""/>
             </a:pPr>
             <a:r>
+              <a:rPr lang="en-US" altLang="zh-CN" sz="2000" b="0" dirty="0" smtClean="0">
+                <a:latin typeface="Times New Roman" pitchFamily="18" charset="0"/>
+                <a:ea typeface="微软雅黑" pitchFamily="34" charset="-122"/>
+                <a:cs typeface="Times New Roman" pitchFamily="18" charset="0"/>
+              </a:rPr>
+              <a:t>NMN</a:t>
+            </a:r>
+            <a:r>
               <a:rPr lang="zh-CN" altLang="en-US" sz="2000" b="0" dirty="0" smtClean="0">
                 <a:latin typeface="Times New Roman" pitchFamily="18" charset="0"/>
-                <a:cs typeface="Times New Roman" pitchFamily="18" charset="0"/>
-              </a:rPr>
-              <a:t>应用新技术、新配方，</a:t>
+                <a:ea typeface="微软雅黑" pitchFamily="34" charset="-122"/>
+                <a:cs typeface="Times New Roman" pitchFamily="18" charset="0"/>
+              </a:rPr>
+              <a:t>局限性</a:t>
+            </a:r>
+            <a:endParaRPr lang="en-US" altLang="zh-CN" sz="2000" b="0" dirty="0" smtClean="0">
+              <a:latin typeface="Times New Roman" pitchFamily="18" charset="0"/>
+              <a:ea typeface="微软雅黑" pitchFamily="34" charset="-122"/>
+              <a:cs typeface="Times New Roman" pitchFamily="18" charset="0"/>
+            </a:endParaRPr>
+          </a:p>
+          <a:p>
+            <a:pPr marL="252000" algn="l" fontAlgn="auto">
+              <a:lnSpc>
+                <a:spcPct val="150000"/>
+              </a:lnSpc>
+            </a:pPr>
+            <a:r>
+              <a:rPr lang="zh-CN" altLang="en-US" sz="2000" b="0" dirty="0" smtClean="0">
+                <a:latin typeface="Times New Roman" pitchFamily="18" charset="0"/>
+                <a:ea typeface="微软雅黑" pitchFamily="34" charset="-122"/>
+                <a:cs typeface="Times New Roman" pitchFamily="18" charset="0"/>
+              </a:rPr>
+              <a:t>不局限于</a:t>
+            </a:r>
+            <a:r>
+              <a:rPr lang="en-US" altLang="zh-CN" sz="2000" b="0" dirty="0" smtClean="0">
+                <a:latin typeface="Times New Roman" pitchFamily="18" charset="0"/>
+                <a:ea typeface="微软雅黑" pitchFamily="34" charset="-122"/>
+                <a:cs typeface="Times New Roman" pitchFamily="18" charset="0"/>
+              </a:rPr>
+              <a:t>NMN</a:t>
+            </a:r>
+            <a:r>
+              <a:rPr lang="zh-CN" altLang="en-US" sz="2000" b="0" dirty="0" smtClean="0">
+                <a:latin typeface="Times New Roman" pitchFamily="18" charset="0"/>
+                <a:ea typeface="微软雅黑" pitchFamily="34" charset="-122"/>
+                <a:cs typeface="Times New Roman" pitchFamily="18" charset="0"/>
+              </a:rPr>
+              <a:t>，应用</a:t>
+            </a:r>
+            <a:r>
+              <a:rPr lang="zh-CN" altLang="en-US" sz="2000" b="0" dirty="0" smtClean="0">
+                <a:latin typeface="Times New Roman" pitchFamily="18" charset="0"/>
+                <a:ea typeface="微软雅黑" pitchFamily="34" charset="-122"/>
+                <a:cs typeface="Times New Roman" pitchFamily="18" charset="0"/>
+              </a:rPr>
+              <a:t>新技术、新配方，</a:t>
             </a:r>
             <a:r>
               <a:rPr lang="zh-CN" altLang="en-US" sz="2000" b="0" dirty="0" smtClean="0">
@@ -7394,6 +7202,7 @@
                   <a:srgbClr val="C00000"/>
                 </a:solidFill>
                 <a:latin typeface="Times New Roman" pitchFamily="18" charset="0"/>
+                <a:ea typeface="微软雅黑" pitchFamily="34" charset="-122"/>
                 <a:cs typeface="Times New Roman" pitchFamily="18" charset="0"/>
               </a:rPr>
               <a:t>提升</a:t>
@@ -7401,6 +7210,7 @@
             <a:r>
               <a:rPr lang="zh-CN" altLang="en-US" sz="2000" b="0" dirty="0" smtClean="0">
                 <a:latin typeface="Times New Roman" pitchFamily="18" charset="0"/>
+                <a:ea typeface="微软雅黑" pitchFamily="34" charset="-122"/>
                 <a:cs typeface="Times New Roman" pitchFamily="18" charset="0"/>
               </a:rPr>
               <a:t>体内</a:t>
@@ -7411,6 +7221,7 @@
                   <a:srgbClr val="C00000"/>
                 </a:solidFill>
                 <a:latin typeface="Times New Roman" pitchFamily="18" charset="0"/>
+                <a:ea typeface="微软雅黑" pitchFamily="34" charset="-122"/>
                 <a:cs typeface="Times New Roman" pitchFamily="18" charset="0"/>
               </a:rPr>
               <a:t>NAD+</a:t>
@@ -7421,6 +7232,7 @@
                   <a:srgbClr val="C00000"/>
                 </a:solidFill>
                 <a:latin typeface="Times New Roman" pitchFamily="18" charset="0"/>
+                <a:ea typeface="微软雅黑" pitchFamily="34" charset="-122"/>
                 <a:cs typeface="Times New Roman" pitchFamily="18" charset="0"/>
               </a:rPr>
               <a:t>的含量</a:t>
@@ -7428,12 +7240,14 @@
             <a:r>
               <a:rPr lang="zh-CN" altLang="en-US" sz="2000" b="0" dirty="0" smtClean="0">
                 <a:latin typeface="Times New Roman" pitchFamily="18" charset="0"/>
+                <a:ea typeface="微软雅黑" pitchFamily="34" charset="-122"/>
                 <a:cs typeface="Times New Roman" pitchFamily="18" charset="0"/>
               </a:rPr>
               <a:t>。</a:t>
             </a:r>
             <a:endParaRPr lang="zh-CN" altLang="en-US" sz="2000" b="0" dirty="0">
               <a:latin typeface="Times New Roman" pitchFamily="18" charset="0"/>
+              <a:ea typeface="微软雅黑" pitchFamily="34" charset="-122"/>
               <a:cs typeface="Times New Roman" pitchFamily="18" charset="0"/>
             </a:endParaRPr>
           </a:p>
@@ -7471,39 +7285,6 @@
           </a:p>
         </p:txBody>
       </p:sp>
-      <p:pic>
-        <p:nvPicPr>
-          <p:cNvPr id="2050" name="Picture 2"/>
-          <p:cNvPicPr>
-            <a:picLocks noChangeAspect="1" noChangeArrowheads="1"/>
-          </p:cNvPicPr>
-          <p:nvPr/>
-        </p:nvPicPr>
-        <p:blipFill>
-          <a:blip r:embed="rId2"/>
-          <a:srcRect/>
-          <a:stretch>
-            <a:fillRect/>
-          </a:stretch>
-        </p:blipFill>
-        <p:spPr bwMode="auto">
-          <a:xfrm>
-            <a:off x="7809722" y="3113704"/>
-            <a:ext cx="2552798" cy="3366016"/>
-          </a:xfrm>
-          <a:prstGeom prst="rect">
-            <a:avLst/>
-          </a:prstGeom>
-          <a:noFill/>
-          <a:ln w="9525">
-            <a:noFill/>
-            <a:miter lim="800000"/>
-            <a:headEnd/>
-            <a:tailEnd/>
-          </a:ln>
-          <a:effectLst/>
-        </p:spPr>
-      </p:pic>
     </p:spTree>
   </p:cSld>
   <p:clrMapOvr>
@@ -7544,7 +7325,7 @@
         </p:nvSpPr>
         <p:spPr>
           <a:xfrm>
-            <a:off x="445432" y="1686833"/>
+            <a:off x="476145" y="1649706"/>
             <a:ext cx="11068544" cy="1477328"/>
           </a:xfrm>
           <a:prstGeom prst="rect">
@@ -7561,16 +7342,17 @@
           </a:bodyPr>
           <a:lstStyle/>
           <a:p>
-            <a:pPr indent="0" algn="l" fontAlgn="auto">
+            <a:pPr marL="252000" indent="-252000" algn="l" fontAlgn="auto">
               <a:lnSpc>
                 <a:spcPct val="150000"/>
               </a:lnSpc>
-              <a:buFont typeface="Wingdings" panose="05000000000000000000" charset="0"/>
-              <a:buNone/>
+              <a:buFont typeface="Wingdings" pitchFamily="2" charset="2"/>
+              <a:buChar char="l"/>
             </a:pPr>
             <a:r>
               <a:rPr lang="zh-CN" altLang="en-US" sz="2000" b="0" dirty="0">
                 <a:latin typeface="Times New Roman" pitchFamily="18" charset="0"/>
+                <a:ea typeface="微软雅黑" pitchFamily="34" charset="-122"/>
                 <a:cs typeface="Times New Roman" pitchFamily="18" charset="0"/>
               </a:rPr>
               <a:t>NMN和NR都是NAD+前体物质。NR体积小，利用率高，容易穿透细胞壁。而且长期服用NR，可提高人体自身合成NMN的能力，这是目前市面上</a:t>
@@ -7581,6 +7363,7 @@
                   <a:srgbClr val="C00000"/>
                 </a:solidFill>
                 <a:latin typeface="Times New Roman" pitchFamily="18" charset="0"/>
+                <a:ea typeface="微软雅黑" pitchFamily="34" charset="-122"/>
                 <a:cs typeface="Times New Roman" pitchFamily="18" charset="0"/>
               </a:rPr>
               <a:t>其他产品所不具备的优点</a:t>
@@ -7588,6 +7371,7 @@
             <a:r>
               <a:rPr lang="zh-CN" altLang="en-US" sz="2000" b="0" dirty="0">
                 <a:latin typeface="Times New Roman" pitchFamily="18" charset="0"/>
+                <a:ea typeface="微软雅黑" pitchFamily="34" charset="-122"/>
                 <a:cs typeface="Times New Roman" pitchFamily="18" charset="0"/>
               </a:rPr>
               <a:t>。NMN双效复合片采用</a:t>
@@ -7598,6 +7382,7 @@
                   <a:srgbClr val="C00000"/>
                 </a:solidFill>
                 <a:latin typeface="Times New Roman" pitchFamily="18" charset="0"/>
+                <a:ea typeface="微软雅黑" pitchFamily="34" charset="-122"/>
                 <a:cs typeface="Times New Roman" pitchFamily="18" charset="0"/>
               </a:rPr>
               <a:t>发酵后提取法</a:t>
@@ -7605,6 +7390,7 @@
             <a:r>
               <a:rPr lang="zh-CN" altLang="en-US" sz="2000" b="0" dirty="0">
                 <a:latin typeface="Times New Roman" pitchFamily="18" charset="0"/>
+                <a:ea typeface="微软雅黑" pitchFamily="34" charset="-122"/>
                 <a:cs typeface="Times New Roman" pitchFamily="18" charset="0"/>
               </a:rPr>
               <a:t>，有效成分高，不会残留杂质。</a:t>
@@ -7641,6 +7427,7 @@
             <a:r>
               <a:rPr lang="zh-CN" altLang="en-US" sz="2000" dirty="0">
                 <a:latin typeface="Times New Roman" pitchFamily="18" charset="0"/>
+                <a:ea typeface="微软雅黑" pitchFamily="34" charset="-122"/>
                 <a:cs typeface="Times New Roman" pitchFamily="18" charset="0"/>
                 <a:sym typeface="+mn-ea"/>
               </a:rPr>
@@ -7739,8 +7526,8 @@
           <a:p>
             <a:r>
               <a:rPr lang="zh-CN" altLang="en-US" sz="3200" dirty="0" smtClean="0">
-                <a:latin typeface="微软雅黑" panose="020B0503020204020204" pitchFamily="34" charset="-122"/>
-                <a:ea typeface="微软雅黑" panose="020B0503020204020204" pitchFamily="34" charset="-122"/>
+                <a:latin typeface="Times New Roman" pitchFamily="18" charset="0"/>
+                <a:ea typeface="微软雅黑" pitchFamily="34" charset="-122"/>
               </a:rPr>
               <a:t>核心竞争力</a:t>
             </a:r>
@@ -7862,7 +7649,7 @@
           </a:bodyPr>
           <a:lstStyle/>
           <a:p>
-            <a:pPr>
+            <a:pPr marL="252000" indent="-252000">
               <a:lnSpc>
                 <a:spcPct val="150000"/>
               </a:lnSpc>
@@ -7906,7 +7693,7 @@
             </a:endParaRPr>
           </a:p>
           <a:p>
-            <a:pPr>
+            <a:pPr marL="252000" indent="-252000">
               <a:lnSpc>
                 <a:spcPct val="150000"/>
               </a:lnSpc>
@@ -8206,7 +7993,7 @@
         <p:spPr>
           <a:xfrm>
             <a:off x="513188" y="3764818"/>
-            <a:ext cx="4814591" cy="2677656"/>
+            <a:ext cx="5094510" cy="2677656"/>
           </a:xfrm>
           <a:prstGeom prst="rect">
             <a:avLst/>
@@ -8222,13 +8009,26 @@
               <a:rPr lang="zh-CN" altLang="en-US" sz="1400" dirty="0" smtClean="0">
                 <a:latin typeface="Times New Roman" pitchFamily="18" charset="0"/>
               </a:rPr>
-              <a:t>发表论文：</a:t>
+              <a:t>相关</a:t>
+            </a:r>
+            <a:r>
+              <a:rPr lang="zh-CN" altLang="en-US" sz="1400" dirty="0" smtClean="0">
+                <a:latin typeface="Times New Roman" pitchFamily="18" charset="0"/>
+              </a:rPr>
+              <a:t>论文</a:t>
+            </a:r>
+            <a:r>
+              <a:rPr lang="zh-CN" altLang="en-US" sz="1400" dirty="0" smtClean="0">
+                <a:latin typeface="Times New Roman" pitchFamily="18" charset="0"/>
+              </a:rPr>
+              <a:t>：</a:t>
             </a:r>
             <a:endParaRPr lang="en-US" altLang="zh-CN" sz="1400" dirty="0" smtClean="0">
               <a:latin typeface="Times New Roman" pitchFamily="18" charset="0"/>
             </a:endParaRPr>
           </a:p>
           <a:p>
+            <a:pPr marL="252000" indent="-252000"/>
             <a:r>
               <a:rPr lang="en-US" sz="1400" dirty="0" smtClean="0"/>
               <a:t>[1] </a:t>
@@ -8334,6 +8134,7 @@
             </a:endParaRPr>
           </a:p>
           <a:p>
+            <a:pPr marL="252000" indent="-252000"/>
             <a:r>
               <a:rPr lang="en-US" sz="1400" dirty="0" smtClean="0">
                 <a:latin typeface="Times New Roman" pitchFamily="18" charset="0"/>
@@ -8528,7 +8329,7 @@
         <p:spPr>
           <a:xfrm>
             <a:off x="482755" y="1630848"/>
-            <a:ext cx="11479089" cy="1477328"/>
+            <a:ext cx="11479089" cy="961097"/>
           </a:xfrm>
           <a:prstGeom prst="rect">
             <a:avLst/>
@@ -8544,12 +8345,12 @@
           </a:bodyPr>
           <a:lstStyle/>
           <a:p>
-            <a:pPr indent="0" algn="l" fontAlgn="auto">
+            <a:pPr marL="252000" indent="-252000" algn="l" fontAlgn="auto">
               <a:lnSpc>
                 <a:spcPct val="150000"/>
               </a:lnSpc>
-              <a:buFont typeface="Wingdings" panose="05000000000000000000" charset="0"/>
-              <a:buNone/>
+              <a:buFont typeface="Wingdings" pitchFamily="2" charset="2"/>
+              <a:buChar char="l"/>
             </a:pPr>
             <a:r>
               <a:rPr lang="zh-CN" altLang="en-US" sz="2000" b="0" dirty="0">
@@ -8630,21 +8431,12 @@
               <a:t>容易被吸收</a:t>
             </a:r>
             <a:r>
-              <a:rPr lang="zh-CN" altLang="en-US" sz="2000" b="0" dirty="0">
+              <a:rPr lang="zh-CN" altLang="en-US" sz="2000" b="0" dirty="0" smtClean="0">
                 <a:latin typeface="Times New Roman" pitchFamily="18" charset="0"/>
                 <a:cs typeface="Times New Roman" pitchFamily="18" charset="0"/>
               </a:rPr>
               <a:t>。</a:t>
             </a:r>
-          </a:p>
-          <a:p>
-            <a:pPr marL="342900" indent="0" algn="l" fontAlgn="auto">
-              <a:lnSpc>
-                <a:spcPct val="150000"/>
-              </a:lnSpc>
-              <a:buFont typeface="Wingdings" panose="05000000000000000000" charset="0"/>
-              <a:buNone/>
-            </a:pPr>
             <a:endParaRPr lang="zh-CN" altLang="en-US" sz="2000" b="0" dirty="0">
               <a:latin typeface="Times New Roman" pitchFamily="18" charset="0"/>
               <a:cs typeface="Times New Roman" pitchFamily="18" charset="0"/>
@@ -8706,7 +8498,7 @@
         </p:blipFill>
         <p:spPr bwMode="auto">
           <a:xfrm>
-            <a:off x="2351314" y="2967805"/>
+            <a:off x="4108190" y="2940202"/>
             <a:ext cx="7396462" cy="3460986"/>
           </a:xfrm>
           <a:prstGeom prst="rect">
@@ -8754,6 +8546,39 @@
           </a:p>
         </p:txBody>
       </p:sp>
+      <p:pic>
+        <p:nvPicPr>
+          <p:cNvPr id="6" name="Picture 2"/>
+          <p:cNvPicPr>
+            <a:picLocks noChangeAspect="1" noChangeArrowheads="1"/>
+          </p:cNvPicPr>
+          <p:nvPr/>
+        </p:nvPicPr>
+        <p:blipFill>
+          <a:blip r:embed="rId3"/>
+          <a:srcRect/>
+          <a:stretch>
+            <a:fillRect/>
+          </a:stretch>
+        </p:blipFill>
+        <p:spPr bwMode="auto">
+          <a:xfrm>
+            <a:off x="1142999" y="2930009"/>
+            <a:ext cx="2552798" cy="3366016"/>
+          </a:xfrm>
+          <a:prstGeom prst="rect">
+            <a:avLst/>
+          </a:prstGeom>
+          <a:noFill/>
+          <a:ln w="9525">
+            <a:noFill/>
+            <a:miter lim="800000"/>
+            <a:headEnd/>
+            <a:tailEnd/>
+          </a:ln>
+          <a:effectLst/>
+        </p:spPr>
+      </p:pic>
     </p:spTree>
   </p:cSld>
   <p:clrMapOvr>
@@ -8794,7 +8619,7 @@
         </p:nvSpPr>
         <p:spPr>
           <a:xfrm>
-            <a:off x="2441575" y="1165225"/>
+            <a:off x="2441575" y="1136650"/>
             <a:ext cx="720090" cy="720090"/>
           </a:xfrm>
           <a:prstGeom prst="ellipse">
@@ -8837,6 +8662,8 @@
                 <a:solidFill>
                   <a:schemeClr val="tx1"/>
                 </a:solidFill>
+                <a:latin typeface="Times New Roman" pitchFamily="18" charset="0"/>
+                <a:ea typeface="微软雅黑" pitchFamily="34" charset="-122"/>
               </a:rPr>
               <a:t>2</a:t>
             </a:r>
@@ -8851,8 +8678,8 @@
         </p:nvSpPr>
         <p:spPr>
           <a:xfrm>
-            <a:off x="3319780" y="1193741"/>
-            <a:ext cx="6143625" cy="626745"/>
+            <a:off x="3329305" y="1193741"/>
+            <a:ext cx="6143625" cy="574579"/>
           </a:xfrm>
           <a:prstGeom prst="rect">
             <a:avLst/>
@@ -8871,8 +8698,8 @@
             </a:pPr>
             <a:r>
               <a:rPr lang="zh-CN" altLang="en-US" sz="2800" dirty="0">
-                <a:latin typeface="微软雅黑" panose="020B0503020204020204" pitchFamily="34" charset="-122"/>
-                <a:ea typeface="微软雅黑" panose="020B0503020204020204" pitchFamily="34" charset="-122"/>
+                <a:latin typeface="Times New Roman" pitchFamily="18" charset="0"/>
+                <a:ea typeface="微软雅黑" pitchFamily="34" charset="-122"/>
               </a:rPr>
               <a:t>同行分析</a:t>
             </a:r>
@@ -8887,7 +8714,7 @@
         </p:nvSpPr>
         <p:spPr>
           <a:xfrm>
-            <a:off x="2741930" y="1885315"/>
+            <a:off x="2741930" y="1818640"/>
             <a:ext cx="720090" cy="720090"/>
           </a:xfrm>
           <a:prstGeom prst="ellipse">
@@ -8930,6 +8757,8 @@
                 <a:solidFill>
                   <a:schemeClr val="tx1"/>
                 </a:solidFill>
+                <a:latin typeface="Times New Roman" pitchFamily="18" charset="0"/>
+                <a:ea typeface="微软雅黑" pitchFamily="34" charset="-122"/>
               </a:rPr>
               <a:t>3</a:t>
             </a:r>
@@ -8944,8 +8773,8 @@
         </p:nvSpPr>
         <p:spPr>
           <a:xfrm>
-            <a:off x="3569335" y="1855411"/>
-            <a:ext cx="6143625" cy="626745"/>
+            <a:off x="3569335" y="1807786"/>
+            <a:ext cx="6143625" cy="574579"/>
           </a:xfrm>
           <a:prstGeom prst="rect">
             <a:avLst/>
@@ -8964,8 +8793,8 @@
             </a:pPr>
             <a:r>
               <a:rPr lang="zh-CN" altLang="en-US" sz="2800" dirty="0">
-                <a:latin typeface="微软雅黑" panose="020B0503020204020204" pitchFamily="34" charset="-122"/>
-                <a:ea typeface="微软雅黑" panose="020B0503020204020204" pitchFamily="34" charset="-122"/>
+                <a:latin typeface="Times New Roman" pitchFamily="18" charset="0"/>
+                <a:ea typeface="微软雅黑" pitchFamily="34" charset="-122"/>
               </a:rPr>
               <a:t>存在问题</a:t>
             </a:r>
@@ -8980,7 +8809,7 @@
         </p:nvSpPr>
         <p:spPr>
           <a:xfrm>
-            <a:off x="2954020" y="2696210"/>
+            <a:off x="2954020" y="2591435"/>
             <a:ext cx="720090" cy="720090"/>
           </a:xfrm>
           <a:prstGeom prst="ellipse">
@@ -9023,6 +8852,8 @@
                 <a:solidFill>
                   <a:schemeClr val="tx1"/>
                 </a:solidFill>
+                <a:latin typeface="Times New Roman" pitchFamily="18" charset="0"/>
+                <a:ea typeface="微软雅黑" pitchFamily="34" charset="-122"/>
               </a:rPr>
               <a:t>4</a:t>
             </a:r>
@@ -9037,8 +8868,8 @@
         </p:nvSpPr>
         <p:spPr>
           <a:xfrm>
-            <a:off x="3800475" y="2722821"/>
-            <a:ext cx="6143625" cy="626745"/>
+            <a:off x="3800475" y="2618046"/>
+            <a:ext cx="6143625" cy="574579"/>
           </a:xfrm>
           <a:prstGeom prst="rect">
             <a:avLst/>
@@ -9057,8 +8888,8 @@
             </a:pPr>
             <a:r>
               <a:rPr lang="zh-CN" altLang="en-US" sz="2800" dirty="0">
-                <a:latin typeface="微软雅黑" panose="020B0503020204020204" pitchFamily="34" charset="-122"/>
-                <a:ea typeface="微软雅黑" panose="020B0503020204020204" pitchFamily="34" charset="-122"/>
+                <a:latin typeface="Times New Roman" pitchFamily="18" charset="0"/>
+                <a:ea typeface="微软雅黑" pitchFamily="34" charset="-122"/>
               </a:rPr>
               <a:t>解决方案</a:t>
             </a:r>
@@ -9073,7 +8904,7 @@
         </p:nvSpPr>
         <p:spPr>
           <a:xfrm>
-            <a:off x="3015615" y="3535680"/>
+            <a:off x="2987040" y="3469005"/>
             <a:ext cx="720090" cy="720090"/>
           </a:xfrm>
           <a:prstGeom prst="ellipse">
@@ -9116,6 +8947,8 @@
                 <a:solidFill>
                   <a:schemeClr val="tx1"/>
                 </a:solidFill>
+                <a:latin typeface="Times New Roman" pitchFamily="18" charset="0"/>
+                <a:ea typeface="微软雅黑" pitchFamily="34" charset="-122"/>
               </a:rPr>
               <a:t>5</a:t>
             </a:r>
@@ -9130,7 +8963,7 @@
         </p:nvSpPr>
         <p:spPr>
           <a:xfrm>
-            <a:off x="3824605" y="3579436"/>
+            <a:off x="3834130" y="3512761"/>
             <a:ext cx="6143625" cy="626745"/>
           </a:xfrm>
           <a:prstGeom prst="rect">
@@ -9150,8 +8983,8 @@
             </a:pPr>
             <a:r>
               <a:rPr lang="zh-CN" altLang="en-US" sz="2800" dirty="0">
-                <a:latin typeface="微软雅黑" panose="020B0503020204020204" pitchFamily="34" charset="-122"/>
-                <a:ea typeface="微软雅黑" panose="020B0503020204020204" pitchFamily="34" charset="-122"/>
+                <a:latin typeface="Times New Roman" pitchFamily="18" charset="0"/>
+                <a:ea typeface="微软雅黑" pitchFamily="34" charset="-122"/>
               </a:rPr>
               <a:t>市场规模</a:t>
             </a:r>
@@ -9209,6 +9042,8 @@
                 <a:solidFill>
                   <a:schemeClr val="tx1"/>
                 </a:solidFill>
+                <a:latin typeface="Times New Roman" pitchFamily="18" charset="0"/>
+                <a:ea typeface="微软雅黑" pitchFamily="34" charset="-122"/>
               </a:rPr>
               <a:t>6</a:t>
             </a:r>
@@ -9223,7 +9058,7 @@
         </p:nvSpPr>
         <p:spPr>
           <a:xfrm>
-            <a:off x="3781425" y="4397316"/>
+            <a:off x="3695700" y="4340166"/>
             <a:ext cx="6143625" cy="626745"/>
           </a:xfrm>
           <a:prstGeom prst="rect">
@@ -9243,8 +9078,8 @@
             </a:pPr>
             <a:r>
               <a:rPr lang="zh-CN" altLang="en-US" sz="2800" dirty="0">
-                <a:latin typeface="微软雅黑" panose="020B0503020204020204" pitchFamily="34" charset="-122"/>
-                <a:ea typeface="微软雅黑" panose="020B0503020204020204" pitchFamily="34" charset="-122"/>
+                <a:latin typeface="Times New Roman" pitchFamily="18" charset="0"/>
+                <a:ea typeface="微软雅黑" pitchFamily="34" charset="-122"/>
               </a:rPr>
               <a:t>核心竞争力</a:t>
             </a:r>
@@ -9259,7 +9094,7 @@
         </p:nvSpPr>
         <p:spPr>
           <a:xfrm>
-            <a:off x="2437130" y="5130800"/>
+            <a:off x="2446655" y="5035550"/>
             <a:ext cx="720090" cy="720090"/>
           </a:xfrm>
           <a:prstGeom prst="ellipse">
@@ -9302,6 +9137,8 @@
                 <a:solidFill>
                   <a:schemeClr val="tx1"/>
                 </a:solidFill>
+                <a:latin typeface="Times New Roman" pitchFamily="18" charset="0"/>
+                <a:ea typeface="微软雅黑" pitchFamily="34" charset="-122"/>
               </a:rPr>
               <a:t>7</a:t>
             </a:r>
@@ -9316,8 +9153,8 @@
         </p:nvSpPr>
         <p:spPr>
           <a:xfrm>
-            <a:off x="3319780" y="5146616"/>
-            <a:ext cx="6143625" cy="626745"/>
+            <a:off x="3310255" y="5108516"/>
+            <a:ext cx="6143625" cy="574579"/>
           </a:xfrm>
           <a:prstGeom prst="rect">
             <a:avLst/>
@@ -9336,8 +9173,8 @@
             </a:pPr>
             <a:r>
               <a:rPr lang="zh-CN" altLang="en-US" sz="2800" dirty="0">
-                <a:latin typeface="微软雅黑" panose="020B0503020204020204" pitchFamily="34" charset="-122"/>
-                <a:ea typeface="微软雅黑" panose="020B0503020204020204" pitchFamily="34" charset="-122"/>
+                <a:latin typeface="Times New Roman" pitchFamily="18" charset="0"/>
+                <a:ea typeface="微软雅黑" pitchFamily="34" charset="-122"/>
               </a:rPr>
               <a:t>产品效益</a:t>
             </a:r>
@@ -9395,6 +9232,8 @@
                 <a:solidFill>
                   <a:schemeClr val="tx1"/>
                 </a:solidFill>
+                <a:latin typeface="Times New Roman" pitchFamily="18" charset="0"/>
+                <a:ea typeface="微软雅黑" pitchFamily="34" charset="-122"/>
               </a:rPr>
               <a:t>1</a:t>
             </a:r>
@@ -9409,8 +9248,8 @@
         </p:nvSpPr>
         <p:spPr>
           <a:xfrm>
-            <a:off x="3003550" y="584141"/>
-            <a:ext cx="6143625" cy="626745"/>
+            <a:off x="2955925" y="565091"/>
+            <a:ext cx="6143625" cy="574579"/>
           </a:xfrm>
           <a:prstGeom prst="rect">
             <a:avLst/>
@@ -9429,15 +9268,15 @@
             </a:pPr>
             <a:r>
               <a:rPr lang="zh-CN" altLang="en-US" sz="2800" dirty="0" smtClean="0">
-                <a:latin typeface="微软雅黑" panose="020B0503020204020204" pitchFamily="34" charset="-122"/>
-                <a:ea typeface="微软雅黑" panose="020B0503020204020204" pitchFamily="34" charset="-122"/>
+                <a:latin typeface="Times New Roman" pitchFamily="18" charset="0"/>
+                <a:ea typeface="微软雅黑" pitchFamily="34" charset="-122"/>
               </a:rPr>
               <a:t>市场</a:t>
             </a:r>
             <a:r>
               <a:rPr lang="zh-CN" altLang="en-US" sz="2800" dirty="0">
-                <a:latin typeface="微软雅黑" panose="020B0503020204020204" pitchFamily="34" charset="-122"/>
-                <a:ea typeface="微软雅黑" panose="020B0503020204020204" pitchFamily="34" charset="-122"/>
+                <a:latin typeface="Times New Roman" pitchFamily="18" charset="0"/>
+                <a:ea typeface="微软雅黑" pitchFamily="34" charset="-122"/>
               </a:rPr>
               <a:t>介绍</a:t>
             </a:r>
@@ -9452,7 +9291,7 @@
         </p:nvSpPr>
         <p:spPr>
           <a:xfrm>
-            <a:off x="1845310" y="5688965"/>
+            <a:off x="1959610" y="5650865"/>
             <a:ext cx="720090" cy="720090"/>
           </a:xfrm>
           <a:prstGeom prst="ellipse">
@@ -9491,10 +9330,12 @@
           <a:p>
             <a:pPr algn="ctr"/>
             <a:r>
-              <a:rPr lang="en-US" altLang="zh-CN" sz="3200">
+              <a:rPr lang="en-US" altLang="zh-CN" sz="3200" dirty="0">
                 <a:solidFill>
                   <a:schemeClr val="tx1"/>
                 </a:solidFill>
+                <a:latin typeface="Times New Roman" pitchFamily="18" charset="0"/>
+                <a:ea typeface="微软雅黑" pitchFamily="34" charset="-122"/>
               </a:rPr>
               <a:t>8</a:t>
             </a:r>
@@ -9509,8 +9350,8 @@
         </p:nvSpPr>
         <p:spPr>
           <a:xfrm>
-            <a:off x="2777490" y="5746056"/>
-            <a:ext cx="6143625" cy="626745"/>
+            <a:off x="2796540" y="5727006"/>
+            <a:ext cx="6143625" cy="574579"/>
           </a:xfrm>
           <a:prstGeom prst="rect">
             <a:avLst/>
@@ -9529,8 +9370,8 @@
             </a:pPr>
             <a:r>
               <a:rPr lang="zh-CN" altLang="en-US" sz="2800" dirty="0">
-                <a:latin typeface="微软雅黑" panose="020B0503020204020204" pitchFamily="34" charset="-122"/>
-                <a:ea typeface="微软雅黑" panose="020B0503020204020204" pitchFamily="34" charset="-122"/>
+                <a:latin typeface="Times New Roman" pitchFamily="18" charset="0"/>
+                <a:ea typeface="微软雅黑" pitchFamily="34" charset="-122"/>
               </a:rPr>
               <a:t>发展目标</a:t>
             </a:r>
@@ -9564,8 +9405,8 @@
                 <a:solidFill>
                   <a:schemeClr val="bg1"/>
                 </a:solidFill>
-                <a:latin typeface="微软雅黑" panose="020B0503020204020204" pitchFamily="34" charset="-122"/>
-                <a:ea typeface="微软雅黑" panose="020B0503020204020204" pitchFamily="34" charset="-122"/>
+                <a:latin typeface="Times New Roman" pitchFamily="18" charset="0"/>
+                <a:ea typeface="微软雅黑" pitchFamily="34" charset="-122"/>
               </a:rPr>
               <a:t>目录</a:t>
             </a:r>
@@ -9623,6 +9464,8 @@
                 <a:solidFill>
                   <a:schemeClr val="tx1"/>
                 </a:solidFill>
+                <a:latin typeface="Times New Roman" pitchFamily="18" charset="0"/>
+                <a:ea typeface="微软雅黑" pitchFamily="34" charset="-122"/>
               </a:rPr>
               <a:t>0</a:t>
             </a:r>
@@ -9657,21 +9500,21 @@
             </a:pPr>
             <a:r>
               <a:rPr lang="en-US" altLang="zh-CN" sz="2800" dirty="0" smtClean="0">
-                <a:latin typeface="微软雅黑" panose="020B0503020204020204" pitchFamily="34" charset="-122"/>
-                <a:ea typeface="微软雅黑" panose="020B0503020204020204" pitchFamily="34" charset="-122"/>
+                <a:latin typeface="Times New Roman" pitchFamily="18" charset="0"/>
+                <a:ea typeface="微软雅黑" pitchFamily="34" charset="-122"/>
               </a:rPr>
               <a:t>NMN</a:t>
             </a:r>
             <a:r>
               <a:rPr lang="zh-CN" altLang="en-US" sz="2800" dirty="0" smtClean="0">
-                <a:latin typeface="微软雅黑" panose="020B0503020204020204" pitchFamily="34" charset="-122"/>
-                <a:ea typeface="微软雅黑" panose="020B0503020204020204" pitchFamily="34" charset="-122"/>
+                <a:latin typeface="Times New Roman" pitchFamily="18" charset="0"/>
+                <a:ea typeface="微软雅黑" pitchFamily="34" charset="-122"/>
               </a:rPr>
               <a:t>介绍</a:t>
             </a:r>
             <a:endParaRPr lang="zh-CN" altLang="en-US" sz="2800" dirty="0">
-              <a:latin typeface="微软雅黑" panose="020B0503020204020204" pitchFamily="34" charset="-122"/>
-              <a:ea typeface="微软雅黑" panose="020B0503020204020204" pitchFamily="34" charset="-122"/>
+              <a:latin typeface="Times New Roman" pitchFamily="18" charset="0"/>
+              <a:ea typeface="微软雅黑" pitchFamily="34" charset="-122"/>
             </a:endParaRPr>
           </a:p>
         </p:txBody>
@@ -9684,7 +9527,7 @@
         </p:nvSpPr>
         <p:spPr>
           <a:xfrm>
-            <a:off x="1235710" y="6137910"/>
+            <a:off x="1292860" y="6137910"/>
             <a:ext cx="720090" cy="720090"/>
           </a:xfrm>
           <a:prstGeom prst="ellipse">
@@ -9727,6 +9570,8 @@
                 <a:solidFill>
                   <a:schemeClr val="tx1"/>
                 </a:solidFill>
+                <a:latin typeface="Times New Roman" pitchFamily="18" charset="0"/>
+                <a:ea typeface="微软雅黑" pitchFamily="34" charset="-122"/>
               </a:rPr>
               <a:t>9</a:t>
             </a:r>
@@ -9761,14 +9606,14 @@
             </a:pPr>
             <a:r>
               <a:rPr lang="zh-CN" altLang="en-US" sz="2800" dirty="0" smtClean="0">
-                <a:latin typeface="微软雅黑" panose="020B0503020204020204" pitchFamily="34" charset="-122"/>
-                <a:ea typeface="微软雅黑" panose="020B0503020204020204" pitchFamily="34" charset="-122"/>
+                <a:latin typeface="Times New Roman" pitchFamily="18" charset="0"/>
+                <a:ea typeface="微软雅黑" pitchFamily="34" charset="-122"/>
               </a:rPr>
               <a:t>团队介绍</a:t>
             </a:r>
             <a:endParaRPr lang="zh-CN" altLang="en-US" sz="2800" dirty="0">
-              <a:latin typeface="微软雅黑" panose="020B0503020204020204" pitchFamily="34" charset="-122"/>
-              <a:ea typeface="微软雅黑" panose="020B0503020204020204" pitchFamily="34" charset="-122"/>
+              <a:latin typeface="Times New Roman" pitchFamily="18" charset="0"/>
+              <a:ea typeface="微软雅黑" pitchFamily="34" charset="-122"/>
             </a:endParaRPr>
           </a:p>
         </p:txBody>
@@ -9869,7 +9714,7 @@
         </p:nvSpPr>
         <p:spPr>
           <a:xfrm>
-            <a:off x="632045" y="1742817"/>
+            <a:off x="622714" y="1658842"/>
             <a:ext cx="8387080" cy="496290"/>
           </a:xfrm>
           <a:prstGeom prst="rect">
@@ -9886,19 +9731,26 @@
           </a:bodyPr>
           <a:lstStyle/>
           <a:p>
-            <a:pPr indent="0" fontAlgn="auto">
+            <a:pPr marL="252000" indent="-252000" fontAlgn="auto">
               <a:lnSpc>
                 <a:spcPct val="150000"/>
               </a:lnSpc>
-              <a:buFont typeface="Wingdings" panose="05000000000000000000" charset="0"/>
-              <a:buNone/>
+              <a:buFont typeface="Wingdings" pitchFamily="2" charset="2"/>
+              <a:buChar char="l"/>
             </a:pPr>
+            <a:r>
+              <a:rPr lang="zh-CN" altLang="en-US" sz="2000" b="0" dirty="0" smtClean="0">
+                <a:latin typeface="宋体" charset="0"/>
+                <a:cs typeface="宋体" charset="0"/>
+              </a:rPr>
+              <a:t>我们和其他主要</a:t>
+            </a:r>
             <a:r>
               <a:rPr lang="zh-CN" altLang="en-US" sz="2000" b="0" dirty="0">
                 <a:latin typeface="宋体" charset="0"/>
                 <a:cs typeface="宋体" charset="0"/>
               </a:rPr>
-              <a:t>主要品牌的生产工艺及其</a:t>
+              <a:t>品牌的生产工艺及其</a:t>
             </a:r>
             <a:r>
               <a:rPr lang="zh-CN" altLang="en-US" sz="2000" b="0" dirty="0" smtClean="0">
@@ -9962,8 +9814,8 @@
           </p:nvPr>
         </p:nvGraphicFramePr>
         <p:xfrm>
-          <a:off x="597159" y="2446926"/>
-          <a:ext cx="7109927" cy="4104246"/>
+          <a:off x="401216" y="2269645"/>
+          <a:ext cx="7109927" cy="4060241"/>
         </p:xfrm>
         <a:graphic>
           <a:graphicData uri="http://schemas.openxmlformats.org/drawingml/2006/table">
@@ -10115,10 +9967,10 @@
                         <a:buNone/>
                       </a:pPr>
                       <a:r>
-                        <a:rPr lang="en-US" altLang="zh-CN" sz="1800"/>
+                        <a:rPr lang="en-US" altLang="zh-CN" sz="1800" dirty="0"/>
                         <a:t>397.3</a:t>
                       </a:r>
-                      <a:endParaRPr lang="en-US" altLang="zh-CN" sz="1800" b="0">
+                      <a:endParaRPr lang="en-US" altLang="zh-CN" sz="1800" b="0" dirty="0">
                         <a:latin typeface="Times New Roman" pitchFamily="18" charset="0"/>
                         <a:ea typeface="Calibri" charset="0"/>
                         <a:cs typeface="Times New Roman" pitchFamily="18" charset="0"/>
@@ -10569,7 +10421,7 @@
         </p:nvSpPr>
         <p:spPr>
           <a:xfrm>
-            <a:off x="8206559" y="1477839"/>
+            <a:off x="7702707" y="1169929"/>
             <a:ext cx="1499128" cy="400110"/>
           </a:xfrm>
           <a:prstGeom prst="rect">
@@ -10605,7 +10457,7 @@
       </p:sp>
       <p:pic>
         <p:nvPicPr>
-          <p:cNvPr id="1027" name="Picture 3"/>
+          <p:cNvPr id="1026" name="Picture 2"/>
           <p:cNvPicPr>
             <a:picLocks noChangeAspect="1" noChangeArrowheads="1"/>
           </p:cNvPicPr>
@@ -10620,40 +10472,7 @@
         </p:blipFill>
         <p:spPr bwMode="auto">
           <a:xfrm>
-            <a:off x="7880341" y="4009441"/>
-            <a:ext cx="3959234" cy="1365102"/>
-          </a:xfrm>
-          <a:prstGeom prst="rect">
-            <a:avLst/>
-          </a:prstGeom>
-          <a:noFill/>
-          <a:ln w="9525">
-            <a:noFill/>
-            <a:miter lim="800000"/>
-            <a:headEnd/>
-            <a:tailEnd/>
-          </a:ln>
-          <a:effectLst/>
-        </p:spPr>
-      </p:pic>
-      <p:pic>
-        <p:nvPicPr>
-          <p:cNvPr id="1026" name="Picture 2"/>
-          <p:cNvPicPr>
-            <a:picLocks noChangeAspect="1" noChangeArrowheads="1"/>
-          </p:cNvPicPr>
-          <p:nvPr/>
-        </p:nvPicPr>
-        <p:blipFill>
-          <a:blip r:embed="rId4"/>
-          <a:srcRect/>
-          <a:stretch>
-            <a:fillRect/>
-          </a:stretch>
-        </p:blipFill>
-        <p:spPr bwMode="auto">
-          <a:xfrm>
-            <a:off x="7858124" y="2269086"/>
+            <a:off x="7774148" y="3024864"/>
             <a:ext cx="4006815" cy="1521863"/>
           </a:xfrm>
           <a:prstGeom prst="rect">
@@ -10669,6 +10488,198 @@
           <a:effectLst/>
         </p:spPr>
       </p:pic>
+      <p:grpSp>
+        <p:nvGrpSpPr>
+          <p:cNvPr id="10" name="组合 9"/>
+          <p:cNvGrpSpPr/>
+          <p:nvPr/>
+        </p:nvGrpSpPr>
+        <p:grpSpPr>
+          <a:xfrm>
+            <a:off x="7777704" y="5082462"/>
+            <a:ext cx="3959234" cy="1365102"/>
+            <a:chOff x="7861680" y="3776176"/>
+            <a:chExt cx="3959234" cy="1365102"/>
+          </a:xfrm>
+        </p:grpSpPr>
+        <p:pic>
+          <p:nvPicPr>
+            <p:cNvPr id="1027" name="Picture 3"/>
+            <p:cNvPicPr>
+              <a:picLocks noChangeAspect="1" noChangeArrowheads="1"/>
+            </p:cNvPicPr>
+            <p:nvPr/>
+          </p:nvPicPr>
+          <p:blipFill>
+            <a:blip r:embed="rId4"/>
+            <a:srcRect/>
+            <a:stretch>
+              <a:fillRect/>
+            </a:stretch>
+          </p:blipFill>
+          <p:spPr bwMode="auto">
+            <a:xfrm>
+              <a:off x="7861680" y="3776176"/>
+              <a:ext cx="3959234" cy="1365102"/>
+            </a:xfrm>
+            <a:prstGeom prst="rect">
+              <a:avLst/>
+            </a:prstGeom>
+            <a:noFill/>
+            <a:ln w="9525">
+              <a:noFill/>
+              <a:miter lim="800000"/>
+              <a:headEnd/>
+              <a:tailEnd/>
+            </a:ln>
+            <a:effectLst/>
+          </p:spPr>
+        </p:pic>
+        <p:sp>
+          <p:nvSpPr>
+            <p:cNvPr id="9" name="矩形 8"/>
+            <p:cNvSpPr/>
+            <p:nvPr/>
+          </p:nvSpPr>
+          <p:spPr>
+            <a:xfrm>
+              <a:off x="10954139" y="4236098"/>
+              <a:ext cx="251926" cy="177282"/>
+            </a:xfrm>
+            <a:prstGeom prst="rect">
+              <a:avLst/>
+            </a:prstGeom>
+            <a:solidFill>
+              <a:schemeClr val="bg1"/>
+            </a:solidFill>
+            <a:ln>
+              <a:solidFill>
+                <a:schemeClr val="bg1"/>
+              </a:solidFill>
+            </a:ln>
+          </p:spPr>
+          <p:style>
+            <a:lnRef idx="2">
+              <a:schemeClr val="accent1">
+                <a:shade val="50000"/>
+              </a:schemeClr>
+            </a:lnRef>
+            <a:fillRef idx="1">
+              <a:schemeClr val="accent1"/>
+            </a:fillRef>
+            <a:effectRef idx="0">
+              <a:schemeClr val="accent1"/>
+            </a:effectRef>
+            <a:fontRef idx="minor">
+              <a:schemeClr val="lt1"/>
+            </a:fontRef>
+          </p:style>
+          <p:txBody>
+            <a:bodyPr rtlCol="0" anchor="ctr"/>
+            <a:lstStyle/>
+            <a:p>
+              <a:pPr algn="ctr"/>
+              <a:endParaRPr lang="zh-CN" altLang="en-US"/>
+            </a:p>
+          </p:txBody>
+        </p:sp>
+      </p:grpSp>
+      <p:grpSp>
+        <p:nvGrpSpPr>
+          <p:cNvPr id="13" name="组合 12"/>
+          <p:cNvGrpSpPr/>
+          <p:nvPr/>
+        </p:nvGrpSpPr>
+        <p:grpSpPr>
+          <a:xfrm>
+            <a:off x="7762680" y="2403800"/>
+            <a:ext cx="4067247" cy="815261"/>
+            <a:chOff x="7762680" y="2403800"/>
+            <a:chExt cx="4067247" cy="815261"/>
+          </a:xfrm>
+        </p:grpSpPr>
+        <p:pic>
+          <p:nvPicPr>
+            <p:cNvPr id="4098" name="Picture 2"/>
+            <p:cNvPicPr>
+              <a:picLocks noChangeAspect="1" noChangeArrowheads="1"/>
+            </p:cNvPicPr>
+            <p:nvPr/>
+          </p:nvPicPr>
+          <p:blipFill>
+            <a:blip r:embed="rId5"/>
+            <a:srcRect/>
+            <a:stretch>
+              <a:fillRect/>
+            </a:stretch>
+          </p:blipFill>
+          <p:spPr bwMode="auto">
+            <a:xfrm>
+              <a:off x="7762680" y="2403800"/>
+              <a:ext cx="4067247" cy="815261"/>
+            </a:xfrm>
+            <a:prstGeom prst="rect">
+              <a:avLst/>
+            </a:prstGeom>
+            <a:noFill/>
+            <a:ln w="9525">
+              <a:noFill/>
+              <a:miter lim="800000"/>
+              <a:headEnd/>
+              <a:tailEnd/>
+            </a:ln>
+            <a:effectLst/>
+          </p:spPr>
+        </p:pic>
+        <p:sp>
+          <p:nvSpPr>
+            <p:cNvPr id="12" name="矩形 11"/>
+            <p:cNvSpPr/>
+            <p:nvPr/>
+          </p:nvSpPr>
+          <p:spPr>
+            <a:xfrm>
+              <a:off x="10347649" y="3069771"/>
+              <a:ext cx="363894" cy="139960"/>
+            </a:xfrm>
+            <a:prstGeom prst="rect">
+              <a:avLst/>
+            </a:prstGeom>
+            <a:solidFill>
+              <a:schemeClr val="bg1"/>
+            </a:solidFill>
+            <a:ln>
+              <a:solidFill>
+                <a:schemeClr val="bg1"/>
+              </a:solidFill>
+            </a:ln>
+          </p:spPr>
+          <p:style>
+            <a:lnRef idx="2">
+              <a:schemeClr val="accent1">
+                <a:shade val="50000"/>
+              </a:schemeClr>
+            </a:lnRef>
+            <a:fillRef idx="1">
+              <a:schemeClr val="accent1"/>
+            </a:fillRef>
+            <a:effectRef idx="0">
+              <a:schemeClr val="accent1"/>
+            </a:effectRef>
+            <a:fontRef idx="minor">
+              <a:schemeClr val="lt1"/>
+            </a:fontRef>
+          </p:style>
+          <p:txBody>
+            <a:bodyPr rtlCol="0" anchor="ctr"/>
+            <a:lstStyle/>
+            <a:p>
+              <a:pPr algn="ctr"/>
+              <a:endParaRPr lang="zh-CN" altLang="en-US"/>
+            </a:p>
+          </p:txBody>
+        </p:sp>
+      </p:grpSp>
     </p:spTree>
   </p:cSld>
   <p:clrMapOvr>
@@ -10710,7 +10721,7 @@
         <p:spPr>
           <a:xfrm>
             <a:off x="335513" y="1436486"/>
-            <a:ext cx="10590634" cy="3785652"/>
+            <a:ext cx="10590634" cy="4247317"/>
           </a:xfrm>
           <a:prstGeom prst="rect">
             <a:avLst/>
@@ -10726,7 +10737,7 @@
           </a:bodyPr>
           <a:lstStyle/>
           <a:p>
-            <a:pPr marL="342900" indent="0" algn="l" fontAlgn="auto">
+            <a:pPr marL="252000" indent="-252000" algn="l" fontAlgn="auto">
               <a:lnSpc>
                 <a:spcPct val="150000"/>
               </a:lnSpc>
@@ -10738,11 +10749,256 @@
                 <a:latin typeface="Times New Roman" pitchFamily="18" charset="0"/>
                 <a:cs typeface="Times New Roman" pitchFamily="18" charset="0"/>
               </a:rPr>
-              <a:t>根据可信市场报告估计</a:t>
-            </a:r>
-          </a:p>
-          <a:p>
-            <a:pPr marL="342900" indent="0" algn="l" fontAlgn="auto">
+              <a:t>根据可信市场</a:t>
+            </a:r>
+            <a:r>
+              <a:rPr lang="zh-CN" altLang="en-US" sz="2000" b="0" dirty="0" smtClean="0">
+                <a:latin typeface="Times New Roman" pitchFamily="18" charset="0"/>
+                <a:cs typeface="Times New Roman" pitchFamily="18" charset="0"/>
+              </a:rPr>
+              <a:t>报告（</a:t>
+            </a:r>
+            <a:r>
+              <a:rPr lang="en-US" altLang="zh-CN" sz="2000" b="0" dirty="0" smtClean="0">
+                <a:latin typeface="Times New Roman" pitchFamily="18" charset="0"/>
+                <a:cs typeface="Times New Roman" pitchFamily="18" charset="0"/>
+              </a:rPr>
+              <a:t>BMRC</a:t>
+            </a:r>
+            <a:r>
+              <a:rPr lang="zh-CN" altLang="en-US" sz="2000" b="0" dirty="0" smtClean="0">
+                <a:latin typeface="Times New Roman" pitchFamily="18" charset="0"/>
+                <a:cs typeface="Times New Roman" pitchFamily="18" charset="0"/>
+              </a:rPr>
+              <a:t>）估计</a:t>
+            </a:r>
+            <a:endParaRPr lang="en-US" altLang="zh-CN" sz="2000" b="0" dirty="0" smtClean="0">
+              <a:latin typeface="Times New Roman" pitchFamily="18" charset="0"/>
+              <a:cs typeface="Times New Roman" pitchFamily="18" charset="0"/>
+            </a:endParaRPr>
+          </a:p>
+          <a:p>
+            <a:pPr marL="252000">
+              <a:lnSpc>
+                <a:spcPct val="150000"/>
+              </a:lnSpc>
+            </a:pPr>
+            <a:r>
+              <a:rPr lang="zh-CN" altLang="en-US" sz="2000" dirty="0" smtClean="0">
+                <a:latin typeface="Times New Roman" pitchFamily="18" charset="0"/>
+                <a:cs typeface="Times New Roman" pitchFamily="18" charset="0"/>
+              </a:rPr>
+              <a:t>据</a:t>
+            </a:r>
+            <a:r>
+              <a:rPr lang="en-US" altLang="zh-CN" sz="2000" dirty="0" smtClean="0">
+                <a:latin typeface="Times New Roman" pitchFamily="18" charset="0"/>
+                <a:cs typeface="Times New Roman" pitchFamily="18" charset="0"/>
+              </a:rPr>
+              <a:t>BMRC</a:t>
+            </a:r>
+            <a:r>
+              <a:rPr lang="zh-CN" altLang="en-US" sz="2000" dirty="0" smtClean="0">
+                <a:latin typeface="Times New Roman" pitchFamily="18" charset="0"/>
+                <a:cs typeface="Times New Roman" pitchFamily="18" charset="0"/>
+              </a:rPr>
+              <a:t>预测，</a:t>
+            </a:r>
+            <a:r>
+              <a:rPr lang="en-US" altLang="zh-CN" sz="2000" dirty="0" smtClean="0">
+                <a:latin typeface="Times New Roman" pitchFamily="18" charset="0"/>
+                <a:cs typeface="Times New Roman" pitchFamily="18" charset="0"/>
+              </a:rPr>
+              <a:t>2022</a:t>
+            </a:r>
+            <a:r>
+              <a:rPr lang="zh-CN" altLang="en-US" sz="2000" dirty="0" smtClean="0">
+                <a:latin typeface="Times New Roman" pitchFamily="18" charset="0"/>
+                <a:cs typeface="Times New Roman" pitchFamily="18" charset="0"/>
+              </a:rPr>
+              <a:t>年全球</a:t>
+            </a:r>
+            <a:r>
+              <a:rPr lang="en-US" altLang="zh-CN" sz="2000" dirty="0" smtClean="0">
+                <a:latin typeface="Times New Roman" pitchFamily="18" charset="0"/>
+                <a:cs typeface="Times New Roman" pitchFamily="18" charset="0"/>
+              </a:rPr>
+              <a:t>NMN</a:t>
+            </a:r>
+            <a:r>
+              <a:rPr lang="zh-CN" altLang="en-US" sz="2000" dirty="0" smtClean="0">
+                <a:latin typeface="Times New Roman" pitchFamily="18" charset="0"/>
+                <a:cs typeface="Times New Roman" pitchFamily="18" charset="0"/>
+              </a:rPr>
+              <a:t>市场为</a:t>
+            </a:r>
+            <a:r>
+              <a:rPr lang="en-US" altLang="zh-CN" sz="2000" dirty="0" smtClean="0">
+                <a:latin typeface="Times New Roman" pitchFamily="18" charset="0"/>
+                <a:cs typeface="Times New Roman" pitchFamily="18" charset="0"/>
+              </a:rPr>
+              <a:t>103.5</a:t>
+            </a:r>
+            <a:r>
+              <a:rPr lang="zh-CN" altLang="en-US" sz="2000" dirty="0" smtClean="0">
+                <a:latin typeface="Times New Roman" pitchFamily="18" charset="0"/>
+                <a:cs typeface="Times New Roman" pitchFamily="18" charset="0"/>
+              </a:rPr>
+              <a:t>亿美元（约合</a:t>
+            </a:r>
+            <a:r>
+              <a:rPr lang="en-US" altLang="zh-CN" sz="2000" dirty="0" smtClean="0">
+                <a:latin typeface="Times New Roman" pitchFamily="18" charset="0"/>
+                <a:cs typeface="Times New Roman" pitchFamily="18" charset="0"/>
+              </a:rPr>
+              <a:t>683</a:t>
+            </a:r>
+            <a:r>
+              <a:rPr lang="zh-CN" altLang="en-US" sz="2000" dirty="0" smtClean="0">
+                <a:latin typeface="Times New Roman" pitchFamily="18" charset="0"/>
+                <a:cs typeface="Times New Roman" pitchFamily="18" charset="0"/>
+              </a:rPr>
+              <a:t>亿元），中国</a:t>
+            </a:r>
+            <a:r>
+              <a:rPr lang="zh-CN" altLang="en-US" sz="2000" dirty="0" smtClean="0">
+                <a:latin typeface="Times New Roman" pitchFamily="18" charset="0"/>
+                <a:cs typeface="Times New Roman" pitchFamily="18" charset="0"/>
+              </a:rPr>
+              <a:t>占总消费市场的66.6%，预测</a:t>
+            </a:r>
+            <a:r>
+              <a:rPr lang="zh-CN" altLang="en-US" sz="2000" dirty="0" smtClean="0">
+                <a:solidFill>
+                  <a:srgbClr val="C00000"/>
+                </a:solidFill>
+                <a:latin typeface="Times New Roman" pitchFamily="18" charset="0"/>
+                <a:cs typeface="Times New Roman" pitchFamily="18" charset="0"/>
+              </a:rPr>
+              <a:t>我们占据全国市场</a:t>
+            </a:r>
+            <a:r>
+              <a:rPr lang="zh-CN" altLang="en-US" sz="2000" dirty="0" smtClean="0">
+                <a:solidFill>
+                  <a:srgbClr val="C00000"/>
+                </a:solidFill>
+                <a:latin typeface="Times New Roman" pitchFamily="18" charset="0"/>
+                <a:cs typeface="Times New Roman" pitchFamily="18" charset="0"/>
+              </a:rPr>
+              <a:t>的</a:t>
+            </a:r>
+            <a:r>
+              <a:rPr lang="en-US" altLang="zh-CN" sz="2000" dirty="0" smtClean="0">
+                <a:solidFill>
+                  <a:srgbClr val="C00000"/>
+                </a:solidFill>
+                <a:latin typeface="Times New Roman" pitchFamily="18" charset="0"/>
+                <a:cs typeface="Times New Roman" pitchFamily="18" charset="0"/>
+              </a:rPr>
+              <a:t>1</a:t>
+            </a:r>
+            <a:r>
+              <a:rPr lang="zh-CN" altLang="en-US" sz="2000" dirty="0" smtClean="0">
+                <a:solidFill>
+                  <a:srgbClr val="C00000"/>
+                </a:solidFill>
+                <a:latin typeface="Times New Roman" pitchFamily="18" charset="0"/>
+                <a:cs typeface="Times New Roman" pitchFamily="18" charset="0"/>
+              </a:rPr>
+              <a:t>0</a:t>
+            </a:r>
+            <a:r>
+              <a:rPr lang="zh-CN" altLang="en-US" sz="2000" dirty="0" smtClean="0">
+                <a:solidFill>
+                  <a:srgbClr val="C00000"/>
+                </a:solidFill>
+                <a:latin typeface="Times New Roman" pitchFamily="18" charset="0"/>
+                <a:cs typeface="Times New Roman" pitchFamily="18" charset="0"/>
+              </a:rPr>
+              <a:t>%</a:t>
+            </a:r>
+            <a:r>
+              <a:rPr lang="zh-CN" altLang="en-US" sz="2000" dirty="0" smtClean="0">
+                <a:latin typeface="Times New Roman" pitchFamily="18" charset="0"/>
+                <a:cs typeface="Times New Roman" pitchFamily="18" charset="0"/>
+              </a:rPr>
+              <a:t>，</a:t>
+            </a:r>
+            <a:r>
+              <a:rPr lang="zh-CN" altLang="en-US" sz="2000" dirty="0" smtClean="0">
+                <a:latin typeface="Times New Roman" pitchFamily="18" charset="0"/>
+                <a:cs typeface="Times New Roman" pitchFamily="18" charset="0"/>
+              </a:rPr>
+              <a:t>由此</a:t>
+            </a:r>
+            <a:r>
+              <a:rPr lang="zh-CN" altLang="en-US" sz="2000" dirty="0" smtClean="0">
+                <a:latin typeface="Times New Roman" pitchFamily="18" charset="0"/>
+                <a:cs typeface="Times New Roman" pitchFamily="18" charset="0"/>
+              </a:rPr>
+              <a:t>推算</a:t>
+            </a:r>
+            <a:r>
+              <a:rPr lang="en-US" altLang="zh-CN" sz="2000" dirty="0" smtClean="0">
+                <a:solidFill>
+                  <a:srgbClr val="C00000"/>
+                </a:solidFill>
+                <a:latin typeface="Times New Roman" pitchFamily="18" charset="0"/>
+                <a:cs typeface="Times New Roman" pitchFamily="18" charset="0"/>
+              </a:rPr>
+              <a:t>2022</a:t>
+            </a:r>
+            <a:r>
+              <a:rPr lang="zh-CN" altLang="en-US" sz="2000" dirty="0" smtClean="0">
+                <a:solidFill>
+                  <a:srgbClr val="C00000"/>
+                </a:solidFill>
+                <a:latin typeface="Times New Roman" pitchFamily="18" charset="0"/>
+                <a:cs typeface="Times New Roman" pitchFamily="18" charset="0"/>
+              </a:rPr>
+              <a:t>年</a:t>
+            </a:r>
+            <a:r>
+              <a:rPr lang="zh-CN" altLang="en-US" sz="2000" dirty="0" smtClean="0">
+                <a:latin typeface="Times New Roman" pitchFamily="18" charset="0"/>
+                <a:cs typeface="Times New Roman" pitchFamily="18" charset="0"/>
+              </a:rPr>
+              <a:t>市场规模可达约</a:t>
+            </a:r>
+            <a:r>
+              <a:rPr lang="en-US" altLang="zh-CN" sz="2000" dirty="0" smtClean="0">
+                <a:solidFill>
+                  <a:srgbClr val="C00000"/>
+                </a:solidFill>
+                <a:latin typeface="Times New Roman" pitchFamily="18" charset="0"/>
+                <a:cs typeface="Times New Roman" pitchFamily="18" charset="0"/>
+              </a:rPr>
+              <a:t>45</a:t>
+            </a:r>
+            <a:r>
+              <a:rPr lang="zh-CN" altLang="en-US" sz="2000" dirty="0" smtClean="0">
+                <a:solidFill>
+                  <a:srgbClr val="C00000"/>
+                </a:solidFill>
+                <a:latin typeface="Times New Roman" pitchFamily="18" charset="0"/>
+                <a:cs typeface="Times New Roman" pitchFamily="18" charset="0"/>
+              </a:rPr>
+              <a:t>亿元</a:t>
+            </a:r>
+            <a:r>
+              <a:rPr lang="zh-CN" altLang="en-US" sz="2000" dirty="0" smtClean="0">
+                <a:latin typeface="Times New Roman" pitchFamily="18" charset="0"/>
+                <a:cs typeface="Times New Roman" pitchFamily="18" charset="0"/>
+              </a:rPr>
+              <a:t>。</a:t>
+            </a:r>
+            <a:endParaRPr lang="en-US" altLang="zh-CN" sz="2000" b="0" dirty="0" smtClean="0">
+              <a:latin typeface="Times New Roman" pitchFamily="18" charset="0"/>
+              <a:cs typeface="Times New Roman" pitchFamily="18" charset="0"/>
+            </a:endParaRPr>
+          </a:p>
+          <a:p>
+            <a:pPr marL="252000" indent="0" algn="l" fontAlgn="auto">
               <a:lnSpc>
                 <a:spcPct val="150000"/>
               </a:lnSpc>
@@ -10754,14 +11010,28 @@
                 <a:latin typeface="Times New Roman" pitchFamily="18" charset="0"/>
                 <a:cs typeface="Times New Roman" pitchFamily="18" charset="0"/>
               </a:rPr>
-              <a:t>未来</a:t>
+              <a:t>未来5年（</a:t>
+            </a:r>
+            <a:r>
+              <a:rPr lang="en-US" altLang="zh-CN" sz="2000" b="0" dirty="0" smtClean="0">
+                <a:latin typeface="Times New Roman" pitchFamily="18" charset="0"/>
+                <a:cs typeface="Times New Roman" pitchFamily="18" charset="0"/>
+              </a:rPr>
+              <a:t>2025</a:t>
+            </a:r>
+            <a:r>
+              <a:rPr lang="zh-CN" altLang="en-US" sz="2000" b="0" dirty="0" smtClean="0">
+                <a:latin typeface="Times New Roman" pitchFamily="18" charset="0"/>
+                <a:cs typeface="Times New Roman" pitchFamily="18" charset="0"/>
+              </a:rPr>
+              <a:t>年）NMN</a:t>
             </a:r>
             <a:r>
               <a:rPr lang="zh-CN" altLang="en-US" sz="2000" b="0" dirty="0">
                 <a:latin typeface="Times New Roman" pitchFamily="18" charset="0"/>
                 <a:cs typeface="Times New Roman" pitchFamily="18" charset="0"/>
               </a:rPr>
-              <a:t>5年NMN市场预估可达</a:t>
+              <a:t>市场预估可达</a:t>
             </a:r>
             <a:r>
               <a:rPr lang="zh-CN" altLang="en-US" sz="2000" b="0" dirty="0" smtClean="0">
@@ -10810,14 +11080,24 @@
                 <a:latin typeface="Times New Roman" pitchFamily="18" charset="0"/>
                 <a:cs typeface="Times New Roman" pitchFamily="18" charset="0"/>
               </a:rPr>
-              <a:t>亿元），</a:t>
-            </a:r>
-            <a:r>
-              <a:rPr lang="zh-CN" altLang="en-US" sz="2000" b="0" dirty="0">
-                <a:latin typeface="Times New Roman" pitchFamily="18" charset="0"/>
-                <a:cs typeface="Times New Roman" pitchFamily="18" charset="0"/>
-              </a:rPr>
-              <a:t>中国占总消费市场的66.6%，预测</a:t>
+              <a:t>亿元</a:t>
+            </a:r>
+            <a:r>
+              <a:rPr lang="zh-CN" altLang="en-US" sz="2000" b="0" dirty="0" smtClean="0">
+                <a:latin typeface="Times New Roman" pitchFamily="18" charset="0"/>
+                <a:cs typeface="Times New Roman" pitchFamily="18" charset="0"/>
+              </a:rPr>
+              <a:t>），预测此时</a:t>
+            </a:r>
+            <a:r>
+              <a:rPr lang="zh-CN" altLang="en-US" sz="2000" b="0" dirty="0" smtClean="0">
+                <a:solidFill>
+                  <a:srgbClr val="C00000"/>
+                </a:solidFill>
+                <a:latin typeface="Times New Roman" pitchFamily="18" charset="0"/>
+                <a:cs typeface="Times New Roman" pitchFamily="18" charset="0"/>
+              </a:rPr>
+              <a:t>我们</a:t>
             </a:r>
             <a:r>
               <a:rPr lang="zh-CN" altLang="en-US" sz="2000" b="0" dirty="0">
@@ -10827,7 +11107,7 @@
                 <a:latin typeface="Times New Roman" pitchFamily="18" charset="0"/>
                 <a:cs typeface="Times New Roman" pitchFamily="18" charset="0"/>
               </a:rPr>
-              <a:t>我们占据全国市场的30%</a:t>
+              <a:t>占据全国市场的30%</a:t>
             </a:r>
             <a:r>
               <a:rPr lang="zh-CN" altLang="en-US" sz="2000" b="0" dirty="0">
@@ -10865,7 +11145,7 @@
                 <a:latin typeface="Times New Roman" pitchFamily="18" charset="0"/>
                 <a:cs typeface="Times New Roman" pitchFamily="18" charset="0"/>
               </a:rPr>
-              <a:t>达</a:t>
+              <a:t>达约</a:t>
             </a:r>
             <a:r>
               <a:rPr lang="en-US" altLang="zh-CN" sz="2000" b="0" dirty="0" smtClean="0">
@@ -10875,7 +11155,7 @@
                 <a:latin typeface="Times New Roman" pitchFamily="18" charset="0"/>
                 <a:cs typeface="Times New Roman" pitchFamily="18" charset="0"/>
               </a:rPr>
-              <a:t>169</a:t>
+              <a:t>170</a:t>
             </a:r>
             <a:r>
               <a:rPr lang="zh-CN" altLang="en-US" sz="2000" b="0" dirty="0" smtClean="0">
@@ -10901,13 +11181,13 @@
               </a:rPr>
               <a:t>。</a:t>
             </a:r>
-            <a:endParaRPr lang="en-US" altLang="zh-CN" sz="2000" b="0" dirty="0" smtClean="0">
+            <a:endParaRPr lang="en-US" altLang="zh-CN" sz="2000" dirty="0" smtClean="0">
               <a:latin typeface="Times New Roman" pitchFamily="18" charset="0"/>
               <a:cs typeface="Times New Roman" pitchFamily="18" charset="0"/>
             </a:endParaRPr>
           </a:p>
           <a:p>
-            <a:pPr marL="342900" indent="0" algn="l" fontAlgn="auto">
+            <a:pPr marL="252000" indent="0" algn="l" fontAlgn="auto">
               <a:lnSpc>
                 <a:spcPct val="150000"/>
               </a:lnSpc>
@@ -10920,7 +11200,7 @@
             </a:endParaRPr>
           </a:p>
           <a:p>
-            <a:pPr marL="342900" indent="0" algn="l" fontAlgn="auto">
+            <a:pPr marL="252000" indent="-252000" algn="l" fontAlgn="auto">
               <a:lnSpc>
                 <a:spcPct val="150000"/>
               </a:lnSpc>
@@ -10936,7 +11216,7 @@
             </a:r>
           </a:p>
           <a:p>
-            <a:pPr marL="342900">
+            <a:pPr marL="252000">
               <a:lnSpc>
                 <a:spcPct val="150000"/>
               </a:lnSpc>
@@ -10946,7 +11226,14 @@
                 <a:latin typeface="Times New Roman" pitchFamily="18" charset="0"/>
                 <a:cs typeface="Times New Roman" pitchFamily="18" charset="0"/>
               </a:rPr>
-              <a:t>按照中信证券的报告，</a:t>
+              <a:t>按照中信证券的报告</a:t>
+            </a:r>
+            <a:r>
+              <a:rPr lang="zh-CN" altLang="en-US" sz="2000" dirty="0" smtClean="0">
+                <a:latin typeface="Times New Roman" pitchFamily="18" charset="0"/>
+                <a:cs typeface="Times New Roman" pitchFamily="18" charset="0"/>
+              </a:rPr>
+              <a:t>，如果</a:t>
             </a:r>
             <a:r>
               <a:rPr lang="en-US" altLang="zh-CN" sz="2000" dirty="0" smtClean="0">
@@ -10960,55 +11247,13 @@
                 <a:latin typeface="Times New Roman" pitchFamily="18" charset="0"/>
                 <a:cs typeface="Times New Roman" pitchFamily="18" charset="0"/>
               </a:rPr>
-              <a:t>产品每覆盖</a:t>
+              <a:t>产品能覆盖当前服用保健品人口的</a:t>
             </a:r>
             <a:r>
               <a:rPr lang="en-US" altLang="zh-CN" sz="2000" dirty="0" smtClean="0">
                 <a:latin typeface="Times New Roman" pitchFamily="18" charset="0"/>
                 <a:cs typeface="Times New Roman" pitchFamily="18" charset="0"/>
               </a:rPr>
-              <a:t>1%</a:t>
-            </a:r>
-            <a:r>
-              <a:rPr lang="zh-CN" altLang="en-US" sz="2000" dirty="0" smtClean="0">
-                <a:latin typeface="Times New Roman" pitchFamily="18" charset="0"/>
-                <a:cs typeface="Times New Roman" pitchFamily="18" charset="0"/>
-              </a:rPr>
-              <a:t>保健品人口对应</a:t>
-            </a:r>
-            <a:r>
-              <a:rPr lang="en-US" altLang="zh-CN" sz="2000" dirty="0" smtClean="0">
-                <a:latin typeface="Times New Roman" pitchFamily="18" charset="0"/>
-                <a:cs typeface="Times New Roman" pitchFamily="18" charset="0"/>
-              </a:rPr>
-              <a:t>304</a:t>
-            </a:r>
-            <a:r>
-              <a:rPr lang="zh-CN" altLang="en-US" sz="2000" dirty="0" smtClean="0">
-                <a:latin typeface="Times New Roman" pitchFamily="18" charset="0"/>
-                <a:cs typeface="Times New Roman" pitchFamily="18" charset="0"/>
-              </a:rPr>
-              <a:t>亿元市场空间，伴随抗衰老产品未来市场不断推广，如果</a:t>
-            </a:r>
-            <a:r>
-              <a:rPr lang="en-US" altLang="zh-CN" sz="2000" dirty="0" smtClean="0">
-                <a:latin typeface="Times New Roman" pitchFamily="18" charset="0"/>
-                <a:cs typeface="Times New Roman" pitchFamily="18" charset="0"/>
-              </a:rPr>
-              <a:t>NMN</a:t>
-            </a:r>
-            <a:r>
-              <a:rPr lang="zh-CN" altLang="en-US" sz="2000" dirty="0" smtClean="0">
-                <a:latin typeface="Times New Roman" pitchFamily="18" charset="0"/>
-                <a:cs typeface="Times New Roman" pitchFamily="18" charset="0"/>
-              </a:rPr>
-              <a:t>产品能覆盖当前服用保健品人口的</a:t>
-            </a:r>
-            <a:r>
-              <a:rPr lang="en-US" altLang="zh-CN" sz="2000" dirty="0" smtClean="0">
-                <a:latin typeface="Times New Roman" pitchFamily="18" charset="0"/>
-                <a:cs typeface="Times New Roman" pitchFamily="18" charset="0"/>
-              </a:rPr>
               <a:t>3%</a:t>
             </a:r>
             <a:r>
@@ -11016,7 +11261,41 @@
                 <a:latin typeface="Times New Roman" pitchFamily="18" charset="0"/>
                 <a:cs typeface="Times New Roman" pitchFamily="18" charset="0"/>
               </a:rPr>
-              <a:t>，其市场规模有望达到千亿，按照我们的市场份额，我们的市场规模可达</a:t>
+              <a:t>，其市场规模有望达到千亿，按照我们的市场份额，我们的</a:t>
+            </a:r>
+            <a:r>
+              <a:rPr lang="zh-CN" altLang="en-US" sz="2000" dirty="0" smtClean="0">
+                <a:solidFill>
+                  <a:srgbClr val="C00000"/>
+                </a:solidFill>
+                <a:latin typeface="Times New Roman" pitchFamily="18" charset="0"/>
+                <a:cs typeface="Times New Roman" pitchFamily="18" charset="0"/>
+              </a:rPr>
+              <a:t>市场</a:t>
+            </a:r>
+            <a:r>
+              <a:rPr lang="zh-CN" altLang="en-US" sz="2000" dirty="0" smtClean="0">
+                <a:solidFill>
+                  <a:srgbClr val="C00000"/>
+                </a:solidFill>
+                <a:latin typeface="Times New Roman" pitchFamily="18" charset="0"/>
+                <a:cs typeface="Times New Roman" pitchFamily="18" charset="0"/>
+              </a:rPr>
+              <a:t>潜力</a:t>
+            </a:r>
+            <a:r>
+              <a:rPr lang="zh-CN" altLang="en-US" sz="2000" dirty="0" smtClean="0">
+                <a:latin typeface="Times New Roman" pitchFamily="18" charset="0"/>
+                <a:cs typeface="Times New Roman" pitchFamily="18" charset="0"/>
+              </a:rPr>
+              <a:t>可</a:t>
+            </a:r>
+            <a:r>
+              <a:rPr lang="zh-CN" altLang="en-US" sz="2000" dirty="0" smtClean="0">
+                <a:latin typeface="Times New Roman" pitchFamily="18" charset="0"/>
+                <a:cs typeface="Times New Roman" pitchFamily="18" charset="0"/>
+              </a:rPr>
+              <a:t>达</a:t>
             </a:r>
             <a:r>
               <a:rPr lang="en-US" altLang="zh-CN" sz="2000" dirty="0" smtClean="0">
@@ -11125,7 +11404,7 @@
         <p:spPr>
           <a:xfrm>
             <a:off x="629648" y="1602015"/>
-            <a:ext cx="10389805" cy="4247317"/>
+            <a:ext cx="10389805" cy="4708981"/>
           </a:xfrm>
           <a:prstGeom prst="rect">
             <a:avLst/>
@@ -11153,7 +11432,21 @@
                 <a:latin typeface="Times New Roman" pitchFamily="18" charset="0"/>
                 <a:cs typeface="Times New Roman" pitchFamily="18" charset="0"/>
               </a:rPr>
-              <a:t>我们的NMN产品投入生产线后，在社会和经济两方面都将产生巨大的效益</a:t>
+              <a:t>我们的NMN产品投入</a:t>
+            </a:r>
+            <a:r>
+              <a:rPr lang="zh-CN" altLang="en-US" sz="2000" b="0" dirty="0" smtClean="0">
+                <a:latin typeface="Times New Roman" pitchFamily="18" charset="0"/>
+                <a:cs typeface="Times New Roman" pitchFamily="18" charset="0"/>
+              </a:rPr>
+              <a:t>生产并开展销售业务后</a:t>
+            </a:r>
+            <a:r>
+              <a:rPr lang="zh-CN" altLang="en-US" sz="2000" b="0" dirty="0">
+                <a:latin typeface="Times New Roman" pitchFamily="18" charset="0"/>
+                <a:cs typeface="Times New Roman" pitchFamily="18" charset="0"/>
+              </a:rPr>
+              <a:t>，在社会和经济两方面都将产生巨大的效益</a:t>
             </a:r>
             <a:r>
               <a:rPr lang="zh-CN" altLang="en-US" sz="2000" b="0" dirty="0" smtClean="0">
@@ -11181,7 +11474,7 @@
             </a:endParaRPr>
           </a:p>
           <a:p>
-            <a:pPr fontAlgn="auto">
+            <a:pPr marL="252000" indent="-252000" fontAlgn="auto">
               <a:lnSpc>
                 <a:spcPct val="150000"/>
               </a:lnSpc>
@@ -11201,7 +11494,7 @@
             </a:endParaRPr>
           </a:p>
           <a:p>
-            <a:pPr fontAlgn="auto">
+            <a:pPr marL="252000" fontAlgn="auto">
               <a:lnSpc>
                 <a:spcPct val="150000"/>
               </a:lnSpc>
@@ -11247,7 +11540,38 @@
                 <a:latin typeface="Times New Roman" pitchFamily="18" charset="0"/>
                 <a:cs typeface="Times New Roman" pitchFamily="18" charset="0"/>
               </a:rPr>
-              <a:t>的需求，NMN减缓了细胞衰老，降低了心脑血管等病疾病的发病率；宏观上</a:t>
+              <a:t>的需求，NMN减缓了细胞衰老，降低了心脑血管等病疾病的</a:t>
+            </a:r>
+            <a:r>
+              <a:rPr lang="zh-CN" altLang="en-US" sz="2000" b="0" dirty="0" smtClean="0">
+                <a:latin typeface="Times New Roman" pitchFamily="18" charset="0"/>
+                <a:cs typeface="Times New Roman" pitchFamily="18" charset="0"/>
+              </a:rPr>
+              <a:t>发病率，增强了免疫系统，提高了公民的幸福指数；</a:t>
+            </a:r>
+            <a:r>
+              <a:rPr lang="zh-CN" altLang="en-US" sz="2000" b="0" dirty="0">
+                <a:latin typeface="Times New Roman" pitchFamily="18" charset="0"/>
+                <a:cs typeface="Times New Roman" pitchFamily="18" charset="0"/>
+              </a:rPr>
+              <a:t>宏观</a:t>
+            </a:r>
+            <a:r>
+              <a:rPr lang="zh-CN" altLang="en-US" sz="2000" b="0" dirty="0" smtClean="0">
+                <a:latin typeface="Times New Roman" pitchFamily="18" charset="0"/>
+                <a:cs typeface="Times New Roman" pitchFamily="18" charset="0"/>
+              </a:rPr>
+              <a:t>上在一定程度上</a:t>
+            </a:r>
+            <a:r>
+              <a:rPr lang="zh-CN" altLang="en-US" sz="2000" b="0" dirty="0" smtClean="0">
+                <a:solidFill>
+                  <a:srgbClr val="C00000"/>
+                </a:solidFill>
+                <a:latin typeface="Times New Roman" pitchFamily="18" charset="0"/>
+                <a:cs typeface="Times New Roman" pitchFamily="18" charset="0"/>
+              </a:rPr>
+              <a:t>减少</a:t>
             </a:r>
             <a:r>
               <a:rPr lang="zh-CN" altLang="en-US" sz="2000" b="0" dirty="0">
@@ -11257,14 +11581,41 @@
                 <a:latin typeface="Times New Roman" pitchFamily="18" charset="0"/>
                 <a:cs typeface="Times New Roman" pitchFamily="18" charset="0"/>
               </a:rPr>
-              <a:t>减少了医疗机构的负担</a:t>
-            </a:r>
-            <a:r>
-              <a:rPr lang="zh-CN" altLang="en-US" sz="2000" b="0" dirty="0">
+              <a:t>了医疗机构的负担</a:t>
+            </a:r>
+            <a:r>
+              <a:rPr lang="zh-CN" altLang="en-US" sz="2000" b="0" dirty="0" smtClean="0">
                 <a:latin typeface="Times New Roman" pitchFamily="18" charset="0"/>
                 <a:cs typeface="Times New Roman" pitchFamily="18" charset="0"/>
               </a:rPr>
               <a:t>，</a:t>
+            </a:r>
+            <a:r>
+              <a:rPr lang="zh-CN" altLang="en-US" sz="2000" b="0" dirty="0" smtClean="0">
+                <a:solidFill>
+                  <a:srgbClr val="C00000"/>
+                </a:solidFill>
+                <a:latin typeface="Times New Roman" pitchFamily="18" charset="0"/>
+                <a:cs typeface="Times New Roman" pitchFamily="18" charset="0"/>
+              </a:rPr>
+              <a:t>节省了医疗资源</a:t>
+            </a:r>
+            <a:r>
+              <a:rPr lang="zh-CN" altLang="en-US" sz="2000" b="0" dirty="0" smtClean="0">
+                <a:latin typeface="Times New Roman" pitchFamily="18" charset="0"/>
+                <a:cs typeface="Times New Roman" pitchFamily="18" charset="0"/>
+              </a:rPr>
+              <a:t>，</a:t>
+            </a:r>
+            <a:r>
+              <a:rPr lang="zh-CN" altLang="en-US" sz="2000" b="0" dirty="0" smtClean="0">
+                <a:solidFill>
+                  <a:srgbClr val="C00000"/>
+                </a:solidFill>
+                <a:latin typeface="Times New Roman" pitchFamily="18" charset="0"/>
+                <a:cs typeface="Times New Roman" pitchFamily="18" charset="0"/>
+              </a:rPr>
+              <a:t>提高</a:t>
             </a:r>
             <a:r>
               <a:rPr lang="zh-CN" altLang="en-US" sz="2000" b="0" dirty="0">
@@ -11274,7 +11625,7 @@
                 <a:latin typeface="Times New Roman" pitchFamily="18" charset="0"/>
                 <a:cs typeface="Times New Roman" pitchFamily="18" charset="0"/>
               </a:rPr>
-              <a:t>提高了公民的平均寿命</a:t>
+              <a:t>了公民的平均寿命</a:t>
             </a:r>
             <a:r>
               <a:rPr lang="zh-CN" altLang="en-US" sz="2000" b="0" dirty="0" smtClean="0">
@@ -11302,7 +11653,7 @@
             </a:endParaRPr>
           </a:p>
           <a:p>
-            <a:pPr fontAlgn="auto">
+            <a:pPr marL="252000" indent="-252000" fontAlgn="auto">
               <a:lnSpc>
                 <a:spcPct val="150000"/>
               </a:lnSpc>
@@ -11322,7 +11673,7 @@
             </a:endParaRPr>
           </a:p>
           <a:p>
-            <a:pPr fontAlgn="auto">
+            <a:pPr marL="252000" fontAlgn="auto">
               <a:lnSpc>
                 <a:spcPct val="150000"/>
               </a:lnSpc>
@@ -11337,6 +11688,50 @@
               <a:t>NMN产业将带来巨大的经济效益，估计一期建设需要</a:t>
             </a:r>
             <a:r>
+              <a:rPr lang="zh-CN" altLang="en-US" sz="2000" b="0" dirty="0" smtClean="0">
+                <a:solidFill>
+                  <a:srgbClr val="C00000"/>
+                </a:solidFill>
+                <a:latin typeface="Times New Roman" pitchFamily="18" charset="0"/>
+                <a:cs typeface="Times New Roman" pitchFamily="18" charset="0"/>
+              </a:rPr>
+              <a:t>投产</a:t>
+            </a:r>
+            <a:r>
+              <a:rPr lang="en-US" altLang="zh-CN" sz="2000" b="0" dirty="0" smtClean="0">
+                <a:solidFill>
+                  <a:srgbClr val="C00000"/>
+                </a:solidFill>
+                <a:latin typeface="Times New Roman" pitchFamily="18" charset="0"/>
+                <a:cs typeface="Times New Roman" pitchFamily="18" charset="0"/>
+              </a:rPr>
+              <a:t>5-10</a:t>
+            </a:r>
+            <a:r>
+              <a:rPr lang="zh-CN" altLang="en-US" sz="2000" b="0" dirty="0" smtClean="0">
+                <a:solidFill>
+                  <a:srgbClr val="C00000"/>
+                </a:solidFill>
+                <a:latin typeface="Times New Roman" pitchFamily="18" charset="0"/>
+                <a:cs typeface="Times New Roman" pitchFamily="18" charset="0"/>
+              </a:rPr>
+              <a:t>亿元</a:t>
+            </a:r>
+            <a:r>
+              <a:rPr lang="zh-CN" altLang="en-US" sz="2000" b="0" dirty="0" smtClean="0">
+                <a:latin typeface="Times New Roman" pitchFamily="18" charset="0"/>
+                <a:cs typeface="Times New Roman" pitchFamily="18" charset="0"/>
+              </a:rPr>
+              <a:t>，</a:t>
+            </a:r>
+            <a:r>
+              <a:rPr lang="zh-CN" altLang="en-US" sz="2000" b="0" dirty="0">
+                <a:latin typeface="Times New Roman" pitchFamily="18" charset="0"/>
+                <a:cs typeface="Times New Roman" pitchFamily="18" charset="0"/>
+              </a:rPr>
+              <a:t>厂房规模达到</a:t>
+            </a:r>
+            <a:r>
               <a:rPr lang="zh-CN" altLang="en-US" sz="2000" b="0" dirty="0">
                 <a:solidFill>
                   <a:srgbClr val="C00000"/>
@@ -11344,14 +11739,41 @@
                 <a:latin typeface="Times New Roman" pitchFamily="18" charset="0"/>
                 <a:cs typeface="Times New Roman" pitchFamily="18" charset="0"/>
               </a:rPr>
-              <a:t>投产20亿</a:t>
+              <a:t>50亩</a:t>
             </a:r>
             <a:r>
               <a:rPr lang="zh-CN" altLang="en-US" sz="2000" b="0" dirty="0">
                 <a:latin typeface="Times New Roman" pitchFamily="18" charset="0"/>
                 <a:cs typeface="Times New Roman" pitchFamily="18" charset="0"/>
               </a:rPr>
-              <a:t>，厂房规模达到</a:t>
+              <a:t>，生产、销售等带动</a:t>
+            </a:r>
+            <a:r>
+              <a:rPr lang="zh-CN" altLang="en-US" sz="2000" b="0" dirty="0" smtClean="0">
+                <a:latin typeface="Times New Roman" pitchFamily="18" charset="0"/>
+                <a:cs typeface="Times New Roman" pitchFamily="18" charset="0"/>
+              </a:rPr>
+              <a:t>就业</a:t>
+            </a:r>
+            <a:r>
+              <a:rPr lang="en-US" altLang="zh-CN" sz="2000" b="0" dirty="0" smtClean="0">
+                <a:solidFill>
+                  <a:srgbClr val="C00000"/>
+                </a:solidFill>
+                <a:latin typeface="Times New Roman" pitchFamily="18" charset="0"/>
+                <a:cs typeface="Times New Roman" pitchFamily="18" charset="0"/>
+              </a:rPr>
+              <a:t>15</a:t>
+            </a:r>
+            <a:r>
+              <a:rPr lang="zh-CN" altLang="en-US" sz="2000" b="0" dirty="0" smtClean="0">
+                <a:solidFill>
+                  <a:srgbClr val="C00000"/>
+                </a:solidFill>
+                <a:latin typeface="Times New Roman" pitchFamily="18" charset="0"/>
+                <a:cs typeface="Times New Roman" pitchFamily="18" charset="0"/>
+              </a:rPr>
+              <a:t>00</a:t>
             </a:r>
             <a:r>
               <a:rPr lang="zh-CN" altLang="en-US" sz="2000" b="0" dirty="0">
@@ -11361,38 +11783,14 @@
                 <a:latin typeface="Times New Roman" pitchFamily="18" charset="0"/>
                 <a:cs typeface="Times New Roman" pitchFamily="18" charset="0"/>
               </a:rPr>
-              <a:t>50亩</a:t>
-            </a:r>
-            <a:r>
-              <a:rPr lang="zh-CN" altLang="en-US" sz="2000" b="0" dirty="0">
-                <a:latin typeface="Times New Roman" pitchFamily="18" charset="0"/>
-                <a:cs typeface="Times New Roman" pitchFamily="18" charset="0"/>
-              </a:rPr>
-              <a:t>，生产、销售等带动就业</a:t>
-            </a:r>
-            <a:r>
-              <a:rPr lang="zh-CN" altLang="en-US" sz="2000" b="0" dirty="0">
-                <a:solidFill>
-                  <a:srgbClr val="C00000"/>
-                </a:solidFill>
-                <a:latin typeface="Times New Roman" pitchFamily="18" charset="0"/>
-                <a:cs typeface="Times New Roman" pitchFamily="18" charset="0"/>
-              </a:rPr>
-              <a:t>2000人</a:t>
-            </a:r>
-            <a:r>
-              <a:rPr lang="zh-CN" altLang="en-US" sz="2000" b="0" dirty="0">
-                <a:latin typeface="Times New Roman" pitchFamily="18" charset="0"/>
-                <a:cs typeface="Times New Roman" pitchFamily="18" charset="0"/>
-              </a:rPr>
-              <a:t>，经济收益</a:t>
+              <a:t>人</a:t>
             </a:r>
             <a:r>
               <a:rPr lang="zh-CN" altLang="en-US" sz="2000" b="0" dirty="0" smtClean="0">
                 <a:latin typeface="Times New Roman" pitchFamily="18" charset="0"/>
                 <a:cs typeface="Times New Roman" pitchFamily="18" charset="0"/>
               </a:rPr>
-              <a:t>达到</a:t>
+              <a:t>，直接经济效益达到</a:t>
             </a:r>
             <a:r>
               <a:rPr lang="en-US" altLang="zh-CN" sz="2000" b="0" dirty="0" smtClean="0">
@@ -11402,7 +11800,7 @@
                 <a:latin typeface="Times New Roman" pitchFamily="18" charset="0"/>
                 <a:cs typeface="Times New Roman" pitchFamily="18" charset="0"/>
               </a:rPr>
-              <a:t>169</a:t>
+              <a:t>45</a:t>
             </a:r>
             <a:r>
               <a:rPr lang="zh-CN" altLang="en-US" sz="2000" b="0" dirty="0" smtClean="0">
@@ -11415,11 +11813,14 @@
               <a:t>亿</a:t>
             </a:r>
             <a:r>
-              <a:rPr lang="zh-CN" altLang="en-US" sz="2000" b="0" dirty="0">
-                <a:latin typeface="Times New Roman" pitchFamily="18" charset="0"/>
-                <a:cs typeface="Times New Roman" pitchFamily="18" charset="0"/>
-              </a:rPr>
-              <a:t>人民币</a:t>
+              <a:rPr lang="zh-CN" altLang="en-US" sz="2000" dirty="0" smtClean="0">
+                <a:solidFill>
+                  <a:srgbClr val="C00000"/>
+                </a:solidFill>
+                <a:latin typeface="Times New Roman" pitchFamily="18" charset="0"/>
+                <a:cs typeface="Times New Roman" pitchFamily="18" charset="0"/>
+              </a:rPr>
+              <a:t>元</a:t>
             </a:r>
             <a:r>
               <a:rPr lang="zh-CN" altLang="en-US" sz="2000" b="0" dirty="0" smtClean="0">
@@ -11508,7 +11909,7 @@
         <p:spPr>
           <a:xfrm>
             <a:off x="293744" y="1630007"/>
-            <a:ext cx="11117593" cy="2862322"/>
+            <a:ext cx="11117593" cy="2400657"/>
           </a:xfrm>
           <a:prstGeom prst="rect">
             <a:avLst/>
@@ -11553,7 +11954,56 @@
                 <a:latin typeface="Times New Roman" pitchFamily="18" charset="0"/>
                 <a:cs typeface="Times New Roman" pitchFamily="18" charset="0"/>
               </a:rPr>
-              <a:t>，建立年产100吨的生产线，满足280万人的需求，销售额</a:t>
+              <a:t>，建立年产100吨的生产线，</a:t>
+            </a:r>
+            <a:r>
+              <a:rPr lang="zh-CN" altLang="en-US" sz="2000" b="0" dirty="0" smtClean="0">
+                <a:latin typeface="Times New Roman" pitchFamily="18" charset="0"/>
+                <a:cs typeface="Times New Roman" pitchFamily="18" charset="0"/>
+              </a:rPr>
+              <a:t>满足</a:t>
+            </a:r>
+            <a:r>
+              <a:rPr lang="en-US" altLang="zh-CN" sz="2000" dirty="0" smtClean="0">
+                <a:latin typeface="Times New Roman" pitchFamily="18" charset="0"/>
+                <a:cs typeface="Times New Roman" pitchFamily="18" charset="0"/>
+              </a:rPr>
+              <a:t>1</a:t>
+            </a:r>
+            <a:r>
+              <a:rPr lang="zh-CN" altLang="en-US" sz="2000" b="0" dirty="0" smtClean="0">
+                <a:latin typeface="Times New Roman" pitchFamily="18" charset="0"/>
+                <a:cs typeface="Times New Roman" pitchFamily="18" charset="0"/>
+              </a:rPr>
+              <a:t>0万</a:t>
+            </a:r>
+            <a:r>
+              <a:rPr lang="zh-CN" altLang="en-US" sz="2000" b="0" dirty="0">
+                <a:latin typeface="Times New Roman" pitchFamily="18" charset="0"/>
+                <a:cs typeface="Times New Roman" pitchFamily="18" charset="0"/>
+              </a:rPr>
+              <a:t>人的需求</a:t>
+            </a:r>
+            <a:r>
+              <a:rPr lang="zh-CN" altLang="en-US" sz="2000" b="0" dirty="0" smtClean="0">
+                <a:latin typeface="Times New Roman" pitchFamily="18" charset="0"/>
+                <a:cs typeface="Times New Roman" pitchFamily="18" charset="0"/>
+              </a:rPr>
+              <a:t>，争取在</a:t>
+            </a:r>
+            <a:r>
+              <a:rPr lang="en-US" altLang="zh-CN" sz="2000" b="0" dirty="0" smtClean="0">
+                <a:latin typeface="Times New Roman" pitchFamily="18" charset="0"/>
+                <a:cs typeface="Times New Roman" pitchFamily="18" charset="0"/>
+              </a:rPr>
+              <a:t>2022</a:t>
+            </a:r>
+            <a:r>
+              <a:rPr lang="zh-CN" altLang="en-US" sz="2000" b="0" dirty="0" smtClean="0">
+                <a:latin typeface="Times New Roman" pitchFamily="18" charset="0"/>
+                <a:cs typeface="Times New Roman" pitchFamily="18" charset="0"/>
+              </a:rPr>
+              <a:t>年完成，销售额</a:t>
             </a:r>
             <a:r>
               <a:rPr lang="zh-CN" altLang="en-US" sz="2000" b="0" dirty="0" smtClean="0">
@@ -11573,7 +12023,7 @@
                 <a:latin typeface="Times New Roman" pitchFamily="18" charset="0"/>
                 <a:cs typeface="Times New Roman" pitchFamily="18" charset="0"/>
               </a:rPr>
-              <a:t>169</a:t>
+              <a:t>45</a:t>
             </a:r>
             <a:r>
               <a:rPr lang="zh-CN" altLang="en-US" sz="2000" b="0" dirty="0" smtClean="0">
@@ -11633,24 +12083,59 @@
                 <a:latin typeface="Times New Roman" pitchFamily="18" charset="0"/>
                 <a:cs typeface="Times New Roman" pitchFamily="18" charset="0"/>
               </a:rPr>
-              <a:t>二期工程我们将建立年产250吨的生产线，满足全国700万人的需求，营业额</a:t>
+              <a:t>二期工程我们将建立年产250吨的生产线，满足</a:t>
             </a:r>
             <a:r>
               <a:rPr lang="zh-CN" altLang="en-US" sz="2000" b="0" dirty="0" smtClean="0">
                 <a:latin typeface="Times New Roman" pitchFamily="18" charset="0"/>
                 <a:cs typeface="Times New Roman" pitchFamily="18" charset="0"/>
               </a:rPr>
+              <a:t>全国</a:t>
+            </a:r>
+            <a:r>
+              <a:rPr lang="en-US" altLang="zh-CN" sz="2000" dirty="0" smtClean="0">
+                <a:latin typeface="Times New Roman" pitchFamily="18" charset="0"/>
+                <a:cs typeface="Times New Roman" pitchFamily="18" charset="0"/>
+              </a:rPr>
+              <a:t>2</a:t>
+            </a:r>
+            <a:r>
+              <a:rPr lang="en-US" altLang="zh-CN" sz="2000" b="0" dirty="0" smtClean="0">
+                <a:latin typeface="Times New Roman" pitchFamily="18" charset="0"/>
+                <a:cs typeface="Times New Roman" pitchFamily="18" charset="0"/>
+              </a:rPr>
+              <a:t>5</a:t>
+            </a:r>
+            <a:r>
+              <a:rPr lang="zh-CN" altLang="en-US" sz="2000" b="0" dirty="0" smtClean="0">
+                <a:latin typeface="Times New Roman" pitchFamily="18" charset="0"/>
+                <a:cs typeface="Times New Roman" pitchFamily="18" charset="0"/>
+              </a:rPr>
+              <a:t>万</a:t>
+            </a:r>
+            <a:r>
+              <a:rPr lang="zh-CN" altLang="en-US" sz="2000" b="0" dirty="0">
+                <a:latin typeface="Times New Roman" pitchFamily="18" charset="0"/>
+                <a:cs typeface="Times New Roman" pitchFamily="18" charset="0"/>
+              </a:rPr>
+              <a:t>人的需求，营业额</a:t>
+            </a:r>
+            <a:r>
+              <a:rPr lang="zh-CN" altLang="en-US" sz="2000" b="0" dirty="0" smtClean="0">
+                <a:latin typeface="Times New Roman" pitchFamily="18" charset="0"/>
+                <a:cs typeface="Times New Roman" pitchFamily="18" charset="0"/>
+              </a:rPr>
               <a:t>达到</a:t>
             </a:r>
             <a:r>
-              <a:rPr lang="en-US" altLang="zh-CN" sz="2000" b="0" dirty="0" smtClean="0">
+              <a:rPr lang="en-US" altLang="zh-CN" sz="2000" dirty="0" smtClean="0">
                 <a:solidFill>
                   <a:srgbClr val="C00000"/>
                 </a:solidFill>
                 <a:latin typeface="Times New Roman" pitchFamily="18" charset="0"/>
                 <a:cs typeface="Times New Roman" pitchFamily="18" charset="0"/>
               </a:rPr>
-              <a:t>300</a:t>
+              <a:t>170</a:t>
             </a:r>
             <a:r>
               <a:rPr lang="zh-CN" altLang="en-US" sz="2000" b="0" dirty="0" smtClean="0">
@@ -11660,14 +12145,21 @@
                 <a:latin typeface="Times New Roman" pitchFamily="18" charset="0"/>
                 <a:cs typeface="Times New Roman" pitchFamily="18" charset="0"/>
               </a:rPr>
-              <a:t>亿</a:t>
+              <a:t>亿元</a:t>
+            </a:r>
+            <a:r>
+              <a:rPr lang="zh-CN" altLang="en-US" sz="2000" b="0" dirty="0" smtClean="0">
+                <a:latin typeface="Times New Roman" pitchFamily="18" charset="0"/>
+                <a:cs typeface="Times New Roman" pitchFamily="18" charset="0"/>
+              </a:rPr>
+              <a:t>，</a:t>
             </a:r>
             <a:r>
               <a:rPr lang="zh-CN" altLang="en-US" sz="2000" b="0" dirty="0">
                 <a:latin typeface="Times New Roman" pitchFamily="18" charset="0"/>
                 <a:cs typeface="Times New Roman" pitchFamily="18" charset="0"/>
               </a:rPr>
-              <a:t>，达到</a:t>
+              <a:t>达到</a:t>
             </a:r>
             <a:r>
               <a:rPr lang="zh-CN" altLang="en-US" sz="2000" b="0" dirty="0">
@@ -11690,21 +12182,12 @@
               <a:t>的目标</a:t>
             </a:r>
             <a:r>
-              <a:rPr lang="zh-CN" altLang="en-US" sz="2000" b="0" dirty="0">
+              <a:rPr lang="zh-CN" altLang="en-US" sz="2000" b="0" dirty="0" smtClean="0">
                 <a:latin typeface="Times New Roman" pitchFamily="18" charset="0"/>
                 <a:cs typeface="Times New Roman" pitchFamily="18" charset="0"/>
               </a:rPr>
               <a:t>。</a:t>
             </a:r>
-          </a:p>
-          <a:p>
-            <a:pPr marL="342900" indent="0" fontAlgn="auto">
-              <a:lnSpc>
-                <a:spcPct val="150000"/>
-              </a:lnSpc>
-              <a:buFont typeface="Wingdings" panose="05000000000000000000" charset="0"/>
-              <a:buNone/>
-            </a:pPr>
             <a:endParaRPr lang="zh-CN" altLang="en-US" sz="2000" b="0" dirty="0">
               <a:latin typeface="Times New Roman" pitchFamily="18" charset="0"/>
               <a:cs typeface="Times New Roman" pitchFamily="18" charset="0"/>
@@ -11837,7 +12320,7 @@
         <p:spPr>
           <a:xfrm>
             <a:off x="676300" y="1732643"/>
-            <a:ext cx="10716377" cy="1477328"/>
+            <a:ext cx="10716377" cy="2346091"/>
           </a:xfrm>
           <a:prstGeom prst="rect">
             <a:avLst/>
@@ -11853,7 +12336,7 @@
           </a:bodyPr>
           <a:lstStyle/>
           <a:p>
-            <a:pPr indent="-342900">
+            <a:pPr marL="252000" indent="-252000">
               <a:lnSpc>
                 <a:spcPct val="150000"/>
               </a:lnSpc>
@@ -11890,12 +12373,156 @@
                 <a:latin typeface="Times New Roman" pitchFamily="18" charset="0"/>
                 <a:cs typeface="Times New Roman" pitchFamily="18" charset="0"/>
               </a:rPr>
-              <a:t>实验室合作，该实验室在生命科学领域具有强大科研实力，同时具有强大的药品研发能力，拥有</a:t>
+              <a:t>实验室合作</a:t>
+            </a:r>
+            <a:r>
+              <a:rPr lang="zh-CN" altLang="en-US" sz="2000" dirty="0" smtClean="0">
+                <a:latin typeface="Times New Roman" pitchFamily="18" charset="0"/>
+                <a:cs typeface="Times New Roman" pitchFamily="18" charset="0"/>
+              </a:rPr>
+              <a:t>，实验室</a:t>
+            </a:r>
+            <a:r>
+              <a:rPr lang="zh-CN" altLang="en-US" sz="2000" dirty="0" smtClean="0">
+                <a:latin typeface="Times New Roman" pitchFamily="18" charset="0"/>
+                <a:cs typeface="Times New Roman" pitchFamily="18" charset="0"/>
+              </a:rPr>
+              <a:t>在生命科学领域具有强大科研实力</a:t>
+            </a:r>
+            <a:r>
+              <a:rPr lang="zh-CN" altLang="en-US" sz="2000" dirty="0" smtClean="0">
+                <a:latin typeface="Times New Roman" pitchFamily="18" charset="0"/>
+                <a:cs typeface="Times New Roman" pitchFamily="18" charset="0"/>
+              </a:rPr>
+              <a:t>，研究</a:t>
+            </a:r>
+            <a:r>
+              <a:rPr lang="zh-CN" altLang="en-US" sz="2000" dirty="0" smtClean="0">
+                <a:latin typeface="Times New Roman" pitchFamily="18" charset="0"/>
+                <a:cs typeface="Times New Roman" pitchFamily="18" charset="0"/>
+              </a:rPr>
+              <a:t>包括</a:t>
+            </a:r>
+            <a:r>
+              <a:rPr lang="en-US" altLang="zh-CN" sz="2000" dirty="0" smtClean="0"/>
+              <a:t>DNA</a:t>
+            </a:r>
+            <a:r>
+              <a:rPr lang="zh-CN" altLang="en-US" sz="2000" dirty="0" smtClean="0"/>
+              <a:t>修复，生育力，线粒体功能障碍，伤口愈合等课题，还有一个特别的项目组专门研究</a:t>
             </a:r>
             <a:r>
               <a:rPr lang="zh-CN" altLang="en-US" sz="2000" dirty="0" smtClean="0">
                 <a:solidFill>
-                  <a:srgbClr val="FF0000"/>
+                  <a:srgbClr val="C00000"/>
+                </a:solidFill>
+              </a:rPr>
+              <a:t>衰老</a:t>
+            </a:r>
+            <a:r>
+              <a:rPr lang="zh-CN" altLang="en-US" sz="2000" dirty="0" smtClean="0"/>
+              <a:t>相关问题 </a:t>
+            </a:r>
+            <a:r>
+              <a:rPr lang="zh-CN" altLang="en-US" sz="2000" dirty="0" smtClean="0">
+                <a:latin typeface="Times New Roman" pitchFamily="18" charset="0"/>
+                <a:cs typeface="Times New Roman" pitchFamily="18" charset="0"/>
+              </a:rPr>
+              <a:t>，并且在</a:t>
+            </a:r>
+            <a:r>
+              <a:rPr lang="zh-CN" altLang="en-US" sz="2000" dirty="0" smtClean="0">
+                <a:latin typeface="Times New Roman" pitchFamily="18" charset="0"/>
+                <a:cs typeface="Times New Roman" pitchFamily="18" charset="0"/>
+              </a:rPr>
+              <a:t>在研究</a:t>
+            </a:r>
+            <a:r>
+              <a:rPr lang="zh-CN" altLang="en-US" sz="2000" dirty="0" smtClean="0">
+                <a:solidFill>
+                  <a:srgbClr val="C00000"/>
+                </a:solidFill>
+                <a:latin typeface="Times New Roman" pitchFamily="18" charset="0"/>
+                <a:cs typeface="Times New Roman" pitchFamily="18" charset="0"/>
+              </a:rPr>
+              <a:t>人类衰老</a:t>
+            </a:r>
+            <a:r>
+              <a:rPr lang="zh-CN" altLang="en-US" sz="2000" dirty="0" smtClean="0">
+                <a:latin typeface="Times New Roman" pitchFamily="18" charset="0"/>
+                <a:cs typeface="Times New Roman" pitchFamily="18" charset="0"/>
+              </a:rPr>
+              <a:t>和</a:t>
+            </a:r>
+            <a:r>
+              <a:rPr lang="zh-CN" altLang="en-US" sz="2000" dirty="0" smtClean="0">
+                <a:solidFill>
+                  <a:srgbClr val="C00000"/>
+                </a:solidFill>
+                <a:latin typeface="Times New Roman" pitchFamily="18" charset="0"/>
+                <a:cs typeface="Times New Roman" pitchFamily="18" charset="0"/>
+              </a:rPr>
+              <a:t>如何逆转衰老</a:t>
+            </a:r>
+            <a:r>
+              <a:rPr lang="zh-CN" altLang="en-US" sz="2000" dirty="0" smtClean="0">
+                <a:latin typeface="Times New Roman" pitchFamily="18" charset="0"/>
+                <a:cs typeface="Times New Roman" pitchFamily="18" charset="0"/>
+              </a:rPr>
+              <a:t>这一</a:t>
+            </a:r>
+            <a:r>
+              <a:rPr lang="zh-CN" altLang="en-US" sz="2000" dirty="0" smtClean="0">
+                <a:latin typeface="Times New Roman" pitchFamily="18" charset="0"/>
+                <a:cs typeface="Times New Roman" pitchFamily="18" charset="0"/>
+              </a:rPr>
+              <a:t>方向处于世界</a:t>
+            </a:r>
+            <a:r>
+              <a:rPr lang="zh-CN" altLang="en-US" sz="2000" dirty="0" smtClean="0">
+                <a:latin typeface="Times New Roman" pitchFamily="18" charset="0"/>
+                <a:cs typeface="Times New Roman" pitchFamily="18" charset="0"/>
+              </a:rPr>
+              <a:t>领先</a:t>
+            </a:r>
+            <a:r>
+              <a:rPr lang="zh-CN" altLang="en-US" sz="2000" dirty="0" smtClean="0">
+                <a:latin typeface="Times New Roman" pitchFamily="18" charset="0"/>
+                <a:cs typeface="Times New Roman" pitchFamily="18" charset="0"/>
+              </a:rPr>
+              <a:t>水平，</a:t>
+            </a:r>
+            <a:endParaRPr lang="en-US" altLang="zh-CN" sz="2000" dirty="0" smtClean="0">
+              <a:latin typeface="Times New Roman" pitchFamily="18" charset="0"/>
+              <a:cs typeface="Times New Roman" pitchFamily="18" charset="0"/>
+            </a:endParaRPr>
+          </a:p>
+          <a:p>
+            <a:pPr marL="252000" indent="-252000">
+              <a:lnSpc>
+                <a:spcPct val="150000"/>
+              </a:lnSpc>
+              <a:buFont typeface="Wingdings" panose="05000000000000000000" charset="0"/>
+              <a:buChar char=""/>
+            </a:pPr>
+            <a:r>
+              <a:rPr lang="en-US" altLang="zh-CN" sz="2000" dirty="0" smtClean="0">
+                <a:latin typeface="Times New Roman" pitchFamily="18" charset="0"/>
+                <a:cs typeface="Times New Roman" pitchFamily="18" charset="0"/>
+              </a:rPr>
+              <a:t>Sinclair</a:t>
+            </a:r>
+            <a:r>
+              <a:rPr lang="zh-CN" altLang="en-US" sz="2000" dirty="0" smtClean="0">
+                <a:latin typeface="Times New Roman" pitchFamily="18" charset="0"/>
+                <a:cs typeface="Times New Roman" pitchFamily="18" charset="0"/>
+              </a:rPr>
+              <a:t>实验室培养了拥有</a:t>
+            </a:r>
+            <a:r>
+              <a:rPr lang="zh-CN" altLang="en-US" sz="2000" dirty="0" smtClean="0">
+                <a:solidFill>
+                  <a:srgbClr val="C00000"/>
                 </a:solidFill>
                 <a:latin typeface="Times New Roman" pitchFamily="18" charset="0"/>
                 <a:cs typeface="Times New Roman" pitchFamily="18" charset="0"/>
@@ -11905,7 +12532,7 @@
             <a:r>
               <a:rPr lang="en-US" altLang="zh-CN" sz="2000" dirty="0" smtClean="0">
                 <a:solidFill>
-                  <a:srgbClr val="FF0000"/>
+                  <a:srgbClr val="C00000"/>
                 </a:solidFill>
                 <a:latin typeface="Times New Roman" pitchFamily="18" charset="0"/>
                 <a:cs typeface="Times New Roman" pitchFamily="18" charset="0"/>
@@ -11915,7 +12542,7 @@
             <a:r>
               <a:rPr lang="zh-CN" altLang="en-US" sz="2000" dirty="0" smtClean="0">
                 <a:solidFill>
-                  <a:srgbClr val="FF0000"/>
+                  <a:srgbClr val="C00000"/>
                 </a:solidFill>
                 <a:latin typeface="Times New Roman" pitchFamily="18" charset="0"/>
                 <a:cs typeface="Times New Roman" pitchFamily="18" charset="0"/>
@@ -11927,24 +12554,14 @@
                 <a:latin typeface="Times New Roman" pitchFamily="18" charset="0"/>
                 <a:cs typeface="Times New Roman" pitchFamily="18" charset="0"/>
               </a:rPr>
-              <a:t>研究专家，同时拥有一个特别的、专门研究</a:t>
-            </a:r>
-            <a:r>
-              <a:rPr lang="zh-CN" altLang="en-US" sz="2000" dirty="0" smtClean="0">
-                <a:solidFill>
-                  <a:srgbClr val="FF0000"/>
-                </a:solidFill>
-                <a:latin typeface="Times New Roman" pitchFamily="18" charset="0"/>
-                <a:cs typeface="Times New Roman" pitchFamily="18" charset="0"/>
-              </a:rPr>
-              <a:t>衰老</a:t>
-            </a:r>
-            <a:r>
-              <a:rPr lang="zh-CN" altLang="en-US" sz="2000" dirty="0" smtClean="0">
-                <a:latin typeface="Times New Roman" pitchFamily="18" charset="0"/>
-                <a:cs typeface="Times New Roman" pitchFamily="18" charset="0"/>
-              </a:rPr>
-              <a:t>的研究组。</a:t>
+              <a:t>研究</a:t>
+            </a:r>
+            <a:r>
+              <a:rPr lang="zh-CN" altLang="en-US" sz="2000" dirty="0" smtClean="0">
+                <a:latin typeface="Times New Roman" pitchFamily="18" charset="0"/>
+                <a:cs typeface="Times New Roman" pitchFamily="18" charset="0"/>
+              </a:rPr>
+              <a:t>专家，多数为博士后，实验室的成员在学术界和工业界都有着卓越的成就。</a:t>
             </a:r>
             <a:endParaRPr lang="en-US" altLang="zh-CN" sz="2000" dirty="0" smtClean="0">
               <a:latin typeface="Times New Roman" pitchFamily="18" charset="0"/>
@@ -12003,7 +12620,7 @@
         </p:nvSpPr>
         <p:spPr>
           <a:xfrm>
-            <a:off x="474649" y="3556983"/>
+            <a:off x="390674" y="4788623"/>
             <a:ext cx="1499128" cy="400110"/>
           </a:xfrm>
           <a:prstGeom prst="rect">
@@ -12045,7 +12662,7 @@
         </p:nvSpPr>
         <p:spPr>
           <a:xfrm>
-            <a:off x="526817" y="4169810"/>
+            <a:off x="601462" y="5214838"/>
             <a:ext cx="10809877" cy="1200329"/>
           </a:xfrm>
           <a:prstGeom prst="rect">
@@ -12374,7 +12991,7 @@
         <p:spPr>
           <a:xfrm>
             <a:off x="775431" y="1704783"/>
-            <a:ext cx="7366119" cy="369332"/>
+            <a:ext cx="7596951" cy="369332"/>
           </a:xfrm>
           <a:prstGeom prst="rect">
             <a:avLst/>
@@ -12398,7 +13015,21 @@
                 <a:latin typeface="Times New Roman" pitchFamily="18" charset="0"/>
                 <a:cs typeface="Times New Roman" pitchFamily="18" charset="0"/>
               </a:rPr>
-              <a:t>实验室有着非常优秀的研究团队，团队成员有丰富的从业经历。</a:t>
+              <a:t>实验室有着非常优秀的研究团队，团队</a:t>
+            </a:r>
+            <a:r>
+              <a:rPr lang="zh-CN" altLang="en-US" dirty="0" smtClean="0">
+                <a:latin typeface="Times New Roman" pitchFamily="18" charset="0"/>
+                <a:cs typeface="Times New Roman" pitchFamily="18" charset="0"/>
+              </a:rPr>
+              <a:t>成员均有</a:t>
+            </a:r>
+            <a:r>
+              <a:rPr lang="zh-CN" altLang="en-US" dirty="0" smtClean="0">
+                <a:latin typeface="Times New Roman" pitchFamily="18" charset="0"/>
+                <a:cs typeface="Times New Roman" pitchFamily="18" charset="0"/>
+              </a:rPr>
+              <a:t>丰富的从业经历。</a:t>
             </a:r>
             <a:endParaRPr lang="zh-CN" altLang="en-US" dirty="0"/>
           </a:p>
@@ -12460,14 +13091,14 @@
           <a:p>
             <a:r>
               <a:rPr lang="en-US" altLang="zh-CN" sz="3200" dirty="0" smtClean="0">
-                <a:latin typeface="微软雅黑" panose="020B0503020204020204" pitchFamily="34" charset="-122"/>
+                <a:latin typeface="Times New Roman" pitchFamily="18" charset="0"/>
                 <a:ea typeface="微软雅黑" panose="020B0503020204020204" pitchFamily="34" charset="-122"/>
               </a:rPr>
               <a:t>NMN</a:t>
             </a:r>
             <a:r>
               <a:rPr lang="zh-CN" altLang="en-US" sz="3200" dirty="0" smtClean="0">
-                <a:latin typeface="微软雅黑" panose="020B0503020204020204" pitchFamily="34" charset="-122"/>
+                <a:latin typeface="Times New Roman" pitchFamily="18" charset="0"/>
                 <a:ea typeface="微软雅黑" panose="020B0503020204020204" pitchFamily="34" charset="-122"/>
               </a:rPr>
               <a:t>介绍</a:t>
@@ -12500,7 +13131,7 @@
           </a:bodyPr>
           <a:lstStyle/>
           <a:p>
-            <a:pPr marL="217170" indent="-241300">
+            <a:pPr marL="252000" indent="-252000">
               <a:lnSpc>
                 <a:spcPct val="150000"/>
               </a:lnSpc>
@@ -12508,41 +13139,130 @@
               <a:buChar char=""/>
               <a:extLst>
                 <a:ext uri="{35155182-B16C-46BC-9424-99874614C6A1}">
-                  <wpsdc:indentchars xmlns:wpsdc="http://www.wps.cn/officeDocument/2017/drawingmlCustomData" xmlns="" val="-95" checksum="1089722149"/>
-                  <wpsdc:marlchars xmlns:wpsdc="http://www.wps.cn/officeDocument/2017/drawingmlCustomData" xmlns="" val="95" checksum="3534689470"/>
+                  <wpsdc:indentchars xmlns="" xmlns:wpsdc="http://www.wps.cn/officeDocument/2017/drawingmlCustomData" val="-95" checksum="1089722149"/>
+                  <wpsdc:marlchars xmlns="" xmlns:wpsdc="http://www.wps.cn/officeDocument/2017/drawingmlCustomData" val="95" checksum="3534689470"/>
                 </a:ext>
               </a:extLst>
             </a:pPr>
             <a:r>
               <a:rPr lang="en-US" altLang="zh-CN" sz="2000" dirty="0" smtClean="0">
                 <a:latin typeface="Times New Roman" pitchFamily="18" charset="0"/>
+                <a:ea typeface="微软雅黑" pitchFamily="34" charset="-122"/>
               </a:rPr>
               <a:t>NMN</a:t>
             </a:r>
             <a:r>
               <a:rPr lang="zh-CN" altLang="en-US" sz="2000" dirty="0" smtClean="0">
                 <a:latin typeface="Times New Roman" pitchFamily="18" charset="0"/>
-              </a:rPr>
-              <a:t>代表烟酰胺单核苷酸，一种自然存在于所有生命中的分子。在分子层面，它是核糖核苷酸，是核酸</a:t>
+                <a:ea typeface="微软雅黑" pitchFamily="34" charset="-122"/>
+              </a:rPr>
+              <a:t>（</a:t>
+            </a:r>
+            <a:r>
+              <a:rPr lang="en-US" altLang="zh-CN" sz="2000" dirty="0" err="1" smtClean="0">
+                <a:latin typeface="Times New Roman" pitchFamily="18" charset="0"/>
+                <a:ea typeface="微软雅黑" pitchFamily="34" charset="-122"/>
+              </a:rPr>
+              <a:t>Nicotinamide</a:t>
             </a:r>
             <a:r>
               <a:rPr lang="en-US" altLang="zh-CN" sz="2000" dirty="0" smtClean="0">
                 <a:latin typeface="Times New Roman" pitchFamily="18" charset="0"/>
+                <a:ea typeface="微软雅黑" pitchFamily="34" charset="-122"/>
+              </a:rPr>
+              <a:t> </a:t>
+            </a:r>
+            <a:r>
+              <a:rPr lang="en-US" altLang="zh-CN" sz="2000" dirty="0" smtClean="0">
+                <a:latin typeface="Times New Roman" pitchFamily="18" charset="0"/>
+                <a:ea typeface="微软雅黑" pitchFamily="34" charset="-122"/>
+              </a:rPr>
+              <a:t>Mononucleotide</a:t>
+            </a:r>
+            <a:r>
+              <a:rPr lang="zh-CN" altLang="en-US" sz="2000" dirty="0" smtClean="0">
+                <a:latin typeface="Times New Roman" pitchFamily="18" charset="0"/>
+                <a:ea typeface="微软雅黑" pitchFamily="34" charset="-122"/>
+              </a:rPr>
+              <a:t>）即烟</a:t>
+            </a:r>
+            <a:r>
+              <a:rPr lang="zh-CN" altLang="en-US" sz="2000" dirty="0" smtClean="0">
+                <a:latin typeface="Times New Roman" pitchFamily="18" charset="0"/>
+                <a:ea typeface="微软雅黑" pitchFamily="34" charset="-122"/>
+              </a:rPr>
+              <a:t>酰胺单核苷酸</a:t>
+            </a:r>
+            <a:r>
+              <a:rPr lang="zh-CN" altLang="en-US" sz="2000" dirty="0" smtClean="0">
+                <a:latin typeface="Times New Roman" pitchFamily="18" charset="0"/>
+                <a:ea typeface="微软雅黑" pitchFamily="34" charset="-122"/>
+              </a:rPr>
+              <a:t>，是一</a:t>
+            </a:r>
+            <a:r>
+              <a:rPr lang="zh-CN" altLang="en-US" sz="2000" dirty="0" smtClean="0">
+                <a:latin typeface="Times New Roman" pitchFamily="18" charset="0"/>
+                <a:ea typeface="微软雅黑" pitchFamily="34" charset="-122"/>
+              </a:rPr>
+              <a:t>种自然存在于所有生命中的分子</a:t>
+            </a:r>
+            <a:r>
+              <a:rPr lang="zh-CN" altLang="en-US" sz="2000" dirty="0" smtClean="0">
+                <a:latin typeface="Times New Roman" pitchFamily="18" charset="0"/>
+                <a:ea typeface="微软雅黑" pitchFamily="34" charset="-122"/>
+              </a:rPr>
+              <a:t>。在分子层面，</a:t>
+            </a:r>
+            <a:r>
+              <a:rPr lang="zh-CN" altLang="en-US" sz="2000" dirty="0" smtClean="0">
+                <a:latin typeface="Times New Roman" pitchFamily="18" charset="0"/>
+                <a:ea typeface="微软雅黑" pitchFamily="34" charset="-122"/>
+              </a:rPr>
+              <a:t>它</a:t>
+            </a:r>
+            <a:r>
+              <a:rPr lang="zh-CN" altLang="en-US" sz="2000" dirty="0" smtClean="0">
+                <a:latin typeface="Times New Roman" pitchFamily="18" charset="0"/>
+                <a:ea typeface="微软雅黑" pitchFamily="34" charset="-122"/>
+              </a:rPr>
+              <a:t>是一种核糖</a:t>
+            </a:r>
+            <a:r>
+              <a:rPr lang="zh-CN" altLang="en-US" sz="2000" dirty="0" smtClean="0">
+                <a:latin typeface="Times New Roman" pitchFamily="18" charset="0"/>
+                <a:ea typeface="微软雅黑" pitchFamily="34" charset="-122"/>
+              </a:rPr>
+              <a:t>核苷酸，是核酸</a:t>
+            </a:r>
+            <a:r>
+              <a:rPr lang="en-US" altLang="zh-CN" sz="2000" dirty="0" smtClean="0">
+                <a:latin typeface="Times New Roman" pitchFamily="18" charset="0"/>
+                <a:ea typeface="微软雅黑" pitchFamily="34" charset="-122"/>
               </a:rPr>
               <a:t>RNA</a:t>
             </a:r>
             <a:r>
               <a:rPr lang="zh-CN" altLang="en-US" sz="2000" dirty="0" smtClean="0">
                 <a:latin typeface="Times New Roman" pitchFamily="18" charset="0"/>
-              </a:rPr>
-              <a:t>的基本结构单元。</a:t>
+                <a:ea typeface="微软雅黑" pitchFamily="34" charset="-122"/>
+              </a:rPr>
+              <a:t>的基本结构单元</a:t>
+            </a:r>
+            <a:r>
+              <a:rPr lang="zh-CN" altLang="en-US" sz="2000" dirty="0" smtClean="0">
+                <a:latin typeface="Times New Roman" pitchFamily="18" charset="0"/>
+                <a:ea typeface="微软雅黑" pitchFamily="34" charset="-122"/>
+              </a:rPr>
+              <a:t>。</a:t>
             </a:r>
             <a:endParaRPr lang="en-US" altLang="zh-CN" sz="2000" dirty="0" smtClean="0">
               <a:latin typeface="Times New Roman" pitchFamily="18" charset="0"/>
+              <a:ea typeface="微软雅黑" pitchFamily="34" charset="-122"/>
             </a:endParaRPr>
           </a:p>
           <a:p>
-            <a:pPr marL="217170" indent="-241300">
+            <a:pPr marL="252000" indent="-252000">
               <a:lnSpc>
                 <a:spcPct val="150000"/>
               </a:lnSpc>
@@ -12550,61 +13270,18 @@
               <a:buChar char=""/>
               <a:extLst>
                 <a:ext uri="{35155182-B16C-46BC-9424-99874614C6A1}">
-                  <wpsdc:indentchars xmlns:wpsdc="http://www.wps.cn/officeDocument/2017/drawingmlCustomData" xmlns="" val="-95" checksum="1089722149"/>
-                  <wpsdc:marlchars xmlns:wpsdc="http://www.wps.cn/officeDocument/2017/drawingmlCustomData" xmlns="" val="95" checksum="3534689470"/>
+                  <wpsdc:indentchars xmlns="" xmlns:wpsdc="http://www.wps.cn/officeDocument/2017/drawingmlCustomData" val="-95" checksum="1089722149"/>
+                  <wpsdc:marlchars xmlns="" xmlns:wpsdc="http://www.wps.cn/officeDocument/2017/drawingmlCustomData" val="95" checksum="3534689470"/>
                 </a:ext>
               </a:extLst>
             </a:pPr>
-            <a:r>
-              <a:rPr lang="zh-CN" altLang="en-US" sz="2000" dirty="0" smtClean="0">
-                <a:latin typeface="Times New Roman" pitchFamily="18" charset="0"/>
-              </a:rPr>
-              <a:t>在结构上，该分子由烟酰胺基，</a:t>
-            </a:r>
             <a:endParaRPr lang="en-US" altLang="zh-CN" sz="2000" dirty="0" smtClean="0">
               <a:latin typeface="Times New Roman" pitchFamily="18" charset="0"/>
+              <a:ea typeface="微软雅黑" pitchFamily="34" charset="-122"/>
             </a:endParaRPr>
           </a:p>
           <a:p>
-            <a:pPr marL="217170" indent="-241300">
-              <a:lnSpc>
-                <a:spcPct val="150000"/>
-              </a:lnSpc>
-              <a:extLst>
-                <a:ext uri="{35155182-B16C-46BC-9424-99874614C6A1}">
-                  <wpsdc:indentchars xmlns:wpsdc="http://www.wps.cn/officeDocument/2017/drawingmlCustomData" xmlns="" val="-95" checksum="1089722149"/>
-                  <wpsdc:marlchars xmlns:wpsdc="http://www.wps.cn/officeDocument/2017/drawingmlCustomData" xmlns="" val="95" checksum="3534689470"/>
-                </a:ext>
-              </a:extLst>
-            </a:pPr>
-            <a:r>
-              <a:rPr lang="en-US" altLang="zh-CN" sz="2000" dirty="0" smtClean="0">
-                <a:latin typeface="Times New Roman" pitchFamily="18" charset="0"/>
-              </a:rPr>
-              <a:t>    </a:t>
-            </a:r>
-            <a:r>
-              <a:rPr lang="zh-CN" altLang="en-US" sz="2000" dirty="0" smtClean="0">
-                <a:latin typeface="Times New Roman" pitchFamily="18" charset="0"/>
-              </a:rPr>
-              <a:t>糖和磷酸基团组成</a:t>
-            </a:r>
-            <a:r>
-              <a:rPr lang="zh-CN" altLang="en-US" sz="2000" dirty="0" smtClean="0">
-                <a:latin typeface="Times New Roman" pitchFamily="18" charset="0"/>
-                <a:cs typeface="宋体" charset="0"/>
-                <a:sym typeface="+mn-ea"/>
-              </a:rPr>
-              <a:t>。</a:t>
-            </a:r>
-            <a:endParaRPr lang="en-US" altLang="zh-CN" sz="2000" dirty="0" smtClean="0">
-              <a:latin typeface="Times New Roman" pitchFamily="18" charset="0"/>
-              <a:cs typeface="宋体" charset="0"/>
-              <a:sym typeface="+mn-ea"/>
-            </a:endParaRPr>
-          </a:p>
-          <a:p>
-            <a:pPr marL="217170" indent="-241300">
+            <a:pPr marL="252000" indent="-252000">
               <a:lnSpc>
                 <a:spcPct val="150000"/>
               </a:lnSpc>
@@ -12612,19 +13289,18 @@
               <a:buChar char=""/>
               <a:extLst>
                 <a:ext uri="{35155182-B16C-46BC-9424-99874614C6A1}">
-                  <wpsdc:indentchars xmlns:wpsdc="http://www.wps.cn/officeDocument/2017/drawingmlCustomData" xmlns="" val="-95" checksum="1089722149"/>
-                  <wpsdc:marlchars xmlns:wpsdc="http://www.wps.cn/officeDocument/2017/drawingmlCustomData" xmlns="" val="95" checksum="3534689470"/>
+                  <wpsdc:indentchars xmlns="" xmlns:wpsdc="http://www.wps.cn/officeDocument/2017/drawingmlCustomData" val="-95" checksum="1089722149"/>
+                  <wpsdc:marlchars xmlns="" xmlns:wpsdc="http://www.wps.cn/officeDocument/2017/drawingmlCustomData" val="95" checksum="3534689470"/>
                 </a:ext>
               </a:extLst>
             </a:pPr>
             <a:endParaRPr lang="en-US" altLang="zh-CN" sz="2000" dirty="0" smtClean="0">
               <a:latin typeface="Times New Roman" pitchFamily="18" charset="0"/>
-              <a:cs typeface="宋体" charset="0"/>
-              <a:sym typeface="+mn-ea"/>
+              <a:ea typeface="微软雅黑" pitchFamily="34" charset="-122"/>
             </a:endParaRPr>
           </a:p>
           <a:p>
-            <a:pPr marL="217170" indent="-241300">
+            <a:pPr marL="252000" indent="-252000">
               <a:lnSpc>
                 <a:spcPct val="150000"/>
               </a:lnSpc>
@@ -12632,37 +13308,67 @@
               <a:buChar char=""/>
               <a:extLst>
                 <a:ext uri="{35155182-B16C-46BC-9424-99874614C6A1}">
-                  <wpsdc:indentchars xmlns:wpsdc="http://www.wps.cn/officeDocument/2017/drawingmlCustomData" xmlns="" val="-95" checksum="1089722149"/>
-                  <wpsdc:marlchars xmlns:wpsdc="http://www.wps.cn/officeDocument/2017/drawingmlCustomData" xmlns="" val="95" checksum="3534689470"/>
+                  <wpsdc:indentchars xmlns="" xmlns:wpsdc="http://www.wps.cn/officeDocument/2017/drawingmlCustomData" val="-95" checksum="1089722149"/>
+                  <wpsdc:marlchars xmlns="" xmlns:wpsdc="http://www.wps.cn/officeDocument/2017/drawingmlCustomData" val="95" checksum="3534689470"/>
                 </a:ext>
               </a:extLst>
             </a:pPr>
+            <a:r>
+              <a:rPr lang="zh-CN" altLang="en-US" sz="2000" dirty="0" smtClean="0">
+                <a:latin typeface="Times New Roman" pitchFamily="18" charset="0"/>
+                <a:ea typeface="微软雅黑" pitchFamily="34" charset="-122"/>
+              </a:rPr>
+              <a:t>在结构上，该分子由烟酰胺基，</a:t>
+            </a:r>
             <a:endParaRPr lang="en-US" altLang="zh-CN" sz="2000" dirty="0" smtClean="0">
               <a:latin typeface="Times New Roman" pitchFamily="18" charset="0"/>
-              <a:cs typeface="宋体" charset="0"/>
-              <a:sym typeface="+mn-ea"/>
+              <a:ea typeface="微软雅黑" pitchFamily="34" charset="-122"/>
             </a:endParaRPr>
           </a:p>
           <a:p>
-            <a:pPr marL="217170" indent="-241300">
+            <a:pPr marL="252000" indent="-252000">
               <a:lnSpc>
                 <a:spcPct val="150000"/>
               </a:lnSpc>
               <a:extLst>
                 <a:ext uri="{35155182-B16C-46BC-9424-99874614C6A1}">
-                  <wpsdc:indentchars xmlns:wpsdc="http://www.wps.cn/officeDocument/2017/drawingmlCustomData" xmlns="" val="-95" checksum="1089722149"/>
-                  <wpsdc:marlchars xmlns:wpsdc="http://www.wps.cn/officeDocument/2017/drawingmlCustomData" xmlns="" val="95" checksum="3534689470"/>
+                  <wpsdc:indentchars xmlns="" xmlns:wpsdc="http://www.wps.cn/officeDocument/2017/drawingmlCustomData" val="-95" checksum="1089722149"/>
+                  <wpsdc:marlchars xmlns="" xmlns:wpsdc="http://www.wps.cn/officeDocument/2017/drawingmlCustomData" val="95" checksum="3534689470"/>
                 </a:ext>
               </a:extLst>
             </a:pPr>
+            <a:r>
+              <a:rPr lang="en-US" altLang="zh-CN" sz="2000" dirty="0" smtClean="0">
+                <a:latin typeface="Times New Roman" pitchFamily="18" charset="0"/>
+                <a:ea typeface="微软雅黑" pitchFamily="34" charset="-122"/>
+              </a:rPr>
+              <a:t>    </a:t>
+            </a:r>
+            <a:r>
+              <a:rPr lang="zh-CN" altLang="en-US" sz="2000" dirty="0" smtClean="0">
+                <a:latin typeface="Times New Roman" pitchFamily="18" charset="0"/>
+                <a:ea typeface="微软雅黑" pitchFamily="34" charset="-122"/>
+              </a:rPr>
+              <a:t>糖和磷酸基团组成</a:t>
+            </a:r>
+            <a:r>
+              <a:rPr lang="zh-CN" altLang="en-US" sz="2000" dirty="0" smtClean="0">
+                <a:latin typeface="Times New Roman" pitchFamily="18" charset="0"/>
+                <a:ea typeface="微软雅黑" pitchFamily="34" charset="-122"/>
+                <a:cs typeface="宋体" charset="0"/>
+                <a:sym typeface="+mn-ea"/>
+              </a:rPr>
+              <a:t>。</a:t>
+            </a:r>
             <a:endParaRPr lang="en-US" altLang="zh-CN" sz="2000" dirty="0" smtClean="0">
               <a:latin typeface="Times New Roman" pitchFamily="18" charset="0"/>
+              <a:ea typeface="微软雅黑" pitchFamily="34" charset="-122"/>
               <a:cs typeface="宋体" charset="0"/>
               <a:sym typeface="+mn-ea"/>
             </a:endParaRPr>
           </a:p>
           <a:p>
-            <a:pPr marL="217170" indent="-241300">
+            <a:pPr marL="252000" indent="-252000">
               <a:lnSpc>
                 <a:spcPct val="150000"/>
               </a:lnSpc>
@@ -12670,19 +13376,41 @@
               <a:buChar char=""/>
               <a:extLst>
                 <a:ext uri="{35155182-B16C-46BC-9424-99874614C6A1}">
-                  <wpsdc:indentchars xmlns:wpsdc="http://www.wps.cn/officeDocument/2017/drawingmlCustomData" xmlns="" val="-95" checksum="1089722149"/>
-                  <wpsdc:marlchars xmlns:wpsdc="http://www.wps.cn/officeDocument/2017/drawingmlCustomData" xmlns="" val="95" checksum="3534689470"/>
+                  <wpsdc:indentchars xmlns="" xmlns:wpsdc="http://www.wps.cn/officeDocument/2017/drawingmlCustomData" val="-95" checksum="1089722149"/>
+                  <wpsdc:marlchars xmlns="" xmlns:wpsdc="http://www.wps.cn/officeDocument/2017/drawingmlCustomData" val="95" checksum="3534689470"/>
                 </a:ext>
               </a:extLst>
             </a:pPr>
             <a:endParaRPr lang="en-US" altLang="zh-CN" sz="2000" dirty="0" smtClean="0">
               <a:latin typeface="Times New Roman" pitchFamily="18" charset="0"/>
+              <a:ea typeface="微软雅黑" pitchFamily="34" charset="-122"/>
               <a:cs typeface="宋体" charset="0"/>
               <a:sym typeface="+mn-ea"/>
             </a:endParaRPr>
           </a:p>
           <a:p>
-            <a:pPr marL="217170" indent="-241300">
+            <a:pPr marL="252000" indent="-252000">
+              <a:lnSpc>
+                <a:spcPct val="150000"/>
+              </a:lnSpc>
+              <a:buFont typeface="Wingdings" pitchFamily="2" charset="2"/>
+              <a:buChar char="l"/>
+              <a:extLst>
+                <a:ext uri="{35155182-B16C-46BC-9424-99874614C6A1}">
+                  <wpsdc:indentchars xmlns="" xmlns:wpsdc="http://www.wps.cn/officeDocument/2017/drawingmlCustomData" val="-95" checksum="1089722149"/>
+                  <wpsdc:marlchars xmlns="" xmlns:wpsdc="http://www.wps.cn/officeDocument/2017/drawingmlCustomData" val="95" checksum="3534689470"/>
+                </a:ext>
+              </a:extLst>
+            </a:pPr>
+            <a:endParaRPr lang="en-US" altLang="zh-CN" sz="2000" dirty="0" smtClean="0">
+              <a:latin typeface="Times New Roman" pitchFamily="18" charset="0"/>
+              <a:ea typeface="微软雅黑" pitchFamily="34" charset="-122"/>
+              <a:cs typeface="宋体" charset="0"/>
+              <a:sym typeface="+mn-ea"/>
+            </a:endParaRPr>
+          </a:p>
+          <a:p>
+            <a:pPr marL="252000" indent="-252000">
               <a:lnSpc>
                 <a:spcPct val="150000"/>
               </a:lnSpc>
@@ -12690,31 +13418,24 @@
               <a:buChar char=""/>
               <a:extLst>
                 <a:ext uri="{35155182-B16C-46BC-9424-99874614C6A1}">
-                  <wpsdc:indentchars xmlns:wpsdc="http://www.wps.cn/officeDocument/2017/drawingmlCustomData" xmlns="" val="-95" checksum="1089722149"/>
-                  <wpsdc:marlchars xmlns:wpsdc="http://www.wps.cn/officeDocument/2017/drawingmlCustomData" xmlns="" val="95" checksum="3534689470"/>
+                  <wpsdc:indentchars xmlns="" xmlns:wpsdc="http://www.wps.cn/officeDocument/2017/drawingmlCustomData" val="-95" checksum="1089722149"/>
+                  <wpsdc:marlchars xmlns="" xmlns:wpsdc="http://www.wps.cn/officeDocument/2017/drawingmlCustomData" val="95" checksum="3534689470"/>
                 </a:ext>
               </a:extLst>
             </a:pPr>
             <a:r>
               <a:rPr lang="en-US" altLang="zh-CN" sz="2000" dirty="0" smtClean="0">
                 <a:latin typeface="Times New Roman" pitchFamily="18" charset="0"/>
+                <a:ea typeface="微软雅黑" pitchFamily="34" charset="-122"/>
               </a:rPr>
               <a:t>NMN</a:t>
             </a:r>
             <a:r>
               <a:rPr lang="zh-CN" altLang="en-US" sz="2000" dirty="0" smtClean="0">
                 <a:latin typeface="Times New Roman" pitchFamily="18" charset="0"/>
-              </a:rPr>
-              <a:t>是烟酰胺腺嘌呤二核苷酸</a:t>
-            </a:r>
-            <a:r>
-              <a:rPr lang="zh-CN" altLang="en-US" sz="2000" dirty="0" smtClean="0">
-                <a:solidFill>
-                  <a:srgbClr val="C00000"/>
-                </a:solidFill>
-                <a:latin typeface="Times New Roman" pitchFamily="18" charset="0"/>
-              </a:rPr>
-              <a:t>（</a:t>
+                <a:ea typeface="微软雅黑" pitchFamily="34" charset="-122"/>
+              </a:rPr>
+              <a:t>是</a:t>
             </a:r>
             <a:r>
               <a:rPr lang="en-US" altLang="zh-CN" sz="2000" dirty="0" smtClean="0">
@@ -12722,8 +13443,51 @@
                   <a:srgbClr val="C00000"/>
                 </a:solidFill>
                 <a:latin typeface="Times New Roman" pitchFamily="18" charset="0"/>
+                <a:ea typeface="微软雅黑" pitchFamily="34" charset="-122"/>
               </a:rPr>
               <a:t>NAD+</a:t>
+            </a:r>
+            <a:r>
+              <a:rPr lang="zh-CN" altLang="en-US" sz="2000" dirty="0" smtClean="0">
+                <a:latin typeface="Times New Roman" pitchFamily="18" charset="0"/>
+                <a:ea typeface="微软雅黑" pitchFamily="34" charset="-122"/>
+              </a:rPr>
+              <a:t>（</a:t>
+            </a:r>
+            <a:r>
+              <a:rPr lang="en-US" altLang="zh-CN" sz="2000" dirty="0" err="1" smtClean="0">
+                <a:latin typeface="Times New Roman" pitchFamily="18" charset="0"/>
+                <a:ea typeface="微软雅黑" pitchFamily="34" charset="-122"/>
+              </a:rPr>
+              <a:t>Nicotinamide</a:t>
+            </a:r>
+            <a:r>
+              <a:rPr lang="en-US" altLang="zh-CN" sz="2000" dirty="0" smtClean="0">
+                <a:latin typeface="Times New Roman" pitchFamily="18" charset="0"/>
+                <a:ea typeface="微软雅黑" pitchFamily="34" charset="-122"/>
+              </a:rPr>
+              <a:t> Adenine </a:t>
+            </a:r>
+            <a:r>
+              <a:rPr lang="en-US" altLang="zh-CN" sz="2000" dirty="0" err="1" smtClean="0">
+                <a:latin typeface="Times New Roman" pitchFamily="18" charset="0"/>
+                <a:ea typeface="微软雅黑" pitchFamily="34" charset="-122"/>
+              </a:rPr>
+              <a:t>Dinucleotide</a:t>
+            </a:r>
+            <a:r>
+              <a:rPr lang="zh-CN" altLang="en-US" sz="2000" dirty="0" smtClean="0">
+                <a:latin typeface="Times New Roman" pitchFamily="18" charset="0"/>
+                <a:ea typeface="微软雅黑" pitchFamily="34" charset="-122"/>
+              </a:rPr>
+              <a:t>，</a:t>
+            </a:r>
+            <a:r>
+              <a:rPr lang="zh-CN" altLang="en-US" sz="2000" dirty="0" smtClean="0">
+                <a:latin typeface="Times New Roman" pitchFamily="18" charset="0"/>
+                <a:ea typeface="微软雅黑" pitchFamily="34" charset="-122"/>
+              </a:rPr>
+              <a:t>烟酰胺腺嘌呤二核苷酸）</a:t>
             </a:r>
             <a:r>
               <a:rPr lang="zh-CN" altLang="en-US" sz="2000" dirty="0" smtClean="0">
@@ -12731,14 +13495,9 @@
                   <a:srgbClr val="C00000"/>
                 </a:solidFill>
                 <a:latin typeface="Times New Roman" pitchFamily="18" charset="0"/>
-              </a:rPr>
-              <a:t>）的直接前体</a:t>
-            </a:r>
-            <a:r>
-              <a:rPr lang="zh-CN" altLang="en-US" sz="2000" dirty="0" smtClean="0">
-                <a:latin typeface="Times New Roman" pitchFamily="18" charset="0"/>
-              </a:rPr>
-              <a:t>，被认为是</a:t>
+                <a:ea typeface="微软雅黑" pitchFamily="34" charset="-122"/>
+              </a:rPr>
+              <a:t>的</a:t>
             </a:r>
             <a:r>
               <a:rPr lang="zh-CN" altLang="en-US" sz="2000" dirty="0" smtClean="0">
@@ -12746,12 +13505,31 @@
                   <a:srgbClr val="C00000"/>
                 </a:solidFill>
                 <a:latin typeface="Times New Roman" pitchFamily="18" charset="0"/>
+                <a:ea typeface="微软雅黑" pitchFamily="34" charset="-122"/>
+              </a:rPr>
+              <a:t>直接前体</a:t>
+            </a:r>
+            <a:r>
+              <a:rPr lang="zh-CN" altLang="en-US" sz="2000" dirty="0" smtClean="0">
+                <a:latin typeface="Times New Roman" pitchFamily="18" charset="0"/>
+                <a:ea typeface="微软雅黑" pitchFamily="34" charset="-122"/>
+              </a:rPr>
+              <a:t>，被认为是</a:t>
+            </a:r>
+            <a:r>
+              <a:rPr lang="zh-CN" altLang="en-US" sz="2000" dirty="0" smtClean="0">
+                <a:solidFill>
+                  <a:srgbClr val="C00000"/>
+                </a:solidFill>
+                <a:latin typeface="Times New Roman" pitchFamily="18" charset="0"/>
+                <a:ea typeface="微软雅黑" pitchFamily="34" charset="-122"/>
               </a:rPr>
               <a:t>增加</a:t>
             </a:r>
             <a:r>
               <a:rPr lang="zh-CN" altLang="en-US" sz="2000" dirty="0" smtClean="0">
                 <a:latin typeface="Times New Roman" pitchFamily="18" charset="0"/>
+                <a:ea typeface="微软雅黑" pitchFamily="34" charset="-122"/>
               </a:rPr>
               <a:t>细胞中</a:t>
             </a:r>
@@ -12761,12 +13539,14 @@
                   <a:srgbClr val="C00000"/>
                 </a:solidFill>
                 <a:latin typeface="Times New Roman" pitchFamily="18" charset="0"/>
+                <a:ea typeface="微软雅黑" pitchFamily="34" charset="-122"/>
               </a:rPr>
               <a:t>NAD+</a:t>
             </a:r>
             <a:r>
               <a:rPr lang="zh-CN" altLang="en-US" sz="2000" dirty="0" smtClean="0">
                 <a:latin typeface="Times New Roman" pitchFamily="18" charset="0"/>
+                <a:ea typeface="微软雅黑" pitchFamily="34" charset="-122"/>
               </a:rPr>
               <a:t>水平的关键成分。</a:t>
             </a:r>
@@ -12809,14 +13589,14 @@
             </a:r>
             <a:r>
               <a:rPr lang="zh-CN" altLang="en-US" sz="2000" dirty="0" smtClean="0">
-                <a:latin typeface="宋体" charset="0"/>
+                <a:latin typeface="Times New Roman" pitchFamily="18" charset="0"/>
                 <a:cs typeface="宋体" charset="0"/>
                 <a:sym typeface="+mn-ea"/>
               </a:rPr>
               <a:t>是什么？</a:t>
             </a:r>
             <a:endParaRPr lang="zh-CN" altLang="en-US" sz="2000" dirty="0">
-              <a:latin typeface="宋体" charset="0"/>
+              <a:latin typeface="Times New Roman" pitchFamily="18" charset="0"/>
               <a:cs typeface="宋体" charset="0"/>
               <a:sym typeface="+mn-ea"/>
             </a:endParaRPr>
@@ -12840,8 +13620,8 @@
         </p:blipFill>
         <p:spPr bwMode="auto">
           <a:xfrm>
-            <a:off x="5909620" y="2320298"/>
-            <a:ext cx="5399081" cy="2928763"/>
+            <a:off x="6372808" y="2699501"/>
+            <a:ext cx="4889240" cy="2652197"/>
           </a:xfrm>
           <a:prstGeom prst="rect">
             <a:avLst/>
@@ -12857,7 +13637,7 @@
         </p:nvSpPr>
         <p:spPr>
           <a:xfrm>
-            <a:off x="4497355" y="2967134"/>
+            <a:off x="4711959" y="3872205"/>
             <a:ext cx="1184988" cy="307910"/>
           </a:xfrm>
           <a:prstGeom prst="notchedRightArrow">
@@ -12950,6 +13730,7 @@
             <a:r>
               <a:rPr lang="en-US" altLang="zh-CN" sz="2000" dirty="0" smtClean="0">
                 <a:latin typeface="Times New Roman" pitchFamily="18" charset="0"/>
+                <a:ea typeface="微软雅黑" pitchFamily="34" charset="-122"/>
                 <a:cs typeface="Times New Roman" pitchFamily="18" charset="0"/>
                 <a:sym typeface="+mn-ea"/>
               </a:rPr>
@@ -12958,6 +13739,7 @@
             <a:r>
               <a:rPr lang="zh-CN" altLang="en-US" sz="2000" dirty="0" smtClean="0">
                 <a:latin typeface="Times New Roman" pitchFamily="18" charset="0"/>
+                <a:ea typeface="微软雅黑" pitchFamily="34" charset="-122"/>
                 <a:cs typeface="Times New Roman" pitchFamily="18" charset="0"/>
                 <a:sym typeface="+mn-ea"/>
               </a:rPr>
@@ -12965,6 +13747,7 @@
             </a:r>
             <a:endParaRPr lang="zh-CN" altLang="en-US" sz="2000" dirty="0">
               <a:latin typeface="Times New Roman" pitchFamily="18" charset="0"/>
+              <a:ea typeface="微软雅黑" pitchFamily="34" charset="-122"/>
               <a:cs typeface="Times New Roman" pitchFamily="18" charset="0"/>
               <a:sym typeface="+mn-ea"/>
             </a:endParaRPr>
@@ -12988,7 +13771,7 @@
         </p:blipFill>
         <p:spPr bwMode="auto">
           <a:xfrm>
-            <a:off x="4301414" y="1595016"/>
+            <a:off x="4329406" y="1585685"/>
             <a:ext cx="7586787" cy="4469882"/>
           </a:xfrm>
           <a:prstGeom prst="rect">
@@ -13005,7 +13788,7 @@
         </p:nvSpPr>
         <p:spPr>
           <a:xfrm>
-            <a:off x="734006" y="1604862"/>
+            <a:off x="640700" y="1688837"/>
             <a:ext cx="3436778" cy="3831818"/>
           </a:xfrm>
           <a:prstGeom prst="rect">
@@ -13018,7 +13801,7 @@
           </a:bodyPr>
           <a:lstStyle/>
           <a:p>
-            <a:pPr>
+            <a:pPr marL="252000" indent="-252000">
               <a:lnSpc>
                 <a:spcPct val="150000"/>
               </a:lnSpc>
@@ -13026,32 +13809,61 @@
               <a:buChar char="l"/>
             </a:pPr>
             <a:r>
-              <a:rPr lang="en-US" altLang="zh-CN" dirty="0" smtClean="0"/>
+              <a:rPr lang="en-US" altLang="zh-CN" dirty="0" smtClean="0">
+                <a:latin typeface="Times New Roman" pitchFamily="18" charset="0"/>
+                <a:ea typeface="微软雅黑" pitchFamily="34" charset="-122"/>
+              </a:rPr>
               <a:t>NAD +</a:t>
             </a:r>
             <a:r>
-              <a:rPr lang="zh-CN" altLang="en-US" dirty="0" smtClean="0"/>
-              <a:t>是生命和细胞功能所需的</a:t>
+              <a:rPr lang="zh-CN" altLang="en-US" dirty="0" smtClean="0">
+                <a:latin typeface="Times New Roman" pitchFamily="18" charset="0"/>
+                <a:ea typeface="微软雅黑" pitchFamily="34" charset="-122"/>
+              </a:rPr>
+              <a:t>是生命和细胞</a:t>
+            </a:r>
+            <a:r>
+              <a:rPr lang="zh-CN" altLang="en-US" dirty="0" smtClean="0">
+                <a:latin typeface="Times New Roman" pitchFamily="18" charset="0"/>
+                <a:ea typeface="微软雅黑" pitchFamily="34" charset="-122"/>
+              </a:rPr>
+              <a:t>功能所</a:t>
             </a:r>
             <a:r>
               <a:rPr lang="zh-CN" altLang="en-US" dirty="0" smtClean="0">
                 <a:solidFill>
                   <a:srgbClr val="C00000"/>
                 </a:solidFill>
-              </a:rPr>
-              <a:t>必需的辅酶</a:t>
-            </a:r>
-            <a:r>
-              <a:rPr lang="zh-CN" altLang="en-US" dirty="0" smtClean="0"/>
+                <a:latin typeface="Times New Roman" pitchFamily="18" charset="0"/>
+                <a:ea typeface="微软雅黑" pitchFamily="34" charset="-122"/>
+              </a:rPr>
+              <a:t>必需</a:t>
+            </a:r>
+            <a:r>
+              <a:rPr lang="zh-CN" altLang="en-US" dirty="0" smtClean="0">
+                <a:solidFill>
+                  <a:srgbClr val="C00000"/>
+                </a:solidFill>
+                <a:latin typeface="Times New Roman" pitchFamily="18" charset="0"/>
+                <a:ea typeface="微软雅黑" pitchFamily="34" charset="-122"/>
+              </a:rPr>
+              <a:t>的辅酶</a:t>
+            </a:r>
+            <a:r>
+              <a:rPr lang="zh-CN" altLang="en-US" dirty="0" smtClean="0">
+                <a:latin typeface="Times New Roman" pitchFamily="18" charset="0"/>
+                <a:ea typeface="微软雅黑" pitchFamily="34" charset="-122"/>
+              </a:rPr>
               <a:t>。</a:t>
             </a:r>
             <a:endParaRPr lang="en-US" altLang="zh-CN" dirty="0" smtClean="0">
               <a:latin typeface="Times New Roman" pitchFamily="18" charset="0"/>
+              <a:ea typeface="微软雅黑" pitchFamily="34" charset="-122"/>
               <a:cs typeface="Times New Roman" pitchFamily="18" charset="0"/>
             </a:endParaRPr>
           </a:p>
           <a:p>
-            <a:pPr>
+            <a:pPr marL="252000" indent="-252000">
               <a:lnSpc>
                 <a:spcPct val="150000"/>
               </a:lnSpc>
@@ -13061,6 +13873,7 @@
             <a:r>
               <a:rPr lang="en-US" altLang="zh-CN" dirty="0" smtClean="0">
                 <a:latin typeface="Times New Roman" pitchFamily="18" charset="0"/>
+                <a:ea typeface="微软雅黑" pitchFamily="34" charset="-122"/>
                 <a:cs typeface="Times New Roman" pitchFamily="18" charset="0"/>
               </a:rPr>
               <a:t>NAD+</a:t>
@@ -13068,13 +13881,47 @@
             <a:r>
               <a:rPr lang="zh-CN" altLang="en-US" dirty="0" smtClean="0">
                 <a:latin typeface="Times New Roman" pitchFamily="18" charset="0"/>
-                <a:cs typeface="Times New Roman" pitchFamily="18" charset="0"/>
-              </a:rPr>
-              <a:t>在人体内存在五种主要前体：色氨酸，烟酰胺（</a:t>
+                <a:ea typeface="微软雅黑" pitchFamily="34" charset="-122"/>
+                <a:cs typeface="Times New Roman" pitchFamily="18" charset="0"/>
+              </a:rPr>
+              <a:t>在人体内存在五种主要前体：</a:t>
+            </a:r>
+            <a:r>
+              <a:rPr lang="zh-CN" altLang="en-US" dirty="0" smtClean="0">
+                <a:latin typeface="Times New Roman" pitchFamily="18" charset="0"/>
+                <a:ea typeface="微软雅黑" pitchFamily="34" charset="-122"/>
+                <a:cs typeface="Times New Roman" pitchFamily="18" charset="0"/>
+              </a:rPr>
+              <a:t>色氨酸（</a:t>
             </a:r>
             <a:r>
               <a:rPr lang="en-US" altLang="zh-CN" dirty="0" smtClean="0">
                 <a:latin typeface="Times New Roman" pitchFamily="18" charset="0"/>
+                <a:ea typeface="微软雅黑" pitchFamily="34" charset="-122"/>
+                <a:cs typeface="Times New Roman" pitchFamily="18" charset="0"/>
+              </a:rPr>
+              <a:t> Tryptophan </a:t>
+            </a:r>
+            <a:r>
+              <a:rPr lang="zh-CN" altLang="en-US" dirty="0" smtClean="0">
+                <a:latin typeface="Times New Roman" pitchFamily="18" charset="0"/>
+                <a:ea typeface="微软雅黑" pitchFamily="34" charset="-122"/>
+                <a:cs typeface="Times New Roman" pitchFamily="18" charset="0"/>
+              </a:rPr>
+              <a:t>），</a:t>
+            </a:r>
+            <a:r>
+              <a:rPr lang="zh-CN" altLang="en-US" dirty="0" smtClean="0">
+                <a:latin typeface="Times New Roman" pitchFamily="18" charset="0"/>
+                <a:ea typeface="微软雅黑" pitchFamily="34" charset="-122"/>
+                <a:cs typeface="Times New Roman" pitchFamily="18" charset="0"/>
+              </a:rPr>
+              <a:t>烟酰胺（</a:t>
+            </a:r>
+            <a:r>
+              <a:rPr lang="en-US" altLang="zh-CN" dirty="0" smtClean="0">
+                <a:latin typeface="Times New Roman" pitchFamily="18" charset="0"/>
+                <a:ea typeface="微软雅黑" pitchFamily="34" charset="-122"/>
                 <a:cs typeface="Times New Roman" pitchFamily="18" charset="0"/>
               </a:rPr>
               <a:t>NAM</a:t>
@@ -13082,6 +13929,7 @@
             <a:r>
               <a:rPr lang="zh-CN" altLang="en-US" dirty="0" smtClean="0">
                 <a:latin typeface="Times New Roman" pitchFamily="18" charset="0"/>
+                <a:ea typeface="微软雅黑" pitchFamily="34" charset="-122"/>
                 <a:cs typeface="Times New Roman" pitchFamily="18" charset="0"/>
               </a:rPr>
               <a:t>），烟酸（</a:t>
@@ -13089,6 +13937,7 @@
             <a:r>
               <a:rPr lang="en-US" altLang="zh-CN" dirty="0" smtClean="0">
                 <a:latin typeface="Times New Roman" pitchFamily="18" charset="0"/>
+                <a:ea typeface="微软雅黑" pitchFamily="34" charset="-122"/>
                 <a:cs typeface="Times New Roman" pitchFamily="18" charset="0"/>
               </a:rPr>
               <a:t>NA</a:t>
@@ -13096,13 +13945,31 @@
             <a:r>
               <a:rPr lang="zh-CN" altLang="en-US" dirty="0" smtClean="0">
                 <a:latin typeface="Times New Roman" pitchFamily="18" charset="0"/>
-                <a:cs typeface="Times New Roman" pitchFamily="18" charset="0"/>
-              </a:rPr>
-              <a:t>或烟酸），烟酰胺核糖苷（</a:t>
+                <a:ea typeface="微软雅黑" pitchFamily="34" charset="-122"/>
+                <a:cs typeface="Times New Roman" pitchFamily="18" charset="0"/>
+              </a:rPr>
+              <a:t>），</a:t>
+            </a:r>
+            <a:r>
+              <a:rPr lang="zh-CN" altLang="en-US" dirty="0" smtClean="0">
+                <a:latin typeface="Times New Roman" pitchFamily="18" charset="0"/>
+                <a:ea typeface="微软雅黑" pitchFamily="34" charset="-122"/>
+                <a:cs typeface="Times New Roman" pitchFamily="18" charset="0"/>
+              </a:rPr>
+              <a:t>烟</a:t>
+            </a:r>
+            <a:r>
+              <a:rPr lang="zh-CN" altLang="en-US" dirty="0" smtClean="0">
+                <a:latin typeface="Times New Roman" pitchFamily="18" charset="0"/>
+                <a:ea typeface="微软雅黑" pitchFamily="34" charset="-122"/>
+                <a:cs typeface="Times New Roman" pitchFamily="18" charset="0"/>
+              </a:rPr>
+              <a:t>酰胺核糖苷（</a:t>
             </a:r>
             <a:r>
               <a:rPr lang="en-US" altLang="zh-CN" dirty="0" smtClean="0">
                 <a:latin typeface="Times New Roman" pitchFamily="18" charset="0"/>
+                <a:ea typeface="微软雅黑" pitchFamily="34" charset="-122"/>
                 <a:cs typeface="Times New Roman" pitchFamily="18" charset="0"/>
               </a:rPr>
               <a:t>NR</a:t>
@@ -13110,6 +13977,7 @@
             <a:r>
               <a:rPr lang="zh-CN" altLang="en-US" dirty="0" smtClean="0">
                 <a:latin typeface="Times New Roman" pitchFamily="18" charset="0"/>
+                <a:ea typeface="微软雅黑" pitchFamily="34" charset="-122"/>
                 <a:cs typeface="Times New Roman" pitchFamily="18" charset="0"/>
               </a:rPr>
               <a:t>）和烟酰胺单核苷酸（</a:t>
@@ -13117,6 +13985,7 @@
             <a:r>
               <a:rPr lang="en-US" altLang="zh-CN" dirty="0" smtClean="0">
                 <a:latin typeface="Times New Roman" pitchFamily="18" charset="0"/>
+                <a:ea typeface="微软雅黑" pitchFamily="34" charset="-122"/>
                 <a:cs typeface="Times New Roman" pitchFamily="18" charset="0"/>
               </a:rPr>
               <a:t>NMN</a:t>
@@ -13124,6 +13993,7 @@
             <a:r>
               <a:rPr lang="zh-CN" altLang="en-US" dirty="0" smtClean="0">
                 <a:latin typeface="Times New Roman" pitchFamily="18" charset="0"/>
+                <a:ea typeface="微软雅黑" pitchFamily="34" charset="-122"/>
                 <a:cs typeface="Times New Roman" pitchFamily="18" charset="0"/>
               </a:rPr>
               <a:t>）。其中，</a:t>
@@ -13131,6 +14001,7 @@
             <a:r>
               <a:rPr lang="en-US" altLang="zh-CN" dirty="0" smtClean="0">
                 <a:latin typeface="Times New Roman" pitchFamily="18" charset="0"/>
+                <a:ea typeface="微软雅黑" pitchFamily="34" charset="-122"/>
                 <a:cs typeface="Times New Roman" pitchFamily="18" charset="0"/>
               </a:rPr>
               <a:t>NMN</a:t>
@@ -13138,6 +14009,7 @@
             <a:r>
               <a:rPr lang="zh-CN" altLang="en-US" dirty="0" smtClean="0">
                 <a:latin typeface="Times New Roman" pitchFamily="18" charset="0"/>
+                <a:ea typeface="微软雅黑" pitchFamily="34" charset="-122"/>
                 <a:cs typeface="Times New Roman" pitchFamily="18" charset="0"/>
               </a:rPr>
               <a:t>为</a:t>
@@ -13145,6 +14017,7 @@
             <a:r>
               <a:rPr lang="en-US" altLang="zh-CN" dirty="0" smtClean="0">
                 <a:latin typeface="Times New Roman" pitchFamily="18" charset="0"/>
+                <a:ea typeface="微软雅黑" pitchFamily="34" charset="-122"/>
                 <a:cs typeface="Times New Roman" pitchFamily="18" charset="0"/>
               </a:rPr>
               <a:t>NAD +</a:t>
@@ -13152,12 +14025,14 @@
             <a:r>
               <a:rPr lang="zh-CN" altLang="en-US" dirty="0" smtClean="0">
                 <a:latin typeface="Times New Roman" pitchFamily="18" charset="0"/>
+                <a:ea typeface="微软雅黑" pitchFamily="34" charset="-122"/>
                 <a:cs typeface="Times New Roman" pitchFamily="18" charset="0"/>
               </a:rPr>
               <a:t>合成的最终步骤之一。</a:t>
             </a:r>
             <a:endParaRPr lang="zh-CN" altLang="en-US" dirty="0">
               <a:latin typeface="Times New Roman" pitchFamily="18" charset="0"/>
+              <a:ea typeface="微软雅黑" pitchFamily="34" charset="-122"/>
               <a:cs typeface="Times New Roman" pitchFamily="18" charset="0"/>
             </a:endParaRPr>
           </a:p>
@@ -13187,15 +14062,15 @@
           <a:p>
             <a:r>
               <a:rPr lang="en-US" altLang="zh-CN" sz="3200" dirty="0" smtClean="0">
-                <a:latin typeface="微软雅黑" panose="020B0503020204020204" pitchFamily="34" charset="-122"/>
-                <a:ea typeface="微软雅黑" panose="020B0503020204020204" pitchFamily="34" charset="-122"/>
+                <a:latin typeface="Times New Roman" pitchFamily="18" charset="0"/>
+                <a:ea typeface="微软雅黑" pitchFamily="34" charset="-122"/>
               </a:rPr>
               <a:t>NMN</a:t>
             </a:r>
             <a:r>
               <a:rPr lang="zh-CN" altLang="en-US" sz="3200" dirty="0" smtClean="0">
-                <a:latin typeface="微软雅黑" panose="020B0503020204020204" pitchFamily="34" charset="-122"/>
-                <a:ea typeface="微软雅黑" panose="020B0503020204020204" pitchFamily="34" charset="-122"/>
+                <a:latin typeface="Times New Roman" pitchFamily="18" charset="0"/>
+                <a:ea typeface="微软雅黑" pitchFamily="34" charset="-122"/>
               </a:rPr>
               <a:t>介绍</a:t>
             </a:r>
@@ -13259,7 +14134,7 @@
           </a:bodyPr>
           <a:lstStyle/>
           <a:p>
-            <a:pPr>
+            <a:pPr marL="252000" indent="-252000">
               <a:lnSpc>
                 <a:spcPct val="150000"/>
               </a:lnSpc>
@@ -13269,6 +14144,7 @@
             <a:r>
               <a:rPr lang="zh-CN" altLang="en-US" sz="2000" dirty="0" smtClean="0">
                 <a:latin typeface="Times New Roman" pitchFamily="18" charset="0"/>
+                <a:ea typeface="微软雅黑" pitchFamily="34" charset="-122"/>
                 <a:cs typeface="Times New Roman" pitchFamily="18" charset="0"/>
               </a:rPr>
               <a:t> </a:t>
@@ -13276,6 +14152,7 @@
             <a:r>
               <a:rPr lang="en-US" altLang="zh-CN" sz="2000" dirty="0" smtClean="0">
                 <a:latin typeface="Times New Roman" pitchFamily="18" charset="0"/>
+                <a:ea typeface="微软雅黑" pitchFamily="34" charset="-122"/>
                 <a:cs typeface="Times New Roman" pitchFamily="18" charset="0"/>
               </a:rPr>
               <a:t>NAD +</a:t>
@@ -13283,6 +14160,7 @@
             <a:r>
               <a:rPr lang="zh-CN" altLang="en-US" sz="2000" dirty="0" smtClean="0">
                 <a:latin typeface="Times New Roman" pitchFamily="18" charset="0"/>
+                <a:ea typeface="微软雅黑" pitchFamily="34" charset="-122"/>
                 <a:cs typeface="Times New Roman" pitchFamily="18" charset="0"/>
               </a:rPr>
               <a:t>在</a:t>
@@ -13293,6 +14171,7 @@
                   <a:srgbClr val="C00000"/>
                 </a:solidFill>
                 <a:latin typeface="Times New Roman" pitchFamily="18" charset="0"/>
+                <a:ea typeface="微软雅黑" pitchFamily="34" charset="-122"/>
                 <a:cs typeface="Times New Roman" pitchFamily="18" charset="0"/>
               </a:rPr>
               <a:t>代谢过程</a:t>
@@ -13300,6 +14179,7 @@
             <a:r>
               <a:rPr lang="zh-CN" altLang="en-US" sz="2000" dirty="0" smtClean="0">
                 <a:latin typeface="Times New Roman" pitchFamily="18" charset="0"/>
+                <a:ea typeface="微软雅黑" pitchFamily="34" charset="-122"/>
                 <a:cs typeface="Times New Roman" pitchFamily="18" charset="0"/>
               </a:rPr>
               <a:t>（例如糖酵解，</a:t>
@@ -13307,6 +14187,7 @@
             <a:r>
               <a:rPr lang="en-US" altLang="zh-CN" sz="2000" dirty="0" smtClean="0">
                 <a:latin typeface="Times New Roman" pitchFamily="18" charset="0"/>
+                <a:ea typeface="微软雅黑" pitchFamily="34" charset="-122"/>
                 <a:cs typeface="Times New Roman" pitchFamily="18" charset="0"/>
               </a:rPr>
               <a:t>TCA</a:t>
@@ -13314,17 +14195,19 @@
             <a:r>
               <a:rPr lang="zh-CN" altLang="en-US" sz="2000" dirty="0" smtClean="0">
                 <a:latin typeface="Times New Roman" pitchFamily="18" charset="0"/>
+                <a:ea typeface="微软雅黑" pitchFamily="34" charset="-122"/>
                 <a:cs typeface="Times New Roman" pitchFamily="18" charset="0"/>
               </a:rPr>
               <a:t>循环）中起着特别积极的作用，这种过程发生在我们的线粒体中，是我们获取细胞能量的方式 。</a:t>
             </a:r>
             <a:endParaRPr lang="en-US" altLang="zh-CN" sz="2000" dirty="0" smtClean="0">
               <a:latin typeface="Times New Roman" pitchFamily="18" charset="0"/>
+              <a:ea typeface="微软雅黑" pitchFamily="34" charset="-122"/>
               <a:cs typeface="Times New Roman" pitchFamily="18" charset="0"/>
             </a:endParaRPr>
           </a:p>
           <a:p>
-            <a:pPr marL="217170" indent="-241300">
+            <a:pPr marL="252000" indent="-252000">
               <a:lnSpc>
                 <a:spcPct val="150000"/>
               </a:lnSpc>
@@ -13332,14 +14215,15 @@
               <a:buChar char=""/>
               <a:extLst>
                 <a:ext uri="{35155182-B16C-46BC-9424-99874614C6A1}">
-                  <wpsdc:indentchars xmlns:wpsdc="http://www.wps.cn/officeDocument/2017/drawingmlCustomData" xmlns="" val="-95" checksum="1089722149"/>
-                  <wpsdc:marlchars xmlns:wpsdc="http://www.wps.cn/officeDocument/2017/drawingmlCustomData" xmlns="" val="95" checksum="3534689470"/>
+                  <wpsdc:indentchars xmlns="" xmlns:wpsdc="http://www.wps.cn/officeDocument/2017/drawingmlCustomData" val="-95" checksum="1089722149"/>
+                  <wpsdc:marlchars xmlns="" xmlns:wpsdc="http://www.wps.cn/officeDocument/2017/drawingmlCustomData" val="95" checksum="3534689470"/>
                 </a:ext>
               </a:extLst>
             </a:pPr>
             <a:r>
               <a:rPr lang="en-US" altLang="zh-CN" sz="2000" dirty="0" smtClean="0">
                 <a:latin typeface="Times New Roman" pitchFamily="18" charset="0"/>
+                <a:ea typeface="微软雅黑" pitchFamily="34" charset="-122"/>
                 <a:cs typeface="Times New Roman" pitchFamily="18" charset="0"/>
               </a:rPr>
               <a:t>NAD+</a:t>
@@ -13347,9 +14231,18 @@
             <a:r>
               <a:rPr lang="zh-CN" altLang="en-US" sz="2000" dirty="0" smtClean="0">
                 <a:latin typeface="Times New Roman" pitchFamily="18" charset="0"/>
-                <a:cs typeface="Times New Roman" pitchFamily="18" charset="0"/>
-              </a:rPr>
-              <a:t>能够帮助</a:t>
+                <a:ea typeface="微软雅黑" pitchFamily="34" charset="-122"/>
+                <a:cs typeface="Times New Roman" pitchFamily="18" charset="0"/>
+              </a:rPr>
+              <a:t>能够</a:t>
+            </a:r>
+            <a:r>
+              <a:rPr lang="zh-CN" altLang="en-US" sz="2000" dirty="0" smtClean="0">
+                <a:latin typeface="Times New Roman" pitchFamily="18" charset="0"/>
+                <a:ea typeface="微软雅黑" pitchFamily="34" charset="-122"/>
+                <a:cs typeface="Times New Roman" pitchFamily="18" charset="0"/>
+              </a:rPr>
+              <a:t>帮助细胞</a:t>
             </a:r>
             <a:r>
               <a:rPr lang="zh-CN" altLang="en-US" sz="2000" dirty="0" smtClean="0">
@@ -13357,9 +14250,21 @@
                   <a:srgbClr val="C00000"/>
                 </a:solidFill>
                 <a:latin typeface="Times New Roman" pitchFamily="18" charset="0"/>
-                <a:cs typeface="Times New Roman" pitchFamily="18" charset="0"/>
-              </a:rPr>
-              <a:t>修复被损坏的</a:t>
+                <a:ea typeface="微软雅黑" pitchFamily="34" charset="-122"/>
+                <a:cs typeface="Times New Roman" pitchFamily="18" charset="0"/>
+              </a:rPr>
+              <a:t>修复</a:t>
+            </a:r>
+            <a:r>
+              <a:rPr lang="zh-CN" altLang="en-US" sz="2000" dirty="0" smtClean="0">
+                <a:solidFill>
+                  <a:srgbClr val="C00000"/>
+                </a:solidFill>
+                <a:latin typeface="Times New Roman" pitchFamily="18" charset="0"/>
+                <a:ea typeface="微软雅黑" pitchFamily="34" charset="-122"/>
+                <a:cs typeface="Times New Roman" pitchFamily="18" charset="0"/>
+              </a:rPr>
+              <a:t>被损坏的</a:t>
             </a:r>
             <a:r>
               <a:rPr lang="en-US" altLang="zh-CN" sz="2000" dirty="0" smtClean="0">
@@ -13367,6 +14272,7 @@
                   <a:srgbClr val="C00000"/>
                 </a:solidFill>
                 <a:latin typeface="Times New Roman" pitchFamily="18" charset="0"/>
+                <a:ea typeface="微软雅黑" pitchFamily="34" charset="-122"/>
                 <a:cs typeface="Times New Roman" pitchFamily="18" charset="0"/>
               </a:rPr>
               <a:t>DNA</a:t>
@@ -13374,30 +14280,65 @@
             <a:r>
               <a:rPr lang="zh-CN" altLang="en-US" sz="2000" dirty="0" smtClean="0">
                 <a:latin typeface="Times New Roman" pitchFamily="18" charset="0"/>
+                <a:ea typeface="微软雅黑" pitchFamily="34" charset="-122"/>
                 <a:cs typeface="Times New Roman" pitchFamily="18" charset="0"/>
               </a:rPr>
               <a:t>。</a:t>
             </a:r>
             <a:endParaRPr lang="en-US" altLang="zh-CN" sz="2000" dirty="0" smtClean="0">
               <a:latin typeface="Times New Roman" pitchFamily="18" charset="0"/>
+              <a:ea typeface="微软雅黑" pitchFamily="34" charset="-122"/>
               <a:cs typeface="Times New Roman" pitchFamily="18" charset="0"/>
             </a:endParaRPr>
           </a:p>
           <a:p>
-            <a:pPr marL="217170" indent="-241300">
+            <a:pPr marL="252000" indent="-252000">
               <a:lnSpc>
                 <a:spcPct val="150000"/>
               </a:lnSpc>
               <a:extLst>
                 <a:ext uri="{35155182-B16C-46BC-9424-99874614C6A1}">
-                  <wpsdc:indentchars xmlns:wpsdc="http://www.wps.cn/officeDocument/2017/drawingmlCustomData" xmlns="" val="-95" checksum="1089722149"/>
-                  <wpsdc:marlchars xmlns:wpsdc="http://www.wps.cn/officeDocument/2017/drawingmlCustomData" xmlns="" val="95" checksum="3534689470"/>
+                  <wpsdc:indentchars xmlns="" xmlns:wpsdc="http://www.wps.cn/officeDocument/2017/drawingmlCustomData" val="-95" checksum="1089722149"/>
+                  <wpsdc:marlchars xmlns="" xmlns:wpsdc="http://www.wps.cn/officeDocument/2017/drawingmlCustomData" val="95" checksum="3534689470"/>
                 </a:ext>
               </a:extLst>
             </a:pPr>
             <a:r>
               <a:rPr lang="en-US" altLang="zh-CN" sz="2000" dirty="0" smtClean="0">
                 <a:latin typeface="Times New Roman" pitchFamily="18" charset="0"/>
+                <a:ea typeface="微软雅黑" pitchFamily="34" charset="-122"/>
+                <a:cs typeface="Times New Roman" pitchFamily="18" charset="0"/>
+              </a:rPr>
+              <a:t>    PARP</a:t>
+            </a:r>
+            <a:r>
+              <a:rPr lang="zh-CN" altLang="en-US" sz="2000" dirty="0" smtClean="0">
+                <a:latin typeface="Times New Roman" pitchFamily="18" charset="0"/>
+                <a:ea typeface="微软雅黑" pitchFamily="34" charset="-122"/>
+                <a:cs typeface="Times New Roman" pitchFamily="18" charset="0"/>
+              </a:rPr>
+              <a:t>是一种</a:t>
+            </a:r>
+            <a:r>
+              <a:rPr lang="en-US" altLang="zh-CN" sz="2000" dirty="0" smtClean="0">
+                <a:latin typeface="Times New Roman" pitchFamily="18" charset="0"/>
+                <a:ea typeface="微软雅黑" pitchFamily="34" charset="-122"/>
+                <a:cs typeface="Times New Roman" pitchFamily="18" charset="0"/>
+              </a:rPr>
+              <a:t>DNA</a:t>
+            </a:r>
+            <a:r>
+              <a:rPr lang="zh-CN" altLang="en-US" sz="2000" dirty="0" smtClean="0">
+                <a:latin typeface="Times New Roman" pitchFamily="18" charset="0"/>
+                <a:ea typeface="微软雅黑" pitchFamily="34" charset="-122"/>
+                <a:cs typeface="Times New Roman" pitchFamily="18" charset="0"/>
+              </a:rPr>
+              <a:t>修复分子，</a:t>
+            </a:r>
+            <a:r>
+              <a:rPr lang="en-US" altLang="zh-CN" sz="2000" dirty="0" smtClean="0">
+                <a:latin typeface="Times New Roman" pitchFamily="18" charset="0"/>
+                <a:ea typeface="微软雅黑" pitchFamily="34" charset="-122"/>
                 <a:cs typeface="Times New Roman" pitchFamily="18" charset="0"/>
               </a:rPr>
               <a:t>PARP</a:t>
@@ -13405,93 +14346,87 @@
             <a:r>
               <a:rPr lang="zh-CN" altLang="en-US" sz="2000" dirty="0" smtClean="0">
                 <a:latin typeface="Times New Roman" pitchFamily="18" charset="0"/>
-                <a:cs typeface="Times New Roman" pitchFamily="18" charset="0"/>
-              </a:rPr>
-              <a:t>是一种</a:t>
-            </a:r>
-            <a:r>
-              <a:rPr lang="en-US" altLang="zh-CN" sz="2000" dirty="0" smtClean="0">
-                <a:latin typeface="Times New Roman" pitchFamily="18" charset="0"/>
-                <a:cs typeface="Times New Roman" pitchFamily="18" charset="0"/>
-              </a:rPr>
-              <a:t>DNA</a:t>
-            </a:r>
-            <a:r>
-              <a:rPr lang="zh-CN" altLang="en-US" sz="2000" dirty="0" smtClean="0">
-                <a:latin typeface="Times New Roman" pitchFamily="18" charset="0"/>
-                <a:cs typeface="Times New Roman" pitchFamily="18" charset="0"/>
-              </a:rPr>
-              <a:t>修复分子，</a:t>
-            </a:r>
-            <a:r>
-              <a:rPr lang="en-US" altLang="zh-CN" sz="2000" dirty="0" smtClean="0">
-                <a:latin typeface="Times New Roman" pitchFamily="18" charset="0"/>
-                <a:cs typeface="Times New Roman" pitchFamily="18" charset="0"/>
-              </a:rPr>
-              <a:t>PARP</a:t>
-            </a:r>
-            <a:r>
-              <a:rPr lang="zh-CN" altLang="en-US" sz="2000" dirty="0" smtClean="0">
-                <a:latin typeface="Times New Roman" pitchFamily="18" charset="0"/>
+                <a:ea typeface="微软雅黑" pitchFamily="34" charset="-122"/>
                 <a:cs typeface="Times New Roman" pitchFamily="18" charset="0"/>
               </a:rPr>
               <a:t>依赖</a:t>
             </a:r>
             <a:endParaRPr lang="en-US" altLang="zh-CN" sz="2000" dirty="0" smtClean="0">
               <a:latin typeface="Times New Roman" pitchFamily="18" charset="0"/>
+              <a:ea typeface="微软雅黑" pitchFamily="34" charset="-122"/>
               <a:cs typeface="Times New Roman" pitchFamily="18" charset="0"/>
             </a:endParaRPr>
           </a:p>
           <a:p>
-            <a:pPr marL="217170" indent="-241300">
+            <a:pPr marL="252000" indent="-252000">
               <a:lnSpc>
                 <a:spcPct val="150000"/>
               </a:lnSpc>
               <a:extLst>
                 <a:ext uri="{35155182-B16C-46BC-9424-99874614C6A1}">
-                  <wpsdc:indentchars xmlns:wpsdc="http://www.wps.cn/officeDocument/2017/drawingmlCustomData" xmlns="" val="-95" checksum="1089722149"/>
-                  <wpsdc:marlchars xmlns:wpsdc="http://www.wps.cn/officeDocument/2017/drawingmlCustomData" xmlns="" val="95" checksum="3534689470"/>
+                  <wpsdc:indentchars xmlns="" xmlns:wpsdc="http://www.wps.cn/officeDocument/2017/drawingmlCustomData" val="-95" checksum="1089722149"/>
+                  <wpsdc:marlchars xmlns="" xmlns:wpsdc="http://www.wps.cn/officeDocument/2017/drawingmlCustomData" val="95" checksum="3534689470"/>
                 </a:ext>
               </a:extLst>
             </a:pPr>
             <a:r>
               <a:rPr lang="en-US" altLang="zh-CN" sz="2000" dirty="0" smtClean="0">
                 <a:latin typeface="Times New Roman" pitchFamily="18" charset="0"/>
-                <a:cs typeface="Times New Roman" pitchFamily="18" charset="0"/>
-              </a:rPr>
-              <a:t>NAD+</a:t>
-            </a:r>
-            <a:r>
-              <a:rPr lang="zh-CN" altLang="en-US" sz="2000" dirty="0" smtClean="0">
-                <a:latin typeface="Times New Roman" pitchFamily="18" charset="0"/>
-                <a:cs typeface="Times New Roman" pitchFamily="18" charset="0"/>
-              </a:rPr>
-              <a:t>实现功能。</a:t>
+                <a:ea typeface="微软雅黑" pitchFamily="34" charset="-122"/>
+                <a:cs typeface="Times New Roman" pitchFamily="18" charset="0"/>
+              </a:rPr>
+              <a:t>    NAD</a:t>
+            </a:r>
+            <a:r>
+              <a:rPr lang="en-US" altLang="zh-CN" sz="2000" dirty="0" smtClean="0">
+                <a:latin typeface="Times New Roman" pitchFamily="18" charset="0"/>
+                <a:ea typeface="微软雅黑" pitchFamily="34" charset="-122"/>
+                <a:cs typeface="Times New Roman" pitchFamily="18" charset="0"/>
+              </a:rPr>
+              <a:t>+</a:t>
+            </a:r>
+            <a:r>
+              <a:rPr lang="zh-CN" altLang="en-US" sz="2000" dirty="0" smtClean="0">
+                <a:latin typeface="Times New Roman" pitchFamily="18" charset="0"/>
+                <a:ea typeface="微软雅黑" pitchFamily="34" charset="-122"/>
+                <a:cs typeface="Times New Roman" pitchFamily="18" charset="0"/>
+              </a:rPr>
+              <a:t>实现修复功能</a:t>
+            </a:r>
+            <a:r>
+              <a:rPr lang="zh-CN" altLang="en-US" sz="2000" dirty="0" smtClean="0">
+                <a:latin typeface="Times New Roman" pitchFamily="18" charset="0"/>
+                <a:ea typeface="微软雅黑" pitchFamily="34" charset="-122"/>
+                <a:cs typeface="Times New Roman" pitchFamily="18" charset="0"/>
+              </a:rPr>
+              <a:t>。</a:t>
             </a:r>
             <a:endParaRPr lang="en-US" altLang="zh-CN" sz="2000" dirty="0" smtClean="0">
               <a:latin typeface="Times New Roman" pitchFamily="18" charset="0"/>
+              <a:ea typeface="微软雅黑" pitchFamily="34" charset="-122"/>
               <a:cs typeface="Times New Roman" pitchFamily="18" charset="0"/>
             </a:endParaRPr>
           </a:p>
           <a:p>
-            <a:pPr marL="217170" indent="-241300">
+            <a:pPr marL="252000" indent="-252000">
               <a:lnSpc>
                 <a:spcPct val="150000"/>
               </a:lnSpc>
               <a:extLst>
                 <a:ext uri="{35155182-B16C-46BC-9424-99874614C6A1}">
-                  <wpsdc:indentchars xmlns:wpsdc="http://www.wps.cn/officeDocument/2017/drawingmlCustomData" xmlns="" val="-95" checksum="1089722149"/>
-                  <wpsdc:marlchars xmlns:wpsdc="http://www.wps.cn/officeDocument/2017/drawingmlCustomData" xmlns="" val="95" checksum="3534689470"/>
+                  <wpsdc:indentchars xmlns="" xmlns:wpsdc="http://www.wps.cn/officeDocument/2017/drawingmlCustomData" val="-95" checksum="1089722149"/>
+                  <wpsdc:marlchars xmlns="" xmlns:wpsdc="http://www.wps.cn/officeDocument/2017/drawingmlCustomData" val="95" checksum="3534689470"/>
                 </a:ext>
               </a:extLst>
             </a:pPr>
             <a:endParaRPr lang="en-US" altLang="zh-CN" sz="2000" dirty="0" smtClean="0">
               <a:latin typeface="Times New Roman" pitchFamily="18" charset="0"/>
+              <a:ea typeface="微软雅黑" pitchFamily="34" charset="-122"/>
               <a:cs typeface="Times New Roman" pitchFamily="18" charset="0"/>
             </a:endParaRPr>
           </a:p>
           <a:p>
-            <a:pPr marL="217170" indent="-241300">
+            <a:pPr marL="252000" indent="-252000">
               <a:lnSpc>
                 <a:spcPct val="150000"/>
               </a:lnSpc>
@@ -13499,18 +14434,19 @@
               <a:buChar char=""/>
               <a:extLst>
                 <a:ext uri="{35155182-B16C-46BC-9424-99874614C6A1}">
-                  <wpsdc:indentchars xmlns:wpsdc="http://www.wps.cn/officeDocument/2017/drawingmlCustomData" xmlns="" val="-95" checksum="1089722149"/>
-                  <wpsdc:marlchars xmlns:wpsdc="http://www.wps.cn/officeDocument/2017/drawingmlCustomData" xmlns="" val="95" checksum="3534689470"/>
+                  <wpsdc:indentchars xmlns="" xmlns:wpsdc="http://www.wps.cn/officeDocument/2017/drawingmlCustomData" val="-95" checksum="1089722149"/>
+                  <wpsdc:marlchars xmlns="" xmlns:wpsdc="http://www.wps.cn/officeDocument/2017/drawingmlCustomData" val="95" checksum="3534689470"/>
                 </a:ext>
               </a:extLst>
             </a:pPr>
             <a:endParaRPr lang="en-US" altLang="zh-CN" sz="2000" dirty="0" smtClean="0">
               <a:latin typeface="Times New Roman" pitchFamily="18" charset="0"/>
+              <a:ea typeface="微软雅黑" pitchFamily="34" charset="-122"/>
               <a:cs typeface="Times New Roman" pitchFamily="18" charset="0"/>
             </a:endParaRPr>
           </a:p>
           <a:p>
-            <a:pPr marL="217170" indent="-241300">
+            <a:pPr marL="252000" indent="-252000">
               <a:lnSpc>
                 <a:spcPct val="150000"/>
               </a:lnSpc>
@@ -13518,18 +14454,19 @@
               <a:buChar char=""/>
               <a:extLst>
                 <a:ext uri="{35155182-B16C-46BC-9424-99874614C6A1}">
-                  <wpsdc:indentchars xmlns:wpsdc="http://www.wps.cn/officeDocument/2017/drawingmlCustomData" xmlns="" val="-95" checksum="1089722149"/>
-                  <wpsdc:marlchars xmlns:wpsdc="http://www.wps.cn/officeDocument/2017/drawingmlCustomData" xmlns="" val="95" checksum="3534689470"/>
+                  <wpsdc:indentchars xmlns="" xmlns:wpsdc="http://www.wps.cn/officeDocument/2017/drawingmlCustomData" val="-95" checksum="1089722149"/>
+                  <wpsdc:marlchars xmlns="" xmlns:wpsdc="http://www.wps.cn/officeDocument/2017/drawingmlCustomData" val="95" checksum="3534689470"/>
                 </a:ext>
               </a:extLst>
             </a:pPr>
             <a:endParaRPr lang="en-US" altLang="zh-CN" sz="2000" dirty="0" smtClean="0">
               <a:latin typeface="Times New Roman" pitchFamily="18" charset="0"/>
+              <a:ea typeface="微软雅黑" pitchFamily="34" charset="-122"/>
               <a:cs typeface="Times New Roman" pitchFamily="18" charset="0"/>
             </a:endParaRPr>
           </a:p>
           <a:p>
-            <a:pPr marL="217170" indent="-241300">
+            <a:pPr marL="252000" indent="-252000">
               <a:lnSpc>
                 <a:spcPct val="150000"/>
               </a:lnSpc>
@@ -13537,18 +14474,19 @@
               <a:buChar char=""/>
               <a:extLst>
                 <a:ext uri="{35155182-B16C-46BC-9424-99874614C6A1}">
-                  <wpsdc:indentchars xmlns:wpsdc="http://www.wps.cn/officeDocument/2017/drawingmlCustomData" xmlns="" val="-95" checksum="1089722149"/>
-                  <wpsdc:marlchars xmlns:wpsdc="http://www.wps.cn/officeDocument/2017/drawingmlCustomData" xmlns="" val="95" checksum="3534689470"/>
+                  <wpsdc:indentchars xmlns="" xmlns:wpsdc="http://www.wps.cn/officeDocument/2017/drawingmlCustomData" val="-95" checksum="1089722149"/>
+                  <wpsdc:marlchars xmlns="" xmlns:wpsdc="http://www.wps.cn/officeDocument/2017/drawingmlCustomData" val="95" checksum="3534689470"/>
                 </a:ext>
               </a:extLst>
             </a:pPr>
             <a:endParaRPr lang="en-US" altLang="zh-CN" sz="2000" dirty="0" smtClean="0">
               <a:latin typeface="Times New Roman" pitchFamily="18" charset="0"/>
+              <a:ea typeface="微软雅黑" pitchFamily="34" charset="-122"/>
               <a:cs typeface="Times New Roman" pitchFamily="18" charset="0"/>
             </a:endParaRPr>
           </a:p>
           <a:p>
-            <a:pPr marL="217170" indent="-241300">
+            <a:pPr marL="252000" indent="-252000">
               <a:lnSpc>
                 <a:spcPct val="150000"/>
               </a:lnSpc>
@@ -13556,14 +14494,15 @@
               <a:buChar char=""/>
               <a:extLst>
                 <a:ext uri="{35155182-B16C-46BC-9424-99874614C6A1}">
-                  <wpsdc:indentchars xmlns:wpsdc="http://www.wps.cn/officeDocument/2017/drawingmlCustomData" xmlns="" val="-95" checksum="1089722149"/>
-                  <wpsdc:marlchars xmlns:wpsdc="http://www.wps.cn/officeDocument/2017/drawingmlCustomData" xmlns="" val="95" checksum="3534689470"/>
+                  <wpsdc:indentchars xmlns="" xmlns:wpsdc="http://www.wps.cn/officeDocument/2017/drawingmlCustomData" val="-95" checksum="1089722149"/>
+                  <wpsdc:marlchars xmlns="" xmlns:wpsdc="http://www.wps.cn/officeDocument/2017/drawingmlCustomData" val="95" checksum="3534689470"/>
                 </a:ext>
               </a:extLst>
             </a:pPr>
             <a:r>
               <a:rPr lang="en-US" altLang="zh-CN" sz="2000" dirty="0" smtClean="0">
                 <a:latin typeface="Times New Roman" pitchFamily="18" charset="0"/>
+                <a:ea typeface="微软雅黑" pitchFamily="34" charset="-122"/>
                 <a:cs typeface="Times New Roman" pitchFamily="18" charset="0"/>
               </a:rPr>
               <a:t>NAD+</a:t>
@@ -13571,6 +14510,7 @@
             <a:r>
               <a:rPr lang="zh-CN" altLang="en-US" sz="2000" dirty="0" smtClean="0">
                 <a:latin typeface="Times New Roman" pitchFamily="18" charset="0"/>
+                <a:ea typeface="微软雅黑" pitchFamily="34" charset="-122"/>
                 <a:cs typeface="Times New Roman" pitchFamily="18" charset="0"/>
               </a:rPr>
               <a:t>可以</a:t>
@@ -13581,6 +14521,7 @@
                   <a:srgbClr val="C00000"/>
                 </a:solidFill>
                 <a:latin typeface="Times New Roman" pitchFamily="18" charset="0"/>
+                <a:ea typeface="微软雅黑" pitchFamily="34" charset="-122"/>
                 <a:cs typeface="Times New Roman" pitchFamily="18" charset="0"/>
               </a:rPr>
               <a:t>激活</a:t>
@@ -13591,6 +14532,7 @@
                   <a:srgbClr val="C00000"/>
                 </a:solidFill>
                 <a:latin typeface="Times New Roman" pitchFamily="18" charset="0"/>
+                <a:ea typeface="微软雅黑" pitchFamily="34" charset="-122"/>
                 <a:cs typeface="Times New Roman" pitchFamily="18" charset="0"/>
               </a:rPr>
               <a:t>Sirtuins</a:t>
@@ -13598,6 +14540,7 @@
             <a:r>
               <a:rPr lang="zh-CN" altLang="en-US" sz="2000" dirty="0" smtClean="0">
                 <a:latin typeface="Times New Roman" pitchFamily="18" charset="0"/>
+                <a:ea typeface="微软雅黑" pitchFamily="34" charset="-122"/>
                 <a:cs typeface="Times New Roman" pitchFamily="18" charset="0"/>
               </a:rPr>
               <a:t>。 </a:t>
@@ -13605,6 +14548,7 @@
             <a:r>
               <a:rPr lang="en-US" altLang="zh-CN" sz="2000" dirty="0" err="1" smtClean="0">
                 <a:latin typeface="Times New Roman" pitchFamily="18" charset="0"/>
+                <a:ea typeface="微软雅黑" pitchFamily="34" charset="-122"/>
                 <a:cs typeface="Times New Roman" pitchFamily="18" charset="0"/>
               </a:rPr>
               <a:t>Sirtuins</a:t>
@@ -13612,6 +14556,7 @@
             <a:r>
               <a:rPr lang="zh-CN" altLang="en-US" sz="2000" dirty="0" smtClean="0">
                 <a:latin typeface="Times New Roman" pitchFamily="18" charset="0"/>
+                <a:ea typeface="微软雅黑" pitchFamily="34" charset="-122"/>
                 <a:cs typeface="Times New Roman" pitchFamily="18" charset="0"/>
               </a:rPr>
               <a:t>是一类参与细胞应激反应和损伤修复的酶，被称为基因守护者。</a:t>
@@ -13648,6 +14593,7 @@
             <a:r>
               <a:rPr lang="en-US" altLang="zh-CN" sz="2000" dirty="0" smtClean="0">
                 <a:latin typeface="Times New Roman" pitchFamily="18" charset="0"/>
+                <a:ea typeface="微软雅黑" pitchFamily="34" charset="-122"/>
                 <a:cs typeface="Times New Roman" pitchFamily="18" charset="0"/>
                 <a:sym typeface="+mn-ea"/>
               </a:rPr>
@@ -13656,6 +14602,7 @@
             <a:r>
               <a:rPr lang="zh-CN" altLang="en-US" sz="2000" dirty="0" smtClean="0">
                 <a:latin typeface="Times New Roman" pitchFamily="18" charset="0"/>
+                <a:ea typeface="微软雅黑" pitchFamily="34" charset="-122"/>
                 <a:cs typeface="Times New Roman" pitchFamily="18" charset="0"/>
                 <a:sym typeface="+mn-ea"/>
               </a:rPr>
@@ -13663,6 +14610,7 @@
             </a:r>
             <a:endParaRPr lang="zh-CN" altLang="en-US" sz="2000" dirty="0">
               <a:latin typeface="Times New Roman" pitchFamily="18" charset="0"/>
+              <a:ea typeface="微软雅黑" pitchFamily="34" charset="-122"/>
               <a:cs typeface="Times New Roman" pitchFamily="18" charset="0"/>
               <a:sym typeface="+mn-ea"/>
             </a:endParaRPr>
@@ -13686,8 +14634,8 @@
         </p:blipFill>
         <p:spPr bwMode="auto">
           <a:xfrm>
-            <a:off x="5094859" y="2381440"/>
-            <a:ext cx="6420866" cy="3271141"/>
+            <a:off x="5732036" y="2929812"/>
+            <a:ext cx="5802349" cy="2956034"/>
           </a:xfrm>
           <a:prstGeom prst="rect">
             <a:avLst/>
@@ -13759,18 +14707,65 @@
           <a:p>
             <a:r>
               <a:rPr lang="en-US" altLang="zh-CN" sz="3200" dirty="0" smtClean="0">
-                <a:latin typeface="微软雅黑" panose="020B0503020204020204" pitchFamily="34" charset="-122"/>
-                <a:ea typeface="微软雅黑" panose="020B0503020204020204" pitchFamily="34" charset="-122"/>
+                <a:latin typeface="Times New Roman" pitchFamily="18" charset="0"/>
+                <a:ea typeface="微软雅黑" pitchFamily="34" charset="-122"/>
               </a:rPr>
               <a:t>NMN</a:t>
             </a:r>
             <a:r>
               <a:rPr lang="zh-CN" altLang="en-US" sz="3200" dirty="0" smtClean="0">
-                <a:latin typeface="微软雅黑" panose="020B0503020204020204" pitchFamily="34" charset="-122"/>
-                <a:ea typeface="微软雅黑" panose="020B0503020204020204" pitchFamily="34" charset="-122"/>
+                <a:latin typeface="Times New Roman" pitchFamily="18" charset="0"/>
+                <a:ea typeface="微软雅黑" pitchFamily="34" charset="-122"/>
               </a:rPr>
               <a:t>介绍</a:t>
             </a:r>
+          </a:p>
+        </p:txBody>
+      </p:sp>
+      <p:sp>
+        <p:nvSpPr>
+          <p:cNvPr id="7" name="矩形 6"/>
+          <p:cNvSpPr/>
+          <p:nvPr/>
+        </p:nvSpPr>
+        <p:spPr>
+          <a:xfrm>
+            <a:off x="709128" y="3219061"/>
+            <a:ext cx="10842170" cy="2696547"/>
+          </a:xfrm>
+          <a:prstGeom prst="rect">
+            <a:avLst/>
+          </a:prstGeom>
+          <a:noFill/>
+          <a:ln w="19050">
+            <a:solidFill>
+              <a:srgbClr val="C00000"/>
+            </a:solidFill>
+            <a:prstDash val="sysDot"/>
+          </a:ln>
+        </p:spPr>
+        <p:style>
+          <a:lnRef idx="2">
+            <a:schemeClr val="accent1">
+              <a:shade val="50000"/>
+            </a:schemeClr>
+          </a:lnRef>
+          <a:fillRef idx="1">
+            <a:schemeClr val="accent1"/>
+          </a:fillRef>
+          <a:effectRef idx="0">
+            <a:schemeClr val="accent1"/>
+          </a:effectRef>
+          <a:fontRef idx="minor">
+            <a:schemeClr val="lt1"/>
+          </a:fontRef>
+        </p:style>
+        <p:txBody>
+          <a:bodyPr rtlCol="0" anchor="ctr"/>
+          <a:lstStyle/>
+          <a:p>
+            <a:pPr algn="ctr"/>
+            <a:endParaRPr lang="zh-CN" altLang="en-US"/>
           </a:p>
         </p:txBody>
       </p:sp>
@@ -13835,6 +14830,7 @@
             <a:r>
               <a:rPr lang="zh-CN" altLang="en-US" sz="2000" dirty="0" smtClean="0">
                 <a:latin typeface="Times New Roman" pitchFamily="18" charset="0"/>
+                <a:ea typeface="微软雅黑" pitchFamily="34" charset="-122"/>
                 <a:cs typeface="Times New Roman" pitchFamily="18" charset="0"/>
                 <a:sym typeface="+mn-ea"/>
               </a:rPr>
@@ -13843,6 +14839,7 @@
             <a:r>
               <a:rPr lang="en-US" altLang="zh-CN" sz="2000" dirty="0" smtClean="0">
                 <a:latin typeface="Times New Roman" pitchFamily="18" charset="0"/>
+                <a:ea typeface="微软雅黑" pitchFamily="34" charset="-122"/>
                 <a:cs typeface="Times New Roman" pitchFamily="18" charset="0"/>
                 <a:sym typeface="+mn-ea"/>
               </a:rPr>
@@ -13850,6 +14847,7 @@
             </a:r>
             <a:endParaRPr lang="zh-CN" altLang="en-US" sz="2000" dirty="0">
               <a:latin typeface="Times New Roman" pitchFamily="18" charset="0"/>
+              <a:ea typeface="微软雅黑" pitchFamily="34" charset="-122"/>
               <a:cs typeface="Times New Roman" pitchFamily="18" charset="0"/>
               <a:sym typeface="+mn-ea"/>
             </a:endParaRPr>
@@ -13864,8 +14862,8 @@
         </p:nvSpPr>
         <p:spPr>
           <a:xfrm>
-            <a:off x="557896" y="1676820"/>
-            <a:ext cx="4741892" cy="4708981"/>
+            <a:off x="557895" y="1676820"/>
+            <a:ext cx="5693615" cy="4708981"/>
           </a:xfrm>
           <a:prstGeom prst="rect">
             <a:avLst/>
@@ -13887,27 +14885,27 @@
               </a:lnSpc>
             </a:pPr>
             <a:r>
-              <a:rPr lang="zh-CN" altLang="en-US" sz="2000" dirty="0" smtClean="0"/>
-              <a:t>在动物和人的研究中，提高体内</a:t>
-            </a:r>
-            <a:r>
-              <a:rPr lang="en-US" altLang="zh-CN" sz="2000" dirty="0" smtClean="0"/>
-              <a:t>NAD+</a:t>
-            </a:r>
-            <a:r>
-              <a:rPr lang="zh-CN" altLang="en-US" sz="2000" dirty="0" smtClean="0"/>
-              <a:t>的水平在</a:t>
+              <a:rPr lang="zh-CN" altLang="en-US" sz="2000" dirty="0" smtClean="0">
+                <a:latin typeface="Times New Roman" pitchFamily="18" charset="0"/>
+                <a:ea typeface="微软雅黑" pitchFamily="34" charset="-122"/>
+              </a:rPr>
+              <a:t>在</a:t>
             </a:r>
             <a:r>
               <a:rPr lang="zh-CN" altLang="en-US" sz="2000" dirty="0" smtClean="0">
                 <a:solidFill>
                   <a:srgbClr val="C00000"/>
                 </a:solidFill>
+                <a:latin typeface="Times New Roman" pitchFamily="18" charset="0"/>
+                <a:ea typeface="微软雅黑" pitchFamily="34" charset="-122"/>
               </a:rPr>
               <a:t>新陈代谢</a:t>
             </a:r>
             <a:r>
-              <a:rPr lang="zh-CN" altLang="en-US" sz="2000" dirty="0" smtClean="0"/>
+              <a:rPr lang="zh-CN" altLang="en-US" sz="2000" dirty="0" smtClean="0">
+                <a:latin typeface="Times New Roman" pitchFamily="18" charset="0"/>
+                <a:ea typeface="微软雅黑" pitchFamily="34" charset="-122"/>
+              </a:rPr>
               <a:t>和</a:t>
             </a:r>
             <a:r>
@@ -13915,17 +14913,106 @@
                 <a:solidFill>
                   <a:srgbClr val="C00000"/>
                 </a:solidFill>
+                <a:latin typeface="Times New Roman" pitchFamily="18" charset="0"/>
+                <a:ea typeface="微软雅黑" pitchFamily="34" charset="-122"/>
               </a:rPr>
               <a:t>与年龄有关的疾病</a:t>
             </a:r>
             <a:r>
-              <a:rPr lang="zh-CN" altLang="en-US" sz="2000" dirty="0" smtClean="0"/>
-              <a:t>等研究领域显示出令人鼓舞的结果，并且还显示出某些抗衰老特性。</a:t>
-            </a:r>
-            <a:endParaRPr lang="en-US" altLang="zh-CN" sz="2000" dirty="0" smtClean="0"/>
+              <a:rPr lang="zh-CN" altLang="en-US" sz="2000" dirty="0" smtClean="0">
+                <a:latin typeface="Times New Roman" pitchFamily="18" charset="0"/>
+                <a:ea typeface="微软雅黑" pitchFamily="34" charset="-122"/>
+              </a:rPr>
+              <a:t>等研究领域，提高人</a:t>
+            </a:r>
+            <a:r>
+              <a:rPr lang="zh-CN" altLang="en-US" sz="2000" dirty="0" smtClean="0">
+                <a:latin typeface="Times New Roman" pitchFamily="18" charset="0"/>
+                <a:ea typeface="微软雅黑" pitchFamily="34" charset="-122"/>
+              </a:rPr>
+              <a:t>体内</a:t>
+            </a:r>
+            <a:r>
+              <a:rPr lang="en-US" altLang="zh-CN" sz="2000" dirty="0" smtClean="0">
+                <a:latin typeface="Times New Roman" pitchFamily="18" charset="0"/>
+                <a:ea typeface="微软雅黑" pitchFamily="34" charset="-122"/>
+              </a:rPr>
+              <a:t>NAD+</a:t>
+            </a:r>
+            <a:r>
+              <a:rPr lang="zh-CN" altLang="en-US" sz="2000" dirty="0" smtClean="0">
+                <a:latin typeface="Times New Roman" pitchFamily="18" charset="0"/>
+                <a:ea typeface="微软雅黑" pitchFamily="34" charset="-122"/>
+              </a:rPr>
+              <a:t>含量得到了积极的</a:t>
+            </a:r>
+            <a:r>
+              <a:rPr lang="zh-CN" altLang="en-US" sz="2000" dirty="0" smtClean="0">
+                <a:latin typeface="Times New Roman" pitchFamily="18" charset="0"/>
+                <a:ea typeface="微软雅黑" pitchFamily="34" charset="-122"/>
+              </a:rPr>
+              <a:t>结果，</a:t>
+            </a:r>
+            <a:r>
+              <a:rPr lang="zh-CN" altLang="en-US" sz="2000" dirty="0" smtClean="0">
+                <a:latin typeface="Times New Roman" pitchFamily="18" charset="0"/>
+                <a:ea typeface="微软雅黑" pitchFamily="34" charset="-122"/>
+              </a:rPr>
+              <a:t>并显示</a:t>
+            </a:r>
+            <a:r>
+              <a:rPr lang="zh-CN" altLang="en-US" sz="2000" dirty="0" smtClean="0">
+                <a:latin typeface="Times New Roman" pitchFamily="18" charset="0"/>
+                <a:ea typeface="微软雅黑" pitchFamily="34" charset="-122"/>
+              </a:rPr>
+              <a:t>出某些抗衰老特性</a:t>
+            </a:r>
+            <a:r>
+              <a:rPr lang="zh-CN" altLang="en-US" sz="2000" dirty="0" smtClean="0">
+                <a:latin typeface="Times New Roman" pitchFamily="18" charset="0"/>
+                <a:ea typeface="微软雅黑" pitchFamily="34" charset="-122"/>
+              </a:rPr>
+              <a:t>。</a:t>
+            </a:r>
+            <a:endParaRPr lang="en-US" altLang="zh-CN" sz="2000" dirty="0" smtClean="0">
+              <a:latin typeface="Times New Roman" pitchFamily="18" charset="0"/>
+              <a:ea typeface="微软雅黑" pitchFamily="34" charset="-122"/>
+            </a:endParaRPr>
           </a:p>
           <a:p>
             <a:pPr>
+              <a:lnSpc>
+                <a:spcPct val="150000"/>
+              </a:lnSpc>
+            </a:pPr>
+            <a:r>
+              <a:rPr lang="en-US" altLang="zh-CN" sz="2000" dirty="0" smtClean="0">
+                <a:latin typeface="Times New Roman" pitchFamily="18" charset="0"/>
+                <a:ea typeface="微软雅黑" pitchFamily="34" charset="-122"/>
+              </a:rPr>
+              <a:t>NAD+</a:t>
+            </a:r>
+            <a:r>
+              <a:rPr lang="zh-CN" altLang="en-US" sz="2000" dirty="0" smtClean="0">
+                <a:latin typeface="Times New Roman" pitchFamily="18" charset="0"/>
+                <a:ea typeface="微软雅黑" pitchFamily="34" charset="-122"/>
+              </a:rPr>
+              <a:t>具有</a:t>
+            </a:r>
+            <a:r>
+              <a:rPr lang="zh-CN" altLang="en-US" sz="2000" dirty="0" smtClean="0">
+                <a:latin typeface="Times New Roman" pitchFamily="18" charset="0"/>
+                <a:ea typeface="微软雅黑" pitchFamily="34" charset="-122"/>
+              </a:rPr>
+              <a:t>以下功能：</a:t>
+            </a:r>
+            <a:endParaRPr lang="en-US" altLang="zh-CN" sz="2000" dirty="0" smtClean="0">
+              <a:latin typeface="Times New Roman" pitchFamily="18" charset="0"/>
+              <a:ea typeface="微软雅黑" pitchFamily="34" charset="-122"/>
+            </a:endParaRPr>
+          </a:p>
+          <a:p>
+            <a:pPr marL="252000" indent="-252000">
               <a:lnSpc>
                 <a:spcPct val="150000"/>
               </a:lnSpc>
@@ -13933,13 +15020,19 @@
               <a:buChar char="l"/>
             </a:pPr>
             <a:r>
-              <a:rPr lang="zh-CN" altLang="en-US" sz="2000" dirty="0" smtClean="0"/>
+              <a:rPr lang="zh-CN" altLang="en-US" sz="2000" dirty="0" smtClean="0">
+                <a:latin typeface="Times New Roman" pitchFamily="18" charset="0"/>
+                <a:ea typeface="微软雅黑" pitchFamily="34" charset="-122"/>
+              </a:rPr>
               <a:t>延缓衰老</a:t>
             </a:r>
-            <a:endParaRPr lang="en-US" altLang="zh-CN" sz="2000" dirty="0" smtClean="0"/>
-          </a:p>
-          <a:p>
-            <a:pPr>
+            <a:endParaRPr lang="en-US" altLang="zh-CN" sz="2000" dirty="0" smtClean="0">
+              <a:latin typeface="Times New Roman" pitchFamily="18" charset="0"/>
+              <a:ea typeface="微软雅黑" pitchFamily="34" charset="-122"/>
+            </a:endParaRPr>
+          </a:p>
+          <a:p>
+            <a:pPr marL="252000" indent="-252000">
               <a:lnSpc>
                 <a:spcPct val="150000"/>
               </a:lnSpc>
@@ -13947,13 +15040,19 @@
               <a:buChar char="l"/>
             </a:pPr>
             <a:r>
-              <a:rPr lang="zh-CN" altLang="en-US" sz="2000" dirty="0" smtClean="0"/>
+              <a:rPr lang="zh-CN" altLang="en-US" sz="2000" dirty="0" smtClean="0">
+                <a:latin typeface="Times New Roman" pitchFamily="18" charset="0"/>
+                <a:ea typeface="微软雅黑" pitchFamily="34" charset="-122"/>
+              </a:rPr>
               <a:t>维持新陈代谢正常</a:t>
             </a:r>
-            <a:endParaRPr lang="en-US" altLang="zh-CN" sz="2000" dirty="0" smtClean="0"/>
-          </a:p>
-          <a:p>
-            <a:pPr>
+            <a:endParaRPr lang="en-US" altLang="zh-CN" sz="2000" dirty="0" smtClean="0">
+              <a:latin typeface="Times New Roman" pitchFamily="18" charset="0"/>
+              <a:ea typeface="微软雅黑" pitchFamily="34" charset="-122"/>
+            </a:endParaRPr>
+          </a:p>
+          <a:p>
+            <a:pPr marL="252000" indent="-252000">
               <a:lnSpc>
                 <a:spcPct val="150000"/>
               </a:lnSpc>
@@ -13961,13 +15060,19 @@
               <a:buChar char="l"/>
             </a:pPr>
             <a:r>
-              <a:rPr lang="zh-CN" altLang="en-US" sz="2000" dirty="0" smtClean="0"/>
+              <a:rPr lang="zh-CN" altLang="en-US" sz="2000" dirty="0" smtClean="0">
+                <a:latin typeface="Times New Roman" pitchFamily="18" charset="0"/>
+                <a:ea typeface="微软雅黑" pitchFamily="34" charset="-122"/>
+              </a:rPr>
               <a:t>保护心脏功能</a:t>
             </a:r>
-            <a:endParaRPr lang="en-US" altLang="zh-CN" sz="2000" dirty="0" smtClean="0"/>
-          </a:p>
-          <a:p>
-            <a:pPr>
+            <a:endParaRPr lang="en-US" altLang="zh-CN" sz="2000" dirty="0" smtClean="0">
+              <a:latin typeface="Times New Roman" pitchFamily="18" charset="0"/>
+              <a:ea typeface="微软雅黑" pitchFamily="34" charset="-122"/>
+            </a:endParaRPr>
+          </a:p>
+          <a:p>
+            <a:pPr marL="252000" indent="-252000">
               <a:lnSpc>
                 <a:spcPct val="150000"/>
               </a:lnSpc>
@@ -13975,13 +15080,19 @@
               <a:buChar char="l"/>
             </a:pPr>
             <a:r>
-              <a:rPr lang="zh-CN" altLang="en-US" sz="2000" dirty="0" smtClean="0"/>
+              <a:rPr lang="zh-CN" altLang="en-US" sz="2000" dirty="0" smtClean="0">
+                <a:latin typeface="Times New Roman" pitchFamily="18" charset="0"/>
+                <a:ea typeface="微软雅黑" pitchFamily="34" charset="-122"/>
+              </a:rPr>
               <a:t>减缓神经退化</a:t>
             </a:r>
-            <a:endParaRPr lang="en-US" altLang="zh-CN" sz="2000" dirty="0" smtClean="0"/>
-          </a:p>
-          <a:p>
-            <a:pPr>
+            <a:endParaRPr lang="en-US" altLang="zh-CN" sz="2000" dirty="0" smtClean="0">
+              <a:latin typeface="Times New Roman" pitchFamily="18" charset="0"/>
+              <a:ea typeface="微软雅黑" pitchFamily="34" charset="-122"/>
+            </a:endParaRPr>
+          </a:p>
+          <a:p>
+            <a:pPr marL="252000" indent="-252000">
               <a:lnSpc>
                 <a:spcPct val="150000"/>
               </a:lnSpc>
@@ -13989,10 +15100,16 @@
               <a:buChar char="l"/>
             </a:pPr>
             <a:r>
-              <a:rPr lang="zh-CN" altLang="en-US" sz="2000" dirty="0" smtClean="0"/>
+              <a:rPr lang="zh-CN" altLang="en-US" sz="2000" dirty="0" smtClean="0">
+                <a:latin typeface="Times New Roman" pitchFamily="18" charset="0"/>
+                <a:ea typeface="微软雅黑" pitchFamily="34" charset="-122"/>
+              </a:rPr>
               <a:t>增强免疫系统</a:t>
             </a:r>
-            <a:endParaRPr lang="en-US" altLang="zh-CN" sz="2000" dirty="0" smtClean="0"/>
+            <a:endParaRPr lang="en-US" altLang="zh-CN" sz="2000" dirty="0" smtClean="0">
+              <a:latin typeface="Times New Roman" pitchFamily="18" charset="0"/>
+              <a:ea typeface="微软雅黑" pitchFamily="34" charset="-122"/>
+            </a:endParaRPr>
           </a:p>
           <a:p>
             <a:pPr>
@@ -14001,18 +15118,42 @@
               </a:lnSpc>
             </a:pPr>
             <a:r>
+              <a:rPr lang="zh-CN" altLang="en-US" sz="2000" dirty="0" smtClean="0">
+                <a:solidFill>
+                  <a:srgbClr val="C00000"/>
+                </a:solidFill>
+                <a:latin typeface="Times New Roman" pitchFamily="18" charset="0"/>
+                <a:ea typeface="微软雅黑" pitchFamily="34" charset="-122"/>
+              </a:rPr>
+              <a:t>然而，</a:t>
+            </a:r>
+            <a:r>
               <a:rPr lang="en-US" altLang="zh-CN" sz="2000" dirty="0" smtClean="0">
                 <a:solidFill>
                   <a:srgbClr val="C00000"/>
                 </a:solidFill>
-              </a:rPr>
-              <a:t>NAD+</a:t>
-            </a:r>
-            <a:r>
-              <a:rPr lang="zh-CN" altLang="en-US" sz="2000" dirty="0" smtClean="0">
+                <a:latin typeface="Times New Roman" pitchFamily="18" charset="0"/>
+                <a:ea typeface="微软雅黑" pitchFamily="34" charset="-122"/>
+              </a:rPr>
+              <a:t>NAD</a:t>
+            </a:r>
+            <a:r>
+              <a:rPr lang="en-US" altLang="zh-CN" sz="2000" dirty="0" smtClean="0">
                 <a:solidFill>
                   <a:srgbClr val="C00000"/>
                 </a:solidFill>
+                <a:latin typeface="Times New Roman" pitchFamily="18" charset="0"/>
+                <a:ea typeface="微软雅黑" pitchFamily="34" charset="-122"/>
+              </a:rPr>
+              <a:t>+</a:t>
+            </a:r>
+            <a:r>
+              <a:rPr lang="zh-CN" altLang="en-US" sz="2000" dirty="0" smtClean="0">
+                <a:solidFill>
+                  <a:srgbClr val="C00000"/>
+                </a:solidFill>
+                <a:latin typeface="Times New Roman" pitchFamily="18" charset="0"/>
+                <a:ea typeface="微软雅黑" pitchFamily="34" charset="-122"/>
               </a:rPr>
               <a:t>水平随着年龄增加断崖式下降！</a:t>
             </a:r>
@@ -14036,8 +15177,8 @@
         </p:blipFill>
         <p:spPr bwMode="auto">
           <a:xfrm>
-            <a:off x="6002579" y="1414237"/>
-            <a:ext cx="6189421" cy="5443763"/>
+            <a:off x="6382899" y="242596"/>
+            <a:ext cx="4445036" cy="3909528"/>
           </a:xfrm>
           <a:prstGeom prst="rect">
             <a:avLst/>
@@ -14069,21 +15210,47 @@
           <a:p>
             <a:r>
               <a:rPr lang="en-US" altLang="zh-CN" sz="3200" dirty="0" smtClean="0">
-                <a:latin typeface="微软雅黑" panose="020B0503020204020204" pitchFamily="34" charset="-122"/>
-                <a:ea typeface="微软雅黑" panose="020B0503020204020204" pitchFamily="34" charset="-122"/>
+                <a:latin typeface="Times New Roman" pitchFamily="18" charset="0"/>
+                <a:ea typeface="微软雅黑" pitchFamily="34" charset="-122"/>
               </a:rPr>
               <a:t>NMN</a:t>
             </a:r>
             <a:r>
               <a:rPr lang="zh-CN" altLang="en-US" sz="3200" dirty="0" smtClean="0">
-                <a:latin typeface="微软雅黑" panose="020B0503020204020204" pitchFamily="34" charset="-122"/>
-                <a:ea typeface="微软雅黑" panose="020B0503020204020204" pitchFamily="34" charset="-122"/>
+                <a:latin typeface="Times New Roman" pitchFamily="18" charset="0"/>
+                <a:ea typeface="微软雅黑" pitchFamily="34" charset="-122"/>
               </a:rPr>
               <a:t>介绍</a:t>
             </a:r>
           </a:p>
         </p:txBody>
       </p:sp>
+      <p:pic>
+        <p:nvPicPr>
+          <p:cNvPr id="2" name="Picture 2" descr="E:\DELL\Documents\tem\graph-1.png"/>
+          <p:cNvPicPr>
+            <a:picLocks noChangeAspect="1" noChangeArrowheads="1"/>
+          </p:cNvPicPr>
+          <p:nvPr/>
+        </p:nvPicPr>
+        <p:blipFill>
+          <a:blip r:embed="rId3"/>
+          <a:srcRect/>
+          <a:stretch>
+            <a:fillRect/>
+          </a:stretch>
+        </p:blipFill>
+        <p:spPr bwMode="auto">
+          <a:xfrm>
+            <a:off x="6418490" y="4159150"/>
+            <a:ext cx="4405020" cy="2698850"/>
+          </a:xfrm>
+          <a:prstGeom prst="rect">
+            <a:avLst/>
+          </a:prstGeom>
+          <a:noFill/>
+        </p:spPr>
+      </p:pic>
     </p:spTree>
   </p:cSld>
   <p:clrMapOvr>
@@ -14145,6 +15312,7 @@
             <a:r>
               <a:rPr lang="zh-CN" altLang="en-US" sz="2000" dirty="0" smtClean="0">
                 <a:latin typeface="Times New Roman" pitchFamily="18" charset="0"/>
+                <a:ea typeface="微软雅黑" pitchFamily="34" charset="-122"/>
                 <a:cs typeface="Times New Roman" pitchFamily="18" charset="0"/>
                 <a:sym typeface="+mn-ea"/>
               </a:rPr>
@@ -14153,6 +15321,7 @@
             <a:r>
               <a:rPr lang="en-US" altLang="zh-CN" sz="2000" dirty="0" smtClean="0">
                 <a:latin typeface="Times New Roman" pitchFamily="18" charset="0"/>
+                <a:ea typeface="微软雅黑" pitchFamily="34" charset="-122"/>
                 <a:cs typeface="Times New Roman" pitchFamily="18" charset="0"/>
                 <a:sym typeface="+mn-ea"/>
               </a:rPr>
@@ -14161,6 +15330,7 @@
             <a:r>
               <a:rPr lang="zh-CN" altLang="en-US" sz="2000" dirty="0" smtClean="0">
                 <a:latin typeface="Times New Roman" pitchFamily="18" charset="0"/>
+                <a:ea typeface="微软雅黑" pitchFamily="34" charset="-122"/>
                 <a:cs typeface="Times New Roman" pitchFamily="18" charset="0"/>
                 <a:sym typeface="+mn-ea"/>
               </a:rPr>
@@ -14169,6 +15339,7 @@
             <a:r>
               <a:rPr lang="en-US" altLang="zh-CN" sz="2000" dirty="0" smtClean="0">
                 <a:latin typeface="Times New Roman" pitchFamily="18" charset="0"/>
+                <a:ea typeface="微软雅黑" pitchFamily="34" charset="-122"/>
                 <a:cs typeface="Times New Roman" pitchFamily="18" charset="0"/>
                 <a:sym typeface="+mn-ea"/>
               </a:rPr>
@@ -14177,6 +15348,7 @@
             <a:r>
               <a:rPr lang="zh-CN" altLang="en-US" sz="2000" dirty="0" smtClean="0">
                 <a:latin typeface="Times New Roman" pitchFamily="18" charset="0"/>
+                <a:ea typeface="微软雅黑" pitchFamily="34" charset="-122"/>
                 <a:cs typeface="Times New Roman" pitchFamily="18" charset="0"/>
                 <a:sym typeface="+mn-ea"/>
               </a:rPr>
@@ -14184,6 +15356,7 @@
             </a:r>
             <a:endParaRPr lang="zh-CN" altLang="en-US" sz="2000" dirty="0">
               <a:latin typeface="Times New Roman" pitchFamily="18" charset="0"/>
+              <a:ea typeface="微软雅黑" pitchFamily="34" charset="-122"/>
               <a:cs typeface="Times New Roman" pitchFamily="18" charset="0"/>
               <a:sym typeface="+mn-ea"/>
             </a:endParaRPr>
@@ -14199,7 +15372,7 @@
         <p:spPr>
           <a:xfrm>
             <a:off x="696684" y="1615858"/>
-            <a:ext cx="8298026" cy="923330"/>
+            <a:ext cx="8298026" cy="874214"/>
           </a:xfrm>
           <a:prstGeom prst="rect">
             <a:avLst/>
@@ -14211,7 +15384,7 @@
           </a:bodyPr>
           <a:lstStyle/>
           <a:p>
-            <a:pPr>
+            <a:pPr marL="252000" indent="-252000">
               <a:lnSpc>
                 <a:spcPct val="150000"/>
               </a:lnSpc>
@@ -14221,6 +15394,7 @@
             <a:r>
               <a:rPr lang="en-US" altLang="zh-CN" dirty="0" smtClean="0">
                 <a:latin typeface="Times New Roman" pitchFamily="18" charset="0"/>
+                <a:ea typeface="微软雅黑" pitchFamily="34" charset="-122"/>
                 <a:cs typeface="Times New Roman" pitchFamily="18" charset="0"/>
               </a:rPr>
               <a:t>NAD+</a:t>
@@ -14228,6 +15402,7 @@
             <a:r>
               <a:rPr lang="zh-CN" altLang="en-US" dirty="0" smtClean="0">
                 <a:latin typeface="Times New Roman" pitchFamily="18" charset="0"/>
+                <a:ea typeface="微软雅黑" pitchFamily="34" charset="-122"/>
                 <a:cs typeface="Times New Roman" pitchFamily="18" charset="0"/>
               </a:rPr>
               <a:t>由于分子量大，</a:t>
@@ -14238,6 +15413,7 @@
                   <a:srgbClr val="C00000"/>
                 </a:solidFill>
                 <a:latin typeface="Times New Roman" pitchFamily="18" charset="0"/>
+                <a:ea typeface="微软雅黑" pitchFamily="34" charset="-122"/>
                 <a:cs typeface="Times New Roman" pitchFamily="18" charset="0"/>
               </a:rPr>
               <a:t>无法直接口服补充</a:t>
@@ -14245,17 +15421,19 @@
             <a:r>
               <a:rPr lang="zh-CN" altLang="en-US" dirty="0" smtClean="0">
                 <a:latin typeface="Times New Roman" pitchFamily="18" charset="0"/>
+                <a:ea typeface="微软雅黑" pitchFamily="34" charset="-122"/>
                 <a:cs typeface="Times New Roman" pitchFamily="18" charset="0"/>
               </a:rPr>
               <a:t>；</a:t>
             </a:r>
             <a:endParaRPr lang="en-US" altLang="zh-CN" dirty="0" smtClean="0">
               <a:latin typeface="Times New Roman" pitchFamily="18" charset="0"/>
+              <a:ea typeface="微软雅黑" pitchFamily="34" charset="-122"/>
               <a:cs typeface="Times New Roman" pitchFamily="18" charset="0"/>
             </a:endParaRPr>
           </a:p>
           <a:p>
-            <a:pPr>
+            <a:pPr marL="252000" indent="-252000">
               <a:lnSpc>
                 <a:spcPct val="150000"/>
               </a:lnSpc>
@@ -14265,6 +15443,7 @@
             <a:r>
               <a:rPr lang="zh-CN" altLang="en-US" dirty="0" smtClean="0">
                 <a:latin typeface="Times New Roman" pitchFamily="18" charset="0"/>
+                <a:ea typeface="微软雅黑" pitchFamily="34" charset="-122"/>
                 <a:cs typeface="Times New Roman" pitchFamily="18" charset="0"/>
               </a:rPr>
               <a:t>科研证实</a:t>
@@ -14272,6 +15451,7 @@
             <a:r>
               <a:rPr lang="en-US" altLang="zh-CN" dirty="0" smtClean="0">
                 <a:latin typeface="Times New Roman" pitchFamily="18" charset="0"/>
+                <a:ea typeface="微软雅黑" pitchFamily="34" charset="-122"/>
                 <a:cs typeface="Times New Roman" pitchFamily="18" charset="0"/>
               </a:rPr>
               <a:t>NMN</a:t>
@@ -14282,6 +15462,7 @@
                   <a:srgbClr val="C00000"/>
                 </a:solidFill>
                 <a:latin typeface="Times New Roman" pitchFamily="18" charset="0"/>
+                <a:ea typeface="微软雅黑" pitchFamily="34" charset="-122"/>
                 <a:cs typeface="Times New Roman" pitchFamily="18" charset="0"/>
               </a:rPr>
               <a:t>直接口服能够有效增加</a:t>
@@ -14292,6 +15473,7 @@
                   <a:srgbClr val="C00000"/>
                 </a:solidFill>
                 <a:latin typeface="Times New Roman" pitchFamily="18" charset="0"/>
+                <a:ea typeface="微软雅黑" pitchFamily="34" charset="-122"/>
                 <a:cs typeface="Times New Roman" pitchFamily="18" charset="0"/>
               </a:rPr>
               <a:t>NAD+</a:t>
@@ -14302,6 +15484,7 @@
                   <a:srgbClr val="C00000"/>
                 </a:solidFill>
                 <a:latin typeface="Times New Roman" pitchFamily="18" charset="0"/>
+                <a:ea typeface="微软雅黑" pitchFamily="34" charset="-122"/>
                 <a:cs typeface="Times New Roman" pitchFamily="18" charset="0"/>
               </a:rPr>
               <a:t>的含量</a:t>
@@ -14309,12 +15492,14 @@
             <a:r>
               <a:rPr lang="zh-CN" altLang="en-US" dirty="0" smtClean="0">
                 <a:latin typeface="Times New Roman" pitchFamily="18" charset="0"/>
+                <a:ea typeface="微软雅黑" pitchFamily="34" charset="-122"/>
                 <a:cs typeface="Times New Roman" pitchFamily="18" charset="0"/>
               </a:rPr>
               <a:t>。</a:t>
             </a:r>
             <a:endParaRPr lang="zh-CN" altLang="en-US" dirty="0">
               <a:latin typeface="Times New Roman" pitchFamily="18" charset="0"/>
+              <a:ea typeface="微软雅黑" pitchFamily="34" charset="-122"/>
               <a:cs typeface="Times New Roman" pitchFamily="18" charset="0"/>
             </a:endParaRPr>
           </a:p>
@@ -14337,8 +15522,8 @@
         </p:blipFill>
         <p:spPr bwMode="auto">
           <a:xfrm>
-            <a:off x="1390259" y="2571305"/>
-            <a:ext cx="6102222" cy="3981700"/>
+            <a:off x="933059" y="2624373"/>
+            <a:ext cx="6186198" cy="4036494"/>
           </a:xfrm>
           <a:prstGeom prst="rect">
             <a:avLst/>
@@ -14354,8 +15539,8 @@
         </p:nvSpPr>
         <p:spPr>
           <a:xfrm>
-            <a:off x="7769288" y="2503724"/>
-            <a:ext cx="3726025" cy="3554819"/>
+            <a:off x="7909248" y="2708998"/>
+            <a:ext cx="3940630" cy="2954655"/>
           </a:xfrm>
           <a:prstGeom prst="rect">
             <a:avLst/>
@@ -14375,6 +15560,7 @@
             <a:r>
               <a:rPr lang="zh-CN" altLang="en-US" dirty="0" smtClean="0">
                 <a:latin typeface="Times New Roman" pitchFamily="18" charset="0"/>
+                <a:ea typeface="微软雅黑" pitchFamily="34" charset="-122"/>
                 <a:cs typeface="Times New Roman" pitchFamily="18" charset="0"/>
               </a:rPr>
               <a:t>相关研究测试了日本人口服</a:t>
@@ -14382,6 +15568,7 @@
             <a:r>
               <a:rPr lang="en-US" altLang="zh-CN" dirty="0" smtClean="0">
                 <a:latin typeface="Times New Roman" pitchFamily="18" charset="0"/>
+                <a:ea typeface="微软雅黑" pitchFamily="34" charset="-122"/>
                 <a:cs typeface="Times New Roman" pitchFamily="18" charset="0"/>
               </a:rPr>
               <a:t>NMN</a:t>
@@ -14389,6 +15576,7 @@
             <a:r>
               <a:rPr lang="zh-CN" altLang="en-US" dirty="0" smtClean="0">
                 <a:latin typeface="Times New Roman" pitchFamily="18" charset="0"/>
+                <a:ea typeface="微软雅黑" pitchFamily="34" charset="-122"/>
                 <a:cs typeface="Times New Roman" pitchFamily="18" charset="0"/>
               </a:rPr>
               <a:t>的</a:t>
@@ -14396,6 +15584,7 @@
             <a:r>
               <a:rPr lang="en-US" altLang="zh-CN" dirty="0" smtClean="0">
                 <a:latin typeface="Times New Roman" pitchFamily="18" charset="0"/>
+                <a:ea typeface="微软雅黑" pitchFamily="34" charset="-122"/>
                 <a:cs typeface="Times New Roman" pitchFamily="18" charset="0"/>
               </a:rPr>
               <a:t>NAD+</a:t>
@@ -14403,12 +15592,38 @@
             <a:r>
               <a:rPr lang="zh-CN" altLang="en-US" dirty="0" smtClean="0">
                 <a:latin typeface="Times New Roman" pitchFamily="18" charset="0"/>
-                <a:cs typeface="Times New Roman" pitchFamily="18" charset="0"/>
-              </a:rPr>
-              <a:t>水平，得到了积极的结论。</a:t>
+                <a:ea typeface="微软雅黑" pitchFamily="34" charset="-122"/>
+                <a:cs typeface="Times New Roman" pitchFamily="18" charset="0"/>
+              </a:rPr>
+              <a:t>水平，得到</a:t>
+            </a:r>
+            <a:r>
+              <a:rPr lang="zh-CN" altLang="en-US" dirty="0" smtClean="0">
+                <a:latin typeface="Times New Roman" pitchFamily="18" charset="0"/>
+                <a:ea typeface="微软雅黑" pitchFamily="34" charset="-122"/>
+                <a:cs typeface="Times New Roman" pitchFamily="18" charset="0"/>
+              </a:rPr>
+              <a:t>了肯定的</a:t>
+            </a:r>
+            <a:r>
+              <a:rPr lang="zh-CN" altLang="en-US" dirty="0" smtClean="0">
+                <a:latin typeface="Times New Roman" pitchFamily="18" charset="0"/>
+                <a:ea typeface="微软雅黑" pitchFamily="34" charset="-122"/>
+                <a:cs typeface="Times New Roman" pitchFamily="18" charset="0"/>
+              </a:rPr>
+              <a:t>结论</a:t>
+            </a:r>
+            <a:r>
+              <a:rPr lang="zh-CN" altLang="en-US" dirty="0" smtClean="0">
+                <a:latin typeface="Times New Roman" pitchFamily="18" charset="0"/>
+                <a:ea typeface="微软雅黑" pitchFamily="34" charset="-122"/>
+                <a:cs typeface="Times New Roman" pitchFamily="18" charset="0"/>
+              </a:rPr>
+              <a:t>。</a:t>
             </a:r>
             <a:endParaRPr lang="en-US" altLang="zh-CN" dirty="0" smtClean="0">
               <a:latin typeface="Times New Roman" pitchFamily="18" charset="0"/>
+              <a:ea typeface="微软雅黑" pitchFamily="34" charset="-122"/>
               <a:cs typeface="Times New Roman" pitchFamily="18" charset="0"/>
             </a:endParaRPr>
           </a:p>
@@ -14420,81 +15635,115 @@
             </a:pPr>
             <a:endParaRPr lang="en-US" altLang="zh-CN" dirty="0" smtClean="0">
               <a:latin typeface="Times New Roman" pitchFamily="18" charset="0"/>
+              <a:ea typeface="微软雅黑" pitchFamily="34" charset="-122"/>
               <a:cs typeface="Times New Roman" pitchFamily="18" charset="0"/>
             </a:endParaRPr>
           </a:p>
           <a:p>
-            <a:r>
-              <a:rPr lang="en-US" altLang="zh-CN" dirty="0" err="1" smtClean="0">
-                <a:latin typeface="Times New Roman" pitchFamily="18" charset="0"/>
+            <a:pPr>
+              <a:lnSpc>
+                <a:spcPct val="150000"/>
+              </a:lnSpc>
+            </a:pPr>
+            <a:r>
+              <a:rPr lang="zh-CN" altLang="en-US" sz="1400" dirty="0" smtClean="0">
+                <a:latin typeface="Times New Roman" pitchFamily="18" charset="0"/>
+                <a:ea typeface="微软雅黑" pitchFamily="34" charset="-122"/>
+                <a:cs typeface="Times New Roman" pitchFamily="18" charset="0"/>
+              </a:rPr>
+              <a:t>相关论文：</a:t>
+            </a:r>
+            <a:endParaRPr lang="en-US" altLang="zh-CN" sz="1400" dirty="0" smtClean="0">
+              <a:latin typeface="Times New Roman" pitchFamily="18" charset="0"/>
+              <a:ea typeface="微软雅黑" pitchFamily="34" charset="-122"/>
+              <a:cs typeface="Times New Roman" pitchFamily="18" charset="0"/>
+            </a:endParaRPr>
+          </a:p>
+          <a:p>
+            <a:r>
+              <a:rPr lang="en-US" altLang="zh-CN" sz="1400" dirty="0" err="1" smtClean="0">
+                <a:latin typeface="Times New Roman" pitchFamily="18" charset="0"/>
+                <a:ea typeface="微软雅黑" pitchFamily="34" charset="-122"/>
                 <a:cs typeface="Times New Roman" pitchFamily="18" charset="0"/>
               </a:rPr>
               <a:t>Irie</a:t>
             </a:r>
             <a:r>
-              <a:rPr lang="en-US" altLang="zh-CN" dirty="0" smtClean="0">
-                <a:latin typeface="Times New Roman" pitchFamily="18" charset="0"/>
+              <a:rPr lang="en-US" altLang="zh-CN" sz="1400" dirty="0" smtClean="0">
+                <a:latin typeface="Times New Roman" pitchFamily="18" charset="0"/>
+                <a:ea typeface="微软雅黑" pitchFamily="34" charset="-122"/>
                 <a:cs typeface="Times New Roman" pitchFamily="18" charset="0"/>
               </a:rPr>
               <a:t>, J., Inagaki, E., Fujita, M., </a:t>
             </a:r>
             <a:r>
-              <a:rPr lang="en-US" altLang="zh-CN" dirty="0" err="1" smtClean="0">
-                <a:latin typeface="Times New Roman" pitchFamily="18" charset="0"/>
+              <a:rPr lang="en-US" altLang="zh-CN" sz="1400" dirty="0" err="1" smtClean="0">
+                <a:latin typeface="Times New Roman" pitchFamily="18" charset="0"/>
+                <a:ea typeface="微软雅黑" pitchFamily="34" charset="-122"/>
                 <a:cs typeface="Times New Roman" pitchFamily="18" charset="0"/>
               </a:rPr>
               <a:t>Nakaya</a:t>
             </a:r>
             <a:r>
-              <a:rPr lang="en-US" altLang="zh-CN" dirty="0" smtClean="0">
-                <a:latin typeface="Times New Roman" pitchFamily="18" charset="0"/>
+              <a:rPr lang="en-US" altLang="zh-CN" sz="1400" dirty="0" smtClean="0">
+                <a:latin typeface="Times New Roman" pitchFamily="18" charset="0"/>
+                <a:ea typeface="微软雅黑" pitchFamily="34" charset="-122"/>
                 <a:cs typeface="Times New Roman" pitchFamily="18" charset="0"/>
               </a:rPr>
               <a:t>, H., </a:t>
             </a:r>
             <a:r>
-              <a:rPr lang="en-US" altLang="zh-CN" dirty="0" err="1" smtClean="0">
-                <a:latin typeface="Times New Roman" pitchFamily="18" charset="0"/>
+              <a:rPr lang="en-US" altLang="zh-CN" sz="1400" dirty="0" err="1" smtClean="0">
+                <a:latin typeface="Times New Roman" pitchFamily="18" charset="0"/>
+                <a:ea typeface="微软雅黑" pitchFamily="34" charset="-122"/>
                 <a:cs typeface="Times New Roman" pitchFamily="18" charset="0"/>
               </a:rPr>
               <a:t>Mitsuishi</a:t>
             </a:r>
             <a:r>
-              <a:rPr lang="en-US" altLang="zh-CN" dirty="0" smtClean="0">
-                <a:latin typeface="Times New Roman" pitchFamily="18" charset="0"/>
+              <a:rPr lang="en-US" altLang="zh-CN" sz="1400" dirty="0" smtClean="0">
+                <a:latin typeface="Times New Roman" pitchFamily="18" charset="0"/>
+                <a:ea typeface="微软雅黑" pitchFamily="34" charset="-122"/>
                 <a:cs typeface="Times New Roman" pitchFamily="18" charset="0"/>
               </a:rPr>
               <a:t>, M., Yamaguchi, S., … &amp; Okano, H. (2019). Effect of oral administration of </a:t>
             </a:r>
             <a:r>
-              <a:rPr lang="en-US" altLang="zh-CN" dirty="0" err="1" smtClean="0">
-                <a:latin typeface="Times New Roman" pitchFamily="18" charset="0"/>
+              <a:rPr lang="en-US" altLang="zh-CN" sz="1400" dirty="0" err="1" smtClean="0">
+                <a:latin typeface="Times New Roman" pitchFamily="18" charset="0"/>
+                <a:ea typeface="微软雅黑" pitchFamily="34" charset="-122"/>
                 <a:cs typeface="Times New Roman" pitchFamily="18" charset="0"/>
               </a:rPr>
               <a:t>nicotinamide</a:t>
             </a:r>
             <a:r>
-              <a:rPr lang="en-US" altLang="zh-CN" dirty="0" smtClean="0">
-                <a:latin typeface="Times New Roman" pitchFamily="18" charset="0"/>
+              <a:rPr lang="en-US" altLang="zh-CN" sz="1400" dirty="0" smtClean="0">
+                <a:latin typeface="Times New Roman" pitchFamily="18" charset="0"/>
+                <a:ea typeface="微软雅黑" pitchFamily="34" charset="-122"/>
                 <a:cs typeface="Times New Roman" pitchFamily="18" charset="0"/>
               </a:rPr>
               <a:t> mononucleotide on clinical parameters and </a:t>
             </a:r>
             <a:r>
-              <a:rPr lang="en-US" altLang="zh-CN" dirty="0" err="1" smtClean="0">
-                <a:latin typeface="Times New Roman" pitchFamily="18" charset="0"/>
+              <a:rPr lang="en-US" altLang="zh-CN" sz="1400" dirty="0" err="1" smtClean="0">
+                <a:latin typeface="Times New Roman" pitchFamily="18" charset="0"/>
+                <a:ea typeface="微软雅黑" pitchFamily="34" charset="-122"/>
                 <a:cs typeface="Times New Roman" pitchFamily="18" charset="0"/>
               </a:rPr>
               <a:t>nicotinamide</a:t>
             </a:r>
             <a:r>
-              <a:rPr lang="en-US" altLang="zh-CN" dirty="0" smtClean="0">
-                <a:latin typeface="Times New Roman" pitchFamily="18" charset="0"/>
+              <a:rPr lang="en-US" altLang="zh-CN" sz="1400" dirty="0" smtClean="0">
+                <a:latin typeface="Times New Roman" pitchFamily="18" charset="0"/>
+                <a:ea typeface="微软雅黑" pitchFamily="34" charset="-122"/>
                 <a:cs typeface="Times New Roman" pitchFamily="18" charset="0"/>
               </a:rPr>
               <a:t> metabolite levels in healthy Japanese men. Endocrine journal, EJ19-0313.</a:t>
             </a:r>
-            <a:endParaRPr lang="zh-CN" altLang="en-US" dirty="0"/>
+            <a:endParaRPr lang="zh-CN" altLang="en-US" sz="1400" dirty="0">
+              <a:latin typeface="Times New Roman" pitchFamily="18" charset="0"/>
+              <a:ea typeface="微软雅黑" pitchFamily="34" charset="-122"/>
+            </a:endParaRPr>
           </a:p>
         </p:txBody>
       </p:sp>
@@ -14522,15 +15771,15 @@
           <a:p>
             <a:r>
               <a:rPr lang="en-US" altLang="zh-CN" sz="3200" dirty="0" smtClean="0">
-                <a:latin typeface="微软雅黑" panose="020B0503020204020204" pitchFamily="34" charset="-122"/>
-                <a:ea typeface="微软雅黑" panose="020B0503020204020204" pitchFamily="34" charset="-122"/>
+                <a:latin typeface="Times New Roman" pitchFamily="18" charset="0"/>
+                <a:ea typeface="微软雅黑" pitchFamily="34" charset="-122"/>
               </a:rPr>
               <a:t>NMN</a:t>
             </a:r>
             <a:r>
               <a:rPr lang="zh-CN" altLang="en-US" sz="3200" dirty="0" smtClean="0">
-                <a:latin typeface="微软雅黑" panose="020B0503020204020204" pitchFamily="34" charset="-122"/>
-                <a:ea typeface="微软雅黑" panose="020B0503020204020204" pitchFamily="34" charset="-122"/>
+                <a:latin typeface="Times New Roman" pitchFamily="18" charset="0"/>
+                <a:ea typeface="微软雅黑" pitchFamily="34" charset="-122"/>
               </a:rPr>
               <a:t>介绍</a:t>
             </a:r>
@@ -14594,7 +15843,7 @@
           </a:bodyPr>
           <a:lstStyle/>
           <a:p>
-            <a:pPr marL="217170" indent="-241300" algn="l" fontAlgn="auto">
+            <a:pPr marL="252000" indent="-252000" algn="l" fontAlgn="auto">
               <a:lnSpc>
                 <a:spcPct val="150000"/>
               </a:lnSpc>
@@ -14602,14 +15851,15 @@
               <a:buChar char=""/>
               <a:extLst>
                 <a:ext uri="{35155182-B16C-46BC-9424-99874614C6A1}">
-                  <wpsdc:indentchars xmlns:wpsdc="http://www.wps.cn/officeDocument/2017/drawingmlCustomData" xmlns="" val="-95" checksum="1089722149"/>
-                  <wpsdc:marlchars xmlns:wpsdc="http://www.wps.cn/officeDocument/2017/drawingmlCustomData" xmlns="" val="95" checksum="3534689470"/>
+                  <wpsdc:indentchars xmlns="" xmlns:wpsdc="http://www.wps.cn/officeDocument/2017/drawingmlCustomData" val="-95" checksum="1089722149"/>
+                  <wpsdc:marlchars xmlns="" xmlns:wpsdc="http://www.wps.cn/officeDocument/2017/drawingmlCustomData" val="95" checksum="3534689470"/>
                 </a:ext>
               </a:extLst>
             </a:pPr>
             <a:r>
               <a:rPr lang="zh-CN" altLang="en-US" sz="2000" b="0" dirty="0">
                 <a:latin typeface="Times New Roman" pitchFamily="18" charset="0"/>
+                <a:ea typeface="微软雅黑" pitchFamily="34" charset="-122"/>
                 <a:cs typeface="Times New Roman" pitchFamily="18" charset="0"/>
               </a:rPr>
               <a:t>在全球，北美和中国是最大的制造区。在</a:t>
@@ -14617,6 +15867,7 @@
             <a:r>
               <a:rPr lang="en-US" altLang="zh-CN" sz="2000" b="0" dirty="0">
                 <a:latin typeface="Times New Roman" pitchFamily="18" charset="0"/>
+                <a:ea typeface="微软雅黑" pitchFamily="34" charset="-122"/>
                 <a:cs typeface="Times New Roman" pitchFamily="18" charset="0"/>
               </a:rPr>
               <a:t>NMN</a:t>
@@ -14624,6 +15875,7 @@
             <a:r>
               <a:rPr lang="zh-CN" altLang="en-US" sz="2000" b="0" dirty="0">
                 <a:latin typeface="Times New Roman" pitchFamily="18" charset="0"/>
+                <a:ea typeface="微软雅黑" pitchFamily="34" charset="-122"/>
                 <a:cs typeface="Times New Roman" pitchFamily="18" charset="0"/>
               </a:rPr>
               <a:t>领域，</a:t>
@@ -14634,6 +15886,7 @@
                   <a:srgbClr val="C00000"/>
                 </a:solidFill>
                 <a:latin typeface="Times New Roman" pitchFamily="18" charset="0"/>
+                <a:ea typeface="微软雅黑" pitchFamily="34" charset="-122"/>
                 <a:cs typeface="Times New Roman" pitchFamily="18" charset="0"/>
               </a:rPr>
               <a:t>中国</a:t>
@@ -14641,6 +15894,7 @@
             <a:r>
               <a:rPr lang="zh-CN" altLang="en-US" sz="2000" b="0" dirty="0">
                 <a:latin typeface="Times New Roman" pitchFamily="18" charset="0"/>
+                <a:ea typeface="微软雅黑" pitchFamily="34" charset="-122"/>
                 <a:cs typeface="Times New Roman" pitchFamily="18" charset="0"/>
               </a:rPr>
               <a:t>目前是生产市场的领导者，占据</a:t>
@@ -14651,6 +15905,7 @@
                   <a:srgbClr val="C00000"/>
                 </a:solidFill>
                 <a:latin typeface="Times New Roman" pitchFamily="18" charset="0"/>
+                <a:ea typeface="微软雅黑" pitchFamily="34" charset="-122"/>
                 <a:cs typeface="Times New Roman" pitchFamily="18" charset="0"/>
               </a:rPr>
               <a:t>46.41%</a:t>
@@ -14658,6 +15913,7 @@
             <a:r>
               <a:rPr lang="zh-CN" altLang="en-US" sz="2000" b="0" dirty="0">
                 <a:latin typeface="Times New Roman" pitchFamily="18" charset="0"/>
+                <a:ea typeface="微软雅黑" pitchFamily="34" charset="-122"/>
                 <a:cs typeface="Times New Roman" pitchFamily="18" charset="0"/>
               </a:rPr>
               <a:t>的</a:t>
@@ -14668,6 +15924,7 @@
                   <a:srgbClr val="C00000"/>
                 </a:solidFill>
                 <a:latin typeface="Times New Roman" pitchFamily="18" charset="0"/>
+                <a:ea typeface="微软雅黑" pitchFamily="34" charset="-122"/>
                 <a:cs typeface="Times New Roman" pitchFamily="18" charset="0"/>
               </a:rPr>
               <a:t>生产市场</a:t>
@@ -14675,13 +15932,14 @@
             <a:r>
               <a:rPr lang="zh-CN" altLang="en-US" sz="2000" b="0" dirty="0">
                 <a:latin typeface="Times New Roman" pitchFamily="18" charset="0"/>
+                <a:ea typeface="微软雅黑" pitchFamily="34" charset="-122"/>
                 <a:cs typeface="Times New Roman" pitchFamily="18" charset="0"/>
               </a:rPr>
               <a:t>份额。</a:t>
             </a:r>
           </a:p>
           <a:p>
-            <a:pPr marL="217170" indent="-241300" algn="l" fontAlgn="auto">
+            <a:pPr marL="252000" indent="-252000" algn="l" fontAlgn="auto">
               <a:lnSpc>
                 <a:spcPct val="150000"/>
               </a:lnSpc>
@@ -14689,14 +15947,15 @@
               <a:buChar char=""/>
               <a:extLst>
                 <a:ext uri="{35155182-B16C-46BC-9424-99874614C6A1}">
-                  <wpsdc:indentchars xmlns:wpsdc="http://www.wps.cn/officeDocument/2017/drawingmlCustomData" xmlns="" val="-95" checksum="1089722149"/>
-                  <wpsdc:marlchars xmlns:wpsdc="http://www.wps.cn/officeDocument/2017/drawingmlCustomData" xmlns="" val="95" checksum="3534689470"/>
+                  <wpsdc:indentchars xmlns="" xmlns:wpsdc="http://www.wps.cn/officeDocument/2017/drawingmlCustomData" val="-95" checksum="1089722149"/>
+                  <wpsdc:marlchars xmlns="" xmlns:wpsdc="http://www.wps.cn/officeDocument/2017/drawingmlCustomData" val="95" checksum="3534689470"/>
                 </a:ext>
               </a:extLst>
             </a:pPr>
             <a:r>
               <a:rPr lang="zh-CN" altLang="en-US" sz="2000" dirty="0">
                 <a:latin typeface="Times New Roman" pitchFamily="18" charset="0"/>
+                <a:ea typeface="微软雅黑" pitchFamily="34" charset="-122"/>
                 <a:cs typeface="Times New Roman" pitchFamily="18" charset="0"/>
                 <a:sym typeface="+mn-ea"/>
               </a:rPr>
@@ -14705,6 +15964,7 @@
             <a:r>
               <a:rPr lang="en-US" altLang="zh-CN" sz="2000" dirty="0">
                 <a:latin typeface="Times New Roman" pitchFamily="18" charset="0"/>
+                <a:ea typeface="微软雅黑" pitchFamily="34" charset="-122"/>
                 <a:cs typeface="Times New Roman" pitchFamily="18" charset="0"/>
                 <a:sym typeface="+mn-ea"/>
               </a:rPr>
@@ -14713,6 +15973,7 @@
             <a:r>
               <a:rPr lang="zh-CN" altLang="en-US" sz="2000" dirty="0">
                 <a:latin typeface="Times New Roman" pitchFamily="18" charset="0"/>
+                <a:ea typeface="微软雅黑" pitchFamily="34" charset="-122"/>
                 <a:cs typeface="Times New Roman" pitchFamily="18" charset="0"/>
                 <a:sym typeface="+mn-ea"/>
               </a:rPr>
@@ -14721,6 +15982,7 @@
             <a:r>
               <a:rPr lang="en-US" altLang="zh-CN" sz="2000" dirty="0">
                 <a:latin typeface="Times New Roman" pitchFamily="18" charset="0"/>
+                <a:ea typeface="微软雅黑" pitchFamily="34" charset="-122"/>
                 <a:cs typeface="Times New Roman" pitchFamily="18" charset="0"/>
                 <a:sym typeface="+mn-ea"/>
               </a:rPr>
@@ -14729,6 +15991,7 @@
             <a:r>
               <a:rPr lang="zh-CN" altLang="en-US" sz="2000" dirty="0">
                 <a:latin typeface="Times New Roman" pitchFamily="18" charset="0"/>
+                <a:ea typeface="微软雅黑" pitchFamily="34" charset="-122"/>
                 <a:cs typeface="Times New Roman" pitchFamily="18" charset="0"/>
                 <a:sym typeface="+mn-ea"/>
               </a:rPr>
@@ -14740,14 +16003,28 @@
                   <a:srgbClr val="C00000"/>
                 </a:solidFill>
                 <a:latin typeface="Times New Roman" pitchFamily="18" charset="0"/>
+                <a:ea typeface="微软雅黑" pitchFamily="34" charset="-122"/>
                 <a:cs typeface="Times New Roman" pitchFamily="18" charset="0"/>
                 <a:sym typeface="+mn-ea"/>
               </a:rPr>
-              <a:t>中国的消费量</a:t>
+              <a:t>中国的</a:t>
+            </a:r>
+            <a:r>
+              <a:rPr lang="zh-CN" altLang="en-US" sz="2000" dirty="0" smtClean="0">
+                <a:solidFill>
+                  <a:srgbClr val="C00000"/>
+                </a:solidFill>
+                <a:latin typeface="Times New Roman" pitchFamily="18" charset="0"/>
+                <a:ea typeface="微软雅黑" pitchFamily="34" charset="-122"/>
+                <a:cs typeface="Times New Roman" pitchFamily="18" charset="0"/>
+                <a:sym typeface="+mn-ea"/>
+              </a:rPr>
+              <a:t>消费量</a:t>
             </a:r>
             <a:r>
               <a:rPr lang="zh-CN" altLang="en-US" sz="2000" dirty="0">
                 <a:latin typeface="Times New Roman" pitchFamily="18" charset="0"/>
+                <a:ea typeface="微软雅黑" pitchFamily="34" charset="-122"/>
                 <a:cs typeface="Times New Roman" pitchFamily="18" charset="0"/>
                 <a:sym typeface="+mn-ea"/>
               </a:rPr>
@@ -14759,6 +16036,7 @@
                   <a:srgbClr val="C00000"/>
                 </a:solidFill>
                 <a:latin typeface="Times New Roman" pitchFamily="18" charset="0"/>
+                <a:ea typeface="微软雅黑" pitchFamily="34" charset="-122"/>
                 <a:cs typeface="Times New Roman" pitchFamily="18" charset="0"/>
                 <a:sym typeface="+mn-ea"/>
               </a:rPr>
@@ -14770,6 +16048,7 @@
                   <a:srgbClr val="C00000"/>
                 </a:solidFill>
                 <a:latin typeface="Times New Roman" pitchFamily="18" charset="0"/>
+                <a:ea typeface="微软雅黑" pitchFamily="34" charset="-122"/>
                 <a:cs typeface="Times New Roman" pitchFamily="18" charset="0"/>
                 <a:sym typeface="+mn-ea"/>
               </a:rPr>
@@ -14778,6 +16057,7 @@
             <a:r>
               <a:rPr lang="zh-CN" altLang="en-US" sz="2000" dirty="0">
                 <a:latin typeface="Times New Roman" pitchFamily="18" charset="0"/>
+                <a:ea typeface="微软雅黑" pitchFamily="34" charset="-122"/>
                 <a:cs typeface="Times New Roman" pitchFamily="18" charset="0"/>
                 <a:sym typeface="+mn-ea"/>
               </a:rPr>
@@ -14785,11 +16065,12 @@
             </a:r>
             <a:endParaRPr lang="zh-CN" altLang="en-US" sz="2000" b="0" dirty="0">
               <a:latin typeface="Times New Roman" pitchFamily="18" charset="0"/>
+              <a:ea typeface="微软雅黑" pitchFamily="34" charset="-122"/>
               <a:cs typeface="Times New Roman" pitchFamily="18" charset="0"/>
             </a:endParaRPr>
           </a:p>
           <a:p>
-            <a:pPr marL="217170" indent="-241300" algn="l" fontAlgn="auto">
+            <a:pPr marL="252000" indent="-252000" algn="l" fontAlgn="auto">
               <a:lnSpc>
                 <a:spcPct val="150000"/>
               </a:lnSpc>
@@ -14797,14 +16078,15 @@
               <a:buChar char=""/>
               <a:extLst>
                 <a:ext uri="{35155182-B16C-46BC-9424-99874614C6A1}">
-                  <wpsdc:indentchars xmlns:wpsdc="http://www.wps.cn/officeDocument/2017/drawingmlCustomData" xmlns="" val="-95" checksum="1089722149"/>
-                  <wpsdc:marlchars xmlns:wpsdc="http://www.wps.cn/officeDocument/2017/drawingmlCustomData" xmlns="" val="95" checksum="3534689470"/>
+                  <wpsdc:indentchars xmlns="" xmlns:wpsdc="http://www.wps.cn/officeDocument/2017/drawingmlCustomData" val="-95" checksum="1089722149"/>
+                  <wpsdc:marlchars xmlns="" xmlns:wpsdc="http://www.wps.cn/officeDocument/2017/drawingmlCustomData" val="95" checksum="3534689470"/>
                 </a:ext>
               </a:extLst>
             </a:pPr>
             <a:r>
               <a:rPr lang="en-US" altLang="zh-CN" sz="2000" b="0" dirty="0" err="1">
                 <a:latin typeface="Times New Roman" pitchFamily="18" charset="0"/>
+                <a:ea typeface="微软雅黑" pitchFamily="34" charset="-122"/>
                 <a:cs typeface="Times New Roman" pitchFamily="18" charset="0"/>
               </a:rPr>
               <a:t>GeneHarbor</a:t>
@@ -14812,6 +16094,7 @@
             <a:r>
               <a:rPr lang="en-US" altLang="zh-CN" sz="2000" b="0" dirty="0">
                 <a:latin typeface="Times New Roman" pitchFamily="18" charset="0"/>
+                <a:ea typeface="微软雅黑" pitchFamily="34" charset="-122"/>
                 <a:cs typeface="Times New Roman" pitchFamily="18" charset="0"/>
               </a:rPr>
               <a:t>, </a:t>
@@ -14819,6 +16102,7 @@
             <a:r>
               <a:rPr lang="en-US" altLang="zh-CN" sz="2000" b="0" dirty="0" err="1">
                 <a:latin typeface="Times New Roman" pitchFamily="18" charset="0"/>
+                <a:ea typeface="微软雅黑" pitchFamily="34" charset="-122"/>
                 <a:cs typeface="Times New Roman" pitchFamily="18" charset="0"/>
               </a:rPr>
               <a:t>Herbalmax</a:t>
@@ -14826,6 +16110,7 @@
             <a:r>
               <a:rPr lang="en-US" altLang="zh-CN" sz="2000" b="0" dirty="0">
                 <a:latin typeface="Times New Roman" pitchFamily="18" charset="0"/>
+                <a:ea typeface="微软雅黑" pitchFamily="34" charset="-122"/>
                 <a:cs typeface="Times New Roman" pitchFamily="18" charset="0"/>
               </a:rPr>
               <a:t>, </a:t>
@@ -14833,6 +16118,7 @@
             <a:r>
               <a:rPr lang="en-US" altLang="zh-CN" sz="2000" b="0" dirty="0" err="1">
                 <a:latin typeface="Times New Roman" pitchFamily="18" charset="0"/>
+                <a:ea typeface="微软雅黑" pitchFamily="34" charset="-122"/>
                 <a:cs typeface="Times New Roman" pitchFamily="18" charset="0"/>
               </a:rPr>
               <a:t>Shinkowa</a:t>
@@ -14840,6 +16126,7 @@
             <a:r>
               <a:rPr lang="en-US" altLang="zh-CN" sz="2000" b="0" dirty="0">
                 <a:latin typeface="Times New Roman" pitchFamily="18" charset="0"/>
+                <a:ea typeface="微软雅黑" pitchFamily="34" charset="-122"/>
                 <a:cs typeface="Times New Roman" pitchFamily="18" charset="0"/>
               </a:rPr>
               <a:t> Pharmaceutical, </a:t>
@@ -14847,6 +16134,7 @@
             <a:r>
               <a:rPr lang="en-US" altLang="zh-CN" sz="2000" b="0" dirty="0" err="1">
                 <a:latin typeface="Times New Roman" pitchFamily="18" charset="0"/>
+                <a:ea typeface="微软雅黑" pitchFamily="34" charset="-122"/>
                 <a:cs typeface="Times New Roman" pitchFamily="18" charset="0"/>
               </a:rPr>
               <a:t>EffePharm</a:t>
@@ -14854,6 +16142,7 @@
             <a:r>
               <a:rPr lang="en-US" altLang="zh-CN" sz="2000" b="0" dirty="0">
                 <a:latin typeface="Times New Roman" pitchFamily="18" charset="0"/>
+                <a:ea typeface="微软雅黑" pitchFamily="34" charset="-122"/>
                 <a:cs typeface="Times New Roman" pitchFamily="18" charset="0"/>
               </a:rPr>
               <a:t> and </a:t>
@@ -14861,6 +16150,7 @@
             <a:r>
               <a:rPr lang="en-US" altLang="zh-CN" sz="2000" b="0" dirty="0" err="1">
                 <a:latin typeface="Times New Roman" pitchFamily="18" charset="0"/>
+                <a:ea typeface="微软雅黑" pitchFamily="34" charset="-122"/>
                 <a:cs typeface="Times New Roman" pitchFamily="18" charset="0"/>
               </a:rPr>
               <a:t>Genex</a:t>
@@ -14868,20 +16158,39 @@
             <a:r>
               <a:rPr lang="en-US" altLang="zh-CN" sz="2000" b="0" dirty="0">
                 <a:latin typeface="Times New Roman" pitchFamily="18" charset="0"/>
-                <a:cs typeface="Times New Roman" pitchFamily="18" charset="0"/>
-              </a:rPr>
-              <a:t> Formulas</a:t>
+                <a:ea typeface="微软雅黑" pitchFamily="34" charset="-122"/>
+                <a:cs typeface="Times New Roman" pitchFamily="18" charset="0"/>
+              </a:rPr>
+              <a:t> </a:t>
+            </a:r>
+            <a:r>
+              <a:rPr lang="en-US" altLang="zh-CN" sz="2000" b="0" dirty="0" smtClean="0">
+                <a:latin typeface="Times New Roman" pitchFamily="18" charset="0"/>
+                <a:ea typeface="微软雅黑" pitchFamily="34" charset="-122"/>
+                <a:cs typeface="Times New Roman" pitchFamily="18" charset="0"/>
+              </a:rPr>
+              <a:t>Formulas</a:t>
+            </a:r>
+            <a:r>
+              <a:rPr lang="zh-CN" altLang="en-US" sz="2000" b="0" dirty="0" smtClean="0">
+                <a:latin typeface="Times New Roman" pitchFamily="18" charset="0"/>
+                <a:ea typeface="微软雅黑" pitchFamily="34" charset="-122"/>
+                <a:cs typeface="Times New Roman" pitchFamily="18" charset="0"/>
+              </a:rPr>
+              <a:t>等企业目前是</a:t>
             </a:r>
             <a:r>
               <a:rPr lang="zh-CN" altLang="en-US" sz="2000" b="0" dirty="0">
                 <a:latin typeface="Times New Roman" pitchFamily="18" charset="0"/>
-                <a:cs typeface="Times New Roman" pitchFamily="18" charset="0"/>
-              </a:rPr>
-              <a:t>是世界领先的</a:t>
+                <a:ea typeface="微软雅黑" pitchFamily="34" charset="-122"/>
+                <a:cs typeface="Times New Roman" pitchFamily="18" charset="0"/>
+              </a:rPr>
+              <a:t>世界领先的</a:t>
             </a:r>
             <a:r>
               <a:rPr lang="en-US" altLang="zh-CN" sz="2000" b="0" dirty="0">
                 <a:latin typeface="Times New Roman" pitchFamily="18" charset="0"/>
+                <a:ea typeface="微软雅黑" pitchFamily="34" charset="-122"/>
                 <a:cs typeface="Times New Roman" pitchFamily="18" charset="0"/>
               </a:rPr>
               <a:t>NMN</a:t>
@@ -14889,69 +16198,27 @@
             <a:r>
               <a:rPr lang="zh-CN" altLang="en-US" sz="2000" b="0" dirty="0">
                 <a:latin typeface="Times New Roman" pitchFamily="18" charset="0"/>
-                <a:cs typeface="Times New Roman" pitchFamily="18" charset="0"/>
-              </a:rPr>
-              <a:t>制造商。在</a:t>
-            </a:r>
-            <a:r>
-              <a:rPr lang="en-US" altLang="zh-CN" sz="2000" b="0" dirty="0">
-                <a:latin typeface="Times New Roman" pitchFamily="18" charset="0"/>
-                <a:cs typeface="Times New Roman" pitchFamily="18" charset="0"/>
-              </a:rPr>
-              <a:t>2019</a:t>
-            </a:r>
-            <a:r>
-              <a:rPr lang="zh-CN" altLang="en-US" sz="2000" b="0" dirty="0">
-                <a:latin typeface="Times New Roman" pitchFamily="18" charset="0"/>
-                <a:cs typeface="Times New Roman" pitchFamily="18" charset="0"/>
-              </a:rPr>
-              <a:t>年，</a:t>
-            </a:r>
-            <a:r>
-              <a:rPr lang="en-US" altLang="zh-CN" sz="2000" b="0" dirty="0" err="1">
-                <a:latin typeface="Times New Roman" pitchFamily="18" charset="0"/>
-                <a:cs typeface="Times New Roman" pitchFamily="18" charset="0"/>
-              </a:rPr>
-              <a:t>GeneHarbor</a:t>
-            </a:r>
-            <a:r>
-              <a:rPr lang="zh-CN" altLang="en-US" sz="2000" b="0" dirty="0">
-                <a:latin typeface="Times New Roman" pitchFamily="18" charset="0"/>
-                <a:cs typeface="Times New Roman" pitchFamily="18" charset="0"/>
-              </a:rPr>
-              <a:t>占据了</a:t>
-            </a:r>
-            <a:r>
-              <a:rPr lang="en-US" altLang="zh-CN" sz="2000" b="0" dirty="0">
-                <a:latin typeface="Times New Roman" pitchFamily="18" charset="0"/>
-                <a:cs typeface="Times New Roman" pitchFamily="18" charset="0"/>
-              </a:rPr>
-              <a:t>41.17%</a:t>
-            </a:r>
-            <a:r>
-              <a:rPr lang="zh-CN" altLang="en-US" sz="2000" b="0" dirty="0">
-                <a:latin typeface="Times New Roman" pitchFamily="18" charset="0"/>
-                <a:cs typeface="Times New Roman" pitchFamily="18" charset="0"/>
-              </a:rPr>
-              <a:t>的全球份额，占据了</a:t>
-            </a:r>
-            <a:r>
-              <a:rPr lang="en-US" altLang="zh-CN" sz="2000" b="0" dirty="0">
-                <a:latin typeface="Times New Roman" pitchFamily="18" charset="0"/>
-                <a:cs typeface="Times New Roman" pitchFamily="18" charset="0"/>
-              </a:rPr>
-              <a:t>NMN</a:t>
-            </a:r>
-            <a:r>
-              <a:rPr lang="zh-CN" altLang="en-US" sz="2000" b="0" dirty="0">
-                <a:latin typeface="Times New Roman" pitchFamily="18" charset="0"/>
-                <a:cs typeface="Times New Roman" pitchFamily="18" charset="0"/>
-              </a:rPr>
-              <a:t>市场的半壁江山。</a:t>
-            </a:r>
-          </a:p>
-          <a:p>
-            <a:pPr marL="217170" indent="-241300" algn="l" fontAlgn="auto">
+                <a:ea typeface="微软雅黑" pitchFamily="34" charset="-122"/>
+                <a:cs typeface="Times New Roman" pitchFamily="18" charset="0"/>
+              </a:rPr>
+              <a:t>制造商</a:t>
+            </a:r>
+            <a:r>
+              <a:rPr lang="zh-CN" altLang="en-US" sz="2000" b="0" dirty="0" smtClean="0">
+                <a:latin typeface="Times New Roman" pitchFamily="18" charset="0"/>
+                <a:ea typeface="微软雅黑" pitchFamily="34" charset="-122"/>
+                <a:cs typeface="Times New Roman" pitchFamily="18" charset="0"/>
+              </a:rPr>
+              <a:t>。</a:t>
+            </a:r>
+            <a:endParaRPr lang="zh-CN" altLang="en-US" sz="2000" b="0" dirty="0">
+              <a:latin typeface="Times New Roman" pitchFamily="18" charset="0"/>
+              <a:ea typeface="微软雅黑" pitchFamily="34" charset="-122"/>
+              <a:cs typeface="Times New Roman" pitchFamily="18" charset="0"/>
+            </a:endParaRPr>
+          </a:p>
+          <a:p>
+            <a:pPr marL="252000" indent="-252000" algn="l" fontAlgn="auto">
               <a:lnSpc>
                 <a:spcPct val="150000"/>
               </a:lnSpc>
@@ -14959,14 +16226,15 @@
               <a:buChar char=""/>
               <a:extLst>
                 <a:ext uri="{35155182-B16C-46BC-9424-99874614C6A1}">
-                  <wpsdc:indentchars xmlns:wpsdc="http://www.wps.cn/officeDocument/2017/drawingmlCustomData" xmlns="" val="-95" checksum="1089722149"/>
-                  <wpsdc:marlchars xmlns:wpsdc="http://www.wps.cn/officeDocument/2017/drawingmlCustomData" xmlns="" val="95" checksum="3534689470"/>
+                  <wpsdc:indentchars xmlns="" xmlns:wpsdc="http://www.wps.cn/officeDocument/2017/drawingmlCustomData" val="-95" checksum="1089722149"/>
+                  <wpsdc:marlchars xmlns="" xmlns:wpsdc="http://www.wps.cn/officeDocument/2017/drawingmlCustomData" val="95" checksum="3534689470"/>
                 </a:ext>
               </a:extLst>
             </a:pPr>
             <a:r>
               <a:rPr lang="en-US" altLang="zh-CN" sz="2000" b="0" dirty="0">
                 <a:latin typeface="Times New Roman" pitchFamily="18" charset="0"/>
+                <a:ea typeface="微软雅黑" pitchFamily="34" charset="-122"/>
                 <a:cs typeface="Times New Roman" pitchFamily="18" charset="0"/>
               </a:rPr>
               <a:t>NMN</a:t>
@@ -14974,6 +16242,7 @@
             <a:r>
               <a:rPr lang="zh-CN" altLang="en-US" sz="2000" b="0" dirty="0">
                 <a:latin typeface="Times New Roman" pitchFamily="18" charset="0"/>
+                <a:ea typeface="微软雅黑" pitchFamily="34" charset="-122"/>
                 <a:cs typeface="Times New Roman" pitchFamily="18" charset="0"/>
               </a:rPr>
               <a:t>的下游应用有保健品，化妆品等。在全球范围内，保健产品是最大的应用市场，占</a:t>
@@ -14981,6 +16250,7 @@
             <a:r>
               <a:rPr lang="en-US" altLang="zh-CN" sz="2000" b="0" dirty="0">
                 <a:latin typeface="Times New Roman" pitchFamily="18" charset="0"/>
+                <a:ea typeface="微软雅黑" pitchFamily="34" charset="-122"/>
                 <a:cs typeface="Times New Roman" pitchFamily="18" charset="0"/>
               </a:rPr>
               <a:t>2019</a:t>
@@ -14988,6 +16258,7 @@
             <a:r>
               <a:rPr lang="zh-CN" altLang="en-US" sz="2000" b="0" dirty="0">
                 <a:latin typeface="Times New Roman" pitchFamily="18" charset="0"/>
+                <a:ea typeface="微软雅黑" pitchFamily="34" charset="-122"/>
                 <a:cs typeface="Times New Roman" pitchFamily="18" charset="0"/>
               </a:rPr>
               <a:t>年</a:t>
@@ -14995,6 +16266,7 @@
             <a:r>
               <a:rPr lang="en-US" altLang="zh-CN" sz="2000" b="0" dirty="0">
                 <a:latin typeface="Times New Roman" pitchFamily="18" charset="0"/>
+                <a:ea typeface="微软雅黑" pitchFamily="34" charset="-122"/>
                 <a:cs typeface="Times New Roman" pitchFamily="18" charset="0"/>
               </a:rPr>
               <a:t>NMN</a:t>
@@ -15002,6 +16274,7 @@
             <a:r>
               <a:rPr lang="zh-CN" altLang="en-US" sz="2000" b="0" dirty="0">
                 <a:latin typeface="Times New Roman" pitchFamily="18" charset="0"/>
+                <a:ea typeface="微软雅黑" pitchFamily="34" charset="-122"/>
                 <a:cs typeface="Times New Roman" pitchFamily="18" charset="0"/>
               </a:rPr>
               <a:t>总消费量的</a:t>
@@ -15009,6 +16282,7 @@
             <a:r>
               <a:rPr lang="en-US" altLang="zh-CN" sz="2000" b="0" dirty="0">
                 <a:latin typeface="Times New Roman" pitchFamily="18" charset="0"/>
+                <a:ea typeface="微软雅黑" pitchFamily="34" charset="-122"/>
                 <a:cs typeface="Times New Roman" pitchFamily="18" charset="0"/>
               </a:rPr>
               <a:t>99.74</a:t>
@@ -15016,6 +16290,7 @@
             <a:r>
               <a:rPr lang="zh-CN" altLang="en-US" sz="2000" b="0" dirty="0">
                 <a:latin typeface="Times New Roman" pitchFamily="18" charset="0"/>
+                <a:ea typeface="微软雅黑" pitchFamily="34" charset="-122"/>
                 <a:cs typeface="Times New Roman" pitchFamily="18" charset="0"/>
               </a:rPr>
               <a:t>％。</a:t>
@@ -15159,16 +16434,18 @@
               <a:buChar char=""/>
             </a:pPr>
             <a:r>
-              <a:rPr lang="en-US" altLang="zh-CN" sz="2000">
-                <a:latin typeface="Times New Roman" pitchFamily="18" charset="0"/>
+              <a:rPr lang="en-US" altLang="zh-CN" sz="2000" dirty="0">
+                <a:latin typeface="Times New Roman" pitchFamily="18" charset="0"/>
+                <a:ea typeface="微软雅黑" pitchFamily="34" charset="-122"/>
                 <a:cs typeface="Times New Roman" pitchFamily="18" charset="0"/>
                 <a:sym typeface="+mn-ea"/>
               </a:rPr>
               <a:t>NMN</a:t>
             </a:r>
             <a:r>
-              <a:rPr lang="zh-CN" altLang="en-US" sz="2000">
-                <a:latin typeface="Times New Roman" pitchFamily="18" charset="0"/>
+              <a:rPr lang="zh-CN" altLang="en-US" sz="2000" dirty="0">
+                <a:latin typeface="Times New Roman" pitchFamily="18" charset="0"/>
+                <a:ea typeface="微软雅黑" pitchFamily="34" charset="-122"/>
                 <a:cs typeface="Times New Roman" pitchFamily="18" charset="0"/>
                 <a:sym typeface="+mn-ea"/>
               </a:rPr>
@@ -15186,7 +16463,7 @@
         <p:spPr>
           <a:xfrm>
             <a:off x="460101" y="1776819"/>
-            <a:ext cx="11091197" cy="1477328"/>
+            <a:ext cx="11091197" cy="1938992"/>
           </a:xfrm>
           <a:prstGeom prst="rect">
             <a:avLst/>
@@ -15202,7 +16479,7 @@
           </a:bodyPr>
           <a:lstStyle/>
           <a:p>
-            <a:pPr marL="217170" indent="-241300">
+            <a:pPr marL="252000" indent="-252000">
               <a:lnSpc>
                 <a:spcPct val="150000"/>
               </a:lnSpc>
@@ -15210,14 +16487,15 @@
               <a:buChar char=""/>
               <a:extLst>
                 <a:ext uri="{35155182-B16C-46BC-9424-99874614C6A1}">
-                  <wpsdc:indentchars xmlns:wpsdc="http://www.wps.cn/officeDocument/2017/drawingmlCustomData" xmlns="" val="-95" checksum="1089722149"/>
-                  <wpsdc:marlchars xmlns:wpsdc="http://www.wps.cn/officeDocument/2017/drawingmlCustomData" xmlns="" val="95" checksum="3534689470"/>
+                  <wpsdc:indentchars xmlns="" xmlns:wpsdc="http://www.wps.cn/officeDocument/2017/drawingmlCustomData" val="-95" checksum="1089722149"/>
+                  <wpsdc:marlchars xmlns="" xmlns:wpsdc="http://www.wps.cn/officeDocument/2017/drawingmlCustomData" val="95" checksum="3534689470"/>
                 </a:ext>
               </a:extLst>
             </a:pPr>
             <a:r>
               <a:rPr lang="zh-CN" altLang="en-US" sz="2000" b="0" dirty="0" smtClean="0">
                 <a:latin typeface="Times New Roman" pitchFamily="18" charset="0"/>
+                <a:ea typeface="微软雅黑" pitchFamily="34" charset="-122"/>
                 <a:cs typeface="Times New Roman" pitchFamily="18" charset="0"/>
               </a:rPr>
               <a:t>根据</a:t>
@@ -15225,20 +16503,63 @@
             <a:r>
               <a:rPr lang="en-US" altLang="zh-CN" sz="2000" b="0" dirty="0" smtClean="0">
                 <a:latin typeface="Times New Roman" pitchFamily="18" charset="0"/>
+                <a:ea typeface="微软雅黑" pitchFamily="34" charset="-122"/>
                 <a:cs typeface="Times New Roman" pitchFamily="18" charset="0"/>
               </a:rPr>
               <a:t>BMRC</a:t>
             </a:r>
             <a:r>
-              <a:rPr lang="zh-CN" altLang="en-US" sz="2000" b="0" smtClean="0">
-                <a:latin typeface="Times New Roman" pitchFamily="18" charset="0"/>
-                <a:cs typeface="Times New Roman" pitchFamily="18" charset="0"/>
-              </a:rPr>
-              <a:t>，未来</a:t>
+              <a:rPr lang="zh-CN" altLang="en-US" sz="2000" b="0" dirty="0" smtClean="0">
+                <a:latin typeface="Times New Roman" pitchFamily="18" charset="0"/>
+                <a:ea typeface="微软雅黑" pitchFamily="34" charset="-122"/>
+                <a:cs typeface="Times New Roman" pitchFamily="18" charset="0"/>
+              </a:rPr>
+              <a:t>（</a:t>
+            </a:r>
+            <a:r>
+              <a:rPr lang="en-US" altLang="zh-CN" sz="2000" dirty="0" smtClean="0">
+                <a:latin typeface="Times New Roman" pitchFamily="18" charset="0"/>
+                <a:ea typeface="微软雅黑" pitchFamily="34" charset="-122"/>
+                <a:cs typeface="Times New Roman" pitchFamily="18" charset="0"/>
+              </a:rPr>
+              <a:t> </a:t>
+            </a:r>
+            <a:r>
+              <a:rPr lang="en-US" altLang="zh-CN" sz="2000" dirty="0" err="1" smtClean="0">
+                <a:latin typeface="Times New Roman" pitchFamily="18" charset="0"/>
+                <a:ea typeface="微软雅黑" pitchFamily="34" charset="-122"/>
+                <a:cs typeface="Times New Roman" pitchFamily="18" charset="0"/>
+              </a:rPr>
+              <a:t>Brandessence</a:t>
+            </a:r>
+            <a:r>
+              <a:rPr lang="en-US" altLang="zh-CN" sz="2000" dirty="0" smtClean="0">
+                <a:latin typeface="Times New Roman" pitchFamily="18" charset="0"/>
+                <a:ea typeface="微软雅黑" pitchFamily="34" charset="-122"/>
+                <a:cs typeface="Times New Roman" pitchFamily="18" charset="0"/>
+              </a:rPr>
+              <a:t> Market Research &amp; Consulting </a:t>
+            </a:r>
+            <a:r>
+              <a:rPr lang="zh-CN" altLang="en-US" sz="2000" b="0" dirty="0" smtClean="0">
+                <a:latin typeface="Times New Roman" pitchFamily="18" charset="0"/>
+                <a:ea typeface="微软雅黑" pitchFamily="34" charset="-122"/>
+                <a:cs typeface="Times New Roman" pitchFamily="18" charset="0"/>
+              </a:rPr>
+              <a:t>），</a:t>
+            </a:r>
+            <a:r>
+              <a:rPr lang="zh-CN" altLang="en-US" sz="2000" b="0" dirty="0" smtClean="0">
+                <a:latin typeface="Times New Roman" pitchFamily="18" charset="0"/>
+                <a:ea typeface="微软雅黑" pitchFamily="34" charset="-122"/>
+                <a:cs typeface="Times New Roman" pitchFamily="18" charset="0"/>
+              </a:rPr>
+              <a:t>未来</a:t>
             </a:r>
             <a:r>
               <a:rPr lang="zh-CN" altLang="en-US" sz="2000" b="0" dirty="0">
                 <a:latin typeface="Times New Roman" pitchFamily="18" charset="0"/>
+                <a:ea typeface="微软雅黑" pitchFamily="34" charset="-122"/>
                 <a:cs typeface="Times New Roman" pitchFamily="18" charset="0"/>
               </a:rPr>
               <a:t>五年NMN市场的年平均收益增长率将</a:t>
@@ -15246,6 +16567,7 @@
             <a:r>
               <a:rPr lang="zh-CN" altLang="en-US" sz="2000" b="0" dirty="0" smtClean="0">
                 <a:latin typeface="Times New Roman" pitchFamily="18" charset="0"/>
+                <a:ea typeface="微软雅黑" pitchFamily="34" charset="-122"/>
                 <a:cs typeface="Times New Roman" pitchFamily="18" charset="0"/>
               </a:rPr>
               <a:t>达到</a:t>
@@ -15256,6 +16578,7 @@
                   <a:srgbClr val="C00000"/>
                 </a:solidFill>
                 <a:latin typeface="Times New Roman" pitchFamily="18" charset="0"/>
+                <a:ea typeface="微软雅黑" pitchFamily="34" charset="-122"/>
                 <a:cs typeface="Times New Roman" pitchFamily="18" charset="0"/>
               </a:rPr>
               <a:t>7</a:t>
@@ -15266,6 +16589,7 @@
                   <a:srgbClr val="C00000"/>
                 </a:solidFill>
                 <a:latin typeface="Times New Roman" pitchFamily="18" charset="0"/>
+                <a:ea typeface="微软雅黑" pitchFamily="34" charset="-122"/>
                 <a:cs typeface="Times New Roman" pitchFamily="18" charset="0"/>
               </a:rPr>
               <a:t>.6</a:t>
@@ -15276,20 +16600,31 @@
                   <a:srgbClr val="C00000"/>
                 </a:solidFill>
                 <a:latin typeface="Times New Roman" pitchFamily="18" charset="0"/>
+                <a:ea typeface="微软雅黑" pitchFamily="34" charset="-122"/>
                 <a:cs typeface="Times New Roman" pitchFamily="18" charset="0"/>
               </a:rPr>
               <a:t>%</a:t>
             </a:r>
             <a:r>
+              <a:rPr lang="zh-CN" altLang="en-US" sz="2000" b="0" dirty="0" smtClean="0">
+                <a:latin typeface="Times New Roman" pitchFamily="18" charset="0"/>
+                <a:ea typeface="微软雅黑" pitchFamily="34" charset="-122"/>
+                <a:cs typeface="Times New Roman" pitchFamily="18" charset="0"/>
+              </a:rPr>
+              <a:t>，全球市场</a:t>
+            </a:r>
+            <a:r>
               <a:rPr lang="zh-CN" altLang="en-US" sz="2000" b="0" dirty="0">
                 <a:latin typeface="Times New Roman" pitchFamily="18" charset="0"/>
-                <a:cs typeface="Times New Roman" pitchFamily="18" charset="0"/>
-              </a:rPr>
-              <a:t>，市场规模将从2019年</a:t>
+                <a:ea typeface="微软雅黑" pitchFamily="34" charset="-122"/>
+                <a:cs typeface="Times New Roman" pitchFamily="18" charset="0"/>
+              </a:rPr>
+              <a:t>规模将从2019年</a:t>
             </a:r>
             <a:r>
               <a:rPr lang="zh-CN" altLang="en-US" sz="2000" b="0" dirty="0" smtClean="0">
                 <a:latin typeface="Times New Roman" pitchFamily="18" charset="0"/>
+                <a:ea typeface="微软雅黑" pitchFamily="34" charset="-122"/>
                 <a:cs typeface="Times New Roman" pitchFamily="18" charset="0"/>
               </a:rPr>
               <a:t>的</a:t>
@@ -15300,6 +16635,7 @@
                   <a:srgbClr val="C00000"/>
                 </a:solidFill>
                 <a:latin typeface="Times New Roman" pitchFamily="18" charset="0"/>
+                <a:ea typeface="微软雅黑" pitchFamily="34" charset="-122"/>
                 <a:cs typeface="Times New Roman" pitchFamily="18" charset="0"/>
               </a:rPr>
               <a:t>96.3</a:t>
@@ -15310,6 +16646,7 @@
                   <a:srgbClr val="C00000"/>
                 </a:solidFill>
                 <a:latin typeface="Times New Roman" pitchFamily="18" charset="0"/>
+                <a:ea typeface="微软雅黑" pitchFamily="34" charset="-122"/>
                 <a:cs typeface="Times New Roman" pitchFamily="18" charset="0"/>
               </a:rPr>
               <a:t>亿</a:t>
@@ -15320,6 +16657,7 @@
                   <a:srgbClr val="C00000"/>
                 </a:solidFill>
                 <a:latin typeface="Times New Roman" pitchFamily="18" charset="0"/>
+                <a:ea typeface="微软雅黑" pitchFamily="34" charset="-122"/>
                 <a:cs typeface="Times New Roman" pitchFamily="18" charset="0"/>
               </a:rPr>
               <a:t>美元</a:t>
@@ -15327,6 +16665,7 @@
             <a:r>
               <a:rPr lang="zh-CN" altLang="en-US" sz="2000" b="0" dirty="0" smtClean="0">
                 <a:latin typeface="Times New Roman" pitchFamily="18" charset="0"/>
+                <a:ea typeface="微软雅黑" pitchFamily="34" charset="-122"/>
                 <a:cs typeface="Times New Roman" pitchFamily="18" charset="0"/>
               </a:rPr>
               <a:t>增长</a:t>
@@ -15334,6 +16673,7 @@
             <a:r>
               <a:rPr lang="zh-CN" altLang="en-US" sz="2000" b="0" dirty="0">
                 <a:latin typeface="Times New Roman" pitchFamily="18" charset="0"/>
+                <a:ea typeface="微软雅黑" pitchFamily="34" charset="-122"/>
                 <a:cs typeface="Times New Roman" pitchFamily="18" charset="0"/>
               </a:rPr>
               <a:t>到</a:t>
@@ -15344,6 +16684,7 @@
                   <a:srgbClr val="C00000"/>
                 </a:solidFill>
                 <a:latin typeface="Times New Roman" pitchFamily="18" charset="0"/>
+                <a:ea typeface="微软雅黑" pitchFamily="34" charset="-122"/>
                 <a:cs typeface="Times New Roman" pitchFamily="18" charset="0"/>
               </a:rPr>
               <a:t>2025年</a:t>
@@ -15354,6 +16695,7 @@
                   <a:srgbClr val="C00000"/>
                 </a:solidFill>
                 <a:latin typeface="Times New Roman" pitchFamily="18" charset="0"/>
+                <a:ea typeface="微软雅黑" pitchFamily="34" charset="-122"/>
                 <a:cs typeface="Times New Roman" pitchFamily="18" charset="0"/>
               </a:rPr>
               <a:t>的</a:t>
@@ -15364,6 +16706,7 @@
                   <a:srgbClr val="C00000"/>
                 </a:solidFill>
                 <a:latin typeface="Times New Roman" pitchFamily="18" charset="0"/>
+                <a:ea typeface="微软雅黑" pitchFamily="34" charset="-122"/>
                 <a:cs typeface="Times New Roman" pitchFamily="18" charset="0"/>
               </a:rPr>
               <a:t>129</a:t>
@@ -15374,6 +16717,7 @@
                   <a:srgbClr val="C00000"/>
                 </a:solidFill>
                 <a:latin typeface="Times New Roman" pitchFamily="18" charset="0"/>
+                <a:ea typeface="微软雅黑" pitchFamily="34" charset="-122"/>
                 <a:cs typeface="Times New Roman" pitchFamily="18" charset="0"/>
               </a:rPr>
               <a:t>亿美元</a:t>
@@ -15381,17 +16725,19 @@
             <a:r>
               <a:rPr lang="zh-CN" altLang="en-US" sz="2000" b="0" dirty="0" smtClean="0">
                 <a:latin typeface="Times New Roman" pitchFamily="18" charset="0"/>
+                <a:ea typeface="微软雅黑" pitchFamily="34" charset="-122"/>
                 <a:cs typeface="Times New Roman" pitchFamily="18" charset="0"/>
               </a:rPr>
               <a:t>。</a:t>
             </a:r>
             <a:endParaRPr lang="en-US" altLang="zh-CN" sz="2000" b="0" dirty="0" smtClean="0">
               <a:latin typeface="Times New Roman" pitchFamily="18" charset="0"/>
+              <a:ea typeface="微软雅黑" pitchFamily="34" charset="-122"/>
               <a:cs typeface="Times New Roman" pitchFamily="18" charset="0"/>
             </a:endParaRPr>
           </a:p>
           <a:p>
-            <a:pPr marL="217170" indent="-241300">
+            <a:pPr marL="252000" indent="-252000">
               <a:lnSpc>
                 <a:spcPct val="150000"/>
               </a:lnSpc>
@@ -15399,23 +16745,74 @@
               <a:buChar char=""/>
               <a:extLst>
                 <a:ext uri="{35155182-B16C-46BC-9424-99874614C6A1}">
-                  <wpsdc:indentchars xmlns:wpsdc="http://www.wps.cn/officeDocument/2017/drawingmlCustomData" xmlns="" val="-95" checksum="1089722149"/>
-                  <wpsdc:marlchars xmlns:wpsdc="http://www.wps.cn/officeDocument/2017/drawingmlCustomData" xmlns="" val="95" checksum="3534689470"/>
+                  <wpsdc:indentchars xmlns="" xmlns:wpsdc="http://www.wps.cn/officeDocument/2017/drawingmlCustomData" val="-95" checksum="1089722149"/>
+                  <wpsdc:marlchars xmlns="" xmlns:wpsdc="http://www.wps.cn/officeDocument/2017/drawingmlCustomData" val="95" checksum="3534689470"/>
                 </a:ext>
               </a:extLst>
             </a:pPr>
             <a:r>
               <a:rPr lang="zh-CN" altLang="en-US" sz="2000" dirty="0" smtClean="0">
                 <a:latin typeface="Times New Roman" pitchFamily="18" charset="0"/>
-                <a:cs typeface="Times New Roman" pitchFamily="18" charset="0"/>
-              </a:rPr>
-              <a:t>根据中信证券预测，中国</a:t>
+                <a:ea typeface="微软雅黑" pitchFamily="34" charset="-122"/>
+                <a:cs typeface="Times New Roman" pitchFamily="18" charset="0"/>
+              </a:rPr>
+              <a:t>根据中信证券预测</a:t>
+            </a:r>
+            <a:r>
+              <a:rPr lang="zh-CN" altLang="en-US" sz="2000" dirty="0" smtClean="0">
+                <a:latin typeface="Times New Roman" pitchFamily="18" charset="0"/>
+                <a:ea typeface="微软雅黑" pitchFamily="34" charset="-122"/>
+                <a:cs typeface="Times New Roman" pitchFamily="18" charset="0"/>
+              </a:rPr>
+              <a:t>，</a:t>
             </a:r>
             <a:r>
               <a:rPr lang="en-US" altLang="zh-CN" sz="2000" dirty="0" smtClean="0">
                 <a:latin typeface="Times New Roman" pitchFamily="18" charset="0"/>
                 <a:cs typeface="Times New Roman" pitchFamily="18" charset="0"/>
               </a:rPr>
+              <a:t> NMN</a:t>
+            </a:r>
+            <a:r>
+              <a:rPr lang="zh-CN" altLang="en-US" sz="2000" dirty="0" smtClean="0">
+                <a:latin typeface="Times New Roman" pitchFamily="18" charset="0"/>
+                <a:cs typeface="Times New Roman" pitchFamily="18" charset="0"/>
+              </a:rPr>
+              <a:t>产品每覆盖</a:t>
+            </a:r>
+            <a:r>
+              <a:rPr lang="en-US" altLang="zh-CN" sz="2000" dirty="0" smtClean="0">
+                <a:latin typeface="Times New Roman" pitchFamily="18" charset="0"/>
+                <a:cs typeface="Times New Roman" pitchFamily="18" charset="0"/>
+              </a:rPr>
+              <a:t>1%</a:t>
+            </a:r>
+            <a:r>
+              <a:rPr lang="zh-CN" altLang="en-US" sz="2000" dirty="0" smtClean="0">
+                <a:latin typeface="Times New Roman" pitchFamily="18" charset="0"/>
+                <a:cs typeface="Times New Roman" pitchFamily="18" charset="0"/>
+              </a:rPr>
+              <a:t>保健品人口对应</a:t>
+            </a:r>
+            <a:r>
+              <a:rPr lang="en-US" altLang="zh-CN" sz="2000" dirty="0" smtClean="0">
+                <a:latin typeface="Times New Roman" pitchFamily="18" charset="0"/>
+                <a:cs typeface="Times New Roman" pitchFamily="18" charset="0"/>
+              </a:rPr>
+              <a:t>304</a:t>
+            </a:r>
+            <a:r>
+              <a:rPr lang="zh-CN" altLang="en-US" sz="2000" dirty="0" smtClean="0">
+                <a:latin typeface="Times New Roman" pitchFamily="18" charset="0"/>
+                <a:cs typeface="Times New Roman" pitchFamily="18" charset="0"/>
+              </a:rPr>
+              <a:t>亿元市场空间，伴随抗衰老产品未来市场不断推广，如果</a:t>
+            </a:r>
+            <a:r>
+              <a:rPr lang="en-US" altLang="zh-CN" sz="2000" dirty="0" smtClean="0">
+                <a:latin typeface="Times New Roman" pitchFamily="18" charset="0"/>
+                <a:cs typeface="Times New Roman" pitchFamily="18" charset="0"/>
+              </a:rPr>
               <a:t>NMN</a:t>
             </a:r>
             <a:r>
@@ -15423,7 +16820,21 @@
                 <a:latin typeface="Times New Roman" pitchFamily="18" charset="0"/>
                 <a:cs typeface="Times New Roman" pitchFamily="18" charset="0"/>
               </a:rPr>
-              <a:t>市场规模未来将达到</a:t>
+              <a:t>产品能覆盖当前服用保健品人口的</a:t>
+            </a:r>
+            <a:r>
+              <a:rPr lang="en-US" altLang="zh-CN" sz="2000" dirty="0" smtClean="0">
+                <a:latin typeface="Times New Roman" pitchFamily="18" charset="0"/>
+                <a:cs typeface="Times New Roman" pitchFamily="18" charset="0"/>
+              </a:rPr>
+              <a:t>3%</a:t>
+            </a:r>
+            <a:r>
+              <a:rPr lang="zh-CN" altLang="en-US" sz="2000" dirty="0" smtClean="0">
+                <a:latin typeface="Times New Roman" pitchFamily="18" charset="0"/>
+                <a:cs typeface="Times New Roman" pitchFamily="18" charset="0"/>
+              </a:rPr>
+              <a:t>，其市场规模有望达到</a:t>
             </a:r>
             <a:r>
               <a:rPr lang="zh-CN" altLang="en-US" sz="2000" dirty="0" smtClean="0">
@@ -15438,33 +16849,84 @@
             <a:r>
               <a:rPr lang="zh-CN" altLang="en-US" sz="2000" dirty="0" smtClean="0">
                 <a:latin typeface="Times New Roman" pitchFamily="18" charset="0"/>
+                <a:ea typeface="微软雅黑" pitchFamily="34" charset="-122"/>
                 <a:cs typeface="Times New Roman" pitchFamily="18" charset="0"/>
               </a:rPr>
               <a:t>。 </a:t>
             </a:r>
             <a:endParaRPr lang="zh-CN" altLang="en-US" sz="2000" b="0" dirty="0">
               <a:latin typeface="Times New Roman" pitchFamily="18" charset="0"/>
+              <a:ea typeface="微软雅黑" pitchFamily="34" charset="-122"/>
               <a:cs typeface="Times New Roman" pitchFamily="18" charset="0"/>
             </a:endParaRPr>
           </a:p>
         </p:txBody>
       </p:sp>
-      <p:graphicFrame>
-        <p:nvGraphicFramePr>
-          <p:cNvPr id="4" name="图表 3"/>
-          <p:cNvGraphicFramePr/>
+      <p:sp>
+        <p:nvSpPr>
+          <p:cNvPr id="16" name="文本框 37"/>
+          <p:cNvSpPr txBox="1"/>
           <p:nvPr/>
-        </p:nvGraphicFramePr>
-        <p:xfrm>
-          <a:off x="2533245" y="3300199"/>
-          <a:ext cx="5646005" cy="3156585"/>
-        </p:xfrm>
-        <a:graphic>
-          <a:graphicData uri="http://schemas.openxmlformats.org/drawingml/2006/chart">
-            <c:chart xmlns:c="http://schemas.openxmlformats.org/drawingml/2006/chart" xmlns:r="http://schemas.openxmlformats.org/officeDocument/2006/relationships" r:id="rId2"/>
-          </a:graphicData>
-        </a:graphic>
-      </p:graphicFrame>
+        </p:nvSpPr>
+        <p:spPr>
+          <a:xfrm>
+            <a:off x="1316735" y="325785"/>
+            <a:ext cx="3736435" cy="583565"/>
+          </a:xfrm>
+          <a:prstGeom prst="rect">
+            <a:avLst/>
+          </a:prstGeom>
+          <a:noFill/>
+        </p:spPr>
+        <p:txBody>
+          <a:bodyPr wrap="square" rtlCol="0">
+            <a:spAutoFit/>
+          </a:bodyPr>
+          <a:lstStyle/>
+          <a:p>
+            <a:r>
+              <a:rPr lang="zh-CN" altLang="en-US" sz="3200" dirty="0" smtClean="0">
+                <a:latin typeface="Times New Roman" pitchFamily="18" charset="0"/>
+                <a:ea typeface="微软雅黑" pitchFamily="34" charset="-122"/>
+              </a:rPr>
+              <a:t>市场介绍</a:t>
+            </a:r>
+          </a:p>
+        </p:txBody>
+      </p:sp>
+      <p:pic>
+        <p:nvPicPr>
+          <p:cNvPr id="2050" name="Picture 2"/>
+          <p:cNvPicPr>
+            <a:picLocks noChangeAspect="1" noChangeArrowheads="1"/>
+          </p:cNvPicPr>
+          <p:nvPr/>
+        </p:nvPicPr>
+        <p:blipFill>
+          <a:blip r:embed="rId2"/>
+          <a:srcRect/>
+          <a:stretch>
+            <a:fillRect/>
+          </a:stretch>
+        </p:blipFill>
+        <p:spPr bwMode="auto">
+          <a:xfrm>
+            <a:off x="3284376" y="3765161"/>
+            <a:ext cx="5038530" cy="2834607"/>
+          </a:xfrm>
+          <a:prstGeom prst="rect">
+            <a:avLst/>
+          </a:prstGeom>
+          <a:noFill/>
+          <a:ln w="9525">
+            <a:noFill/>
+            <a:miter lim="800000"/>
+            <a:headEnd/>
+            <a:tailEnd/>
+          </a:ln>
+          <a:effectLst/>
+        </p:spPr>
+      </p:pic>
       <p:sp>
         <p:nvSpPr>
           <p:cNvPr id="13" name="右箭头 12"/>
@@ -15472,9 +16934,9 @@
           <p:nvPr/>
         </p:nvSpPr>
         <p:spPr>
-          <a:xfrm rot="19680000">
-            <a:off x="4982743" y="4625235"/>
-            <a:ext cx="1348105" cy="166370"/>
+          <a:xfrm rot="20931296">
+            <a:off x="6073159" y="4444215"/>
+            <a:ext cx="1376296" cy="240104"/>
           </a:xfrm>
           <a:prstGeom prst="rightArrow">
             <a:avLst/>
@@ -15504,39 +16966,10 @@
           <a:lstStyle/>
           <a:p>
             <a:pPr algn="ctr"/>
-            <a:endParaRPr lang="zh-CN" altLang="en-US"/>
-          </a:p>
-        </p:txBody>
-      </p:sp>
-      <p:sp>
-        <p:nvSpPr>
-          <p:cNvPr id="16" name="文本框 37"/>
-          <p:cNvSpPr txBox="1"/>
-          <p:nvPr/>
-        </p:nvSpPr>
-        <p:spPr>
-          <a:xfrm>
-            <a:off x="1316735" y="325785"/>
-            <a:ext cx="3736435" cy="583565"/>
-          </a:xfrm>
-          <a:prstGeom prst="rect">
-            <a:avLst/>
-          </a:prstGeom>
-          <a:noFill/>
-        </p:spPr>
-        <p:txBody>
-          <a:bodyPr wrap="square" rtlCol="0">
-            <a:spAutoFit/>
-          </a:bodyPr>
-          <a:lstStyle/>
-          <a:p>
-            <a:r>
-              <a:rPr lang="zh-CN" altLang="en-US" sz="3200" dirty="0" smtClean="0">
-                <a:latin typeface="微软雅黑" panose="020B0503020204020204" pitchFamily="34" charset="-122"/>
-                <a:ea typeface="微软雅黑" panose="020B0503020204020204" pitchFamily="34" charset="-122"/>
-              </a:rPr>
-              <a:t>市场介绍</a:t>
-            </a:r>
+            <a:endParaRPr lang="zh-CN" altLang="en-US">
+              <a:latin typeface="Times New Roman" pitchFamily="18" charset="0"/>
+              <a:ea typeface="微软雅黑" pitchFamily="34" charset="-122"/>
+            </a:endParaRPr>
           </a:p>
         </p:txBody>
       </p:sp>
@@ -15756,7 +17189,7 @@
   <a:extraClrSchemeLst/>
   <a:extLst>
     <a:ext uri="{05A4C25C-085E-4340-85A3-A5531E510DB2}">
-      <thm15:themeFamily xmlns:thm15="http://schemas.microsoft.com/office/thememl/2012/main" xmlns="" name="Office Theme" id="{62F939B6-93AF-4DB8-9C6B-D6C7DFDC589F}" vid="{4A3C46E8-61CC-4603-A589-7422A47A8E4A}"/>
+      <thm15:themeFamily xmlns="" xmlns:thm15="http://schemas.microsoft.com/office/thememl/2012/main" name="Office Theme" id="{62F939B6-93AF-4DB8-9C6B-D6C7DFDC589F}" vid="{4A3C46E8-61CC-4603-A589-7422A47A8E4A}"/>
     </a:ext>
   </a:extLst>
 </a:theme>
@@ -16017,7 +17450,7 @@
   <a:extraClrSchemeLst/>
   <a:extLst>
     <a:ext uri="{05A4C25C-085E-4340-85A3-A5531E510DB2}">
-      <thm15:themeFamily xmlns:thm15="http://schemas.microsoft.com/office/thememl/2012/main" xmlns="" name="Office Theme" id="{62F939B6-93AF-4DB8-9C6B-D6C7DFDC589F}" vid="{4A3C46E8-61CC-4603-A589-7422A47A8E4A}"/>
+      <thm15:themeFamily xmlns="" xmlns:thm15="http://schemas.microsoft.com/office/thememl/2012/main" name="Office Theme" id="{62F939B6-93AF-4DB8-9C6B-D6C7DFDC589F}" vid="{4A3C46E8-61CC-4603-A589-7422A47A8E4A}"/>
     </a:ext>
   </a:extLst>
 </a:theme>

--- a/temp/NMN商业计划书2.pptx
+++ b/temp/NMN商业计划书2.pptx
@@ -957,7 +957,11 @@
           </a:r>
           <a:r>
             <a:rPr lang="zh-CN" altLang="en-US" dirty="0" smtClean="0"/>
-            <a:t>研究中心的药性毒性研究主管，在药品开发中具有相当的资质。</a:t>
+            <a:t>团队的</a:t>
+          </a:r>
+          <a:r>
+            <a:rPr lang="zh-CN" altLang="en-US" dirty="0" smtClean="0"/>
+            <a:t>药性毒性研究主管，在药品开发中具有相当的资质。</a:t>
           </a:r>
           <a:endParaRPr lang="zh-CN" altLang="en-US" dirty="0"/>
         </a:p>
@@ -2673,7 +2677,7 @@
             <a:fld id="{225D6CB0-397D-4D45-AE62-FA2210A743CE}" type="datetimeFigureOut">
               <a:rPr lang="zh-CN" altLang="en-US" smtClean="0"/>
               <a:pPr/>
-              <a:t>2020/11/27</a:t>
+              <a:t>2020/12/2</a:t>
             </a:fld>
             <a:endParaRPr lang="zh-CN" altLang="en-US"/>
           </a:p>
@@ -2836,7 +2840,7 @@
             <a:fld id="{25AD3388-242D-4241-BD47-FD158BBB91DE}" type="datetimeFigureOut">
               <a:rPr lang="zh-CN" altLang="en-US" smtClean="0"/>
               <a:pPr/>
-              <a:t>2020/11/27</a:t>
+              <a:t>2020/12/2</a:t>
             </a:fld>
             <a:endParaRPr lang="zh-CN" altLang="en-US"/>
           </a:p>
@@ -3817,7 +3821,7 @@
           <a:blip r:embed="rId2">
             <a:extLst>
               <a:ext uri="{28A0092B-C50C-407E-A947-70E740481C1C}">
-                <a14:useLocalDpi xmlns="" xmlns:a14="http://schemas.microsoft.com/office/drawing/2010/main" val="0"/>
+                <a14:useLocalDpi xmlns:a14="http://schemas.microsoft.com/office/drawing/2010/main" xmlns="" val="0"/>
               </a:ext>
             </a:extLst>
           </a:blip>
@@ -4635,7 +4639,7 @@
     <a:masterClrMapping/>
   </p:clrMapOvr>
   <mc:AlternateContent xmlns:mc="http://schemas.openxmlformats.org/markup-compatibility/2006">
-    <mc:Choice xmlns="" xmlns:p14="http://schemas.microsoft.com/office/powerpoint/2010/main" Requires="p14">
+    <mc:Choice xmlns:p14="http://schemas.microsoft.com/office/powerpoint/2010/main" xmlns="" Requires="p14">
       <p:transition spd="slow" p14:dur="800">
         <p:circle/>
       </p:transition>
@@ -4831,15 +4835,7 @@
                 <a:ea typeface="微软雅黑" pitchFamily="34" charset="-122"/>
                 <a:cs typeface="Times New Roman" pitchFamily="18" charset="0"/>
               </a:rPr>
-              <a:t>引发</a:t>
-            </a:r>
-            <a:r>
-              <a:rPr lang="zh-CN" altLang="en-US" sz="2000" b="0" dirty="0" smtClean="0">
-                <a:latin typeface="Times New Roman" pitchFamily="18" charset="0"/>
-                <a:ea typeface="微软雅黑" pitchFamily="34" charset="-122"/>
-                <a:cs typeface="Times New Roman" pitchFamily="18" charset="0"/>
-              </a:rPr>
-              <a:t>企业“扎堆”，导致行业乱象。</a:t>
+              <a:t>引发企业“扎堆”，导致行业乱象。</a:t>
             </a:r>
             <a:r>
               <a:rPr lang="zh-CN" altLang="en-US" sz="2000" b="0" dirty="0">
@@ -4903,7 +4899,15 @@
                 <a:ea typeface="微软雅黑" pitchFamily="34" charset="-122"/>
                 <a:cs typeface="Times New Roman" pitchFamily="18" charset="0"/>
               </a:rPr>
-              <a:t>。 </a:t>
+              <a:t>。 因此</a:t>
+            </a:r>
+            <a:r>
+              <a:rPr lang="en-US" altLang="zh-CN" sz="2000" dirty="0" smtClean="0">
+                <a:latin typeface="Times New Roman" pitchFamily="18" charset="0"/>
+                <a:ea typeface="微软雅黑" pitchFamily="34" charset="-122"/>
+                <a:cs typeface="Times New Roman" pitchFamily="18" charset="0"/>
+              </a:rPr>
+              <a:t>NMN</a:t>
             </a:r>
             <a:r>
               <a:rPr lang="zh-CN" altLang="en-US" sz="2000" dirty="0" smtClean="0">
@@ -4911,7 +4915,7 @@
                 <a:ea typeface="微软雅黑" pitchFamily="34" charset="-122"/>
                 <a:cs typeface="Times New Roman" pitchFamily="18" charset="0"/>
               </a:rPr>
-              <a:t>因此</a:t>
+              <a:t>企业现在要做的就是</a:t>
             </a:r>
             <a:r>
               <a:rPr lang="en-US" altLang="zh-CN" sz="2000" dirty="0" smtClean="0">
@@ -4919,7 +4923,7 @@
                 <a:ea typeface="微软雅黑" pitchFamily="34" charset="-122"/>
                 <a:cs typeface="Times New Roman" pitchFamily="18" charset="0"/>
               </a:rPr>
-              <a:t>NMN</a:t>
+              <a:t>“</a:t>
             </a:r>
             <a:r>
               <a:rPr lang="zh-CN" altLang="en-US" sz="2000" dirty="0" smtClean="0">
@@ -4927,7 +4931,15 @@
                 <a:ea typeface="微软雅黑" pitchFamily="34" charset="-122"/>
                 <a:cs typeface="Times New Roman" pitchFamily="18" charset="0"/>
               </a:rPr>
-              <a:t>企业</a:t>
+              <a:t>面壁</a:t>
+            </a:r>
+            <a:r>
+              <a:rPr lang="en-US" altLang="zh-CN" sz="2000" dirty="0" smtClean="0">
+                <a:latin typeface="Times New Roman" pitchFamily="18" charset="0"/>
+                <a:ea typeface="微软雅黑" pitchFamily="34" charset="-122"/>
+                <a:cs typeface="Times New Roman" pitchFamily="18" charset="0"/>
+              </a:rPr>
+              <a:t>”</a:t>
             </a:r>
             <a:r>
               <a:rPr lang="zh-CN" altLang="en-US" sz="2000" dirty="0" smtClean="0">
@@ -4935,71 +4947,7 @@
                 <a:ea typeface="微软雅黑" pitchFamily="34" charset="-122"/>
                 <a:cs typeface="Times New Roman" pitchFamily="18" charset="0"/>
               </a:rPr>
-              <a:t>现在</a:t>
-            </a:r>
-            <a:r>
-              <a:rPr lang="zh-CN" altLang="en-US" sz="2000" dirty="0" smtClean="0">
-                <a:latin typeface="Times New Roman" pitchFamily="18" charset="0"/>
-                <a:ea typeface="微软雅黑" pitchFamily="34" charset="-122"/>
-                <a:cs typeface="Times New Roman" pitchFamily="18" charset="0"/>
-              </a:rPr>
-              <a:t>要做的</a:t>
-            </a:r>
-            <a:r>
-              <a:rPr lang="zh-CN" altLang="en-US" sz="2000" dirty="0" smtClean="0">
-                <a:latin typeface="Times New Roman" pitchFamily="18" charset="0"/>
-                <a:ea typeface="微软雅黑" pitchFamily="34" charset="-122"/>
-                <a:cs typeface="Times New Roman" pitchFamily="18" charset="0"/>
-              </a:rPr>
-              <a:t>就是</a:t>
-            </a:r>
-            <a:r>
-              <a:rPr lang="en-US" altLang="zh-CN" sz="2000" dirty="0" smtClean="0">
-                <a:latin typeface="Times New Roman" pitchFamily="18" charset="0"/>
-                <a:ea typeface="微软雅黑" pitchFamily="34" charset="-122"/>
-                <a:cs typeface="Times New Roman" pitchFamily="18" charset="0"/>
-              </a:rPr>
-              <a:t>“</a:t>
-            </a:r>
-            <a:r>
-              <a:rPr lang="zh-CN" altLang="en-US" sz="2000" dirty="0" smtClean="0">
-                <a:latin typeface="Times New Roman" pitchFamily="18" charset="0"/>
-                <a:ea typeface="微软雅黑" pitchFamily="34" charset="-122"/>
-                <a:cs typeface="Times New Roman" pitchFamily="18" charset="0"/>
-              </a:rPr>
-              <a:t>面壁</a:t>
-            </a:r>
-            <a:r>
-              <a:rPr lang="en-US" altLang="zh-CN" sz="2000" dirty="0" smtClean="0">
-                <a:latin typeface="Times New Roman" pitchFamily="18" charset="0"/>
-                <a:ea typeface="微软雅黑" pitchFamily="34" charset="-122"/>
-                <a:cs typeface="Times New Roman" pitchFamily="18" charset="0"/>
-              </a:rPr>
-              <a:t>”</a:t>
-            </a:r>
-            <a:r>
-              <a:rPr lang="zh-CN" altLang="en-US" sz="2000" dirty="0" smtClean="0">
-                <a:latin typeface="Times New Roman" pitchFamily="18" charset="0"/>
-                <a:ea typeface="微软雅黑" pitchFamily="34" charset="-122"/>
-                <a:cs typeface="Times New Roman" pitchFamily="18" charset="0"/>
-              </a:rPr>
-              <a:t>，</a:t>
-            </a:r>
-            <a:r>
-              <a:rPr lang="zh-CN" altLang="en-US" sz="2000" dirty="0" smtClean="0">
-                <a:latin typeface="Times New Roman" pitchFamily="18" charset="0"/>
-                <a:ea typeface="微软雅黑" pitchFamily="34" charset="-122"/>
-                <a:cs typeface="Times New Roman" pitchFamily="18" charset="0"/>
-              </a:rPr>
-              <a:t>找出隐忧，再谋</a:t>
-            </a:r>
-            <a:r>
-              <a:rPr lang="zh-CN" altLang="en-US" sz="2000" dirty="0" smtClean="0">
-                <a:latin typeface="Times New Roman" pitchFamily="18" charset="0"/>
-                <a:ea typeface="微软雅黑" pitchFamily="34" charset="-122"/>
-                <a:cs typeface="Times New Roman" pitchFamily="18" charset="0"/>
-              </a:rPr>
-              <a:t>发展。</a:t>
+              <a:t>，找出隐忧，再谋发展。</a:t>
             </a:r>
             <a:endParaRPr lang="zh-CN" altLang="en-US" sz="2000" b="0" dirty="0">
               <a:latin typeface="Times New Roman" pitchFamily="18" charset="0"/>
@@ -6724,7 +6672,15 @@
                 <a:ea typeface="微软雅黑" pitchFamily="34" charset="-122"/>
                 <a:cs typeface="Times New Roman" pitchFamily="18" charset="0"/>
               </a:rPr>
-              <a:t>没有学术支撑，未来很难</a:t>
+              <a:t>没有学术支撑，未来很难进入</a:t>
+            </a:r>
+            <a:r>
+              <a:rPr lang="en-US" altLang="zh-CN" sz="2000" dirty="0" smtClean="0">
+                <a:latin typeface="Times New Roman" pitchFamily="18" charset="0"/>
+                <a:ea typeface="微软雅黑" pitchFamily="34" charset="-122"/>
+                <a:cs typeface="Times New Roman" pitchFamily="18" charset="0"/>
+              </a:rPr>
+              <a:t>NMN</a:t>
             </a:r>
             <a:r>
               <a:rPr lang="zh-CN" altLang="en-US" sz="2000" dirty="0" smtClean="0">
@@ -6732,39 +6688,7 @@
                 <a:ea typeface="微软雅黑" pitchFamily="34" charset="-122"/>
                 <a:cs typeface="Times New Roman" pitchFamily="18" charset="0"/>
               </a:rPr>
-              <a:t>进入</a:t>
-            </a:r>
-            <a:r>
-              <a:rPr lang="en-US" altLang="zh-CN" sz="2000" dirty="0" smtClean="0">
-                <a:latin typeface="Times New Roman" pitchFamily="18" charset="0"/>
-                <a:ea typeface="微软雅黑" pitchFamily="34" charset="-122"/>
-                <a:cs typeface="Times New Roman" pitchFamily="18" charset="0"/>
-              </a:rPr>
-              <a:t>NMN</a:t>
-            </a:r>
-            <a:r>
-              <a:rPr lang="zh-CN" altLang="en-US" sz="2000" dirty="0" smtClean="0">
-                <a:latin typeface="Times New Roman" pitchFamily="18" charset="0"/>
-                <a:ea typeface="微软雅黑" pitchFamily="34" charset="-122"/>
-                <a:cs typeface="Times New Roman" pitchFamily="18" charset="0"/>
-              </a:rPr>
-              <a:t>的赛道</a:t>
-            </a:r>
-            <a:r>
-              <a:rPr lang="zh-CN" altLang="en-US" sz="2000" dirty="0" smtClean="0">
-                <a:latin typeface="Times New Roman" pitchFamily="18" charset="0"/>
-                <a:ea typeface="微软雅黑" pitchFamily="34" charset="-122"/>
-                <a:cs typeface="Times New Roman" pitchFamily="18" charset="0"/>
-              </a:rPr>
-              <a:t>，因此</a:t>
-            </a:r>
-            <a:r>
-              <a:rPr lang="zh-CN" altLang="en-US" sz="2000" dirty="0" smtClean="0">
-                <a:latin typeface="Times New Roman" pitchFamily="18" charset="0"/>
-                <a:ea typeface="微软雅黑" pitchFamily="34" charset="-122"/>
-                <a:cs typeface="Times New Roman" pitchFamily="18" charset="0"/>
-              </a:rPr>
-              <a:t>要</a:t>
+              <a:t>的赛道，因此要</a:t>
             </a:r>
             <a:r>
               <a:rPr lang="zh-CN" altLang="en-US" sz="2000" b="0" dirty="0" smtClean="0">
@@ -6927,31 +6851,7 @@
                 <a:ea typeface="微软雅黑" pitchFamily="34" charset="-122"/>
                 <a:cs typeface="Times New Roman" pitchFamily="18" charset="0"/>
               </a:rPr>
-              <a:t>与相关医学专家、学术机构合作，建立论坛和科普</a:t>
-            </a:r>
-            <a:r>
-              <a:rPr lang="zh-CN" altLang="en-US" sz="2000" dirty="0" smtClean="0">
-                <a:latin typeface="Times New Roman" pitchFamily="18" charset="0"/>
-                <a:ea typeface="微软雅黑" pitchFamily="34" charset="-122"/>
-                <a:cs typeface="Times New Roman" pitchFamily="18" charset="0"/>
-              </a:rPr>
-              <a:t>网站</a:t>
-            </a:r>
-            <a:r>
-              <a:rPr lang="zh-CN" altLang="en-US" sz="2000" dirty="0" smtClean="0">
-                <a:latin typeface="Times New Roman" pitchFamily="18" charset="0"/>
-                <a:ea typeface="微软雅黑" pitchFamily="34" charset="-122"/>
-                <a:cs typeface="Times New Roman" pitchFamily="18" charset="0"/>
-              </a:rPr>
-              <a:t>，正确宣传，不夸大NMN的作用</a:t>
-            </a:r>
-            <a:r>
-              <a:rPr lang="zh-CN" altLang="en-US" sz="2000" dirty="0" smtClean="0">
-                <a:latin typeface="Times New Roman" pitchFamily="18" charset="0"/>
-                <a:ea typeface="微软雅黑" pitchFamily="34" charset="-122"/>
-                <a:cs typeface="Times New Roman" pitchFamily="18" charset="0"/>
-              </a:rPr>
-              <a:t>，</a:t>
+              <a:t>与相关医学专家、学术机构合作，建立论坛和科普网站，正确宣传，不夸大NMN的作用，</a:t>
             </a:r>
             <a:r>
               <a:rPr lang="zh-CN" altLang="en-US" sz="2000" b="0" dirty="0" smtClean="0">
@@ -7112,15 +7012,7 @@
                 <a:ea typeface="微软雅黑" pitchFamily="34" charset="-122"/>
                 <a:cs typeface="Times New Roman" pitchFamily="18" charset="0"/>
               </a:rPr>
-              <a:t>NMN</a:t>
-            </a:r>
-            <a:r>
-              <a:rPr lang="zh-CN" altLang="en-US" sz="2000" b="0" dirty="0" smtClean="0">
-                <a:latin typeface="Times New Roman" pitchFamily="18" charset="0"/>
-                <a:ea typeface="微软雅黑" pitchFamily="34" charset="-122"/>
-                <a:cs typeface="Times New Roman" pitchFamily="18" charset="0"/>
-              </a:rPr>
-              <a:t>。</a:t>
+              <a:t>NMN。</a:t>
             </a:r>
             <a:endParaRPr lang="en-US" altLang="zh-CN" sz="2000" b="0" dirty="0" smtClean="0">
               <a:latin typeface="Times New Roman" pitchFamily="18" charset="0"/>
@@ -7186,15 +7078,7 @@
                 <a:ea typeface="微软雅黑" pitchFamily="34" charset="-122"/>
                 <a:cs typeface="Times New Roman" pitchFamily="18" charset="0"/>
               </a:rPr>
-              <a:t>，应用</a:t>
-            </a:r>
-            <a:r>
-              <a:rPr lang="zh-CN" altLang="en-US" sz="2000" b="0" dirty="0" smtClean="0">
-                <a:latin typeface="Times New Roman" pitchFamily="18" charset="0"/>
-                <a:ea typeface="微软雅黑" pitchFamily="34" charset="-122"/>
-                <a:cs typeface="Times New Roman" pitchFamily="18" charset="0"/>
-              </a:rPr>
-              <a:t>新技术、新配方，</a:t>
+              <a:t>，应用新技术、新配方，</a:t>
             </a:r>
             <a:r>
               <a:rPr lang="zh-CN" altLang="en-US" sz="2000" b="0" dirty="0" smtClean="0">
@@ -8009,19 +7893,7 @@
               <a:rPr lang="zh-CN" altLang="en-US" sz="1400" dirty="0" smtClean="0">
                 <a:latin typeface="Times New Roman" pitchFamily="18" charset="0"/>
               </a:rPr>
-              <a:t>相关</a:t>
-            </a:r>
-            <a:r>
-              <a:rPr lang="zh-CN" altLang="en-US" sz="1400" dirty="0" smtClean="0">
-                <a:latin typeface="Times New Roman" pitchFamily="18" charset="0"/>
-              </a:rPr>
-              <a:t>论文</a:t>
-            </a:r>
-            <a:r>
-              <a:rPr lang="zh-CN" altLang="en-US" sz="1400" dirty="0" smtClean="0">
-                <a:latin typeface="Times New Roman" pitchFamily="18" charset="0"/>
-              </a:rPr>
-              <a:t>：</a:t>
+              <a:t>相关论文：</a:t>
             </a:r>
             <a:endParaRPr lang="en-US" altLang="zh-CN" sz="1400" dirty="0" smtClean="0">
               <a:latin typeface="Times New Roman" pitchFamily="18" charset="0"/>
@@ -9815,7 +9687,7 @@
         </p:nvGraphicFramePr>
         <p:xfrm>
           <a:off x="401216" y="2269645"/>
-          <a:ext cx="7109927" cy="4060241"/>
+          <a:ext cx="7109927" cy="4104246"/>
         </p:xfrm>
         <a:graphic>
           <a:graphicData uri="http://schemas.openxmlformats.org/drawingml/2006/table">
@@ -10858,14 +10730,7 @@
                 <a:latin typeface="Times New Roman" pitchFamily="18" charset="0"/>
                 <a:cs typeface="Times New Roman" pitchFamily="18" charset="0"/>
               </a:rPr>
-              <a:t>亿元），中国</a:t>
-            </a:r>
-            <a:r>
-              <a:rPr lang="zh-CN" altLang="en-US" sz="2000" dirty="0" smtClean="0">
-                <a:latin typeface="Times New Roman" pitchFamily="18" charset="0"/>
-                <a:cs typeface="Times New Roman" pitchFamily="18" charset="0"/>
-              </a:rPr>
-              <a:t>占总消费市场的66.6%，预测</a:t>
+              <a:t>亿元），中国占总消费市场的66.6%，预测</a:t>
             </a:r>
             <a:r>
               <a:rPr lang="zh-CN" altLang="en-US" sz="2000" dirty="0" smtClean="0">
@@ -10875,7 +10740,17 @@
                 <a:latin typeface="Times New Roman" pitchFamily="18" charset="0"/>
                 <a:cs typeface="Times New Roman" pitchFamily="18" charset="0"/>
               </a:rPr>
-              <a:t>我们占据全国市场</a:t>
+              <a:t>我们占据全国市场的</a:t>
+            </a:r>
+            <a:r>
+              <a:rPr lang="en-US" altLang="zh-CN" sz="2000" dirty="0" smtClean="0">
+                <a:solidFill>
+                  <a:srgbClr val="C00000"/>
+                </a:solidFill>
+                <a:latin typeface="Times New Roman" pitchFamily="18" charset="0"/>
+                <a:cs typeface="Times New Roman" pitchFamily="18" charset="0"/>
+              </a:rPr>
+              <a:t>1</a:t>
             </a:r>
             <a:r>
               <a:rPr lang="zh-CN" altLang="en-US" sz="2000" dirty="0" smtClean="0">
@@ -10885,58 +10760,14 @@
                 <a:latin typeface="Times New Roman" pitchFamily="18" charset="0"/>
                 <a:cs typeface="Times New Roman" pitchFamily="18" charset="0"/>
               </a:rPr>
-              <a:t>的</a:t>
-            </a:r>
-            <a:r>
-              <a:rPr lang="en-US" altLang="zh-CN" sz="2000" dirty="0" smtClean="0">
-                <a:solidFill>
-                  <a:srgbClr val="C00000"/>
-                </a:solidFill>
-                <a:latin typeface="Times New Roman" pitchFamily="18" charset="0"/>
-                <a:cs typeface="Times New Roman" pitchFamily="18" charset="0"/>
-              </a:rPr>
-              <a:t>1</a:t>
+              <a:t>0%</a:t>
             </a:r>
             <a:r>
               <a:rPr lang="zh-CN" altLang="en-US" sz="2000" dirty="0" smtClean="0">
-                <a:solidFill>
-                  <a:srgbClr val="C00000"/>
-                </a:solidFill>
-                <a:latin typeface="Times New Roman" pitchFamily="18" charset="0"/>
-                <a:cs typeface="Times New Roman" pitchFamily="18" charset="0"/>
-              </a:rPr>
-              <a:t>0</a:t>
-            </a:r>
-            <a:r>
-              <a:rPr lang="zh-CN" altLang="en-US" sz="2000" dirty="0" smtClean="0">
-                <a:solidFill>
-                  <a:srgbClr val="C00000"/>
-                </a:solidFill>
-                <a:latin typeface="Times New Roman" pitchFamily="18" charset="0"/>
-                <a:cs typeface="Times New Roman" pitchFamily="18" charset="0"/>
-              </a:rPr>
-              <a:t>%</a:t>
-            </a:r>
-            <a:r>
-              <a:rPr lang="zh-CN" altLang="en-US" sz="2000" dirty="0" smtClean="0">
-                <a:latin typeface="Times New Roman" pitchFamily="18" charset="0"/>
-                <a:cs typeface="Times New Roman" pitchFamily="18" charset="0"/>
-              </a:rPr>
-              <a:t>，</a:t>
-            </a:r>
-            <a:r>
-              <a:rPr lang="zh-CN" altLang="en-US" sz="2000" dirty="0" smtClean="0">
-                <a:latin typeface="Times New Roman" pitchFamily="18" charset="0"/>
-                <a:cs typeface="Times New Roman" pitchFamily="18" charset="0"/>
-              </a:rPr>
-              <a:t>由此</a:t>
-            </a:r>
-            <a:r>
-              <a:rPr lang="zh-CN" altLang="en-US" sz="2000" dirty="0" smtClean="0">
-                <a:latin typeface="Times New Roman" pitchFamily="18" charset="0"/>
-                <a:cs typeface="Times New Roman" pitchFamily="18" charset="0"/>
-              </a:rPr>
-              <a:t>推算</a:t>
+                <a:latin typeface="Times New Roman" pitchFamily="18" charset="0"/>
+                <a:cs typeface="Times New Roman" pitchFamily="18" charset="0"/>
+              </a:rPr>
+              <a:t>，由此推算</a:t>
             </a:r>
             <a:r>
               <a:rPr lang="en-US" altLang="zh-CN" sz="2000" dirty="0" smtClean="0">
@@ -11080,14 +10911,7 @@
                 <a:latin typeface="Times New Roman" pitchFamily="18" charset="0"/>
                 <a:cs typeface="Times New Roman" pitchFamily="18" charset="0"/>
               </a:rPr>
-              <a:t>亿元</a:t>
-            </a:r>
-            <a:r>
-              <a:rPr lang="zh-CN" altLang="en-US" sz="2000" b="0" dirty="0" smtClean="0">
-                <a:latin typeface="Times New Roman" pitchFamily="18" charset="0"/>
-                <a:cs typeface="Times New Roman" pitchFamily="18" charset="0"/>
-              </a:rPr>
-              <a:t>），预测此时</a:t>
+              <a:t>亿元），预测此时</a:t>
             </a:r>
             <a:r>
               <a:rPr lang="zh-CN" altLang="en-US" sz="2000" b="0" dirty="0" smtClean="0">
@@ -11226,14 +11050,7 @@
                 <a:latin typeface="Times New Roman" pitchFamily="18" charset="0"/>
                 <a:cs typeface="Times New Roman" pitchFamily="18" charset="0"/>
               </a:rPr>
-              <a:t>按照中信证券的报告</a:t>
-            </a:r>
-            <a:r>
-              <a:rPr lang="zh-CN" altLang="en-US" sz="2000" dirty="0" smtClean="0">
-                <a:latin typeface="Times New Roman" pitchFamily="18" charset="0"/>
-                <a:cs typeface="Times New Roman" pitchFamily="18" charset="0"/>
-              </a:rPr>
-              <a:t>，如果</a:t>
+              <a:t>按照中信证券的报告，如果</a:t>
             </a:r>
             <a:r>
               <a:rPr lang="en-US" altLang="zh-CN" sz="2000" dirty="0" smtClean="0">
@@ -11271,31 +11088,14 @@
                 <a:latin typeface="Times New Roman" pitchFamily="18" charset="0"/>
                 <a:cs typeface="Times New Roman" pitchFamily="18" charset="0"/>
               </a:rPr>
-              <a:t>市场</a:t>
+              <a:t>市场潜力</a:t>
             </a:r>
             <a:r>
               <a:rPr lang="zh-CN" altLang="en-US" sz="2000" dirty="0" smtClean="0">
-                <a:solidFill>
-                  <a:srgbClr val="C00000"/>
-                </a:solidFill>
-                <a:latin typeface="Times New Roman" pitchFamily="18" charset="0"/>
-                <a:cs typeface="Times New Roman" pitchFamily="18" charset="0"/>
-              </a:rPr>
-              <a:t>潜力</a:t>
-            </a:r>
-            <a:r>
-              <a:rPr lang="zh-CN" altLang="en-US" sz="2000" dirty="0" smtClean="0">
-                <a:latin typeface="Times New Roman" pitchFamily="18" charset="0"/>
-                <a:cs typeface="Times New Roman" pitchFamily="18" charset="0"/>
-              </a:rPr>
-              <a:t>可</a:t>
-            </a:r>
-            <a:r>
-              <a:rPr lang="zh-CN" altLang="en-US" sz="2000" dirty="0" smtClean="0">
-                <a:latin typeface="Times New Roman" pitchFamily="18" charset="0"/>
-                <a:cs typeface="Times New Roman" pitchFamily="18" charset="0"/>
-              </a:rPr>
-              <a:t>达</a:t>
+                <a:latin typeface="Times New Roman" pitchFamily="18" charset="0"/>
+                <a:cs typeface="Times New Roman" pitchFamily="18" charset="0"/>
+              </a:rPr>
+              <a:t>可达</a:t>
             </a:r>
             <a:r>
               <a:rPr lang="en-US" altLang="zh-CN" sz="2000" dirty="0" smtClean="0">
@@ -12320,7 +12120,7 @@
         <p:spPr>
           <a:xfrm>
             <a:off x="676300" y="1732643"/>
-            <a:ext cx="10716377" cy="2346091"/>
+            <a:ext cx="10716377" cy="2400657"/>
           </a:xfrm>
           <a:prstGeom prst="rect">
             <a:avLst/>
@@ -12348,17 +12148,27 @@
                 <a:latin typeface="Times New Roman" pitchFamily="18" charset="0"/>
                 <a:cs typeface="Times New Roman" pitchFamily="18" charset="0"/>
               </a:rPr>
-              <a:t>我们和美国</a:t>
-            </a:r>
-            <a:r>
-              <a:rPr lang="en-US" sz="2000" dirty="0" smtClean="0"/>
-              <a:t>Missouri</a:t>
+              <a:t>我们和</a:t>
             </a:r>
             <a:r>
               <a:rPr lang="zh-CN" altLang="en-US" sz="2000" b="0" dirty="0" smtClean="0">
                 <a:latin typeface="Times New Roman" pitchFamily="18" charset="0"/>
                 <a:cs typeface="Times New Roman" pitchFamily="18" charset="0"/>
               </a:rPr>
+              <a:t>美国</a:t>
+            </a:r>
+            <a:r>
+              <a:rPr lang="zh-CN" altLang="en-US" sz="2000" b="0" dirty="0" smtClean="0">
+                <a:latin typeface="Times New Roman" pitchFamily="18" charset="0"/>
+                <a:cs typeface="Times New Roman" pitchFamily="18" charset="0"/>
+              </a:rPr>
+              <a:t>德克萨斯州</a:t>
+            </a:r>
+            <a:r>
+              <a:rPr lang="zh-CN" altLang="en-US" sz="2000" b="0" dirty="0" smtClean="0">
+                <a:latin typeface="Times New Roman" pitchFamily="18" charset="0"/>
+                <a:cs typeface="Times New Roman" pitchFamily="18" charset="0"/>
+              </a:rPr>
               <a:t>的</a:t>
             </a:r>
             <a:r>
@@ -12369,39 +12179,25 @@
               <a:t>Sinclair</a:t>
             </a:r>
             <a:r>
+              <a:rPr lang="zh-CN" altLang="en-US" sz="2000" b="0" dirty="0" smtClean="0">
+                <a:latin typeface="Times New Roman" pitchFamily="18" charset="0"/>
+                <a:cs typeface="Times New Roman" pitchFamily="18" charset="0"/>
+              </a:rPr>
+              <a:t>团队</a:t>
+            </a:r>
+            <a:r>
               <a:rPr lang="zh-CN" altLang="en-US" sz="2000" dirty="0" smtClean="0">
                 <a:latin typeface="Times New Roman" pitchFamily="18" charset="0"/>
                 <a:cs typeface="Times New Roman" pitchFamily="18" charset="0"/>
               </a:rPr>
-              <a:t>实验室合作</a:t>
+              <a:t>合作，该团队在</a:t>
             </a:r>
             <a:r>
               <a:rPr lang="zh-CN" altLang="en-US" sz="2000" dirty="0" smtClean="0">
                 <a:latin typeface="Times New Roman" pitchFamily="18" charset="0"/>
                 <a:cs typeface="Times New Roman" pitchFamily="18" charset="0"/>
               </a:rPr>
-              <a:t>，实验室</a:t>
-            </a:r>
-            <a:r>
-              <a:rPr lang="zh-CN" altLang="en-US" sz="2000" dirty="0" smtClean="0">
-                <a:latin typeface="Times New Roman" pitchFamily="18" charset="0"/>
-                <a:cs typeface="Times New Roman" pitchFamily="18" charset="0"/>
-              </a:rPr>
-              <a:t>在生命科学领域具有强大科研实力</a:t>
-            </a:r>
-            <a:r>
-              <a:rPr lang="zh-CN" altLang="en-US" sz="2000" dirty="0" smtClean="0">
-                <a:latin typeface="Times New Roman" pitchFamily="18" charset="0"/>
-                <a:cs typeface="Times New Roman" pitchFamily="18" charset="0"/>
-              </a:rPr>
-              <a:t>，研究</a:t>
-            </a:r>
-            <a:r>
-              <a:rPr lang="zh-CN" altLang="en-US" sz="2000" dirty="0" smtClean="0">
-                <a:latin typeface="Times New Roman" pitchFamily="18" charset="0"/>
-                <a:cs typeface="Times New Roman" pitchFamily="18" charset="0"/>
-              </a:rPr>
-              <a:t>包括</a:t>
+              <a:t>生命科学领域具有强大科研实力，研究包括</a:t>
             </a:r>
             <a:r>
               <a:rPr lang="en-US" altLang="zh-CN" sz="2000" dirty="0" smtClean="0"/>
@@ -12428,14 +12224,7 @@
                 <a:latin typeface="Times New Roman" pitchFamily="18" charset="0"/>
                 <a:cs typeface="Times New Roman" pitchFamily="18" charset="0"/>
               </a:rPr>
-              <a:t>，并且在</a:t>
-            </a:r>
-            <a:r>
-              <a:rPr lang="zh-CN" altLang="en-US" sz="2000" dirty="0" smtClean="0">
-                <a:latin typeface="Times New Roman" pitchFamily="18" charset="0"/>
-                <a:cs typeface="Times New Roman" pitchFamily="18" charset="0"/>
-              </a:rPr>
-              <a:t>在研究</a:t>
+              <a:t>，并且在在研究</a:t>
             </a:r>
             <a:r>
               <a:rPr lang="zh-CN" altLang="en-US" sz="2000" dirty="0" smtClean="0">
@@ -12469,28 +12258,7 @@
                 <a:latin typeface="Times New Roman" pitchFamily="18" charset="0"/>
                 <a:cs typeface="Times New Roman" pitchFamily="18" charset="0"/>
               </a:rPr>
-              <a:t>这一</a:t>
-            </a:r>
-            <a:r>
-              <a:rPr lang="zh-CN" altLang="en-US" sz="2000" dirty="0" smtClean="0">
-                <a:latin typeface="Times New Roman" pitchFamily="18" charset="0"/>
-                <a:cs typeface="Times New Roman" pitchFamily="18" charset="0"/>
-              </a:rPr>
-              <a:t>方向处于世界</a:t>
-            </a:r>
-            <a:r>
-              <a:rPr lang="zh-CN" altLang="en-US" sz="2000" dirty="0" smtClean="0">
-                <a:latin typeface="Times New Roman" pitchFamily="18" charset="0"/>
-                <a:cs typeface="Times New Roman" pitchFamily="18" charset="0"/>
-              </a:rPr>
-              <a:t>领先</a:t>
-            </a:r>
-            <a:r>
-              <a:rPr lang="zh-CN" altLang="en-US" sz="2000" dirty="0" smtClean="0">
-                <a:latin typeface="Times New Roman" pitchFamily="18" charset="0"/>
-                <a:cs typeface="Times New Roman" pitchFamily="18" charset="0"/>
-              </a:rPr>
-              <a:t>水平，</a:t>
+              <a:t>这一方向处于世界领先水平，</a:t>
             </a:r>
             <a:endParaRPr lang="en-US" altLang="zh-CN" sz="2000" dirty="0" smtClean="0">
               <a:latin typeface="Times New Roman" pitchFamily="18" charset="0"/>
@@ -12517,7 +12285,21 @@
                 <a:latin typeface="Times New Roman" pitchFamily="18" charset="0"/>
                 <a:cs typeface="Times New Roman" pitchFamily="18" charset="0"/>
               </a:rPr>
-              <a:t>实验室培养了拥有</a:t>
+              <a:t>团队</a:t>
+            </a:r>
+            <a:r>
+              <a:rPr lang="zh-CN" altLang="en-US" sz="2000" dirty="0" smtClean="0">
+                <a:latin typeface="Times New Roman" pitchFamily="18" charset="0"/>
+                <a:cs typeface="Times New Roman" pitchFamily="18" charset="0"/>
+              </a:rPr>
+              <a:t>培养</a:t>
+            </a:r>
+            <a:r>
+              <a:rPr lang="zh-CN" altLang="en-US" sz="2000" dirty="0" smtClean="0">
+                <a:latin typeface="Times New Roman" pitchFamily="18" charset="0"/>
+                <a:cs typeface="Times New Roman" pitchFamily="18" charset="0"/>
+              </a:rPr>
+              <a:t>了拥有</a:t>
             </a:r>
             <a:r>
               <a:rPr lang="zh-CN" altLang="en-US" sz="2000" dirty="0" smtClean="0">
@@ -12554,14 +12336,35 @@
                 <a:latin typeface="Times New Roman" pitchFamily="18" charset="0"/>
                 <a:cs typeface="Times New Roman" pitchFamily="18" charset="0"/>
               </a:rPr>
-              <a:t>研究</a:t>
+              <a:t>研究专家</a:t>
             </a:r>
             <a:r>
               <a:rPr lang="zh-CN" altLang="en-US" sz="2000" dirty="0" smtClean="0">
                 <a:latin typeface="Times New Roman" pitchFamily="18" charset="0"/>
                 <a:cs typeface="Times New Roman" pitchFamily="18" charset="0"/>
               </a:rPr>
-              <a:t>专家，多数为博士后，实验室的成员在学术界和工业界都有着卓越的成就。</a:t>
+              <a:t>，其中很大一部分都是博士后</a:t>
+            </a:r>
+            <a:r>
+              <a:rPr lang="zh-CN" altLang="en-US" sz="2000" dirty="0" smtClean="0">
+                <a:latin typeface="Times New Roman" pitchFamily="18" charset="0"/>
+                <a:cs typeface="Times New Roman" pitchFamily="18" charset="0"/>
+              </a:rPr>
+              <a:t>。</a:t>
+            </a:r>
+            <a:r>
+              <a:rPr lang="zh-CN" altLang="en-US" sz="2000" dirty="0" smtClean="0">
+                <a:latin typeface="Times New Roman" pitchFamily="18" charset="0"/>
+                <a:cs typeface="Times New Roman" pitchFamily="18" charset="0"/>
+              </a:rPr>
+              <a:t>实验室</a:t>
+            </a:r>
+            <a:r>
+              <a:rPr lang="zh-CN" altLang="en-US" sz="2000" dirty="0" smtClean="0">
+                <a:latin typeface="Times New Roman" pitchFamily="18" charset="0"/>
+                <a:cs typeface="Times New Roman" pitchFamily="18" charset="0"/>
+              </a:rPr>
+              <a:t>的成员在学术界和工业界都有着卓越的成就。</a:t>
             </a:r>
             <a:endParaRPr lang="en-US" altLang="zh-CN" sz="2000" dirty="0" smtClean="0">
               <a:latin typeface="Times New Roman" pitchFamily="18" charset="0"/>
@@ -12991,7 +12794,7 @@
         <p:spPr>
           <a:xfrm>
             <a:off x="775431" y="1704783"/>
-            <a:ext cx="7596951" cy="369332"/>
+            <a:ext cx="7366119" cy="369332"/>
           </a:xfrm>
           <a:prstGeom prst="rect">
             <a:avLst/>
@@ -13015,21 +12818,35 @@
                 <a:latin typeface="Times New Roman" pitchFamily="18" charset="0"/>
                 <a:cs typeface="Times New Roman" pitchFamily="18" charset="0"/>
               </a:rPr>
-              <a:t>实验室有着非常优秀的研究团队，团队</a:t>
+              <a:t>团队</a:t>
             </a:r>
             <a:r>
               <a:rPr lang="zh-CN" altLang="en-US" dirty="0" smtClean="0">
                 <a:latin typeface="Times New Roman" pitchFamily="18" charset="0"/>
                 <a:cs typeface="Times New Roman" pitchFamily="18" charset="0"/>
               </a:rPr>
-              <a:t>成员均有</a:t>
+              <a:t>有着</a:t>
             </a:r>
             <a:r>
               <a:rPr lang="zh-CN" altLang="en-US" dirty="0" smtClean="0">
                 <a:latin typeface="Times New Roman" pitchFamily="18" charset="0"/>
                 <a:cs typeface="Times New Roman" pitchFamily="18" charset="0"/>
               </a:rPr>
-              <a:t>丰富的从业经历。</a:t>
+              <a:t>非常优秀</a:t>
+            </a:r>
+            <a:r>
+              <a:rPr lang="zh-CN" altLang="en-US" dirty="0" smtClean="0">
+                <a:latin typeface="Times New Roman" pitchFamily="18" charset="0"/>
+                <a:cs typeface="Times New Roman" pitchFamily="18" charset="0"/>
+              </a:rPr>
+              <a:t>的团队成员，并且他们均</a:t>
+            </a:r>
+            <a:r>
+              <a:rPr lang="zh-CN" altLang="en-US" dirty="0" smtClean="0">
+                <a:latin typeface="Times New Roman" pitchFamily="18" charset="0"/>
+                <a:cs typeface="Times New Roman" pitchFamily="18" charset="0"/>
+              </a:rPr>
+              <a:t>有丰富的从业经历。</a:t>
             </a:r>
             <a:endParaRPr lang="zh-CN" altLang="en-US" dirty="0"/>
           </a:p>
@@ -13139,8 +12956,8 @@
               <a:buChar char=""/>
               <a:extLst>
                 <a:ext uri="{35155182-B16C-46BC-9424-99874614C6A1}">
-                  <wpsdc:indentchars xmlns="" xmlns:wpsdc="http://www.wps.cn/officeDocument/2017/drawingmlCustomData" val="-95" checksum="1089722149"/>
-                  <wpsdc:marlchars xmlns="" xmlns:wpsdc="http://www.wps.cn/officeDocument/2017/drawingmlCustomData" val="95" checksum="3534689470"/>
+                  <wpsdc:indentchars xmlns:wpsdc="http://www.wps.cn/officeDocument/2017/drawingmlCustomData" xmlns="" val="-95" checksum="1089722149"/>
+                  <wpsdc:marlchars xmlns:wpsdc="http://www.wps.cn/officeDocument/2017/drawingmlCustomData" xmlns="" val="95" checksum="3534689470"/>
                 </a:ext>
               </a:extLst>
             </a:pPr>
@@ -13170,91 +12987,28 @@
                 <a:latin typeface="Times New Roman" pitchFamily="18" charset="0"/>
                 <a:ea typeface="微软雅黑" pitchFamily="34" charset="-122"/>
               </a:rPr>
-              <a:t> </a:t>
+              <a:t> Mononucleotide</a:t>
+            </a:r>
+            <a:r>
+              <a:rPr lang="zh-CN" altLang="en-US" sz="2000" dirty="0" smtClean="0">
+                <a:latin typeface="Times New Roman" pitchFamily="18" charset="0"/>
+                <a:ea typeface="微软雅黑" pitchFamily="34" charset="-122"/>
+              </a:rPr>
+              <a:t>）即烟酰胺单核苷酸，是一种自然存在于所有生命中的分子。在分子层面，它是一种核糖核苷酸，是核酸</a:t>
             </a:r>
             <a:r>
               <a:rPr lang="en-US" altLang="zh-CN" sz="2000" dirty="0" smtClean="0">
                 <a:latin typeface="Times New Roman" pitchFamily="18" charset="0"/>
                 <a:ea typeface="微软雅黑" pitchFamily="34" charset="-122"/>
               </a:rPr>
-              <a:t>Mononucleotide</a:t>
+              <a:t>RNA</a:t>
             </a:r>
             <a:r>
               <a:rPr lang="zh-CN" altLang="en-US" sz="2000" dirty="0" smtClean="0">
                 <a:latin typeface="Times New Roman" pitchFamily="18" charset="0"/>
                 <a:ea typeface="微软雅黑" pitchFamily="34" charset="-122"/>
               </a:rPr>
-              <a:t>）即烟</a:t>
-            </a:r>
-            <a:r>
-              <a:rPr lang="zh-CN" altLang="en-US" sz="2000" dirty="0" smtClean="0">
-                <a:latin typeface="Times New Roman" pitchFamily="18" charset="0"/>
-                <a:ea typeface="微软雅黑" pitchFamily="34" charset="-122"/>
-              </a:rPr>
-              <a:t>酰胺单核苷酸</a:t>
-            </a:r>
-            <a:r>
-              <a:rPr lang="zh-CN" altLang="en-US" sz="2000" dirty="0" smtClean="0">
-                <a:latin typeface="Times New Roman" pitchFamily="18" charset="0"/>
-                <a:ea typeface="微软雅黑" pitchFamily="34" charset="-122"/>
-              </a:rPr>
-              <a:t>，是一</a:t>
-            </a:r>
-            <a:r>
-              <a:rPr lang="zh-CN" altLang="en-US" sz="2000" dirty="0" smtClean="0">
-                <a:latin typeface="Times New Roman" pitchFamily="18" charset="0"/>
-                <a:ea typeface="微软雅黑" pitchFamily="34" charset="-122"/>
-              </a:rPr>
-              <a:t>种自然存在于所有生命中的分子</a:t>
-            </a:r>
-            <a:r>
-              <a:rPr lang="zh-CN" altLang="en-US" sz="2000" dirty="0" smtClean="0">
-                <a:latin typeface="Times New Roman" pitchFamily="18" charset="0"/>
-                <a:ea typeface="微软雅黑" pitchFamily="34" charset="-122"/>
-              </a:rPr>
-              <a:t>。在分子层面，</a:t>
-            </a:r>
-            <a:r>
-              <a:rPr lang="zh-CN" altLang="en-US" sz="2000" dirty="0" smtClean="0">
-                <a:latin typeface="Times New Roman" pitchFamily="18" charset="0"/>
-                <a:ea typeface="微软雅黑" pitchFamily="34" charset="-122"/>
-              </a:rPr>
-              <a:t>它</a:t>
-            </a:r>
-            <a:r>
-              <a:rPr lang="zh-CN" altLang="en-US" sz="2000" dirty="0" smtClean="0">
-                <a:latin typeface="Times New Roman" pitchFamily="18" charset="0"/>
-                <a:ea typeface="微软雅黑" pitchFamily="34" charset="-122"/>
-              </a:rPr>
-              <a:t>是一种核糖</a:t>
-            </a:r>
-            <a:r>
-              <a:rPr lang="zh-CN" altLang="en-US" sz="2000" dirty="0" smtClean="0">
-                <a:latin typeface="Times New Roman" pitchFamily="18" charset="0"/>
-                <a:ea typeface="微软雅黑" pitchFamily="34" charset="-122"/>
-              </a:rPr>
-              <a:t>核苷酸，是核酸</a:t>
-            </a:r>
-            <a:r>
-              <a:rPr lang="en-US" altLang="zh-CN" sz="2000" dirty="0" smtClean="0">
-                <a:latin typeface="Times New Roman" pitchFamily="18" charset="0"/>
-                <a:ea typeface="微软雅黑" pitchFamily="34" charset="-122"/>
-              </a:rPr>
-              <a:t>RNA</a:t>
-            </a:r>
-            <a:r>
-              <a:rPr lang="zh-CN" altLang="en-US" sz="2000" dirty="0" smtClean="0">
-                <a:latin typeface="Times New Roman" pitchFamily="18" charset="0"/>
-                <a:ea typeface="微软雅黑" pitchFamily="34" charset="-122"/>
-              </a:rPr>
-              <a:t>的基本结构单元</a:t>
-            </a:r>
-            <a:r>
-              <a:rPr lang="zh-CN" altLang="en-US" sz="2000" dirty="0" smtClean="0">
-                <a:latin typeface="Times New Roman" pitchFamily="18" charset="0"/>
-                <a:ea typeface="微软雅黑" pitchFamily="34" charset="-122"/>
-              </a:rPr>
-              <a:t>。</a:t>
+              <a:t>的基本结构单元。</a:t>
             </a:r>
             <a:endParaRPr lang="en-US" altLang="zh-CN" sz="2000" dirty="0" smtClean="0">
               <a:latin typeface="Times New Roman" pitchFamily="18" charset="0"/>
@@ -13270,8 +13024,8 @@
               <a:buChar char=""/>
               <a:extLst>
                 <a:ext uri="{35155182-B16C-46BC-9424-99874614C6A1}">
-                  <wpsdc:indentchars xmlns="" xmlns:wpsdc="http://www.wps.cn/officeDocument/2017/drawingmlCustomData" val="-95" checksum="1089722149"/>
-                  <wpsdc:marlchars xmlns="" xmlns:wpsdc="http://www.wps.cn/officeDocument/2017/drawingmlCustomData" val="95" checksum="3534689470"/>
+                  <wpsdc:indentchars xmlns:wpsdc="http://www.wps.cn/officeDocument/2017/drawingmlCustomData" xmlns="" val="-95" checksum="1089722149"/>
+                  <wpsdc:marlchars xmlns:wpsdc="http://www.wps.cn/officeDocument/2017/drawingmlCustomData" xmlns="" val="95" checksum="3534689470"/>
                 </a:ext>
               </a:extLst>
             </a:pPr>
@@ -13289,8 +13043,8 @@
               <a:buChar char=""/>
               <a:extLst>
                 <a:ext uri="{35155182-B16C-46BC-9424-99874614C6A1}">
-                  <wpsdc:indentchars xmlns="" xmlns:wpsdc="http://www.wps.cn/officeDocument/2017/drawingmlCustomData" val="-95" checksum="1089722149"/>
-                  <wpsdc:marlchars xmlns="" xmlns:wpsdc="http://www.wps.cn/officeDocument/2017/drawingmlCustomData" val="95" checksum="3534689470"/>
+                  <wpsdc:indentchars xmlns:wpsdc="http://www.wps.cn/officeDocument/2017/drawingmlCustomData" xmlns="" val="-95" checksum="1089722149"/>
+                  <wpsdc:marlchars xmlns:wpsdc="http://www.wps.cn/officeDocument/2017/drawingmlCustomData" xmlns="" val="95" checksum="3534689470"/>
                 </a:ext>
               </a:extLst>
             </a:pPr>
@@ -13308,8 +13062,8 @@
               <a:buChar char=""/>
               <a:extLst>
                 <a:ext uri="{35155182-B16C-46BC-9424-99874614C6A1}">
-                  <wpsdc:indentchars xmlns="" xmlns:wpsdc="http://www.wps.cn/officeDocument/2017/drawingmlCustomData" val="-95" checksum="1089722149"/>
-                  <wpsdc:marlchars xmlns="" xmlns:wpsdc="http://www.wps.cn/officeDocument/2017/drawingmlCustomData" val="95" checksum="3534689470"/>
+                  <wpsdc:indentchars xmlns:wpsdc="http://www.wps.cn/officeDocument/2017/drawingmlCustomData" xmlns="" val="-95" checksum="1089722149"/>
+                  <wpsdc:marlchars xmlns:wpsdc="http://www.wps.cn/officeDocument/2017/drawingmlCustomData" xmlns="" val="95" checksum="3534689470"/>
                 </a:ext>
               </a:extLst>
             </a:pPr>
@@ -13332,8 +13086,8 @@
               </a:lnSpc>
               <a:extLst>
                 <a:ext uri="{35155182-B16C-46BC-9424-99874614C6A1}">
-                  <wpsdc:indentchars xmlns="" xmlns:wpsdc="http://www.wps.cn/officeDocument/2017/drawingmlCustomData" val="-95" checksum="1089722149"/>
-                  <wpsdc:marlchars xmlns="" xmlns:wpsdc="http://www.wps.cn/officeDocument/2017/drawingmlCustomData" val="95" checksum="3534689470"/>
+                  <wpsdc:indentchars xmlns:wpsdc="http://www.wps.cn/officeDocument/2017/drawingmlCustomData" xmlns="" val="-95" checksum="1089722149"/>
+                  <wpsdc:marlchars xmlns:wpsdc="http://www.wps.cn/officeDocument/2017/drawingmlCustomData" xmlns="" val="95" checksum="3534689470"/>
                 </a:ext>
               </a:extLst>
             </a:pPr>
@@ -13376,8 +13130,8 @@
               <a:buChar char=""/>
               <a:extLst>
                 <a:ext uri="{35155182-B16C-46BC-9424-99874614C6A1}">
-                  <wpsdc:indentchars xmlns="" xmlns:wpsdc="http://www.wps.cn/officeDocument/2017/drawingmlCustomData" val="-95" checksum="1089722149"/>
-                  <wpsdc:marlchars xmlns="" xmlns:wpsdc="http://www.wps.cn/officeDocument/2017/drawingmlCustomData" val="95" checksum="3534689470"/>
+                  <wpsdc:indentchars xmlns:wpsdc="http://www.wps.cn/officeDocument/2017/drawingmlCustomData" xmlns="" val="-95" checksum="1089722149"/>
+                  <wpsdc:marlchars xmlns:wpsdc="http://www.wps.cn/officeDocument/2017/drawingmlCustomData" xmlns="" val="95" checksum="3534689470"/>
                 </a:ext>
               </a:extLst>
             </a:pPr>
@@ -13397,8 +13151,8 @@
               <a:buChar char="l"/>
               <a:extLst>
                 <a:ext uri="{35155182-B16C-46BC-9424-99874614C6A1}">
-                  <wpsdc:indentchars xmlns="" xmlns:wpsdc="http://www.wps.cn/officeDocument/2017/drawingmlCustomData" val="-95" checksum="1089722149"/>
-                  <wpsdc:marlchars xmlns="" xmlns:wpsdc="http://www.wps.cn/officeDocument/2017/drawingmlCustomData" val="95" checksum="3534689470"/>
+                  <wpsdc:indentchars xmlns:wpsdc="http://www.wps.cn/officeDocument/2017/drawingmlCustomData" xmlns="" val="-95" checksum="1089722149"/>
+                  <wpsdc:marlchars xmlns:wpsdc="http://www.wps.cn/officeDocument/2017/drawingmlCustomData" xmlns="" val="95" checksum="3534689470"/>
                 </a:ext>
               </a:extLst>
             </a:pPr>
@@ -13418,8 +13172,8 @@
               <a:buChar char=""/>
               <a:extLst>
                 <a:ext uri="{35155182-B16C-46BC-9424-99874614C6A1}">
-                  <wpsdc:indentchars xmlns="" xmlns:wpsdc="http://www.wps.cn/officeDocument/2017/drawingmlCustomData" val="-95" checksum="1089722149"/>
-                  <wpsdc:marlchars xmlns="" xmlns:wpsdc="http://www.wps.cn/officeDocument/2017/drawingmlCustomData" val="95" checksum="3534689470"/>
+                  <wpsdc:indentchars xmlns:wpsdc="http://www.wps.cn/officeDocument/2017/drawingmlCustomData" xmlns="" val="-95" checksum="1089722149"/>
+                  <wpsdc:marlchars xmlns:wpsdc="http://www.wps.cn/officeDocument/2017/drawingmlCustomData" xmlns="" val="95" checksum="3534689470"/>
                 </a:ext>
               </a:extLst>
             </a:pPr>
@@ -13480,14 +13234,7 @@
                 <a:latin typeface="Times New Roman" pitchFamily="18" charset="0"/>
                 <a:ea typeface="微软雅黑" pitchFamily="34" charset="-122"/>
               </a:rPr>
-              <a:t>，</a:t>
-            </a:r>
-            <a:r>
-              <a:rPr lang="zh-CN" altLang="en-US" sz="2000" dirty="0" smtClean="0">
-                <a:latin typeface="Times New Roman" pitchFamily="18" charset="0"/>
-                <a:ea typeface="微软雅黑" pitchFamily="34" charset="-122"/>
-              </a:rPr>
-              <a:t>烟酰胺腺嘌呤二核苷酸）</a:t>
+              <a:t>，烟酰胺腺嘌呤二核苷酸）</a:t>
             </a:r>
             <a:r>
               <a:rPr lang="zh-CN" altLang="en-US" sz="2000" dirty="0" smtClean="0">
@@ -13497,17 +13244,7 @@
                 <a:latin typeface="Times New Roman" pitchFamily="18" charset="0"/>
                 <a:ea typeface="微软雅黑" pitchFamily="34" charset="-122"/>
               </a:rPr>
-              <a:t>的</a:t>
-            </a:r>
-            <a:r>
-              <a:rPr lang="zh-CN" altLang="en-US" sz="2000" dirty="0" smtClean="0">
-                <a:solidFill>
-                  <a:srgbClr val="C00000"/>
-                </a:solidFill>
-                <a:latin typeface="Times New Roman" pitchFamily="18" charset="0"/>
-                <a:ea typeface="微软雅黑" pitchFamily="34" charset="-122"/>
-              </a:rPr>
-              <a:t>直接前体</a:t>
+              <a:t>的直接前体</a:t>
             </a:r>
             <a:r>
               <a:rPr lang="zh-CN" altLang="en-US" sz="2000" dirty="0" smtClean="0">
@@ -13820,14 +13557,7 @@
                 <a:latin typeface="Times New Roman" pitchFamily="18" charset="0"/>
                 <a:ea typeface="微软雅黑" pitchFamily="34" charset="-122"/>
               </a:rPr>
-              <a:t>是生命和细胞</a:t>
-            </a:r>
-            <a:r>
-              <a:rPr lang="zh-CN" altLang="en-US" dirty="0" smtClean="0">
-                <a:latin typeface="Times New Roman" pitchFamily="18" charset="0"/>
-                <a:ea typeface="微软雅黑" pitchFamily="34" charset="-122"/>
-              </a:rPr>
-              <a:t>功能所</a:t>
+              <a:t>是生命和细胞功能所</a:t>
             </a:r>
             <a:r>
               <a:rPr lang="zh-CN" altLang="en-US" dirty="0" smtClean="0">
@@ -13837,17 +13567,7 @@
                 <a:latin typeface="Times New Roman" pitchFamily="18" charset="0"/>
                 <a:ea typeface="微软雅黑" pitchFamily="34" charset="-122"/>
               </a:rPr>
-              <a:t>必需</a:t>
-            </a:r>
-            <a:r>
-              <a:rPr lang="zh-CN" altLang="en-US" dirty="0" smtClean="0">
-                <a:solidFill>
-                  <a:srgbClr val="C00000"/>
-                </a:solidFill>
-                <a:latin typeface="Times New Roman" pitchFamily="18" charset="0"/>
-                <a:ea typeface="微软雅黑" pitchFamily="34" charset="-122"/>
-              </a:rPr>
-              <a:t>的辅酶</a:t>
+              <a:t>必需的辅酶</a:t>
             </a:r>
             <a:r>
               <a:rPr lang="zh-CN" altLang="en-US" dirty="0" smtClean="0">
@@ -13884,7 +13604,15 @@
                 <a:ea typeface="微软雅黑" pitchFamily="34" charset="-122"/>
                 <a:cs typeface="Times New Roman" pitchFamily="18" charset="0"/>
               </a:rPr>
-              <a:t>在人体内存在五种主要前体：</a:t>
+              <a:t>在人体内存在五种主要前体：色氨酸（</a:t>
+            </a:r>
+            <a:r>
+              <a:rPr lang="en-US" altLang="zh-CN" dirty="0" smtClean="0">
+                <a:latin typeface="Times New Roman" pitchFamily="18" charset="0"/>
+                <a:ea typeface="微软雅黑" pitchFamily="34" charset="-122"/>
+                <a:cs typeface="Times New Roman" pitchFamily="18" charset="0"/>
+              </a:rPr>
+              <a:t> Tryptophan </a:t>
             </a:r>
             <a:r>
               <a:rPr lang="zh-CN" altLang="en-US" dirty="0" smtClean="0">
@@ -13892,7 +13620,7 @@
                 <a:ea typeface="微软雅黑" pitchFamily="34" charset="-122"/>
                 <a:cs typeface="Times New Roman" pitchFamily="18" charset="0"/>
               </a:rPr>
-              <a:t>色氨酸（</a:t>
+              <a:t>），烟酰胺（</a:t>
             </a:r>
             <a:r>
               <a:rPr lang="en-US" altLang="zh-CN" dirty="0" smtClean="0">
@@ -13900,7 +13628,7 @@
                 <a:ea typeface="微软雅黑" pitchFamily="34" charset="-122"/>
                 <a:cs typeface="Times New Roman" pitchFamily="18" charset="0"/>
               </a:rPr>
-              <a:t> Tryptophan </a:t>
+              <a:t>NAM</a:t>
             </a:r>
             <a:r>
               <a:rPr lang="zh-CN" altLang="en-US" dirty="0" smtClean="0">
@@ -13908,7 +13636,15 @@
                 <a:ea typeface="微软雅黑" pitchFamily="34" charset="-122"/>
                 <a:cs typeface="Times New Roman" pitchFamily="18" charset="0"/>
               </a:rPr>
-              <a:t>），</a:t>
+              <a:t>），烟酸（</a:t>
+            </a:r>
+            <a:r>
+              <a:rPr lang="en-US" altLang="zh-CN" dirty="0" smtClean="0">
+                <a:latin typeface="Times New Roman" pitchFamily="18" charset="0"/>
+                <a:ea typeface="微软雅黑" pitchFamily="34" charset="-122"/>
+                <a:cs typeface="Times New Roman" pitchFamily="18" charset="0"/>
+              </a:rPr>
+              <a:t>NA</a:t>
             </a:r>
             <a:r>
               <a:rPr lang="zh-CN" altLang="en-US" dirty="0" smtClean="0">
@@ -13916,55 +13652,7 @@
                 <a:ea typeface="微软雅黑" pitchFamily="34" charset="-122"/>
                 <a:cs typeface="Times New Roman" pitchFamily="18" charset="0"/>
               </a:rPr>
-              <a:t>烟酰胺（</a:t>
-            </a:r>
-            <a:r>
-              <a:rPr lang="en-US" altLang="zh-CN" dirty="0" smtClean="0">
-                <a:latin typeface="Times New Roman" pitchFamily="18" charset="0"/>
-                <a:ea typeface="微软雅黑" pitchFamily="34" charset="-122"/>
-                <a:cs typeface="Times New Roman" pitchFamily="18" charset="0"/>
-              </a:rPr>
-              <a:t>NAM</a:t>
-            </a:r>
-            <a:r>
-              <a:rPr lang="zh-CN" altLang="en-US" dirty="0" smtClean="0">
-                <a:latin typeface="Times New Roman" pitchFamily="18" charset="0"/>
-                <a:ea typeface="微软雅黑" pitchFamily="34" charset="-122"/>
-                <a:cs typeface="Times New Roman" pitchFamily="18" charset="0"/>
-              </a:rPr>
-              <a:t>），烟酸（</a:t>
-            </a:r>
-            <a:r>
-              <a:rPr lang="en-US" altLang="zh-CN" dirty="0" smtClean="0">
-                <a:latin typeface="Times New Roman" pitchFamily="18" charset="0"/>
-                <a:ea typeface="微软雅黑" pitchFamily="34" charset="-122"/>
-                <a:cs typeface="Times New Roman" pitchFamily="18" charset="0"/>
-              </a:rPr>
-              <a:t>NA</a:t>
-            </a:r>
-            <a:r>
-              <a:rPr lang="zh-CN" altLang="en-US" dirty="0" smtClean="0">
-                <a:latin typeface="Times New Roman" pitchFamily="18" charset="0"/>
-                <a:ea typeface="微软雅黑" pitchFamily="34" charset="-122"/>
-                <a:cs typeface="Times New Roman" pitchFamily="18" charset="0"/>
-              </a:rPr>
-              <a:t>），</a:t>
-            </a:r>
-            <a:r>
-              <a:rPr lang="zh-CN" altLang="en-US" dirty="0" smtClean="0">
-                <a:latin typeface="Times New Roman" pitchFamily="18" charset="0"/>
-                <a:ea typeface="微软雅黑" pitchFamily="34" charset="-122"/>
-                <a:cs typeface="Times New Roman" pitchFamily="18" charset="0"/>
-              </a:rPr>
-              <a:t>烟</a:t>
-            </a:r>
-            <a:r>
-              <a:rPr lang="zh-CN" altLang="en-US" dirty="0" smtClean="0">
-                <a:latin typeface="Times New Roman" pitchFamily="18" charset="0"/>
-                <a:ea typeface="微软雅黑" pitchFamily="34" charset="-122"/>
-                <a:cs typeface="Times New Roman" pitchFamily="18" charset="0"/>
-              </a:rPr>
-              <a:t>酰胺核糖苷（</a:t>
+              <a:t>），烟酰胺核糖苷（</a:t>
             </a:r>
             <a:r>
               <a:rPr lang="en-US" altLang="zh-CN" dirty="0" smtClean="0">
@@ -14215,8 +13903,8 @@
               <a:buChar char=""/>
               <a:extLst>
                 <a:ext uri="{35155182-B16C-46BC-9424-99874614C6A1}">
-                  <wpsdc:indentchars xmlns="" xmlns:wpsdc="http://www.wps.cn/officeDocument/2017/drawingmlCustomData" val="-95" checksum="1089722149"/>
-                  <wpsdc:marlchars xmlns="" xmlns:wpsdc="http://www.wps.cn/officeDocument/2017/drawingmlCustomData" val="95" checksum="3534689470"/>
+                  <wpsdc:indentchars xmlns:wpsdc="http://www.wps.cn/officeDocument/2017/drawingmlCustomData" xmlns="" val="-95" checksum="1089722149"/>
+                  <wpsdc:marlchars xmlns:wpsdc="http://www.wps.cn/officeDocument/2017/drawingmlCustomData" xmlns="" val="95" checksum="3534689470"/>
                 </a:ext>
               </a:extLst>
             </a:pPr>
@@ -14234,15 +13922,7 @@
                 <a:ea typeface="微软雅黑" pitchFamily="34" charset="-122"/>
                 <a:cs typeface="Times New Roman" pitchFamily="18" charset="0"/>
               </a:rPr>
-              <a:t>能够</a:t>
-            </a:r>
-            <a:r>
-              <a:rPr lang="zh-CN" altLang="en-US" sz="2000" dirty="0" smtClean="0">
-                <a:latin typeface="Times New Roman" pitchFamily="18" charset="0"/>
-                <a:ea typeface="微软雅黑" pitchFamily="34" charset="-122"/>
-                <a:cs typeface="Times New Roman" pitchFamily="18" charset="0"/>
-              </a:rPr>
-              <a:t>帮助细胞</a:t>
+              <a:t>能够帮助细胞</a:t>
             </a:r>
             <a:r>
               <a:rPr lang="zh-CN" altLang="en-US" sz="2000" dirty="0" smtClean="0">
@@ -14253,18 +13933,7 @@
                 <a:ea typeface="微软雅黑" pitchFamily="34" charset="-122"/>
                 <a:cs typeface="Times New Roman" pitchFamily="18" charset="0"/>
               </a:rPr>
-              <a:t>修复</a:t>
-            </a:r>
-            <a:r>
-              <a:rPr lang="zh-CN" altLang="en-US" sz="2000" dirty="0" smtClean="0">
-                <a:solidFill>
-                  <a:srgbClr val="C00000"/>
-                </a:solidFill>
-                <a:latin typeface="Times New Roman" pitchFamily="18" charset="0"/>
-                <a:ea typeface="微软雅黑" pitchFamily="34" charset="-122"/>
-                <a:cs typeface="Times New Roman" pitchFamily="18" charset="0"/>
-              </a:rPr>
-              <a:t>被损坏的</a:t>
+              <a:t>修复被损坏的</a:t>
             </a:r>
             <a:r>
               <a:rPr lang="en-US" altLang="zh-CN" sz="2000" dirty="0" smtClean="0">
@@ -14298,8 +13967,8 @@
               </a:lnSpc>
               <a:extLst>
                 <a:ext uri="{35155182-B16C-46BC-9424-99874614C6A1}">
-                  <wpsdc:indentchars xmlns="" xmlns:wpsdc="http://www.wps.cn/officeDocument/2017/drawingmlCustomData" val="-95" checksum="1089722149"/>
-                  <wpsdc:marlchars xmlns="" xmlns:wpsdc="http://www.wps.cn/officeDocument/2017/drawingmlCustomData" val="95" checksum="3534689470"/>
+                  <wpsdc:indentchars xmlns:wpsdc="http://www.wps.cn/officeDocument/2017/drawingmlCustomData" xmlns="" val="-95" checksum="1089722149"/>
+                  <wpsdc:marlchars xmlns:wpsdc="http://www.wps.cn/officeDocument/2017/drawingmlCustomData" xmlns="" val="95" checksum="3534689470"/>
                 </a:ext>
               </a:extLst>
             </a:pPr>
@@ -14364,8 +14033,8 @@
               </a:lnSpc>
               <a:extLst>
                 <a:ext uri="{35155182-B16C-46BC-9424-99874614C6A1}">
-                  <wpsdc:indentchars xmlns="" xmlns:wpsdc="http://www.wps.cn/officeDocument/2017/drawingmlCustomData" val="-95" checksum="1089722149"/>
-                  <wpsdc:marlchars xmlns="" xmlns:wpsdc="http://www.wps.cn/officeDocument/2017/drawingmlCustomData" val="95" checksum="3534689470"/>
+                  <wpsdc:indentchars xmlns:wpsdc="http://www.wps.cn/officeDocument/2017/drawingmlCustomData" xmlns="" val="-95" checksum="1089722149"/>
+                  <wpsdc:marlchars xmlns:wpsdc="http://www.wps.cn/officeDocument/2017/drawingmlCustomData" xmlns="" val="95" checksum="3534689470"/>
                 </a:ext>
               </a:extLst>
             </a:pPr>
@@ -14375,15 +14044,7 @@
                 <a:ea typeface="微软雅黑" pitchFamily="34" charset="-122"/>
                 <a:cs typeface="Times New Roman" pitchFamily="18" charset="0"/>
               </a:rPr>
-              <a:t>    NAD</a:t>
-            </a:r>
-            <a:r>
-              <a:rPr lang="en-US" altLang="zh-CN" sz="2000" dirty="0" smtClean="0">
-                <a:latin typeface="Times New Roman" pitchFamily="18" charset="0"/>
-                <a:ea typeface="微软雅黑" pitchFamily="34" charset="-122"/>
-                <a:cs typeface="Times New Roman" pitchFamily="18" charset="0"/>
-              </a:rPr>
-              <a:t>+</a:t>
+              <a:t>    NAD+</a:t>
             </a:r>
             <a:r>
               <a:rPr lang="zh-CN" altLang="en-US" sz="2000" dirty="0" smtClean="0">
@@ -14391,15 +14052,7 @@
                 <a:ea typeface="微软雅黑" pitchFamily="34" charset="-122"/>
                 <a:cs typeface="Times New Roman" pitchFamily="18" charset="0"/>
               </a:rPr>
-              <a:t>实现修复功能</a:t>
-            </a:r>
-            <a:r>
-              <a:rPr lang="zh-CN" altLang="en-US" sz="2000" dirty="0" smtClean="0">
-                <a:latin typeface="Times New Roman" pitchFamily="18" charset="0"/>
-                <a:ea typeface="微软雅黑" pitchFamily="34" charset="-122"/>
-                <a:cs typeface="Times New Roman" pitchFamily="18" charset="0"/>
-              </a:rPr>
-              <a:t>。</a:t>
+              <a:t>实现修复功能。</a:t>
             </a:r>
             <a:endParaRPr lang="en-US" altLang="zh-CN" sz="2000" dirty="0" smtClean="0">
               <a:latin typeface="Times New Roman" pitchFamily="18" charset="0"/>
@@ -14414,8 +14067,8 @@
               </a:lnSpc>
               <a:extLst>
                 <a:ext uri="{35155182-B16C-46BC-9424-99874614C6A1}">
-                  <wpsdc:indentchars xmlns="" xmlns:wpsdc="http://www.wps.cn/officeDocument/2017/drawingmlCustomData" val="-95" checksum="1089722149"/>
-                  <wpsdc:marlchars xmlns="" xmlns:wpsdc="http://www.wps.cn/officeDocument/2017/drawingmlCustomData" val="95" checksum="3534689470"/>
+                  <wpsdc:indentchars xmlns:wpsdc="http://www.wps.cn/officeDocument/2017/drawingmlCustomData" xmlns="" val="-95" checksum="1089722149"/>
+                  <wpsdc:marlchars xmlns:wpsdc="http://www.wps.cn/officeDocument/2017/drawingmlCustomData" xmlns="" val="95" checksum="3534689470"/>
                 </a:ext>
               </a:extLst>
             </a:pPr>
@@ -14434,8 +14087,8 @@
               <a:buChar char=""/>
               <a:extLst>
                 <a:ext uri="{35155182-B16C-46BC-9424-99874614C6A1}">
-                  <wpsdc:indentchars xmlns="" xmlns:wpsdc="http://www.wps.cn/officeDocument/2017/drawingmlCustomData" val="-95" checksum="1089722149"/>
-                  <wpsdc:marlchars xmlns="" xmlns:wpsdc="http://www.wps.cn/officeDocument/2017/drawingmlCustomData" val="95" checksum="3534689470"/>
+                  <wpsdc:indentchars xmlns:wpsdc="http://www.wps.cn/officeDocument/2017/drawingmlCustomData" xmlns="" val="-95" checksum="1089722149"/>
+                  <wpsdc:marlchars xmlns:wpsdc="http://www.wps.cn/officeDocument/2017/drawingmlCustomData" xmlns="" val="95" checksum="3534689470"/>
                 </a:ext>
               </a:extLst>
             </a:pPr>
@@ -14454,8 +14107,8 @@
               <a:buChar char=""/>
               <a:extLst>
                 <a:ext uri="{35155182-B16C-46BC-9424-99874614C6A1}">
-                  <wpsdc:indentchars xmlns="" xmlns:wpsdc="http://www.wps.cn/officeDocument/2017/drawingmlCustomData" val="-95" checksum="1089722149"/>
-                  <wpsdc:marlchars xmlns="" xmlns:wpsdc="http://www.wps.cn/officeDocument/2017/drawingmlCustomData" val="95" checksum="3534689470"/>
+                  <wpsdc:indentchars xmlns:wpsdc="http://www.wps.cn/officeDocument/2017/drawingmlCustomData" xmlns="" val="-95" checksum="1089722149"/>
+                  <wpsdc:marlchars xmlns:wpsdc="http://www.wps.cn/officeDocument/2017/drawingmlCustomData" xmlns="" val="95" checksum="3534689470"/>
                 </a:ext>
               </a:extLst>
             </a:pPr>
@@ -14474,8 +14127,8 @@
               <a:buChar char=""/>
               <a:extLst>
                 <a:ext uri="{35155182-B16C-46BC-9424-99874614C6A1}">
-                  <wpsdc:indentchars xmlns="" xmlns:wpsdc="http://www.wps.cn/officeDocument/2017/drawingmlCustomData" val="-95" checksum="1089722149"/>
-                  <wpsdc:marlchars xmlns="" xmlns:wpsdc="http://www.wps.cn/officeDocument/2017/drawingmlCustomData" val="95" checksum="3534689470"/>
+                  <wpsdc:indentchars xmlns:wpsdc="http://www.wps.cn/officeDocument/2017/drawingmlCustomData" xmlns="" val="-95" checksum="1089722149"/>
+                  <wpsdc:marlchars xmlns:wpsdc="http://www.wps.cn/officeDocument/2017/drawingmlCustomData" xmlns="" val="95" checksum="3534689470"/>
                 </a:ext>
               </a:extLst>
             </a:pPr>
@@ -14494,8 +14147,8 @@
               <a:buChar char=""/>
               <a:extLst>
                 <a:ext uri="{35155182-B16C-46BC-9424-99874614C6A1}">
-                  <wpsdc:indentchars xmlns="" xmlns:wpsdc="http://www.wps.cn/officeDocument/2017/drawingmlCustomData" val="-95" checksum="1089722149"/>
-                  <wpsdc:marlchars xmlns="" xmlns:wpsdc="http://www.wps.cn/officeDocument/2017/drawingmlCustomData" val="95" checksum="3534689470"/>
+                  <wpsdc:indentchars xmlns:wpsdc="http://www.wps.cn/officeDocument/2017/drawingmlCustomData" xmlns="" val="-95" checksum="1089722149"/>
+                  <wpsdc:marlchars xmlns:wpsdc="http://www.wps.cn/officeDocument/2017/drawingmlCustomData" xmlns="" val="95" checksum="3534689470"/>
                 </a:ext>
               </a:extLst>
             </a:pPr>
@@ -14923,56 +14576,21 @@
                 <a:latin typeface="Times New Roman" pitchFamily="18" charset="0"/>
                 <a:ea typeface="微软雅黑" pitchFamily="34" charset="-122"/>
               </a:rPr>
-              <a:t>等研究领域，提高人</a:t>
+              <a:t>等研究领域，提高人体内</a:t>
+            </a:r>
+            <a:r>
+              <a:rPr lang="en-US" altLang="zh-CN" sz="2000" dirty="0" smtClean="0">
+                <a:latin typeface="Times New Roman" pitchFamily="18" charset="0"/>
+                <a:ea typeface="微软雅黑" pitchFamily="34" charset="-122"/>
+              </a:rPr>
+              <a:t>NAD+</a:t>
             </a:r>
             <a:r>
               <a:rPr lang="zh-CN" altLang="en-US" sz="2000" dirty="0" smtClean="0">
                 <a:latin typeface="Times New Roman" pitchFamily="18" charset="0"/>
                 <a:ea typeface="微软雅黑" pitchFamily="34" charset="-122"/>
               </a:rPr>
-              <a:t>体内</a:t>
-            </a:r>
-            <a:r>
-              <a:rPr lang="en-US" altLang="zh-CN" sz="2000" dirty="0" smtClean="0">
-                <a:latin typeface="Times New Roman" pitchFamily="18" charset="0"/>
-                <a:ea typeface="微软雅黑" pitchFamily="34" charset="-122"/>
-              </a:rPr>
-              <a:t>NAD+</a:t>
-            </a:r>
-            <a:r>
-              <a:rPr lang="zh-CN" altLang="en-US" sz="2000" dirty="0" smtClean="0">
-                <a:latin typeface="Times New Roman" pitchFamily="18" charset="0"/>
-                <a:ea typeface="微软雅黑" pitchFamily="34" charset="-122"/>
-              </a:rPr>
-              <a:t>含量得到了积极的</a:t>
-            </a:r>
-            <a:r>
-              <a:rPr lang="zh-CN" altLang="en-US" sz="2000" dirty="0" smtClean="0">
-                <a:latin typeface="Times New Roman" pitchFamily="18" charset="0"/>
-                <a:ea typeface="微软雅黑" pitchFamily="34" charset="-122"/>
-              </a:rPr>
-              <a:t>结果，</a:t>
-            </a:r>
-            <a:r>
-              <a:rPr lang="zh-CN" altLang="en-US" sz="2000" dirty="0" smtClean="0">
-                <a:latin typeface="Times New Roman" pitchFamily="18" charset="0"/>
-                <a:ea typeface="微软雅黑" pitchFamily="34" charset="-122"/>
-              </a:rPr>
-              <a:t>并显示</a:t>
-            </a:r>
-            <a:r>
-              <a:rPr lang="zh-CN" altLang="en-US" sz="2000" dirty="0" smtClean="0">
-                <a:latin typeface="Times New Roman" pitchFamily="18" charset="0"/>
-                <a:ea typeface="微软雅黑" pitchFamily="34" charset="-122"/>
-              </a:rPr>
-              <a:t>出某些抗衰老特性</a:t>
-            </a:r>
-            <a:r>
-              <a:rPr lang="zh-CN" altLang="en-US" sz="2000" dirty="0" smtClean="0">
-                <a:latin typeface="Times New Roman" pitchFamily="18" charset="0"/>
-                <a:ea typeface="微软雅黑" pitchFamily="34" charset="-122"/>
-              </a:rPr>
-              <a:t>。</a:t>
+              <a:t>含量得到了积极的结果，并显示出某些抗衰老特性。</a:t>
             </a:r>
             <a:endParaRPr lang="en-US" altLang="zh-CN" sz="2000" dirty="0" smtClean="0">
               <a:latin typeface="Times New Roman" pitchFamily="18" charset="0"/>
@@ -14997,14 +14615,7 @@
                 <a:latin typeface="Times New Roman" pitchFamily="18" charset="0"/>
                 <a:ea typeface="微软雅黑" pitchFamily="34" charset="-122"/>
               </a:rPr>
-              <a:t>具有</a:t>
-            </a:r>
-            <a:r>
-              <a:rPr lang="zh-CN" altLang="en-US" sz="2000" dirty="0" smtClean="0">
-                <a:latin typeface="Times New Roman" pitchFamily="18" charset="0"/>
-                <a:ea typeface="微软雅黑" pitchFamily="34" charset="-122"/>
-              </a:rPr>
-              <a:t>以下功能：</a:t>
+              <a:t>具有以下功能：</a:t>
             </a:r>
             <a:endParaRPr lang="en-US" altLang="zh-CN" sz="2000" dirty="0" smtClean="0">
               <a:latin typeface="Times New Roman" pitchFamily="18" charset="0"/>
@@ -15135,17 +14746,7 @@
                 <a:latin typeface="Times New Roman" pitchFamily="18" charset="0"/>
                 <a:ea typeface="微软雅黑" pitchFamily="34" charset="-122"/>
               </a:rPr>
-              <a:t>NAD</a:t>
-            </a:r>
-            <a:r>
-              <a:rPr lang="en-US" altLang="zh-CN" sz="2000" dirty="0" smtClean="0">
-                <a:solidFill>
-                  <a:srgbClr val="C00000"/>
-                </a:solidFill>
-                <a:latin typeface="Times New Roman" pitchFamily="18" charset="0"/>
-                <a:ea typeface="微软雅黑" pitchFamily="34" charset="-122"/>
-              </a:rPr>
-              <a:t>+</a:t>
+              <a:t>NAD+</a:t>
             </a:r>
             <a:r>
               <a:rPr lang="zh-CN" altLang="en-US" sz="2000" dirty="0" smtClean="0">
@@ -15595,31 +15196,7 @@
                 <a:ea typeface="微软雅黑" pitchFamily="34" charset="-122"/>
                 <a:cs typeface="Times New Roman" pitchFamily="18" charset="0"/>
               </a:rPr>
-              <a:t>水平，得到</a:t>
-            </a:r>
-            <a:r>
-              <a:rPr lang="zh-CN" altLang="en-US" dirty="0" smtClean="0">
-                <a:latin typeface="Times New Roman" pitchFamily="18" charset="0"/>
-                <a:ea typeface="微软雅黑" pitchFamily="34" charset="-122"/>
-                <a:cs typeface="Times New Roman" pitchFamily="18" charset="0"/>
-              </a:rPr>
-              <a:t>了肯定的</a:t>
-            </a:r>
-            <a:r>
-              <a:rPr lang="zh-CN" altLang="en-US" dirty="0" smtClean="0">
-                <a:latin typeface="Times New Roman" pitchFamily="18" charset="0"/>
-                <a:ea typeface="微软雅黑" pitchFamily="34" charset="-122"/>
-                <a:cs typeface="Times New Roman" pitchFamily="18" charset="0"/>
-              </a:rPr>
-              <a:t>结论</a:t>
-            </a:r>
-            <a:r>
-              <a:rPr lang="zh-CN" altLang="en-US" dirty="0" smtClean="0">
-                <a:latin typeface="Times New Roman" pitchFamily="18" charset="0"/>
-                <a:ea typeface="微软雅黑" pitchFamily="34" charset="-122"/>
-                <a:cs typeface="Times New Roman" pitchFamily="18" charset="0"/>
-              </a:rPr>
-              <a:t>。</a:t>
+              <a:t>水平，得到了肯定的结论。</a:t>
             </a:r>
             <a:endParaRPr lang="en-US" altLang="zh-CN" dirty="0" smtClean="0">
               <a:latin typeface="Times New Roman" pitchFamily="18" charset="0"/>
@@ -15851,8 +15428,8 @@
               <a:buChar char=""/>
               <a:extLst>
                 <a:ext uri="{35155182-B16C-46BC-9424-99874614C6A1}">
-                  <wpsdc:indentchars xmlns="" xmlns:wpsdc="http://www.wps.cn/officeDocument/2017/drawingmlCustomData" val="-95" checksum="1089722149"/>
-                  <wpsdc:marlchars xmlns="" xmlns:wpsdc="http://www.wps.cn/officeDocument/2017/drawingmlCustomData" val="95" checksum="3534689470"/>
+                  <wpsdc:indentchars xmlns:wpsdc="http://www.wps.cn/officeDocument/2017/drawingmlCustomData" xmlns="" val="-95" checksum="1089722149"/>
+                  <wpsdc:marlchars xmlns:wpsdc="http://www.wps.cn/officeDocument/2017/drawingmlCustomData" xmlns="" val="95" checksum="3534689470"/>
                 </a:ext>
               </a:extLst>
             </a:pPr>
@@ -15947,8 +15524,8 @@
               <a:buChar char=""/>
               <a:extLst>
                 <a:ext uri="{35155182-B16C-46BC-9424-99874614C6A1}">
-                  <wpsdc:indentchars xmlns="" xmlns:wpsdc="http://www.wps.cn/officeDocument/2017/drawingmlCustomData" val="-95" checksum="1089722149"/>
-                  <wpsdc:marlchars xmlns="" xmlns:wpsdc="http://www.wps.cn/officeDocument/2017/drawingmlCustomData" val="95" checksum="3534689470"/>
+                  <wpsdc:indentchars xmlns:wpsdc="http://www.wps.cn/officeDocument/2017/drawingmlCustomData" xmlns="" val="-95" checksum="1089722149"/>
+                  <wpsdc:marlchars xmlns:wpsdc="http://www.wps.cn/officeDocument/2017/drawingmlCustomData" xmlns="" val="95" checksum="3534689470"/>
                 </a:ext>
               </a:extLst>
             </a:pPr>
@@ -16078,8 +15655,8 @@
               <a:buChar char=""/>
               <a:extLst>
                 <a:ext uri="{35155182-B16C-46BC-9424-99874614C6A1}">
-                  <wpsdc:indentchars xmlns="" xmlns:wpsdc="http://www.wps.cn/officeDocument/2017/drawingmlCustomData" val="-95" checksum="1089722149"/>
-                  <wpsdc:marlchars xmlns="" xmlns:wpsdc="http://www.wps.cn/officeDocument/2017/drawingmlCustomData" val="95" checksum="3534689470"/>
+                  <wpsdc:indentchars xmlns:wpsdc="http://www.wps.cn/officeDocument/2017/drawingmlCustomData" xmlns="" val="-95" checksum="1089722149"/>
+                  <wpsdc:marlchars xmlns:wpsdc="http://www.wps.cn/officeDocument/2017/drawingmlCustomData" xmlns="" val="95" checksum="3534689470"/>
                 </a:ext>
               </a:extLst>
             </a:pPr>
@@ -16226,8 +15803,8 @@
               <a:buChar char=""/>
               <a:extLst>
                 <a:ext uri="{35155182-B16C-46BC-9424-99874614C6A1}">
-                  <wpsdc:indentchars xmlns="" xmlns:wpsdc="http://www.wps.cn/officeDocument/2017/drawingmlCustomData" val="-95" checksum="1089722149"/>
-                  <wpsdc:marlchars xmlns="" xmlns:wpsdc="http://www.wps.cn/officeDocument/2017/drawingmlCustomData" val="95" checksum="3534689470"/>
+                  <wpsdc:indentchars xmlns:wpsdc="http://www.wps.cn/officeDocument/2017/drawingmlCustomData" xmlns="" val="-95" checksum="1089722149"/>
+                  <wpsdc:marlchars xmlns:wpsdc="http://www.wps.cn/officeDocument/2017/drawingmlCustomData" xmlns="" val="95" checksum="3534689470"/>
                 </a:ext>
               </a:extLst>
             </a:pPr>
@@ -16487,8 +16064,8 @@
               <a:buChar char=""/>
               <a:extLst>
                 <a:ext uri="{35155182-B16C-46BC-9424-99874614C6A1}">
-                  <wpsdc:indentchars xmlns="" xmlns:wpsdc="http://www.wps.cn/officeDocument/2017/drawingmlCustomData" val="-95" checksum="1089722149"/>
-                  <wpsdc:marlchars xmlns="" xmlns:wpsdc="http://www.wps.cn/officeDocument/2017/drawingmlCustomData" val="95" checksum="3534689470"/>
+                  <wpsdc:indentchars xmlns:wpsdc="http://www.wps.cn/officeDocument/2017/drawingmlCustomData" xmlns="" val="-95" checksum="1089722149"/>
+                  <wpsdc:marlchars xmlns:wpsdc="http://www.wps.cn/officeDocument/2017/drawingmlCustomData" xmlns="" val="95" checksum="3534689470"/>
                 </a:ext>
               </a:extLst>
             </a:pPr>
@@ -16546,15 +16123,7 @@
                 <a:ea typeface="微软雅黑" pitchFamily="34" charset="-122"/>
                 <a:cs typeface="Times New Roman" pitchFamily="18" charset="0"/>
               </a:rPr>
-              <a:t>），</a:t>
-            </a:r>
-            <a:r>
-              <a:rPr lang="zh-CN" altLang="en-US" sz="2000" b="0" dirty="0" smtClean="0">
-                <a:latin typeface="Times New Roman" pitchFamily="18" charset="0"/>
-                <a:ea typeface="微软雅黑" pitchFamily="34" charset="-122"/>
-                <a:cs typeface="Times New Roman" pitchFamily="18" charset="0"/>
-              </a:rPr>
-              <a:t>未来</a:t>
+              <a:t>），未来</a:t>
             </a:r>
             <a:r>
               <a:rPr lang="zh-CN" altLang="en-US" sz="2000" b="0" dirty="0">
@@ -16745,8 +16314,8 @@
               <a:buChar char=""/>
               <a:extLst>
                 <a:ext uri="{35155182-B16C-46BC-9424-99874614C6A1}">
-                  <wpsdc:indentchars xmlns="" xmlns:wpsdc="http://www.wps.cn/officeDocument/2017/drawingmlCustomData" val="-95" checksum="1089722149"/>
-                  <wpsdc:marlchars xmlns="" xmlns:wpsdc="http://www.wps.cn/officeDocument/2017/drawingmlCustomData" val="95" checksum="3534689470"/>
+                  <wpsdc:indentchars xmlns:wpsdc="http://www.wps.cn/officeDocument/2017/drawingmlCustomData" xmlns="" val="-95" checksum="1089722149"/>
+                  <wpsdc:marlchars xmlns:wpsdc="http://www.wps.cn/officeDocument/2017/drawingmlCustomData" xmlns="" val="95" checksum="3534689470"/>
                 </a:ext>
               </a:extLst>
             </a:pPr>
@@ -16756,15 +16325,7 @@
                 <a:ea typeface="微软雅黑" pitchFamily="34" charset="-122"/>
                 <a:cs typeface="Times New Roman" pitchFamily="18" charset="0"/>
               </a:rPr>
-              <a:t>根据中信证券预测</a:t>
-            </a:r>
-            <a:r>
-              <a:rPr lang="zh-CN" altLang="en-US" sz="2000" dirty="0" smtClean="0">
-                <a:latin typeface="Times New Roman" pitchFamily="18" charset="0"/>
-                <a:ea typeface="微软雅黑" pitchFamily="34" charset="-122"/>
-                <a:cs typeface="Times New Roman" pitchFamily="18" charset="0"/>
-              </a:rPr>
-              <a:t>，</a:t>
+              <a:t>根据中信证券预测，</a:t>
             </a:r>
             <a:r>
               <a:rPr lang="en-US" altLang="zh-CN" sz="2000" dirty="0" smtClean="0">
@@ -17189,7 +16750,7 @@
   <a:extraClrSchemeLst/>
   <a:extLst>
     <a:ext uri="{05A4C25C-085E-4340-85A3-A5531E510DB2}">
-      <thm15:themeFamily xmlns="" xmlns:thm15="http://schemas.microsoft.com/office/thememl/2012/main" name="Office Theme" id="{62F939B6-93AF-4DB8-9C6B-D6C7DFDC589F}" vid="{4A3C46E8-61CC-4603-A589-7422A47A8E4A}"/>
+      <thm15:themeFamily xmlns:thm15="http://schemas.microsoft.com/office/thememl/2012/main" xmlns="" name="Office Theme" id="{62F939B6-93AF-4DB8-9C6B-D6C7DFDC589F}" vid="{4A3C46E8-61CC-4603-A589-7422A47A8E4A}"/>
     </a:ext>
   </a:extLst>
 </a:theme>
@@ -17450,7 +17011,7 @@
   <a:extraClrSchemeLst/>
   <a:extLst>
     <a:ext uri="{05A4C25C-085E-4340-85A3-A5531E510DB2}">
-      <thm15:themeFamily xmlns="" xmlns:thm15="http://schemas.microsoft.com/office/thememl/2012/main" name="Office Theme" id="{62F939B6-93AF-4DB8-9C6B-D6C7DFDC589F}" vid="{4A3C46E8-61CC-4603-A589-7422A47A8E4A}"/>
+      <thm15:themeFamily xmlns:thm15="http://schemas.microsoft.com/office/thememl/2012/main" xmlns="" name="Office Theme" id="{62F939B6-93AF-4DB8-9C6B-D6C7DFDC589F}" vid="{4A3C46E8-61CC-4603-A589-7422A47A8E4A}"/>
     </a:ext>
   </a:extLst>
 </a:theme>

--- a/temp/NMN商业计划书2.pptx
+++ b/temp/NMN商业计划书2.pptx
@@ -135,6 +135,22 @@
       </a:defRPr>
     </a:lvl9pPr>
   </p:defaultTextStyle>
+  <p:extLst>
+    <p:ext uri="{EFAFB233-063F-42B5-8137-9DF3F51BA10A}">
+      <p15:sldGuideLst xmlns:p15="http://schemas.microsoft.com/office/powerpoint/2012/main">
+        <p15:guide id="1" orient="horz" pos="2147">
+          <p15:clr>
+            <a:srgbClr val="A4A3A4"/>
+          </p15:clr>
+        </p15:guide>
+        <p15:guide id="2" pos="3801">
+          <p15:clr>
+            <a:srgbClr val="A4A3A4"/>
+          </p15:clr>
+        </p15:guide>
+      </p15:sldGuideLst>
+    </p:ext>
+  </p:extLst>
 </p:presentation>
 </file>
 
@@ -1018,7 +1034,11 @@
           </a:r>
           <a:r>
             <a:rPr lang="zh-CN" altLang="en-US" dirty="0" smtClean="0"/>
-            <a:t>实验室，他开始研究分子生物和基因，在这里他主管药品（包括</a:t>
+            <a:t>实验室他</a:t>
+          </a:r>
+          <a:r>
+            <a:rPr lang="zh-CN" altLang="en-US" dirty="0" smtClean="0"/>
+            <a:t>开始研究分子生物和基因，在这里他主管药品（包括</a:t>
           </a:r>
           <a:r>
             <a:rPr lang="en-US" altLang="zh-CN" dirty="0" smtClean="0"/>
@@ -1026,7 +1046,15 @@
           </a:r>
           <a:r>
             <a:rPr lang="zh-CN" altLang="en-US" dirty="0" smtClean="0"/>
-            <a:t>）的药性毒性的研究。</a:t>
+            <a:t>）的</a:t>
+          </a:r>
+          <a:r>
+            <a:rPr lang="zh-CN" altLang="en-US" dirty="0" smtClean="0"/>
+            <a:t>药性和毒性</a:t>
+          </a:r>
+          <a:r>
+            <a:rPr lang="zh-CN" altLang="en-US" dirty="0" smtClean="0"/>
+            <a:t>的研究。</a:t>
           </a:r>
           <a:endParaRPr lang="zh-CN" altLang="en-US" dirty="0"/>
         </a:p>
@@ -1317,25 +1345,25 @@
     </dgm:pt>
   </dgm:ptLst>
   <dgm:cxnLst>
-    <dgm:cxn modelId="{F6C6749B-75E8-400D-B7BD-0143F0E37C81}" type="presOf" srcId="{EE2070AA-2A5E-4592-A282-5DC04D76169C}" destId="{70757279-71FF-4040-B5DC-9DA4EEF2B5C0}" srcOrd="1" destOrd="1" presId="urn:microsoft.com/office/officeart/2005/8/layout/vList4"/>
+    <dgm:cxn modelId="{C327B584-C156-4B2F-8CDC-5257981191A6}" srcId="{433C43B2-B14A-4E65-895F-8306BCA27AD7}" destId="{EE2070AA-2A5E-4592-A282-5DC04D76169C}" srcOrd="0" destOrd="0" parTransId="{27C3CC34-9529-4FBB-AD1D-17F14D185988}" sibTransId="{27BAF2AD-6BCD-4CA4-BD00-DEC75A22DC83}"/>
     <dgm:cxn modelId="{69EF39D7-3435-45EC-9B43-BC140EDF4F8C}" srcId="{CCA6A1E3-735B-4C9A-BA95-723D803A3C28}" destId="{4BEF874D-284D-41A0-83E0-69B9BF37E835}" srcOrd="0" destOrd="0" parTransId="{1F341B11-7AC0-439C-908F-383E95A47733}" sibTransId="{72560018-6C87-44F4-9DAD-91E08036239A}"/>
+    <dgm:cxn modelId="{AB46E989-AB8B-4EDC-8BA7-AAC59FF8F5C1}" type="presOf" srcId="{4BEF874D-284D-41A0-83E0-69B9BF37E835}" destId="{22CFA9D1-D42A-4DD7-98F4-30955C66846E}" srcOrd="1" destOrd="1" presId="urn:microsoft.com/office/officeart/2005/8/layout/vList4"/>
+    <dgm:cxn modelId="{C5403BED-53F9-497E-B881-B8389FB814C4}" type="presOf" srcId="{21C56752-BDEB-4176-8D99-0BC32949DF93}" destId="{8FF57012-0281-45B4-94E7-A8163410F25B}" srcOrd="0" destOrd="0" presId="urn:microsoft.com/office/officeart/2005/8/layout/vList4"/>
+    <dgm:cxn modelId="{8126DCCE-D2FD-4032-AD04-1E4D48023409}" type="presOf" srcId="{EE2070AA-2A5E-4592-A282-5DC04D76169C}" destId="{255F86F3-FBD2-4D45-AB63-2AE3AF05CB6A}" srcOrd="0" destOrd="1" presId="urn:microsoft.com/office/officeart/2005/8/layout/vList4"/>
+    <dgm:cxn modelId="{7E942B7C-DB0F-476F-81AD-7F734B6D4C04}" type="presOf" srcId="{CCA6A1E3-735B-4C9A-BA95-723D803A3C28}" destId="{22CFA9D1-D42A-4DD7-98F4-30955C66846E}" srcOrd="1" destOrd="0" presId="urn:microsoft.com/office/officeart/2005/8/layout/vList4"/>
+    <dgm:cxn modelId="{648892AB-BFD4-477E-A878-1D9053B53168}" type="presOf" srcId="{CCA6A1E3-735B-4C9A-BA95-723D803A3C28}" destId="{53D9EF73-03DC-4715-96CD-F547096E13EE}" srcOrd="0" destOrd="0" presId="urn:microsoft.com/office/officeart/2005/8/layout/vList4"/>
+    <dgm:cxn modelId="{B74809AD-475C-40E5-8C6A-5502945338D7}" srcId="{CCA6A1E3-735B-4C9A-BA95-723D803A3C28}" destId="{6B5E6192-DF53-4B6F-AD94-136C537B61B6}" srcOrd="1" destOrd="0" parTransId="{AC7163D8-25F3-472B-BAF7-18472B79229D}" sibTransId="{85E786A4-5CA7-4E81-A5F1-6A572D37CE6F}"/>
     <dgm:cxn modelId="{8C83968A-3909-4754-8604-0559DCC432F3}" type="presOf" srcId="{6117D2BD-5079-47AB-9F9A-8A14E003F07D}" destId="{70757279-71FF-4040-B5DC-9DA4EEF2B5C0}" srcOrd="1" destOrd="2" presId="urn:microsoft.com/office/officeart/2005/8/layout/vList4"/>
-    <dgm:cxn modelId="{417A92E5-9994-4871-8B17-DD24FA2F5653}" type="presOf" srcId="{6B5E6192-DF53-4B6F-AD94-136C537B61B6}" destId="{53D9EF73-03DC-4715-96CD-F547096E13EE}" srcOrd="0" destOrd="2" presId="urn:microsoft.com/office/officeart/2005/8/layout/vList4"/>
-    <dgm:cxn modelId="{C5403BED-53F9-497E-B881-B8389FB814C4}" type="presOf" srcId="{21C56752-BDEB-4176-8D99-0BC32949DF93}" destId="{8FF57012-0281-45B4-94E7-A8163410F25B}" srcOrd="0" destOrd="0" presId="urn:microsoft.com/office/officeart/2005/8/layout/vList4"/>
-    <dgm:cxn modelId="{54B4E28F-EB63-4637-8FEA-1F9C9268CAA2}" type="presOf" srcId="{6B5E6192-DF53-4B6F-AD94-136C537B61B6}" destId="{22CFA9D1-D42A-4DD7-98F4-30955C66846E}" srcOrd="1" destOrd="2" presId="urn:microsoft.com/office/officeart/2005/8/layout/vList4"/>
-    <dgm:cxn modelId="{B74809AD-475C-40E5-8C6A-5502945338D7}" srcId="{CCA6A1E3-735B-4C9A-BA95-723D803A3C28}" destId="{6B5E6192-DF53-4B6F-AD94-136C537B61B6}" srcOrd="1" destOrd="0" parTransId="{AC7163D8-25F3-472B-BAF7-18472B79229D}" sibTransId="{85E786A4-5CA7-4E81-A5F1-6A572D37CE6F}"/>
-    <dgm:cxn modelId="{7A0110B8-EF26-466A-A62D-74657F1E80B0}" type="presOf" srcId="{433C43B2-B14A-4E65-895F-8306BCA27AD7}" destId="{255F86F3-FBD2-4D45-AB63-2AE3AF05CB6A}" srcOrd="0" destOrd="0" presId="urn:microsoft.com/office/officeart/2005/8/layout/vList4"/>
-    <dgm:cxn modelId="{648892AB-BFD4-477E-A878-1D9053B53168}" type="presOf" srcId="{CCA6A1E3-735B-4C9A-BA95-723D803A3C28}" destId="{53D9EF73-03DC-4715-96CD-F547096E13EE}" srcOrd="0" destOrd="0" presId="urn:microsoft.com/office/officeart/2005/8/layout/vList4"/>
-    <dgm:cxn modelId="{1A4274A9-DEBC-427A-BADD-43F2BB5D9C8B}" srcId="{21C56752-BDEB-4176-8D99-0BC32949DF93}" destId="{CCA6A1E3-735B-4C9A-BA95-723D803A3C28}" srcOrd="0" destOrd="0" parTransId="{A1F18895-E0A3-4AED-A747-EF1FF522B2DE}" sibTransId="{1CDA30AA-7794-4BF6-875A-00158BEF0C87}"/>
-    <dgm:cxn modelId="{C327B584-C156-4B2F-8CDC-5257981191A6}" srcId="{433C43B2-B14A-4E65-895F-8306BCA27AD7}" destId="{EE2070AA-2A5E-4592-A282-5DC04D76169C}" srcOrd="0" destOrd="0" parTransId="{27C3CC34-9529-4FBB-AD1D-17F14D185988}" sibTransId="{27BAF2AD-6BCD-4CA4-BD00-DEC75A22DC83}"/>
+    <dgm:cxn modelId="{5A4CA5A2-4C50-40B9-9FB4-DFF0977CAD45}" type="presOf" srcId="{433C43B2-B14A-4E65-895F-8306BCA27AD7}" destId="{70757279-71FF-4040-B5DC-9DA4EEF2B5C0}" srcOrd="1" destOrd="0" presId="urn:microsoft.com/office/officeart/2005/8/layout/vList4"/>
+    <dgm:cxn modelId="{8C0EE958-A90B-4268-B891-471F37B655FD}" type="presOf" srcId="{6117D2BD-5079-47AB-9F9A-8A14E003F07D}" destId="{255F86F3-FBD2-4D45-AB63-2AE3AF05CB6A}" srcOrd="0" destOrd="2" presId="urn:microsoft.com/office/officeart/2005/8/layout/vList4"/>
     <dgm:cxn modelId="{CBF8D9E4-E0F2-4868-829F-E10B22E7810B}" type="presOf" srcId="{4BEF874D-284D-41A0-83E0-69B9BF37E835}" destId="{53D9EF73-03DC-4715-96CD-F547096E13EE}" srcOrd="0" destOrd="1" presId="urn:microsoft.com/office/officeart/2005/8/layout/vList4"/>
     <dgm:cxn modelId="{A4A250F6-079F-46DF-86E9-A7F07451F090}" srcId="{433C43B2-B14A-4E65-895F-8306BCA27AD7}" destId="{6117D2BD-5079-47AB-9F9A-8A14E003F07D}" srcOrd="1" destOrd="0" parTransId="{0C731C7B-6528-4910-8C33-6078971DAF1F}" sibTransId="{F39E43CB-5FF1-45CD-85BB-91B768155191}"/>
-    <dgm:cxn modelId="{AB46E989-AB8B-4EDC-8BA7-AAC59FF8F5C1}" type="presOf" srcId="{4BEF874D-284D-41A0-83E0-69B9BF37E835}" destId="{22CFA9D1-D42A-4DD7-98F4-30955C66846E}" srcOrd="1" destOrd="1" presId="urn:microsoft.com/office/officeart/2005/8/layout/vList4"/>
-    <dgm:cxn modelId="{7E942B7C-DB0F-476F-81AD-7F734B6D4C04}" type="presOf" srcId="{CCA6A1E3-735B-4C9A-BA95-723D803A3C28}" destId="{22CFA9D1-D42A-4DD7-98F4-30955C66846E}" srcOrd="1" destOrd="0" presId="urn:microsoft.com/office/officeart/2005/8/layout/vList4"/>
-    <dgm:cxn modelId="{5A4CA5A2-4C50-40B9-9FB4-DFF0977CAD45}" type="presOf" srcId="{433C43B2-B14A-4E65-895F-8306BCA27AD7}" destId="{70757279-71FF-4040-B5DC-9DA4EEF2B5C0}" srcOrd="1" destOrd="0" presId="urn:microsoft.com/office/officeart/2005/8/layout/vList4"/>
-    <dgm:cxn modelId="{8126DCCE-D2FD-4032-AD04-1E4D48023409}" type="presOf" srcId="{EE2070AA-2A5E-4592-A282-5DC04D76169C}" destId="{255F86F3-FBD2-4D45-AB63-2AE3AF05CB6A}" srcOrd="0" destOrd="1" presId="urn:microsoft.com/office/officeart/2005/8/layout/vList4"/>
-    <dgm:cxn modelId="{8C0EE958-A90B-4268-B891-471F37B655FD}" type="presOf" srcId="{6117D2BD-5079-47AB-9F9A-8A14E003F07D}" destId="{255F86F3-FBD2-4D45-AB63-2AE3AF05CB6A}" srcOrd="0" destOrd="2" presId="urn:microsoft.com/office/officeart/2005/8/layout/vList4"/>
     <dgm:cxn modelId="{0DB79CE0-6EB1-4CF8-8794-E8E65DB97110}" srcId="{21C56752-BDEB-4176-8D99-0BC32949DF93}" destId="{433C43B2-B14A-4E65-895F-8306BCA27AD7}" srcOrd="1" destOrd="0" parTransId="{8C3C1949-80A1-46B5-A955-389E058B5A4F}" sibTransId="{9C6E9068-357F-43FD-A832-58D5B789BB2D}"/>
+    <dgm:cxn modelId="{417A92E5-9994-4871-8B17-DD24FA2F5653}" type="presOf" srcId="{6B5E6192-DF53-4B6F-AD94-136C537B61B6}" destId="{53D9EF73-03DC-4715-96CD-F547096E13EE}" srcOrd="0" destOrd="2" presId="urn:microsoft.com/office/officeart/2005/8/layout/vList4"/>
+    <dgm:cxn modelId="{1A4274A9-DEBC-427A-BADD-43F2BB5D9C8B}" srcId="{21C56752-BDEB-4176-8D99-0BC32949DF93}" destId="{CCA6A1E3-735B-4C9A-BA95-723D803A3C28}" srcOrd="0" destOrd="0" parTransId="{A1F18895-E0A3-4AED-A747-EF1FF522B2DE}" sibTransId="{1CDA30AA-7794-4BF6-875A-00158BEF0C87}"/>
+    <dgm:cxn modelId="{F6C6749B-75E8-400D-B7BD-0143F0E37C81}" type="presOf" srcId="{EE2070AA-2A5E-4592-A282-5DC04D76169C}" destId="{70757279-71FF-4040-B5DC-9DA4EEF2B5C0}" srcOrd="1" destOrd="1" presId="urn:microsoft.com/office/officeart/2005/8/layout/vList4"/>
+    <dgm:cxn modelId="{54B4E28F-EB63-4637-8FEA-1F9C9268CAA2}" type="presOf" srcId="{6B5E6192-DF53-4B6F-AD94-136C537B61B6}" destId="{22CFA9D1-D42A-4DD7-98F4-30955C66846E}" srcOrd="1" destOrd="2" presId="urn:microsoft.com/office/officeart/2005/8/layout/vList4"/>
+    <dgm:cxn modelId="{7A0110B8-EF26-466A-A62D-74657F1E80B0}" type="presOf" srcId="{433C43B2-B14A-4E65-895F-8306BCA27AD7}" destId="{255F86F3-FBD2-4D45-AB63-2AE3AF05CB6A}" srcOrd="0" destOrd="0" presId="urn:microsoft.com/office/officeart/2005/8/layout/vList4"/>
     <dgm:cxn modelId="{293C62E2-9C8B-42F8-ACA8-375A4C91989E}" type="presParOf" srcId="{8FF57012-0281-45B4-94E7-A8163410F25B}" destId="{4F1E41B2-0329-4818-AD93-BD7855CAD36F}" srcOrd="0" destOrd="0" presId="urn:microsoft.com/office/officeart/2005/8/layout/vList4"/>
     <dgm:cxn modelId="{B2DB6D4C-5E82-4510-9C80-138D6493FD5C}" type="presParOf" srcId="{4F1E41B2-0329-4818-AD93-BD7855CAD36F}" destId="{53D9EF73-03DC-4715-96CD-F547096E13EE}" srcOrd="0" destOrd="0" presId="urn:microsoft.com/office/officeart/2005/8/layout/vList4"/>
     <dgm:cxn modelId="{85F824C8-182F-4FE9-8601-970B764BB772}" type="presParOf" srcId="{4F1E41B2-0329-4818-AD93-BD7855CAD36F}" destId="{4AF19F15-EC1B-4199-8A0F-9A4F79176CDC}" srcOrd="1" destOrd="0" presId="urn:microsoft.com/office/officeart/2005/8/layout/vList4"/>
@@ -1348,7 +1376,460 @@
   </dgm:cxnLst>
   <dgm:bg/>
   <dgm:whole/>
+  <dgm:extLst>
+    <a:ext uri="http://schemas.microsoft.com/office/drawing/2008/diagram">
+      <dsp:dataModelExt xmlns:dsp="http://schemas.microsoft.com/office/drawing/2008/diagram" relId="rId6" minVer="http://schemas.openxmlformats.org/drawingml/2006/diagram"/>
+    </a:ext>
+  </dgm:extLst>
 </dgm:dataModel>
+</file>
+
+<file path=ppt/diagrams/drawing1.xml><?xml version="1.0" encoding="utf-8"?>
+<dsp:drawing xmlns:dgm="http://schemas.openxmlformats.org/drawingml/2006/diagram" xmlns:dsp="http://schemas.microsoft.com/office/drawing/2008/diagram" xmlns:a="http://schemas.openxmlformats.org/drawingml/2006/main">
+  <dsp:spTree>
+    <dsp:nvGrpSpPr>
+      <dsp:cNvPr id="0" name=""/>
+      <dsp:cNvGrpSpPr/>
+    </dsp:nvGrpSpPr>
+    <dsp:grpSpPr/>
+    <dsp:sp modelId="{53D9EF73-03DC-4715-96CD-F547096E13EE}">
+      <dsp:nvSpPr>
+        <dsp:cNvPr id="0" name=""/>
+        <dsp:cNvSpPr/>
+      </dsp:nvSpPr>
+      <dsp:spPr>
+        <a:xfrm>
+          <a:off x="0" y="69298"/>
+          <a:ext cx="10564016" cy="2069834"/>
+        </a:xfrm>
+        <a:prstGeom prst="roundRect">
+          <a:avLst>
+            <a:gd name="adj" fmla="val 10000"/>
+          </a:avLst>
+        </a:prstGeom>
+        <a:solidFill>
+          <a:schemeClr val="accent1">
+            <a:hueOff val="0"/>
+            <a:satOff val="0"/>
+            <a:lumOff val="0"/>
+            <a:alphaOff val="0"/>
+          </a:schemeClr>
+        </a:solidFill>
+        <a:ln w="12700" cap="flat" cmpd="sng" algn="ctr">
+          <a:solidFill>
+            <a:schemeClr val="lt1">
+              <a:hueOff val="0"/>
+              <a:satOff val="0"/>
+              <a:lumOff val="0"/>
+              <a:alphaOff val="0"/>
+            </a:schemeClr>
+          </a:solidFill>
+          <a:prstDash val="solid"/>
+          <a:miter lim="800000"/>
+        </a:ln>
+        <a:effectLst/>
+      </dsp:spPr>
+      <dsp:style>
+        <a:lnRef idx="2">
+          <a:scrgbClr r="0" g="0" b="0"/>
+        </a:lnRef>
+        <a:fillRef idx="1">
+          <a:scrgbClr r="0" g="0" b="0"/>
+        </a:fillRef>
+        <a:effectRef idx="0">
+          <a:scrgbClr r="0" g="0" b="0"/>
+        </a:effectRef>
+        <a:fontRef idx="minor">
+          <a:schemeClr val="lt1"/>
+        </a:fontRef>
+      </dsp:style>
+      <dsp:txBody>
+        <a:bodyPr spcFirstLastPara="0" vert="horz" wrap="square" lIns="83820" tIns="83820" rIns="83820" bIns="83820" numCol="1" spcCol="1270" anchor="t" anchorCtr="0">
+          <a:noAutofit/>
+        </a:bodyPr>
+        <a:lstStyle/>
+        <a:p>
+          <a:pPr lvl="0" algn="l" defTabSz="977900">
+            <a:lnSpc>
+              <a:spcPct val="90000"/>
+            </a:lnSpc>
+            <a:spcBef>
+              <a:spcPct val="0"/>
+            </a:spcBef>
+            <a:spcAft>
+              <a:spcPct val="35000"/>
+            </a:spcAft>
+          </a:pPr>
+          <a:r>
+            <a:rPr lang="en-US" altLang="zh-CN" sz="2200" kern="1200" dirty="0" smtClean="0"/>
+            <a:t>Jeff Klein</a:t>
+          </a:r>
+          <a:endParaRPr lang="zh-CN" altLang="en-US" sz="2200" kern="1200" dirty="0"/>
+        </a:p>
+        <a:p>
+          <a:pPr marL="171450" lvl="1" indent="-171450" algn="l" defTabSz="755650">
+            <a:lnSpc>
+              <a:spcPct val="90000"/>
+            </a:lnSpc>
+            <a:spcBef>
+              <a:spcPct val="0"/>
+            </a:spcBef>
+            <a:spcAft>
+              <a:spcPct val="15000"/>
+            </a:spcAft>
+            <a:buChar char="••"/>
+          </a:pPr>
+          <a:r>
+            <a:rPr lang="en-US" altLang="zh-CN" sz="1700" kern="1200" dirty="0" smtClean="0"/>
+            <a:t>Jeff Klein</a:t>
+          </a:r>
+          <a:r>
+            <a:rPr lang="zh-CN" altLang="en-US" sz="1700" kern="1200" dirty="0" smtClean="0"/>
+            <a:t>是</a:t>
+          </a:r>
+          <a:r>
+            <a:rPr lang="en-US" altLang="zh-CN" sz="1700" kern="1200" dirty="0" smtClean="0"/>
+            <a:t>Sinclair</a:t>
+          </a:r>
+          <a:r>
+            <a:rPr lang="zh-CN" altLang="en-US" sz="1700" kern="1200" dirty="0" smtClean="0"/>
+            <a:t>研究中心的药性毒性研究主管，在药品开发中具有相当的资质。</a:t>
+          </a:r>
+          <a:endParaRPr lang="zh-CN" altLang="en-US" sz="1700" kern="1200" dirty="0"/>
+        </a:p>
+        <a:p>
+          <a:pPr marL="171450" lvl="1" indent="-171450" algn="l" defTabSz="755650">
+            <a:lnSpc>
+              <a:spcPct val="90000"/>
+            </a:lnSpc>
+            <a:spcBef>
+              <a:spcPct val="0"/>
+            </a:spcBef>
+            <a:spcAft>
+              <a:spcPct val="15000"/>
+            </a:spcAft>
+            <a:buChar char="••"/>
+          </a:pPr>
+          <a:r>
+            <a:rPr lang="zh-CN" altLang="en-US" sz="1700" kern="1200" dirty="0" smtClean="0"/>
+            <a:t>在</a:t>
+          </a:r>
+          <a:r>
+            <a:rPr lang="en-US" altLang="zh-CN" sz="1700" kern="1200" dirty="0" smtClean="0"/>
+            <a:t>Rutgers</a:t>
+          </a:r>
+          <a:r>
+            <a:rPr lang="zh-CN" altLang="en-US" sz="1700" kern="1200" dirty="0" smtClean="0"/>
+            <a:t>大学完成了他的博士学位，在</a:t>
+          </a:r>
+          <a:r>
+            <a:rPr lang="en-US" altLang="zh-CN" sz="1700" kern="1200" dirty="0" smtClean="0"/>
+            <a:t>Maine</a:t>
+          </a:r>
+          <a:r>
+            <a:rPr lang="zh-CN" altLang="en-US" sz="1700" kern="1200" dirty="0" smtClean="0"/>
+            <a:t>的</a:t>
+          </a:r>
+          <a:r>
+            <a:rPr lang="en-US" altLang="zh-CN" sz="1700" kern="1200" dirty="0" smtClean="0"/>
+            <a:t>Jackson</a:t>
+          </a:r>
+          <a:r>
+            <a:rPr lang="zh-CN" altLang="en-US" sz="1700" kern="1200" dirty="0" smtClean="0"/>
+            <a:t>实验室他</a:t>
+          </a:r>
+          <a:r>
+            <a:rPr lang="zh-CN" altLang="en-US" sz="1700" kern="1200" dirty="0" smtClean="0"/>
+            <a:t>开始研究分子生物和基因，在这里他主管药品（包括</a:t>
+          </a:r>
+          <a:r>
+            <a:rPr lang="en-US" altLang="zh-CN" sz="1700" kern="1200" dirty="0" smtClean="0"/>
+            <a:t>NMN</a:t>
+          </a:r>
+          <a:r>
+            <a:rPr lang="zh-CN" altLang="en-US" sz="1700" kern="1200" dirty="0" smtClean="0"/>
+            <a:t>）的</a:t>
+          </a:r>
+          <a:r>
+            <a:rPr lang="zh-CN" altLang="en-US" sz="1700" kern="1200" dirty="0" smtClean="0"/>
+            <a:t>药性和毒性</a:t>
+          </a:r>
+          <a:r>
+            <a:rPr lang="zh-CN" altLang="en-US" sz="1700" kern="1200" dirty="0" smtClean="0"/>
+            <a:t>的研究。</a:t>
+          </a:r>
+          <a:endParaRPr lang="zh-CN" altLang="en-US" sz="1700" kern="1200" dirty="0"/>
+        </a:p>
+      </dsp:txBody>
+      <dsp:txXfrm>
+        <a:off x="2319786" y="69298"/>
+        <a:ext cx="8244229" cy="2069834"/>
+      </dsp:txXfrm>
+    </dsp:sp>
+    <dsp:sp modelId="{4AF19F15-EC1B-4199-8A0F-9A4F79176CDC}">
+      <dsp:nvSpPr>
+        <dsp:cNvPr id="0" name=""/>
+        <dsp:cNvSpPr/>
+      </dsp:nvSpPr>
+      <dsp:spPr>
+        <a:xfrm>
+          <a:off x="413319" y="305954"/>
+          <a:ext cx="1482554" cy="1655867"/>
+        </a:xfrm>
+        <a:prstGeom prst="roundRect">
+          <a:avLst>
+            <a:gd name="adj" fmla="val 10000"/>
+          </a:avLst>
+        </a:prstGeom>
+        <a:blipFill rotWithShape="0">
+          <a:blip xmlns:r="http://schemas.openxmlformats.org/officeDocument/2006/relationships" r:embed="rId1"/>
+          <a:stretch>
+            <a:fillRect/>
+          </a:stretch>
+        </a:blipFill>
+        <a:ln w="12700" cap="flat" cmpd="sng" algn="ctr">
+          <a:solidFill>
+            <a:schemeClr val="lt1">
+              <a:hueOff val="0"/>
+              <a:satOff val="0"/>
+              <a:lumOff val="0"/>
+              <a:alphaOff val="0"/>
+            </a:schemeClr>
+          </a:solidFill>
+          <a:prstDash val="solid"/>
+          <a:miter lim="800000"/>
+        </a:ln>
+        <a:effectLst/>
+      </dsp:spPr>
+      <dsp:style>
+        <a:lnRef idx="2">
+          <a:scrgbClr r="0" g="0" b="0"/>
+        </a:lnRef>
+        <a:fillRef idx="1">
+          <a:scrgbClr r="0" g="0" b="0"/>
+        </a:fillRef>
+        <a:effectRef idx="0">
+          <a:scrgbClr r="0" g="0" b="0"/>
+        </a:effectRef>
+        <a:fontRef idx="minor"/>
+      </dsp:style>
+    </dsp:sp>
+    <dsp:sp modelId="{255F86F3-FBD2-4D45-AB63-2AE3AF05CB6A}">
+      <dsp:nvSpPr>
+        <dsp:cNvPr id="0" name=""/>
+        <dsp:cNvSpPr/>
+      </dsp:nvSpPr>
+      <dsp:spPr>
+        <a:xfrm>
+          <a:off x="0" y="2188787"/>
+          <a:ext cx="10564016" cy="2069834"/>
+        </a:xfrm>
+        <a:prstGeom prst="roundRect">
+          <a:avLst>
+            <a:gd name="adj" fmla="val 10000"/>
+          </a:avLst>
+        </a:prstGeom>
+        <a:solidFill>
+          <a:schemeClr val="accent1">
+            <a:hueOff val="0"/>
+            <a:satOff val="0"/>
+            <a:lumOff val="0"/>
+            <a:alphaOff val="0"/>
+          </a:schemeClr>
+        </a:solidFill>
+        <a:ln w="12700" cap="flat" cmpd="sng" algn="ctr">
+          <a:solidFill>
+            <a:schemeClr val="lt1">
+              <a:hueOff val="0"/>
+              <a:satOff val="0"/>
+              <a:lumOff val="0"/>
+              <a:alphaOff val="0"/>
+            </a:schemeClr>
+          </a:solidFill>
+          <a:prstDash val="solid"/>
+          <a:miter lim="800000"/>
+        </a:ln>
+        <a:effectLst/>
+      </dsp:spPr>
+      <dsp:style>
+        <a:lnRef idx="2">
+          <a:scrgbClr r="0" g="0" b="0"/>
+        </a:lnRef>
+        <a:fillRef idx="1">
+          <a:scrgbClr r="0" g="0" b="0"/>
+        </a:fillRef>
+        <a:effectRef idx="0">
+          <a:scrgbClr r="0" g="0" b="0"/>
+        </a:effectRef>
+        <a:fontRef idx="minor">
+          <a:schemeClr val="lt1"/>
+        </a:fontRef>
+      </dsp:style>
+      <dsp:txBody>
+        <a:bodyPr spcFirstLastPara="0" vert="horz" wrap="square" lIns="83820" tIns="83820" rIns="83820" bIns="83820" numCol="1" spcCol="1270" anchor="t" anchorCtr="0">
+          <a:noAutofit/>
+        </a:bodyPr>
+        <a:lstStyle/>
+        <a:p>
+          <a:pPr lvl="0" algn="l" defTabSz="977900">
+            <a:lnSpc>
+              <a:spcPct val="90000"/>
+            </a:lnSpc>
+            <a:spcBef>
+              <a:spcPct val="0"/>
+            </a:spcBef>
+            <a:spcAft>
+              <a:spcPct val="35000"/>
+            </a:spcAft>
+          </a:pPr>
+          <a:r>
+            <a:rPr lang="en-US" altLang="zh-CN" sz="2200" kern="1200" dirty="0" smtClean="0"/>
+            <a:t>Alex Wakefield</a:t>
+          </a:r>
+          <a:endParaRPr lang="zh-CN" altLang="en-US" sz="2200" kern="1200" dirty="0"/>
+        </a:p>
+        <a:p>
+          <a:pPr marL="171450" lvl="1" indent="-171450" algn="l" defTabSz="755650">
+            <a:lnSpc>
+              <a:spcPct val="90000"/>
+            </a:lnSpc>
+            <a:spcBef>
+              <a:spcPct val="0"/>
+            </a:spcBef>
+            <a:spcAft>
+              <a:spcPct val="15000"/>
+            </a:spcAft>
+            <a:buChar char="••"/>
+          </a:pPr>
+          <a:r>
+            <a:rPr lang="en-US" altLang="zh-CN" sz="1700" kern="1200" dirty="0" smtClean="0"/>
+            <a:t>Alex Wakefield</a:t>
+          </a:r>
+          <a:r>
+            <a:rPr lang="zh-CN" altLang="en-US" sz="1700" kern="1200" dirty="0" smtClean="0"/>
+            <a:t>博士是药品部的副主席，负责项目的信息数据管理、临床测试等。</a:t>
+          </a:r>
+          <a:endParaRPr lang="zh-CN" altLang="en-US" sz="1700" kern="1200" dirty="0"/>
+        </a:p>
+        <a:p>
+          <a:pPr marL="171450" lvl="1" indent="-171450" algn="l" defTabSz="755650">
+            <a:lnSpc>
+              <a:spcPct val="90000"/>
+            </a:lnSpc>
+            <a:spcBef>
+              <a:spcPct val="0"/>
+            </a:spcBef>
+            <a:spcAft>
+              <a:spcPct val="15000"/>
+            </a:spcAft>
+            <a:buChar char="••"/>
+          </a:pPr>
+          <a:r>
+            <a:rPr lang="en-US" altLang="zh-CN" sz="1700" kern="1200" dirty="0" smtClean="0"/>
+            <a:t>Alex Wakefield</a:t>
+          </a:r>
+          <a:r>
+            <a:rPr lang="zh-CN" altLang="en-US" sz="1700" kern="1200" dirty="0" smtClean="0"/>
+            <a:t>有超过</a:t>
+          </a:r>
+          <a:r>
+            <a:rPr lang="en-US" altLang="zh-CN" sz="1700" kern="1200" dirty="0" smtClean="0"/>
+            <a:t>30</a:t>
+          </a:r>
+          <a:r>
+            <a:rPr lang="zh-CN" altLang="en-US" sz="1700" kern="1200" dirty="0" smtClean="0"/>
+            <a:t>年在不同领域的药品开发流程经验，包括</a:t>
+          </a:r>
+          <a:r>
+            <a:rPr lang="en-US" altLang="zh-CN" sz="1700" kern="1200" dirty="0" smtClean="0"/>
+            <a:t>5</a:t>
+          </a:r>
+          <a:r>
+            <a:rPr lang="zh-CN" altLang="en-US" sz="1700" kern="1200" dirty="0" smtClean="0"/>
+            <a:t>年在</a:t>
+          </a:r>
+          <a:r>
+            <a:rPr lang="en-US" altLang="zh-CN" sz="1700" kern="1200" dirty="0" smtClean="0"/>
+            <a:t>Eli Lilly</a:t>
+          </a:r>
+          <a:r>
+            <a:rPr lang="zh-CN" altLang="en-US" sz="1700" kern="1200" dirty="0" smtClean="0"/>
+            <a:t>和</a:t>
+          </a:r>
+          <a:r>
+            <a:rPr lang="en-US" altLang="zh-CN" sz="1700" kern="1200" dirty="0" smtClean="0"/>
+            <a:t>Covance</a:t>
+          </a:r>
+          <a:r>
+            <a:rPr lang="zh-CN" altLang="en-US" sz="1700" kern="1200" dirty="0" smtClean="0"/>
+            <a:t>的经历。在这里他主管包括</a:t>
+          </a:r>
+          <a:r>
+            <a:rPr lang="en-US" altLang="zh-CN" sz="1700" kern="1200" dirty="0" smtClean="0"/>
+            <a:t>NMN</a:t>
+          </a:r>
+          <a:r>
+            <a:rPr lang="zh-CN" altLang="en-US" sz="1700" kern="1200" dirty="0" smtClean="0"/>
+            <a:t>产品的药品研发流程。</a:t>
+          </a:r>
+          <a:endParaRPr lang="zh-CN" altLang="en-US" sz="1700" kern="1200" dirty="0"/>
+        </a:p>
+      </dsp:txBody>
+      <dsp:txXfrm>
+        <a:off x="2319786" y="2188787"/>
+        <a:ext cx="8244229" cy="2069834"/>
+      </dsp:txXfrm>
+    </dsp:sp>
+    <dsp:sp modelId="{031AC7BA-00CB-448D-8EAF-0090BF3AEA0B}">
+      <dsp:nvSpPr>
+        <dsp:cNvPr id="0" name=""/>
+        <dsp:cNvSpPr/>
+      </dsp:nvSpPr>
+      <dsp:spPr>
+        <a:xfrm>
+          <a:off x="351742" y="2414519"/>
+          <a:ext cx="1581454" cy="1655867"/>
+        </a:xfrm>
+        <a:prstGeom prst="roundRect">
+          <a:avLst>
+            <a:gd name="adj" fmla="val 10000"/>
+          </a:avLst>
+        </a:prstGeom>
+        <a:blipFill rotWithShape="0">
+          <a:blip xmlns:r="http://schemas.openxmlformats.org/officeDocument/2006/relationships" r:embed="rId2"/>
+          <a:stretch>
+            <a:fillRect/>
+          </a:stretch>
+        </a:blipFill>
+        <a:ln w="12700" cap="flat" cmpd="sng" algn="ctr">
+          <a:solidFill>
+            <a:schemeClr val="lt1">
+              <a:hueOff val="0"/>
+              <a:satOff val="0"/>
+              <a:lumOff val="0"/>
+              <a:alphaOff val="0"/>
+            </a:schemeClr>
+          </a:solidFill>
+          <a:prstDash val="solid"/>
+          <a:miter lim="800000"/>
+        </a:ln>
+        <a:effectLst/>
+      </dsp:spPr>
+      <dsp:style>
+        <a:lnRef idx="2">
+          <a:scrgbClr r="0" g="0" b="0"/>
+        </a:lnRef>
+        <a:fillRef idx="1">
+          <a:scrgbClr r="0" g="0" b="0"/>
+        </a:fillRef>
+        <a:effectRef idx="0">
+          <a:scrgbClr r="0" g="0" b="0"/>
+        </a:effectRef>
+        <a:fontRef idx="minor"/>
+      </dsp:style>
+    </dsp:sp>
+  </dsp:spTree>
+</dsp:drawing>
 </file>
 
 <file path=ppt/diagrams/layout1.xml><?xml version="1.0" encoding="utf-8"?>
@@ -1357,6 +1838,8 @@
   <dgm:desc val=""/>
   <dgm:catLst>
     <dgm:cat type="list" pri="13000"/>
+    <dgm:cat type="picture" pri="26000"/>
+    <dgm:cat type="pictureconvert" pri="26000"/>
   </dgm:catLst>
   <dgm:sampData>
     <dgm:dataModel>
@@ -3817,7 +4300,7 @@
           <a:blip r:embed="rId2">
             <a:extLst>
               <a:ext uri="{28A0092B-C50C-407E-A947-70E740481C1C}">
-                <a14:useLocalDpi xmlns="" xmlns:a14="http://schemas.microsoft.com/office/drawing/2010/main" val="0"/>
+                <a14:useLocalDpi xmlns:a14="http://schemas.microsoft.com/office/drawing/2010/main" val="0"/>
               </a:ext>
             </a:extLst>
           </a:blip>
@@ -4634,16 +5117,12 @@
   <p:clrMapOvr>
     <a:masterClrMapping/>
   </p:clrMapOvr>
-  <mc:AlternateContent xmlns:mc="http://schemas.openxmlformats.org/markup-compatibility/2006">
-    <mc:Choice xmlns="" xmlns:p14="http://schemas.microsoft.com/office/powerpoint/2010/main" Requires="p14">
-      <p:transition spd="slow" p14:dur="800">
-        <p:circle/>
-      </p:transition>
+  <mc:AlternateContent xmlns:mc="http://schemas.openxmlformats.org/markup-compatibility/2006" xmlns:p14="http://schemas.microsoft.com/office/powerpoint/2010/main">
+    <mc:Choice Requires="p14">
+      <p:transition p14:dur="0"/>
     </mc:Choice>
-    <mc:Fallback>
-      <p:transition spd="slow">
-        <p:circle/>
-      </p:transition>
+    <mc:Fallback xmlns="">
+      <p:transition/>
     </mc:Fallback>
   </mc:AlternateContent>
   <p:timing>
@@ -4831,15 +5310,7 @@
                 <a:ea typeface="微软雅黑" pitchFamily="34" charset="-122"/>
                 <a:cs typeface="Times New Roman" pitchFamily="18" charset="0"/>
               </a:rPr>
-              <a:t>引发</a:t>
-            </a:r>
-            <a:r>
-              <a:rPr lang="zh-CN" altLang="en-US" sz="2000" b="0" dirty="0" smtClean="0">
-                <a:latin typeface="Times New Roman" pitchFamily="18" charset="0"/>
-                <a:ea typeface="微软雅黑" pitchFamily="34" charset="-122"/>
-                <a:cs typeface="Times New Roman" pitchFamily="18" charset="0"/>
-              </a:rPr>
-              <a:t>企业“扎堆”，导致行业乱象。</a:t>
+              <a:t>引发企业“扎堆”，导致行业乱象。</a:t>
             </a:r>
             <a:r>
               <a:rPr lang="zh-CN" altLang="en-US" sz="2000" b="0" dirty="0">
@@ -4903,7 +5374,15 @@
                 <a:ea typeface="微软雅黑" pitchFamily="34" charset="-122"/>
                 <a:cs typeface="Times New Roman" pitchFamily="18" charset="0"/>
               </a:rPr>
-              <a:t>。 </a:t>
+              <a:t>。 因此</a:t>
+            </a:r>
+            <a:r>
+              <a:rPr lang="en-US" altLang="zh-CN" sz="2000" dirty="0" smtClean="0">
+                <a:latin typeface="Times New Roman" pitchFamily="18" charset="0"/>
+                <a:ea typeface="微软雅黑" pitchFamily="34" charset="-122"/>
+                <a:cs typeface="Times New Roman" pitchFamily="18" charset="0"/>
+              </a:rPr>
+              <a:t>NMN</a:t>
             </a:r>
             <a:r>
               <a:rPr lang="zh-CN" altLang="en-US" sz="2000" dirty="0" smtClean="0">
@@ -4911,7 +5390,7 @@
                 <a:ea typeface="微软雅黑" pitchFamily="34" charset="-122"/>
                 <a:cs typeface="Times New Roman" pitchFamily="18" charset="0"/>
               </a:rPr>
-              <a:t>因此</a:t>
+              <a:t>企业现在要做的就是</a:t>
             </a:r>
             <a:r>
               <a:rPr lang="en-US" altLang="zh-CN" sz="2000" dirty="0" smtClean="0">
@@ -4919,7 +5398,7 @@
                 <a:ea typeface="微软雅黑" pitchFamily="34" charset="-122"/>
                 <a:cs typeface="Times New Roman" pitchFamily="18" charset="0"/>
               </a:rPr>
-              <a:t>NMN</a:t>
+              <a:t>“</a:t>
             </a:r>
             <a:r>
               <a:rPr lang="zh-CN" altLang="en-US" sz="2000" dirty="0" smtClean="0">
@@ -4927,7 +5406,15 @@
                 <a:ea typeface="微软雅黑" pitchFamily="34" charset="-122"/>
                 <a:cs typeface="Times New Roman" pitchFamily="18" charset="0"/>
               </a:rPr>
-              <a:t>企业</a:t>
+              <a:t>面壁</a:t>
+            </a:r>
+            <a:r>
+              <a:rPr lang="en-US" altLang="zh-CN" sz="2000" dirty="0" smtClean="0">
+                <a:latin typeface="Times New Roman" pitchFamily="18" charset="0"/>
+                <a:ea typeface="微软雅黑" pitchFamily="34" charset="-122"/>
+                <a:cs typeface="Times New Roman" pitchFamily="18" charset="0"/>
+              </a:rPr>
+              <a:t>”</a:t>
             </a:r>
             <a:r>
               <a:rPr lang="zh-CN" altLang="en-US" sz="2000" dirty="0" smtClean="0">
@@ -4935,71 +5422,7 @@
                 <a:ea typeface="微软雅黑" pitchFamily="34" charset="-122"/>
                 <a:cs typeface="Times New Roman" pitchFamily="18" charset="0"/>
               </a:rPr>
-              <a:t>现在</a:t>
-            </a:r>
-            <a:r>
-              <a:rPr lang="zh-CN" altLang="en-US" sz="2000" dirty="0" smtClean="0">
-                <a:latin typeface="Times New Roman" pitchFamily="18" charset="0"/>
-                <a:ea typeface="微软雅黑" pitchFamily="34" charset="-122"/>
-                <a:cs typeface="Times New Roman" pitchFamily="18" charset="0"/>
-              </a:rPr>
-              <a:t>要做的</a:t>
-            </a:r>
-            <a:r>
-              <a:rPr lang="zh-CN" altLang="en-US" sz="2000" dirty="0" smtClean="0">
-                <a:latin typeface="Times New Roman" pitchFamily="18" charset="0"/>
-                <a:ea typeface="微软雅黑" pitchFamily="34" charset="-122"/>
-                <a:cs typeface="Times New Roman" pitchFamily="18" charset="0"/>
-              </a:rPr>
-              <a:t>就是</a:t>
-            </a:r>
-            <a:r>
-              <a:rPr lang="en-US" altLang="zh-CN" sz="2000" dirty="0" smtClean="0">
-                <a:latin typeface="Times New Roman" pitchFamily="18" charset="0"/>
-                <a:ea typeface="微软雅黑" pitchFamily="34" charset="-122"/>
-                <a:cs typeface="Times New Roman" pitchFamily="18" charset="0"/>
-              </a:rPr>
-              <a:t>“</a:t>
-            </a:r>
-            <a:r>
-              <a:rPr lang="zh-CN" altLang="en-US" sz="2000" dirty="0" smtClean="0">
-                <a:latin typeface="Times New Roman" pitchFamily="18" charset="0"/>
-                <a:ea typeface="微软雅黑" pitchFamily="34" charset="-122"/>
-                <a:cs typeface="Times New Roman" pitchFamily="18" charset="0"/>
-              </a:rPr>
-              <a:t>面壁</a:t>
-            </a:r>
-            <a:r>
-              <a:rPr lang="en-US" altLang="zh-CN" sz="2000" dirty="0" smtClean="0">
-                <a:latin typeface="Times New Roman" pitchFamily="18" charset="0"/>
-                <a:ea typeface="微软雅黑" pitchFamily="34" charset="-122"/>
-                <a:cs typeface="Times New Roman" pitchFamily="18" charset="0"/>
-              </a:rPr>
-              <a:t>”</a:t>
-            </a:r>
-            <a:r>
-              <a:rPr lang="zh-CN" altLang="en-US" sz="2000" dirty="0" smtClean="0">
-                <a:latin typeface="Times New Roman" pitchFamily="18" charset="0"/>
-                <a:ea typeface="微软雅黑" pitchFamily="34" charset="-122"/>
-                <a:cs typeface="Times New Roman" pitchFamily="18" charset="0"/>
-              </a:rPr>
-              <a:t>，</a:t>
-            </a:r>
-            <a:r>
-              <a:rPr lang="zh-CN" altLang="en-US" sz="2000" dirty="0" smtClean="0">
-                <a:latin typeface="Times New Roman" pitchFamily="18" charset="0"/>
-                <a:ea typeface="微软雅黑" pitchFamily="34" charset="-122"/>
-                <a:cs typeface="Times New Roman" pitchFamily="18" charset="0"/>
-              </a:rPr>
-              <a:t>找出隐忧，再谋</a:t>
-            </a:r>
-            <a:r>
-              <a:rPr lang="zh-CN" altLang="en-US" sz="2000" dirty="0" smtClean="0">
-                <a:latin typeface="Times New Roman" pitchFamily="18" charset="0"/>
-                <a:ea typeface="微软雅黑" pitchFamily="34" charset="-122"/>
-                <a:cs typeface="Times New Roman" pitchFamily="18" charset="0"/>
-              </a:rPr>
-              <a:t>发展。</a:t>
+              <a:t>，找出隐忧，再谋发展。</a:t>
             </a:r>
             <a:endParaRPr lang="zh-CN" altLang="en-US" sz="2000" b="0" dirty="0">
               <a:latin typeface="Times New Roman" pitchFamily="18" charset="0"/>
@@ -5122,12 +5545,16 @@
               <a:buChar char="l"/>
             </a:pPr>
             <a:r>
-              <a:rPr lang="zh-CN" altLang="en-US" sz="2000" b="0" dirty="0">
-                <a:latin typeface="Times New Roman" pitchFamily="18" charset="0"/>
-                <a:cs typeface="Times New Roman" pitchFamily="18" charset="0"/>
-              </a:rPr>
-              <a:t>GeneHarbor</a:t>
-            </a:r>
+              <a:rPr lang="zh-CN" altLang="en-US" sz="2000" b="0" dirty="0" smtClean="0">
+                <a:latin typeface="Times New Roman" pitchFamily="18" charset="0"/>
+                <a:cs typeface="Times New Roman" pitchFamily="18" charset="0"/>
+              </a:rPr>
+              <a:t>GeneHarbor</a:t>
+            </a:r>
+            <a:endParaRPr lang="zh-CN" altLang="en-US" sz="2000" b="0" dirty="0">
+              <a:latin typeface="Times New Roman" pitchFamily="18" charset="0"/>
+              <a:cs typeface="Times New Roman" pitchFamily="18" charset="0"/>
+            </a:endParaRPr>
           </a:p>
           <a:p>
             <a:pPr marL="252000" indent="-252000" algn="l" fontAlgn="auto">
@@ -5138,12 +5565,16 @@
               <a:buChar char="l"/>
             </a:pPr>
             <a:r>
-              <a:rPr lang="zh-CN" altLang="en-US" sz="2000" b="0" dirty="0">
-                <a:latin typeface="Times New Roman" pitchFamily="18" charset="0"/>
-                <a:cs typeface="Times New Roman" pitchFamily="18" charset="0"/>
-              </a:rPr>
-              <a:t>Herbalmax</a:t>
-            </a:r>
+              <a:rPr lang="zh-CN" altLang="en-US" sz="2000" b="0" dirty="0" smtClean="0">
+                <a:latin typeface="Times New Roman" pitchFamily="18" charset="0"/>
+                <a:cs typeface="Times New Roman" pitchFamily="18" charset="0"/>
+              </a:rPr>
+              <a:t>Herbalmax</a:t>
+            </a:r>
+            <a:endParaRPr lang="zh-CN" altLang="en-US" sz="2000" b="0" dirty="0">
+              <a:latin typeface="Times New Roman" pitchFamily="18" charset="0"/>
+              <a:cs typeface="Times New Roman" pitchFamily="18" charset="0"/>
+            </a:endParaRPr>
           </a:p>
           <a:p>
             <a:pPr marL="252000" indent="-252000" algn="l" fontAlgn="auto">
@@ -5154,12 +5585,16 @@
               <a:buChar char="l"/>
             </a:pPr>
             <a:r>
-              <a:rPr lang="zh-CN" altLang="en-US" sz="2000" b="0" dirty="0">
-                <a:latin typeface="Times New Roman" pitchFamily="18" charset="0"/>
-                <a:cs typeface="Times New Roman" pitchFamily="18" charset="0"/>
-              </a:rPr>
-              <a:t>Mirailab</a:t>
-            </a:r>
+              <a:rPr lang="zh-CN" altLang="en-US" sz="2000" b="0" dirty="0" smtClean="0">
+                <a:latin typeface="Times New Roman" pitchFamily="18" charset="0"/>
+                <a:cs typeface="Times New Roman" pitchFamily="18" charset="0"/>
+              </a:rPr>
+              <a:t>Mirailab</a:t>
+            </a:r>
+            <a:endParaRPr lang="zh-CN" altLang="en-US" sz="2000" b="0" dirty="0">
+              <a:latin typeface="Times New Roman" pitchFamily="18" charset="0"/>
+              <a:cs typeface="Times New Roman" pitchFamily="18" charset="0"/>
+            </a:endParaRPr>
           </a:p>
           <a:p>
             <a:pPr marL="252000" indent="-252000" algn="l" fontAlgn="auto">
@@ -5170,11 +5605,18 @@
               <a:buChar char="l"/>
             </a:pPr>
             <a:r>
+              <a:rPr lang="zh-CN" altLang="en-US" sz="2000" b="0" dirty="0" smtClean="0">
+                <a:latin typeface="Times New Roman" pitchFamily="18" charset="0"/>
+                <a:cs typeface="Times New Roman" pitchFamily="18" charset="0"/>
+              </a:rPr>
+              <a:t>Genex </a:t>
+            </a:r>
+            <a:r>
               <a:rPr lang="zh-CN" altLang="en-US" sz="2000" b="0" dirty="0">
                 <a:latin typeface="Times New Roman" pitchFamily="18" charset="0"/>
                 <a:cs typeface="Times New Roman" pitchFamily="18" charset="0"/>
               </a:rPr>
-              <a:t>Genex Formulas</a:t>
+              <a:t>Formulas</a:t>
             </a:r>
           </a:p>
           <a:p>
@@ -5186,11 +5628,18 @@
               <a:buChar char="l"/>
             </a:pPr>
             <a:r>
+              <a:rPr lang="zh-CN" altLang="en-US" sz="2000" b="0" dirty="0" smtClean="0">
+                <a:latin typeface="Times New Roman" pitchFamily="18" charset="0"/>
+                <a:cs typeface="Times New Roman" pitchFamily="18" charset="0"/>
+              </a:rPr>
+              <a:t>Shinkowa </a:t>
+            </a:r>
+            <a:r>
               <a:rPr lang="zh-CN" altLang="en-US" sz="2000" b="0" dirty="0">
                 <a:latin typeface="Times New Roman" pitchFamily="18" charset="0"/>
                 <a:cs typeface="Times New Roman" pitchFamily="18" charset="0"/>
               </a:rPr>
-              <a:t>Shinkowa Pharmaceutical</a:t>
+              <a:t>Pharmaceutical</a:t>
             </a:r>
           </a:p>
           <a:p>
@@ -5202,11 +5651,18 @@
               <a:buChar char="l"/>
             </a:pPr>
             <a:r>
+              <a:rPr lang="zh-CN" altLang="en-US" sz="2000" b="0" dirty="0" smtClean="0">
+                <a:latin typeface="Times New Roman" pitchFamily="18" charset="0"/>
+                <a:cs typeface="Times New Roman" pitchFamily="18" charset="0"/>
+              </a:rPr>
+              <a:t>Maac</a:t>
+            </a:r>
+            <a:r>
               <a:rPr lang="zh-CN" altLang="en-US" sz="2000" b="0" dirty="0">
                 <a:latin typeface="Times New Roman" pitchFamily="18" charset="0"/>
                 <a:cs typeface="Times New Roman" pitchFamily="18" charset="0"/>
               </a:rPr>
-              <a:t>Maac10 Formulas</a:t>
+              <a:t>10 Formulas</a:t>
             </a:r>
           </a:p>
           <a:p>
@@ -5218,12 +5674,16 @@
               <a:buChar char="l"/>
             </a:pPr>
             <a:r>
-              <a:rPr lang="zh-CN" altLang="en-US" sz="2000" b="0" dirty="0">
-                <a:latin typeface="Times New Roman" pitchFamily="18" charset="0"/>
-                <a:cs typeface="Times New Roman" pitchFamily="18" charset="0"/>
-              </a:rPr>
-              <a:t>Bontac</a:t>
-            </a:r>
+              <a:rPr lang="zh-CN" altLang="en-US" sz="2000" b="0" dirty="0" smtClean="0">
+                <a:latin typeface="Times New Roman" pitchFamily="18" charset="0"/>
+                <a:cs typeface="Times New Roman" pitchFamily="18" charset="0"/>
+              </a:rPr>
+              <a:t>Bontac</a:t>
+            </a:r>
+            <a:endParaRPr lang="zh-CN" altLang="en-US" sz="2000" b="0" dirty="0">
+              <a:latin typeface="Times New Roman" pitchFamily="18" charset="0"/>
+              <a:cs typeface="Times New Roman" pitchFamily="18" charset="0"/>
+            </a:endParaRPr>
           </a:p>
           <a:p>
             <a:pPr marL="252000" indent="-252000" algn="l" fontAlgn="auto">
@@ -5234,11 +5694,18 @@
               <a:buChar char="l"/>
             </a:pPr>
             <a:r>
+              <a:rPr lang="zh-CN" altLang="en-US" sz="2000" b="0" dirty="0" smtClean="0">
+                <a:latin typeface="Times New Roman" pitchFamily="18" charset="0"/>
+                <a:cs typeface="Times New Roman" pitchFamily="18" charset="0"/>
+              </a:rPr>
+              <a:t>Shandong </a:t>
+            </a:r>
+            <a:r>
               <a:rPr lang="zh-CN" altLang="en-US" sz="2000" b="0" dirty="0">
                 <a:latin typeface="Times New Roman" pitchFamily="18" charset="0"/>
                 <a:cs typeface="Times New Roman" pitchFamily="18" charset="0"/>
               </a:rPr>
-              <a:t>Shandong Sihuan Pharmaceutical Co.,Ltd.</a:t>
+              <a:t>Sihuan Pharmaceutical Co.,Ltd.</a:t>
             </a:r>
           </a:p>
           <a:p>
@@ -5250,12 +5717,16 @@
               <a:buChar char="l"/>
             </a:pPr>
             <a:r>
-              <a:rPr lang="zh-CN" altLang="en-US" sz="2000" b="0" dirty="0">
-                <a:latin typeface="Times New Roman" pitchFamily="18" charset="0"/>
-                <a:cs typeface="Times New Roman" pitchFamily="18" charset="0"/>
-              </a:rPr>
-              <a:t>EffePharm</a:t>
-            </a:r>
+              <a:rPr lang="zh-CN" altLang="en-US" sz="2000" b="0" dirty="0" smtClean="0">
+                <a:latin typeface="Times New Roman" pitchFamily="18" charset="0"/>
+                <a:cs typeface="Times New Roman" pitchFamily="18" charset="0"/>
+              </a:rPr>
+              <a:t>EffePharm</a:t>
+            </a:r>
+            <a:endParaRPr lang="zh-CN" altLang="en-US" sz="2000" b="0" dirty="0">
+              <a:latin typeface="Times New Roman" pitchFamily="18" charset="0"/>
+              <a:cs typeface="Times New Roman" pitchFamily="18" charset="0"/>
+            </a:endParaRPr>
           </a:p>
           <a:p>
             <a:pPr marL="252000" indent="-252000" algn="l" fontAlgn="auto">
@@ -5266,11 +5737,18 @@
               <a:buChar char="l"/>
             </a:pPr>
             <a:r>
+              <a:rPr lang="zh-CN" altLang="en-US" sz="2000" b="0" dirty="0" smtClean="0">
+                <a:latin typeface="Times New Roman" pitchFamily="18" charset="0"/>
+                <a:cs typeface="Times New Roman" pitchFamily="18" charset="0"/>
+              </a:rPr>
+              <a:t>Zhejiang </a:t>
+            </a:r>
+            <a:r>
               <a:rPr lang="zh-CN" altLang="en-US" sz="2000" b="0" dirty="0">
                 <a:latin typeface="Times New Roman" pitchFamily="18" charset="0"/>
                 <a:cs typeface="Times New Roman" pitchFamily="18" charset="0"/>
               </a:rPr>
-              <a:t>Zhejiang Jiahua Pharmchemical Co., Ltd.</a:t>
+              <a:t>Jiahua Pharmchemical Co., Ltd.</a:t>
             </a:r>
           </a:p>
         </p:txBody>
@@ -5775,7 +6253,26 @@
                 <a:ea typeface="微软雅黑" pitchFamily="34" charset="-122"/>
                 <a:cs typeface="宋体" charset="0"/>
               </a:rPr>
-              <a:t>的品牌，因此市场仍然有巨大的发展空间。</a:t>
+              <a:t>的品牌，因此市场仍然有</a:t>
+            </a:r>
+            <a:r>
+              <a:rPr lang="zh-CN" altLang="en-US" sz="2000" b="0" dirty="0">
+                <a:solidFill>
+                  <a:srgbClr val="C00000"/>
+                </a:solidFill>
+                <a:latin typeface="Times New Roman" pitchFamily="18" charset="0"/>
+                <a:ea typeface="微软雅黑" pitchFamily="34" charset="-122"/>
+                <a:cs typeface="宋体" charset="0"/>
+              </a:rPr>
+              <a:t>巨大的发展空间</a:t>
+            </a:r>
+            <a:r>
+              <a:rPr lang="zh-CN" altLang="en-US" sz="2000" b="0" dirty="0">
+                <a:latin typeface="Times New Roman" pitchFamily="18" charset="0"/>
+                <a:ea typeface="微软雅黑" pitchFamily="34" charset="-122"/>
+                <a:cs typeface="宋体" charset="0"/>
+              </a:rPr>
+              <a:t>。</a:t>
             </a:r>
           </a:p>
         </p:txBody>
@@ -6724,7 +7221,15 @@
                 <a:ea typeface="微软雅黑" pitchFamily="34" charset="-122"/>
                 <a:cs typeface="Times New Roman" pitchFamily="18" charset="0"/>
               </a:rPr>
-              <a:t>没有学术支撑，未来很难</a:t>
+              <a:t>没有学术支撑，未来很难进入</a:t>
+            </a:r>
+            <a:r>
+              <a:rPr lang="en-US" altLang="zh-CN" sz="2000" dirty="0" smtClean="0">
+                <a:latin typeface="Times New Roman" pitchFamily="18" charset="0"/>
+                <a:ea typeface="微软雅黑" pitchFamily="34" charset="-122"/>
+                <a:cs typeface="Times New Roman" pitchFamily="18" charset="0"/>
+              </a:rPr>
+              <a:t>NMN</a:t>
             </a:r>
             <a:r>
               <a:rPr lang="zh-CN" altLang="en-US" sz="2000" dirty="0" smtClean="0">
@@ -6732,39 +7237,7 @@
                 <a:ea typeface="微软雅黑" pitchFamily="34" charset="-122"/>
                 <a:cs typeface="Times New Roman" pitchFamily="18" charset="0"/>
               </a:rPr>
-              <a:t>进入</a:t>
-            </a:r>
-            <a:r>
-              <a:rPr lang="en-US" altLang="zh-CN" sz="2000" dirty="0" smtClean="0">
-                <a:latin typeface="Times New Roman" pitchFamily="18" charset="0"/>
-                <a:ea typeface="微软雅黑" pitchFamily="34" charset="-122"/>
-                <a:cs typeface="Times New Roman" pitchFamily="18" charset="0"/>
-              </a:rPr>
-              <a:t>NMN</a:t>
-            </a:r>
-            <a:r>
-              <a:rPr lang="zh-CN" altLang="en-US" sz="2000" dirty="0" smtClean="0">
-                <a:latin typeface="Times New Roman" pitchFamily="18" charset="0"/>
-                <a:ea typeface="微软雅黑" pitchFamily="34" charset="-122"/>
-                <a:cs typeface="Times New Roman" pitchFamily="18" charset="0"/>
-              </a:rPr>
-              <a:t>的赛道</a:t>
-            </a:r>
-            <a:r>
-              <a:rPr lang="zh-CN" altLang="en-US" sz="2000" dirty="0" smtClean="0">
-                <a:latin typeface="Times New Roman" pitchFamily="18" charset="0"/>
-                <a:ea typeface="微软雅黑" pitchFamily="34" charset="-122"/>
-                <a:cs typeface="Times New Roman" pitchFamily="18" charset="0"/>
-              </a:rPr>
-              <a:t>，因此</a:t>
-            </a:r>
-            <a:r>
-              <a:rPr lang="zh-CN" altLang="en-US" sz="2000" dirty="0" smtClean="0">
-                <a:latin typeface="Times New Roman" pitchFamily="18" charset="0"/>
-                <a:ea typeface="微软雅黑" pitchFamily="34" charset="-122"/>
-                <a:cs typeface="Times New Roman" pitchFamily="18" charset="0"/>
-              </a:rPr>
-              <a:t>要</a:t>
+              <a:t>的赛道，因此要</a:t>
             </a:r>
             <a:r>
               <a:rPr lang="zh-CN" altLang="en-US" sz="2000" b="0" dirty="0" smtClean="0">
@@ -6927,31 +7400,7 @@
                 <a:ea typeface="微软雅黑" pitchFamily="34" charset="-122"/>
                 <a:cs typeface="Times New Roman" pitchFamily="18" charset="0"/>
               </a:rPr>
-              <a:t>与相关医学专家、学术机构合作，建立论坛和科普</a:t>
-            </a:r>
-            <a:r>
-              <a:rPr lang="zh-CN" altLang="en-US" sz="2000" dirty="0" smtClean="0">
-                <a:latin typeface="Times New Roman" pitchFamily="18" charset="0"/>
-                <a:ea typeface="微软雅黑" pitchFamily="34" charset="-122"/>
-                <a:cs typeface="Times New Roman" pitchFamily="18" charset="0"/>
-              </a:rPr>
-              <a:t>网站</a:t>
-            </a:r>
-            <a:r>
-              <a:rPr lang="zh-CN" altLang="en-US" sz="2000" dirty="0" smtClean="0">
-                <a:latin typeface="Times New Roman" pitchFamily="18" charset="0"/>
-                <a:ea typeface="微软雅黑" pitchFamily="34" charset="-122"/>
-                <a:cs typeface="Times New Roman" pitchFamily="18" charset="0"/>
-              </a:rPr>
-              <a:t>，正确宣传，不夸大NMN的作用</a:t>
-            </a:r>
-            <a:r>
-              <a:rPr lang="zh-CN" altLang="en-US" sz="2000" dirty="0" smtClean="0">
-                <a:latin typeface="Times New Roman" pitchFamily="18" charset="0"/>
-                <a:ea typeface="微软雅黑" pitchFamily="34" charset="-122"/>
-                <a:cs typeface="Times New Roman" pitchFamily="18" charset="0"/>
-              </a:rPr>
-              <a:t>，</a:t>
+              <a:t>与相关医学专家、学术机构合作，建立论坛和科普网站，正确宣传，不夸大NMN的作用，</a:t>
             </a:r>
             <a:r>
               <a:rPr lang="zh-CN" altLang="en-US" sz="2000" b="0" dirty="0" smtClean="0">
@@ -7112,15 +7561,7 @@
                 <a:ea typeface="微软雅黑" pitchFamily="34" charset="-122"/>
                 <a:cs typeface="Times New Roman" pitchFamily="18" charset="0"/>
               </a:rPr>
-              <a:t>NMN</a:t>
-            </a:r>
-            <a:r>
-              <a:rPr lang="zh-CN" altLang="en-US" sz="2000" b="0" dirty="0" smtClean="0">
-                <a:latin typeface="Times New Roman" pitchFamily="18" charset="0"/>
-                <a:ea typeface="微软雅黑" pitchFamily="34" charset="-122"/>
-                <a:cs typeface="Times New Roman" pitchFamily="18" charset="0"/>
-              </a:rPr>
-              <a:t>。</a:t>
+              <a:t>NMN。</a:t>
             </a:r>
             <a:endParaRPr lang="en-US" altLang="zh-CN" sz="2000" b="0" dirty="0" smtClean="0">
               <a:latin typeface="Times New Roman" pitchFamily="18" charset="0"/>
@@ -7186,15 +7627,7 @@
                 <a:ea typeface="微软雅黑" pitchFamily="34" charset="-122"/>
                 <a:cs typeface="Times New Roman" pitchFamily="18" charset="0"/>
               </a:rPr>
-              <a:t>，应用</a:t>
-            </a:r>
-            <a:r>
-              <a:rPr lang="zh-CN" altLang="en-US" sz="2000" b="0" dirty="0" smtClean="0">
-                <a:latin typeface="Times New Roman" pitchFamily="18" charset="0"/>
-                <a:ea typeface="微软雅黑" pitchFamily="34" charset="-122"/>
-                <a:cs typeface="Times New Roman" pitchFamily="18" charset="0"/>
-              </a:rPr>
-              <a:t>新技术、新配方，</a:t>
+              <a:t>，应用新技术、新配方，</a:t>
             </a:r>
             <a:r>
               <a:rPr lang="zh-CN" altLang="en-US" sz="2000" b="0" dirty="0" smtClean="0">
@@ -8009,19 +8442,7 @@
               <a:rPr lang="zh-CN" altLang="en-US" sz="1400" dirty="0" smtClean="0">
                 <a:latin typeface="Times New Roman" pitchFamily="18" charset="0"/>
               </a:rPr>
-              <a:t>相关</a:t>
-            </a:r>
-            <a:r>
-              <a:rPr lang="zh-CN" altLang="en-US" sz="1400" dirty="0" smtClean="0">
-                <a:latin typeface="Times New Roman" pitchFamily="18" charset="0"/>
-              </a:rPr>
-              <a:t>论文</a:t>
-            </a:r>
-            <a:r>
-              <a:rPr lang="zh-CN" altLang="en-US" sz="1400" dirty="0" smtClean="0">
-                <a:latin typeface="Times New Roman" pitchFamily="18" charset="0"/>
-              </a:rPr>
-              <a:t>：</a:t>
+              <a:t>相关论文：</a:t>
             </a:r>
             <a:endParaRPr lang="en-US" altLang="zh-CN" sz="1400" dirty="0" smtClean="0">
               <a:latin typeface="Times New Roman" pitchFamily="18" charset="0"/>
@@ -9815,7 +10236,7 @@
         </p:nvGraphicFramePr>
         <p:xfrm>
           <a:off x="401216" y="2269645"/>
-          <a:ext cx="7109927" cy="4060241"/>
+          <a:ext cx="7109927" cy="4104246"/>
         </p:xfrm>
         <a:graphic>
           <a:graphicData uri="http://schemas.openxmlformats.org/drawingml/2006/table">
@@ -9824,9 +10245,27 @@
                 <a:tableStyleId>{5A111915-BE36-4E01-A7E5-04B1672EAD32}</a:tableStyleId>
               </a:tblPr>
               <a:tblGrid>
-                <a:gridCol w="2369976"/>
-                <a:gridCol w="2584804"/>
-                <a:gridCol w="2155147"/>
+                <a:gridCol w="2369976">
+                  <a:extLst>
+                    <a:ext uri="{9D8B030D-6E8A-4147-A177-3AD203B41FA5}">
+                      <a16:colId xmlns:a16="http://schemas.microsoft.com/office/drawing/2014/main" val="20000"/>
+                    </a:ext>
+                  </a:extLst>
+                </a:gridCol>
+                <a:gridCol w="2584804">
+                  <a:extLst>
+                    <a:ext uri="{9D8B030D-6E8A-4147-A177-3AD203B41FA5}">
+                      <a16:colId xmlns:a16="http://schemas.microsoft.com/office/drawing/2014/main" val="20001"/>
+                    </a:ext>
+                  </a:extLst>
+                </a:gridCol>
+                <a:gridCol w="2155147">
+                  <a:extLst>
+                    <a:ext uri="{9D8B030D-6E8A-4147-A177-3AD203B41FA5}">
+                      <a16:colId xmlns:a16="http://schemas.microsoft.com/office/drawing/2014/main" val="20002"/>
+                    </a:ext>
+                  </a:extLst>
+                </a:gridCol>
               </a:tblGrid>
               <a:tr h="534181">
                 <a:tc>
@@ -9905,6 +10344,11 @@
                   </a:txBody>
                   <a:tcPr marL="68580" marR="68580" marT="0" marB="76200"/>
                 </a:tc>
+                <a:extLst>
+                  <a:ext uri="{0D108BD9-81ED-4DB2-BD59-A6C34878D82A}">
+                    <a16:rowId xmlns:a16="http://schemas.microsoft.com/office/drawing/2014/main" val="10000"/>
+                  </a:ext>
+                </a:extLst>
               </a:tr>
               <a:tr h="534181">
                 <a:tc>
@@ -9979,6 +10423,11 @@
                   </a:txBody>
                   <a:tcPr marL="68580" marR="68580" marT="0" marB="76200"/>
                 </a:tc>
+                <a:extLst>
+                  <a:ext uri="{0D108BD9-81ED-4DB2-BD59-A6C34878D82A}">
+                    <a16:rowId xmlns:a16="http://schemas.microsoft.com/office/drawing/2014/main" val="10001"/>
+                  </a:ext>
+                </a:extLst>
               </a:tr>
               <a:tr h="534181">
                 <a:tc>
@@ -10053,6 +10502,11 @@
                   </a:txBody>
                   <a:tcPr marL="68580" marR="68580" marT="0" marB="76200"/>
                 </a:tc>
+                <a:extLst>
+                  <a:ext uri="{0D108BD9-81ED-4DB2-BD59-A6C34878D82A}">
+                    <a16:rowId xmlns:a16="http://schemas.microsoft.com/office/drawing/2014/main" val="10002"/>
+                  </a:ext>
+                </a:extLst>
               </a:tr>
               <a:tr h="534181">
                 <a:tc>
@@ -10131,6 +10585,11 @@
                   </a:txBody>
                   <a:tcPr marL="68580" marR="68580" marT="0" marB="76200"/>
                 </a:tc>
+                <a:extLst>
+                  <a:ext uri="{0D108BD9-81ED-4DB2-BD59-A6C34878D82A}">
+                    <a16:rowId xmlns:a16="http://schemas.microsoft.com/office/drawing/2014/main" val="10003"/>
+                  </a:ext>
+                </a:extLst>
               </a:tr>
               <a:tr h="534181">
                 <a:tc>
@@ -10205,6 +10664,11 @@
                   </a:txBody>
                   <a:tcPr marL="68580" marR="68580" marT="0" marB="76200"/>
                 </a:tc>
+                <a:extLst>
+                  <a:ext uri="{0D108BD9-81ED-4DB2-BD59-A6C34878D82A}">
+                    <a16:rowId xmlns:a16="http://schemas.microsoft.com/office/drawing/2014/main" val="10004"/>
+                  </a:ext>
+                </a:extLst>
               </a:tr>
               <a:tr h="534181">
                 <a:tc>
@@ -10279,6 +10743,11 @@
                   </a:txBody>
                   <a:tcPr marL="68580" marR="68580" marT="0" marB="76200"/>
                 </a:tc>
+                <a:extLst>
+                  <a:ext uri="{0D108BD9-81ED-4DB2-BD59-A6C34878D82A}">
+                    <a16:rowId xmlns:a16="http://schemas.microsoft.com/office/drawing/2014/main" val="10005"/>
+                  </a:ext>
+                </a:extLst>
               </a:tr>
               <a:tr h="534181">
                 <a:tc>
@@ -10376,6 +10845,11 @@
                   </a:txBody>
                   <a:tcPr marL="68580" marR="68580" marT="0" marB="76200"/>
                 </a:tc>
+                <a:extLst>
+                  <a:ext uri="{0D108BD9-81ED-4DB2-BD59-A6C34878D82A}">
+                    <a16:rowId xmlns:a16="http://schemas.microsoft.com/office/drawing/2014/main" val="10006"/>
+                  </a:ext>
+                </a:extLst>
               </a:tr>
             </a:tbl>
           </a:graphicData>
@@ -10778,10 +11252,12 @@
             </a:endParaRPr>
           </a:p>
           <a:p>
-            <a:pPr marL="252000">
+            <a:pPr marL="594900" indent="-342900">
               <a:lnSpc>
                 <a:spcPct val="150000"/>
               </a:lnSpc>
+              <a:buFont typeface="Wingdings" panose="05000000000000000000" pitchFamily="2" charset="2"/>
+              <a:buChar char="p"/>
             </a:pPr>
             <a:r>
               <a:rPr lang="zh-CN" altLang="en-US" sz="2000" dirty="0" smtClean="0">
@@ -10858,14 +11334,7 @@
                 <a:latin typeface="Times New Roman" pitchFamily="18" charset="0"/>
                 <a:cs typeface="Times New Roman" pitchFamily="18" charset="0"/>
               </a:rPr>
-              <a:t>亿元），中国</a:t>
-            </a:r>
-            <a:r>
-              <a:rPr lang="zh-CN" altLang="en-US" sz="2000" dirty="0" smtClean="0">
-                <a:latin typeface="Times New Roman" pitchFamily="18" charset="0"/>
-                <a:cs typeface="Times New Roman" pitchFamily="18" charset="0"/>
-              </a:rPr>
-              <a:t>占总消费市场的66.6%，预测</a:t>
+              <a:t>亿元），中国占总消费市场的66.6%，预测</a:t>
             </a:r>
             <a:r>
               <a:rPr lang="zh-CN" altLang="en-US" sz="2000" dirty="0" smtClean="0">
@@ -10875,7 +11344,17 @@
                 <a:latin typeface="Times New Roman" pitchFamily="18" charset="0"/>
                 <a:cs typeface="Times New Roman" pitchFamily="18" charset="0"/>
               </a:rPr>
-              <a:t>我们占据全国市场</a:t>
+              <a:t>我们占据全国市场的</a:t>
+            </a:r>
+            <a:r>
+              <a:rPr lang="en-US" altLang="zh-CN" sz="2000" dirty="0" smtClean="0">
+                <a:solidFill>
+                  <a:srgbClr val="C00000"/>
+                </a:solidFill>
+                <a:latin typeface="Times New Roman" pitchFamily="18" charset="0"/>
+                <a:cs typeface="Times New Roman" pitchFamily="18" charset="0"/>
+              </a:rPr>
+              <a:t>1</a:t>
             </a:r>
             <a:r>
               <a:rPr lang="zh-CN" altLang="en-US" sz="2000" dirty="0" smtClean="0">
@@ -10885,7 +11364,14 @@
                 <a:latin typeface="Times New Roman" pitchFamily="18" charset="0"/>
                 <a:cs typeface="Times New Roman" pitchFamily="18" charset="0"/>
               </a:rPr>
-              <a:t>的</a:t>
+              <a:t>0%</a:t>
+            </a:r>
+            <a:r>
+              <a:rPr lang="zh-CN" altLang="en-US" sz="2000" dirty="0" smtClean="0">
+                <a:latin typeface="Times New Roman" pitchFamily="18" charset="0"/>
+                <a:cs typeface="Times New Roman" pitchFamily="18" charset="0"/>
+              </a:rPr>
+              <a:t>，由此推算</a:t>
             </a:r>
             <a:r>
               <a:rPr lang="en-US" altLang="zh-CN" sz="2000" dirty="0" smtClean="0">
@@ -10895,7 +11381,7 @@
                 <a:latin typeface="Times New Roman" pitchFamily="18" charset="0"/>
                 <a:cs typeface="Times New Roman" pitchFamily="18" charset="0"/>
               </a:rPr>
-              <a:t>1</a:t>
+              <a:t>2022</a:t>
             </a:r>
             <a:r>
               <a:rPr lang="zh-CN" altLang="en-US" sz="2000" dirty="0" smtClean="0">
@@ -10905,7 +11391,24 @@
                 <a:latin typeface="Times New Roman" pitchFamily="18" charset="0"/>
                 <a:cs typeface="Times New Roman" pitchFamily="18" charset="0"/>
               </a:rPr>
-              <a:t>0</a:t>
+              <a:t>年</a:t>
+            </a:r>
+            <a:r>
+              <a:rPr lang="zh-CN" altLang="en-US" sz="2000" dirty="0" smtClean="0">
+                <a:latin typeface="Times New Roman" pitchFamily="18" charset="0"/>
+                <a:cs typeface="Times New Roman" pitchFamily="18" charset="0"/>
+              </a:rPr>
+              <a:t>市场规模可达约</a:t>
+            </a:r>
+            <a:r>
+              <a:rPr lang="en-US" altLang="zh-CN" sz="2000" dirty="0" smtClean="0">
+                <a:solidFill>
+                  <a:srgbClr val="C00000"/>
+                </a:solidFill>
+                <a:latin typeface="Times New Roman" pitchFamily="18" charset="0"/>
+                <a:cs typeface="Times New Roman" pitchFamily="18" charset="0"/>
+              </a:rPr>
+              <a:t>45</a:t>
             </a:r>
             <a:r>
               <a:rPr lang="zh-CN" altLang="en-US" sz="2000" dirty="0" smtClean="0">
@@ -10915,74 +11418,6 @@
                 <a:latin typeface="Times New Roman" pitchFamily="18" charset="0"/>
                 <a:cs typeface="Times New Roman" pitchFamily="18" charset="0"/>
               </a:rPr>
-              <a:t>%</a:t>
-            </a:r>
-            <a:r>
-              <a:rPr lang="zh-CN" altLang="en-US" sz="2000" dirty="0" smtClean="0">
-                <a:latin typeface="Times New Roman" pitchFamily="18" charset="0"/>
-                <a:cs typeface="Times New Roman" pitchFamily="18" charset="0"/>
-              </a:rPr>
-              <a:t>，</a:t>
-            </a:r>
-            <a:r>
-              <a:rPr lang="zh-CN" altLang="en-US" sz="2000" dirty="0" smtClean="0">
-                <a:latin typeface="Times New Roman" pitchFamily="18" charset="0"/>
-                <a:cs typeface="Times New Roman" pitchFamily="18" charset="0"/>
-              </a:rPr>
-              <a:t>由此</a:t>
-            </a:r>
-            <a:r>
-              <a:rPr lang="zh-CN" altLang="en-US" sz="2000" dirty="0" smtClean="0">
-                <a:latin typeface="Times New Roman" pitchFamily="18" charset="0"/>
-                <a:cs typeface="Times New Roman" pitchFamily="18" charset="0"/>
-              </a:rPr>
-              <a:t>推算</a:t>
-            </a:r>
-            <a:r>
-              <a:rPr lang="en-US" altLang="zh-CN" sz="2000" dirty="0" smtClean="0">
-                <a:solidFill>
-                  <a:srgbClr val="C00000"/>
-                </a:solidFill>
-                <a:latin typeface="Times New Roman" pitchFamily="18" charset="0"/>
-                <a:cs typeface="Times New Roman" pitchFamily="18" charset="0"/>
-              </a:rPr>
-              <a:t>2022</a:t>
-            </a:r>
-            <a:r>
-              <a:rPr lang="zh-CN" altLang="en-US" sz="2000" dirty="0" smtClean="0">
-                <a:solidFill>
-                  <a:srgbClr val="C00000"/>
-                </a:solidFill>
-                <a:latin typeface="Times New Roman" pitchFamily="18" charset="0"/>
-                <a:cs typeface="Times New Roman" pitchFamily="18" charset="0"/>
-              </a:rPr>
-              <a:t>年</a:t>
-            </a:r>
-            <a:r>
-              <a:rPr lang="zh-CN" altLang="en-US" sz="2000" dirty="0" smtClean="0">
-                <a:latin typeface="Times New Roman" pitchFamily="18" charset="0"/>
-                <a:cs typeface="Times New Roman" pitchFamily="18" charset="0"/>
-              </a:rPr>
-              <a:t>市场规模可达约</a:t>
-            </a:r>
-            <a:r>
-              <a:rPr lang="en-US" altLang="zh-CN" sz="2000" dirty="0" smtClean="0">
-                <a:solidFill>
-                  <a:srgbClr val="C00000"/>
-                </a:solidFill>
-                <a:latin typeface="Times New Roman" pitchFamily="18" charset="0"/>
-                <a:cs typeface="Times New Roman" pitchFamily="18" charset="0"/>
-              </a:rPr>
-              <a:t>45</a:t>
-            </a:r>
-            <a:r>
-              <a:rPr lang="zh-CN" altLang="en-US" sz="2000" dirty="0" smtClean="0">
-                <a:solidFill>
-                  <a:srgbClr val="C00000"/>
-                </a:solidFill>
-                <a:latin typeface="Times New Roman" pitchFamily="18" charset="0"/>
-                <a:cs typeface="Times New Roman" pitchFamily="18" charset="0"/>
-              </a:rPr>
               <a:t>亿元</a:t>
             </a:r>
             <a:r>
@@ -10998,12 +11433,12 @@
             </a:endParaRPr>
           </a:p>
           <a:p>
-            <a:pPr marL="252000" indent="0" algn="l" fontAlgn="auto">
+            <a:pPr marL="594900" indent="-342900" algn="l" fontAlgn="auto">
               <a:lnSpc>
                 <a:spcPct val="150000"/>
               </a:lnSpc>
-              <a:buFont typeface="Wingdings" panose="05000000000000000000" charset="0"/>
-              <a:buNone/>
+              <a:buFont typeface="Wingdings" panose="05000000000000000000" pitchFamily="2" charset="2"/>
+              <a:buChar char="p"/>
             </a:pPr>
             <a:r>
               <a:rPr lang="zh-CN" altLang="en-US" sz="2000" b="0" dirty="0" smtClean="0">
@@ -11080,14 +11515,7 @@
                 <a:latin typeface="Times New Roman" pitchFamily="18" charset="0"/>
                 <a:cs typeface="Times New Roman" pitchFamily="18" charset="0"/>
               </a:rPr>
-              <a:t>亿元</a:t>
-            </a:r>
-            <a:r>
-              <a:rPr lang="zh-CN" altLang="en-US" sz="2000" b="0" dirty="0" smtClean="0">
-                <a:latin typeface="Times New Roman" pitchFamily="18" charset="0"/>
-                <a:cs typeface="Times New Roman" pitchFamily="18" charset="0"/>
-              </a:rPr>
-              <a:t>），预测此时</a:t>
+              <a:t>亿元），预测此时</a:t>
             </a:r>
             <a:r>
               <a:rPr lang="zh-CN" altLang="en-US" sz="2000" b="0" dirty="0" smtClean="0">
@@ -11226,42 +11654,35 @@
                 <a:latin typeface="Times New Roman" pitchFamily="18" charset="0"/>
                 <a:cs typeface="Times New Roman" pitchFamily="18" charset="0"/>
               </a:rPr>
-              <a:t>按照中信证券的报告</a:t>
+              <a:t>按照中信证券的报告，如果</a:t>
+            </a:r>
+            <a:r>
+              <a:rPr lang="en-US" altLang="zh-CN" sz="2000" dirty="0" smtClean="0">
+                <a:latin typeface="Times New Roman" pitchFamily="18" charset="0"/>
+                <a:cs typeface="Times New Roman" pitchFamily="18" charset="0"/>
+              </a:rPr>
+              <a:t>NMN</a:t>
             </a:r>
             <a:r>
               <a:rPr lang="zh-CN" altLang="en-US" sz="2000" dirty="0" smtClean="0">
                 <a:latin typeface="Times New Roman" pitchFamily="18" charset="0"/>
                 <a:cs typeface="Times New Roman" pitchFamily="18" charset="0"/>
               </a:rPr>
-              <a:t>，如果</a:t>
+              <a:t>产品能覆盖当前服用保健品人口的</a:t>
             </a:r>
             <a:r>
               <a:rPr lang="en-US" altLang="zh-CN" sz="2000" dirty="0" smtClean="0">
                 <a:latin typeface="Times New Roman" pitchFamily="18" charset="0"/>
                 <a:cs typeface="Times New Roman" pitchFamily="18" charset="0"/>
               </a:rPr>
-              <a:t>NMN</a:t>
+              <a:t>3%</a:t>
             </a:r>
             <a:r>
               <a:rPr lang="zh-CN" altLang="en-US" sz="2000" dirty="0" smtClean="0">
                 <a:latin typeface="Times New Roman" pitchFamily="18" charset="0"/>
                 <a:cs typeface="Times New Roman" pitchFamily="18" charset="0"/>
               </a:rPr>
-              <a:t>产品能覆盖当前服用保健品人口的</a:t>
-            </a:r>
-            <a:r>
-              <a:rPr lang="en-US" altLang="zh-CN" sz="2000" dirty="0" smtClean="0">
-                <a:latin typeface="Times New Roman" pitchFamily="18" charset="0"/>
-                <a:cs typeface="Times New Roman" pitchFamily="18" charset="0"/>
-              </a:rPr>
-              <a:t>3%</a:t>
-            </a:r>
-            <a:r>
-              <a:rPr lang="zh-CN" altLang="en-US" sz="2000" dirty="0" smtClean="0">
-                <a:latin typeface="Times New Roman" pitchFamily="18" charset="0"/>
-                <a:cs typeface="Times New Roman" pitchFamily="18" charset="0"/>
-              </a:rPr>
-              <a:t>，其市场规模有望达到千亿，按照我们的市场份额，我们的</a:t>
+              <a:t>，其市场规模有望达到千亿，按照我们的市场份额，未来的</a:t>
             </a:r>
             <a:r>
               <a:rPr lang="zh-CN" altLang="en-US" sz="2000" dirty="0" smtClean="0">
@@ -11271,31 +11692,14 @@
                 <a:latin typeface="Times New Roman" pitchFamily="18" charset="0"/>
                 <a:cs typeface="Times New Roman" pitchFamily="18" charset="0"/>
               </a:rPr>
-              <a:t>市场</a:t>
+              <a:t>市场潜力</a:t>
             </a:r>
             <a:r>
               <a:rPr lang="zh-CN" altLang="en-US" sz="2000" dirty="0" smtClean="0">
-                <a:solidFill>
-                  <a:srgbClr val="C00000"/>
-                </a:solidFill>
-                <a:latin typeface="Times New Roman" pitchFamily="18" charset="0"/>
-                <a:cs typeface="Times New Roman" pitchFamily="18" charset="0"/>
-              </a:rPr>
-              <a:t>潜力</a:t>
-            </a:r>
-            <a:r>
-              <a:rPr lang="zh-CN" altLang="en-US" sz="2000" dirty="0" smtClean="0">
-                <a:latin typeface="Times New Roman" pitchFamily="18" charset="0"/>
-                <a:cs typeface="Times New Roman" pitchFamily="18" charset="0"/>
-              </a:rPr>
-              <a:t>可</a:t>
-            </a:r>
-            <a:r>
-              <a:rPr lang="zh-CN" altLang="en-US" sz="2000" dirty="0" smtClean="0">
-                <a:latin typeface="Times New Roman" pitchFamily="18" charset="0"/>
-                <a:cs typeface="Times New Roman" pitchFamily="18" charset="0"/>
-              </a:rPr>
-              <a:t>达</a:t>
+                <a:latin typeface="Times New Roman" pitchFamily="18" charset="0"/>
+                <a:cs typeface="Times New Roman" pitchFamily="18" charset="0"/>
+              </a:rPr>
+              <a:t>可达</a:t>
             </a:r>
             <a:r>
               <a:rPr lang="en-US" altLang="zh-CN" sz="2000" dirty="0" smtClean="0">
@@ -12320,7 +12724,7 @@
         <p:spPr>
           <a:xfrm>
             <a:off x="676300" y="1732643"/>
-            <a:ext cx="10716377" cy="2346091"/>
+            <a:ext cx="10850682" cy="2400657"/>
           </a:xfrm>
           <a:prstGeom prst="rect">
             <a:avLst/>
@@ -12373,35 +12777,7 @@
                 <a:latin typeface="Times New Roman" pitchFamily="18" charset="0"/>
                 <a:cs typeface="Times New Roman" pitchFamily="18" charset="0"/>
               </a:rPr>
-              <a:t>实验室合作</a:t>
-            </a:r>
-            <a:r>
-              <a:rPr lang="zh-CN" altLang="en-US" sz="2000" dirty="0" smtClean="0">
-                <a:latin typeface="Times New Roman" pitchFamily="18" charset="0"/>
-                <a:cs typeface="Times New Roman" pitchFamily="18" charset="0"/>
-              </a:rPr>
-              <a:t>，实验室</a:t>
-            </a:r>
-            <a:r>
-              <a:rPr lang="zh-CN" altLang="en-US" sz="2000" dirty="0" smtClean="0">
-                <a:latin typeface="Times New Roman" pitchFamily="18" charset="0"/>
-                <a:cs typeface="Times New Roman" pitchFamily="18" charset="0"/>
-              </a:rPr>
-              <a:t>在生命科学领域具有强大科研实力</a:t>
-            </a:r>
-            <a:r>
-              <a:rPr lang="zh-CN" altLang="en-US" sz="2000" dirty="0" smtClean="0">
-                <a:latin typeface="Times New Roman" pitchFamily="18" charset="0"/>
-                <a:cs typeface="Times New Roman" pitchFamily="18" charset="0"/>
-              </a:rPr>
-              <a:t>，研究</a:t>
-            </a:r>
-            <a:r>
-              <a:rPr lang="zh-CN" altLang="en-US" sz="2000" dirty="0" smtClean="0">
-                <a:latin typeface="Times New Roman" pitchFamily="18" charset="0"/>
-                <a:cs typeface="Times New Roman" pitchFamily="18" charset="0"/>
-              </a:rPr>
-              <a:t>包括</a:t>
+              <a:t>实验室合作，实验室在生命科学领域具有强大科研实力，研究包括</a:t>
             </a:r>
             <a:r>
               <a:rPr lang="en-US" altLang="zh-CN" sz="2000" dirty="0" smtClean="0"/>
@@ -12428,14 +12804,7 @@
                 <a:latin typeface="Times New Roman" pitchFamily="18" charset="0"/>
                 <a:cs typeface="Times New Roman" pitchFamily="18" charset="0"/>
               </a:rPr>
-              <a:t>，并且在</a:t>
-            </a:r>
-            <a:r>
-              <a:rPr lang="zh-CN" altLang="en-US" sz="2000" dirty="0" smtClean="0">
-                <a:latin typeface="Times New Roman" pitchFamily="18" charset="0"/>
-                <a:cs typeface="Times New Roman" pitchFamily="18" charset="0"/>
-              </a:rPr>
-              <a:t>在研究</a:t>
+              <a:t>，并且在在研究</a:t>
             </a:r>
             <a:r>
               <a:rPr lang="zh-CN" altLang="en-US" sz="2000" dirty="0" smtClean="0">
@@ -12469,28 +12838,7 @@
                 <a:latin typeface="Times New Roman" pitchFamily="18" charset="0"/>
                 <a:cs typeface="Times New Roman" pitchFamily="18" charset="0"/>
               </a:rPr>
-              <a:t>这一</a:t>
-            </a:r>
-            <a:r>
-              <a:rPr lang="zh-CN" altLang="en-US" sz="2000" dirty="0" smtClean="0">
-                <a:latin typeface="Times New Roman" pitchFamily="18" charset="0"/>
-                <a:cs typeface="Times New Roman" pitchFamily="18" charset="0"/>
-              </a:rPr>
-              <a:t>方向处于世界</a:t>
-            </a:r>
-            <a:r>
-              <a:rPr lang="zh-CN" altLang="en-US" sz="2000" dirty="0" smtClean="0">
-                <a:latin typeface="Times New Roman" pitchFamily="18" charset="0"/>
-                <a:cs typeface="Times New Roman" pitchFamily="18" charset="0"/>
-              </a:rPr>
-              <a:t>领先</a:t>
-            </a:r>
-            <a:r>
-              <a:rPr lang="zh-CN" altLang="en-US" sz="2000" dirty="0" smtClean="0">
-                <a:latin typeface="Times New Roman" pitchFamily="18" charset="0"/>
-                <a:cs typeface="Times New Roman" pitchFamily="18" charset="0"/>
-              </a:rPr>
-              <a:t>水平，</a:t>
+              <a:t>这一方向处于世界领先水平，</a:t>
             </a:r>
             <a:endParaRPr lang="en-US" altLang="zh-CN" sz="2000" dirty="0" smtClean="0">
               <a:latin typeface="Times New Roman" pitchFamily="18" charset="0"/>
@@ -12517,7 +12865,14 @@
                 <a:latin typeface="Times New Roman" pitchFamily="18" charset="0"/>
                 <a:cs typeface="Times New Roman" pitchFamily="18" charset="0"/>
               </a:rPr>
-              <a:t>实验室培养了拥有</a:t>
+              <a:t>实验室培养</a:t>
+            </a:r>
+            <a:r>
+              <a:rPr lang="zh-CN" altLang="en-US" sz="2000" dirty="0" smtClean="0">
+                <a:latin typeface="Times New Roman" pitchFamily="18" charset="0"/>
+                <a:cs typeface="Times New Roman" pitchFamily="18" charset="0"/>
+              </a:rPr>
+              <a:t>了</a:t>
             </a:r>
             <a:r>
               <a:rPr lang="zh-CN" altLang="en-US" sz="2000" dirty="0" smtClean="0">
@@ -12554,14 +12909,56 @@
                 <a:latin typeface="Times New Roman" pitchFamily="18" charset="0"/>
                 <a:cs typeface="Times New Roman" pitchFamily="18" charset="0"/>
               </a:rPr>
-              <a:t>研究</a:t>
+              <a:t>研究专家</a:t>
             </a:r>
             <a:r>
               <a:rPr lang="zh-CN" altLang="en-US" sz="2000" dirty="0" smtClean="0">
                 <a:latin typeface="Times New Roman" pitchFamily="18" charset="0"/>
                 <a:cs typeface="Times New Roman" pitchFamily="18" charset="0"/>
               </a:rPr>
-              <a:t>专家，多数为博士后，实验室的成员在学术界和工业界都有着卓越的成就。</a:t>
+              <a:t>，其中很多为</a:t>
+            </a:r>
+            <a:r>
+              <a:rPr lang="zh-CN" altLang="en-US" sz="2000" dirty="0" smtClean="0">
+                <a:latin typeface="Times New Roman" pitchFamily="18" charset="0"/>
+                <a:cs typeface="Times New Roman" pitchFamily="18" charset="0"/>
+              </a:rPr>
+              <a:t>博士后</a:t>
+            </a:r>
+            <a:r>
+              <a:rPr lang="zh-CN" altLang="en-US" sz="2000" dirty="0" smtClean="0">
+                <a:latin typeface="Times New Roman" pitchFamily="18" charset="0"/>
+                <a:cs typeface="Times New Roman" pitchFamily="18" charset="0"/>
+              </a:rPr>
+              <a:t>，他们对最新的科学和技术有广泛的研究，实验室的很多成员</a:t>
+            </a:r>
+            <a:r>
+              <a:rPr lang="zh-CN" altLang="en-US" sz="2000" dirty="0" smtClean="0">
+                <a:latin typeface="Times New Roman" pitchFamily="18" charset="0"/>
+                <a:cs typeface="Times New Roman" pitchFamily="18" charset="0"/>
+              </a:rPr>
+              <a:t>在学术界和工业界都有着卓越的</a:t>
+            </a:r>
+            <a:r>
+              <a:rPr lang="zh-CN" altLang="en-US" sz="2000" dirty="0" smtClean="0">
+                <a:latin typeface="Times New Roman" pitchFamily="18" charset="0"/>
+                <a:cs typeface="Times New Roman" pitchFamily="18" charset="0"/>
+              </a:rPr>
+              <a:t>成就，创立了</a:t>
+            </a:r>
+            <a:r>
+              <a:rPr lang="en-US" altLang="zh-CN" sz="2000" dirty="0" smtClean="0">
+                <a:latin typeface="Times New Roman" pitchFamily="18" charset="0"/>
+                <a:cs typeface="Times New Roman" pitchFamily="18" charset="0"/>
+              </a:rPr>
+              <a:t>15</a:t>
+            </a:r>
+            <a:r>
+              <a:rPr lang="zh-CN" altLang="en-US" sz="2000" dirty="0" smtClean="0">
+                <a:latin typeface="Times New Roman" pitchFamily="18" charset="0"/>
+                <a:cs typeface="Times New Roman" pitchFamily="18" charset="0"/>
+              </a:rPr>
+              <a:t>家相关公司。</a:t>
             </a:r>
             <a:endParaRPr lang="en-US" altLang="zh-CN" sz="2000" dirty="0" smtClean="0">
               <a:latin typeface="Times New Roman" pitchFamily="18" charset="0"/>
@@ -12938,7 +13335,13 @@
         <p:nvGraphicFramePr>
           <p:cNvPr id="10" name="图示 9"/>
           <p:cNvGraphicFramePr/>
-          <p:nvPr/>
+          <p:nvPr>
+            <p:extLst>
+              <p:ext uri="{D42A27DB-BD31-4B8C-83A1-F6EECF244321}">
+                <p14:modId xmlns:p14="http://schemas.microsoft.com/office/powerpoint/2010/main" val="493207968"/>
+              </p:ext>
+            </p:extLst>
+          </p:nvPr>
         </p:nvGraphicFramePr>
         <p:xfrm>
           <a:off x="548743" y="2186004"/>
@@ -12991,7 +13394,7 @@
         <p:spPr>
           <a:xfrm>
             <a:off x="775431" y="1704783"/>
-            <a:ext cx="7596951" cy="369332"/>
+            <a:ext cx="10437473" cy="369332"/>
           </a:xfrm>
           <a:prstGeom prst="rect">
             <a:avLst/>
@@ -13015,21 +13418,14 @@
                 <a:latin typeface="Times New Roman" pitchFamily="18" charset="0"/>
                 <a:cs typeface="Times New Roman" pitchFamily="18" charset="0"/>
               </a:rPr>
-              <a:t>实验室有着非常优秀的研究团队，团队</a:t>
+              <a:t>实验室有着非常优秀的研究团队，团队成员均有丰富的从业</a:t>
             </a:r>
             <a:r>
               <a:rPr lang="zh-CN" altLang="en-US" dirty="0" smtClean="0">
                 <a:latin typeface="Times New Roman" pitchFamily="18" charset="0"/>
                 <a:cs typeface="Times New Roman" pitchFamily="18" charset="0"/>
               </a:rPr>
-              <a:t>成员均有</a:t>
-            </a:r>
-            <a:r>
-              <a:rPr lang="zh-CN" altLang="en-US" dirty="0" smtClean="0">
-                <a:latin typeface="Times New Roman" pitchFamily="18" charset="0"/>
-                <a:cs typeface="Times New Roman" pitchFamily="18" charset="0"/>
-              </a:rPr>
-              <a:t>丰富的从业经历。</a:t>
+              <a:t>经历，下面是核心团队的管理者。</a:t>
             </a:r>
             <a:endParaRPr lang="zh-CN" altLang="en-US" dirty="0"/>
           </a:p>
@@ -13170,91 +13566,28 @@
                 <a:latin typeface="Times New Roman" pitchFamily="18" charset="0"/>
                 <a:ea typeface="微软雅黑" pitchFamily="34" charset="-122"/>
               </a:rPr>
-              <a:t> </a:t>
+              <a:t> Mononucleotide</a:t>
+            </a:r>
+            <a:r>
+              <a:rPr lang="zh-CN" altLang="en-US" sz="2000" dirty="0" smtClean="0">
+                <a:latin typeface="Times New Roman" pitchFamily="18" charset="0"/>
+                <a:ea typeface="微软雅黑" pitchFamily="34" charset="-122"/>
+              </a:rPr>
+              <a:t>）即烟酰胺单核苷酸，是一种自然存在于所有生命中的分子。在分子层面，它是一种核糖核苷酸，是核酸</a:t>
             </a:r>
             <a:r>
               <a:rPr lang="en-US" altLang="zh-CN" sz="2000" dirty="0" smtClean="0">
                 <a:latin typeface="Times New Roman" pitchFamily="18" charset="0"/>
                 <a:ea typeface="微软雅黑" pitchFamily="34" charset="-122"/>
               </a:rPr>
-              <a:t>Mononucleotide</a:t>
+              <a:t>RNA</a:t>
             </a:r>
             <a:r>
               <a:rPr lang="zh-CN" altLang="en-US" sz="2000" dirty="0" smtClean="0">
                 <a:latin typeface="Times New Roman" pitchFamily="18" charset="0"/>
                 <a:ea typeface="微软雅黑" pitchFamily="34" charset="-122"/>
               </a:rPr>
-              <a:t>）即烟</a:t>
-            </a:r>
-            <a:r>
-              <a:rPr lang="zh-CN" altLang="en-US" sz="2000" dirty="0" smtClean="0">
-                <a:latin typeface="Times New Roman" pitchFamily="18" charset="0"/>
-                <a:ea typeface="微软雅黑" pitchFamily="34" charset="-122"/>
-              </a:rPr>
-              <a:t>酰胺单核苷酸</a:t>
-            </a:r>
-            <a:r>
-              <a:rPr lang="zh-CN" altLang="en-US" sz="2000" dirty="0" smtClean="0">
-                <a:latin typeface="Times New Roman" pitchFamily="18" charset="0"/>
-                <a:ea typeface="微软雅黑" pitchFamily="34" charset="-122"/>
-              </a:rPr>
-              <a:t>，是一</a:t>
-            </a:r>
-            <a:r>
-              <a:rPr lang="zh-CN" altLang="en-US" sz="2000" dirty="0" smtClean="0">
-                <a:latin typeface="Times New Roman" pitchFamily="18" charset="0"/>
-                <a:ea typeface="微软雅黑" pitchFamily="34" charset="-122"/>
-              </a:rPr>
-              <a:t>种自然存在于所有生命中的分子</a:t>
-            </a:r>
-            <a:r>
-              <a:rPr lang="zh-CN" altLang="en-US" sz="2000" dirty="0" smtClean="0">
-                <a:latin typeface="Times New Roman" pitchFamily="18" charset="0"/>
-                <a:ea typeface="微软雅黑" pitchFamily="34" charset="-122"/>
-              </a:rPr>
-              <a:t>。在分子层面，</a:t>
-            </a:r>
-            <a:r>
-              <a:rPr lang="zh-CN" altLang="en-US" sz="2000" dirty="0" smtClean="0">
-                <a:latin typeface="Times New Roman" pitchFamily="18" charset="0"/>
-                <a:ea typeface="微软雅黑" pitchFamily="34" charset="-122"/>
-              </a:rPr>
-              <a:t>它</a:t>
-            </a:r>
-            <a:r>
-              <a:rPr lang="zh-CN" altLang="en-US" sz="2000" dirty="0" smtClean="0">
-                <a:latin typeface="Times New Roman" pitchFamily="18" charset="0"/>
-                <a:ea typeface="微软雅黑" pitchFamily="34" charset="-122"/>
-              </a:rPr>
-              <a:t>是一种核糖</a:t>
-            </a:r>
-            <a:r>
-              <a:rPr lang="zh-CN" altLang="en-US" sz="2000" dirty="0" smtClean="0">
-                <a:latin typeface="Times New Roman" pitchFamily="18" charset="0"/>
-                <a:ea typeface="微软雅黑" pitchFamily="34" charset="-122"/>
-              </a:rPr>
-              <a:t>核苷酸，是核酸</a:t>
-            </a:r>
-            <a:r>
-              <a:rPr lang="en-US" altLang="zh-CN" sz="2000" dirty="0" smtClean="0">
-                <a:latin typeface="Times New Roman" pitchFamily="18" charset="0"/>
-                <a:ea typeface="微软雅黑" pitchFamily="34" charset="-122"/>
-              </a:rPr>
-              <a:t>RNA</a:t>
-            </a:r>
-            <a:r>
-              <a:rPr lang="zh-CN" altLang="en-US" sz="2000" dirty="0" smtClean="0">
-                <a:latin typeface="Times New Roman" pitchFamily="18" charset="0"/>
-                <a:ea typeface="微软雅黑" pitchFamily="34" charset="-122"/>
-              </a:rPr>
-              <a:t>的基本结构单元</a:t>
-            </a:r>
-            <a:r>
-              <a:rPr lang="zh-CN" altLang="en-US" sz="2000" dirty="0" smtClean="0">
-                <a:latin typeface="Times New Roman" pitchFamily="18" charset="0"/>
-                <a:ea typeface="微软雅黑" pitchFamily="34" charset="-122"/>
-              </a:rPr>
-              <a:t>。</a:t>
+              <a:t>的基本结构单元。</a:t>
             </a:r>
             <a:endParaRPr lang="en-US" altLang="zh-CN" sz="2000" dirty="0" smtClean="0">
               <a:latin typeface="Times New Roman" pitchFamily="18" charset="0"/>
@@ -13480,14 +13813,7 @@
                 <a:latin typeface="Times New Roman" pitchFamily="18" charset="0"/>
                 <a:ea typeface="微软雅黑" pitchFamily="34" charset="-122"/>
               </a:rPr>
-              <a:t>，</a:t>
-            </a:r>
-            <a:r>
-              <a:rPr lang="zh-CN" altLang="en-US" sz="2000" dirty="0" smtClean="0">
-                <a:latin typeface="Times New Roman" pitchFamily="18" charset="0"/>
-                <a:ea typeface="微软雅黑" pitchFamily="34" charset="-122"/>
-              </a:rPr>
-              <a:t>烟酰胺腺嘌呤二核苷酸）</a:t>
+              <a:t>，烟酰胺腺嘌呤二核苷酸）</a:t>
             </a:r>
             <a:r>
               <a:rPr lang="zh-CN" altLang="en-US" sz="2000" dirty="0" smtClean="0">
@@ -13497,17 +13823,7 @@
                 <a:latin typeface="Times New Roman" pitchFamily="18" charset="0"/>
                 <a:ea typeface="微软雅黑" pitchFamily="34" charset="-122"/>
               </a:rPr>
-              <a:t>的</a:t>
-            </a:r>
-            <a:r>
-              <a:rPr lang="zh-CN" altLang="en-US" sz="2000" dirty="0" smtClean="0">
-                <a:solidFill>
-                  <a:srgbClr val="C00000"/>
-                </a:solidFill>
-                <a:latin typeface="Times New Roman" pitchFamily="18" charset="0"/>
-                <a:ea typeface="微软雅黑" pitchFamily="34" charset="-122"/>
-              </a:rPr>
-              <a:t>直接前体</a:t>
+              <a:t>的直接前体</a:t>
             </a:r>
             <a:r>
               <a:rPr lang="zh-CN" altLang="en-US" sz="2000" dirty="0" smtClean="0">
@@ -13820,14 +14136,7 @@
                 <a:latin typeface="Times New Roman" pitchFamily="18" charset="0"/>
                 <a:ea typeface="微软雅黑" pitchFamily="34" charset="-122"/>
               </a:rPr>
-              <a:t>是生命和细胞</a:t>
-            </a:r>
-            <a:r>
-              <a:rPr lang="zh-CN" altLang="en-US" dirty="0" smtClean="0">
-                <a:latin typeface="Times New Roman" pitchFamily="18" charset="0"/>
-                <a:ea typeface="微软雅黑" pitchFamily="34" charset="-122"/>
-              </a:rPr>
-              <a:t>功能所</a:t>
+              <a:t>是生命和细胞功能所</a:t>
             </a:r>
             <a:r>
               <a:rPr lang="zh-CN" altLang="en-US" dirty="0" smtClean="0">
@@ -13837,17 +14146,7 @@
                 <a:latin typeface="Times New Roman" pitchFamily="18" charset="0"/>
                 <a:ea typeface="微软雅黑" pitchFamily="34" charset="-122"/>
               </a:rPr>
-              <a:t>必需</a:t>
-            </a:r>
-            <a:r>
-              <a:rPr lang="zh-CN" altLang="en-US" dirty="0" smtClean="0">
-                <a:solidFill>
-                  <a:srgbClr val="C00000"/>
-                </a:solidFill>
-                <a:latin typeface="Times New Roman" pitchFamily="18" charset="0"/>
-                <a:ea typeface="微软雅黑" pitchFamily="34" charset="-122"/>
-              </a:rPr>
-              <a:t>的辅酶</a:t>
+              <a:t>必需的辅酶</a:t>
             </a:r>
             <a:r>
               <a:rPr lang="zh-CN" altLang="en-US" dirty="0" smtClean="0">
@@ -13884,7 +14183,15 @@
                 <a:ea typeface="微软雅黑" pitchFamily="34" charset="-122"/>
                 <a:cs typeface="Times New Roman" pitchFamily="18" charset="0"/>
               </a:rPr>
-              <a:t>在人体内存在五种主要前体：</a:t>
+              <a:t>在人体内存在五种主要前体：色氨酸（</a:t>
+            </a:r>
+            <a:r>
+              <a:rPr lang="en-US" altLang="zh-CN" dirty="0" smtClean="0">
+                <a:latin typeface="Times New Roman" pitchFamily="18" charset="0"/>
+                <a:ea typeface="微软雅黑" pitchFamily="34" charset="-122"/>
+                <a:cs typeface="Times New Roman" pitchFamily="18" charset="0"/>
+              </a:rPr>
+              <a:t> Tryptophan </a:t>
             </a:r>
             <a:r>
               <a:rPr lang="zh-CN" altLang="en-US" dirty="0" smtClean="0">
@@ -13892,7 +14199,7 @@
                 <a:ea typeface="微软雅黑" pitchFamily="34" charset="-122"/>
                 <a:cs typeface="Times New Roman" pitchFamily="18" charset="0"/>
               </a:rPr>
-              <a:t>色氨酸（</a:t>
+              <a:t>），烟酰胺（</a:t>
             </a:r>
             <a:r>
               <a:rPr lang="en-US" altLang="zh-CN" dirty="0" smtClean="0">
@@ -13900,7 +14207,7 @@
                 <a:ea typeface="微软雅黑" pitchFamily="34" charset="-122"/>
                 <a:cs typeface="Times New Roman" pitchFamily="18" charset="0"/>
               </a:rPr>
-              <a:t> Tryptophan </a:t>
+              <a:t>NAM</a:t>
             </a:r>
             <a:r>
               <a:rPr lang="zh-CN" altLang="en-US" dirty="0" smtClean="0">
@@ -13908,7 +14215,15 @@
                 <a:ea typeface="微软雅黑" pitchFamily="34" charset="-122"/>
                 <a:cs typeface="Times New Roman" pitchFamily="18" charset="0"/>
               </a:rPr>
-              <a:t>），</a:t>
+              <a:t>），烟酸（</a:t>
+            </a:r>
+            <a:r>
+              <a:rPr lang="en-US" altLang="zh-CN" dirty="0" smtClean="0">
+                <a:latin typeface="Times New Roman" pitchFamily="18" charset="0"/>
+                <a:ea typeface="微软雅黑" pitchFamily="34" charset="-122"/>
+                <a:cs typeface="Times New Roman" pitchFamily="18" charset="0"/>
+              </a:rPr>
+              <a:t>NA</a:t>
             </a:r>
             <a:r>
               <a:rPr lang="zh-CN" altLang="en-US" dirty="0" smtClean="0">
@@ -13916,55 +14231,7 @@
                 <a:ea typeface="微软雅黑" pitchFamily="34" charset="-122"/>
                 <a:cs typeface="Times New Roman" pitchFamily="18" charset="0"/>
               </a:rPr>
-              <a:t>烟酰胺（</a:t>
-            </a:r>
-            <a:r>
-              <a:rPr lang="en-US" altLang="zh-CN" dirty="0" smtClean="0">
-                <a:latin typeface="Times New Roman" pitchFamily="18" charset="0"/>
-                <a:ea typeface="微软雅黑" pitchFamily="34" charset="-122"/>
-                <a:cs typeface="Times New Roman" pitchFamily="18" charset="0"/>
-              </a:rPr>
-              <a:t>NAM</a:t>
-            </a:r>
-            <a:r>
-              <a:rPr lang="zh-CN" altLang="en-US" dirty="0" smtClean="0">
-                <a:latin typeface="Times New Roman" pitchFamily="18" charset="0"/>
-                <a:ea typeface="微软雅黑" pitchFamily="34" charset="-122"/>
-                <a:cs typeface="Times New Roman" pitchFamily="18" charset="0"/>
-              </a:rPr>
-              <a:t>），烟酸（</a:t>
-            </a:r>
-            <a:r>
-              <a:rPr lang="en-US" altLang="zh-CN" dirty="0" smtClean="0">
-                <a:latin typeface="Times New Roman" pitchFamily="18" charset="0"/>
-                <a:ea typeface="微软雅黑" pitchFamily="34" charset="-122"/>
-                <a:cs typeface="Times New Roman" pitchFamily="18" charset="0"/>
-              </a:rPr>
-              <a:t>NA</a:t>
-            </a:r>
-            <a:r>
-              <a:rPr lang="zh-CN" altLang="en-US" dirty="0" smtClean="0">
-                <a:latin typeface="Times New Roman" pitchFamily="18" charset="0"/>
-                <a:ea typeface="微软雅黑" pitchFamily="34" charset="-122"/>
-                <a:cs typeface="Times New Roman" pitchFamily="18" charset="0"/>
-              </a:rPr>
-              <a:t>），</a:t>
-            </a:r>
-            <a:r>
-              <a:rPr lang="zh-CN" altLang="en-US" dirty="0" smtClean="0">
-                <a:latin typeface="Times New Roman" pitchFamily="18" charset="0"/>
-                <a:ea typeface="微软雅黑" pitchFamily="34" charset="-122"/>
-                <a:cs typeface="Times New Roman" pitchFamily="18" charset="0"/>
-              </a:rPr>
-              <a:t>烟</a:t>
-            </a:r>
-            <a:r>
-              <a:rPr lang="zh-CN" altLang="en-US" dirty="0" smtClean="0">
-                <a:latin typeface="Times New Roman" pitchFamily="18" charset="0"/>
-                <a:ea typeface="微软雅黑" pitchFamily="34" charset="-122"/>
-                <a:cs typeface="Times New Roman" pitchFamily="18" charset="0"/>
-              </a:rPr>
-              <a:t>酰胺核糖苷（</a:t>
+              <a:t>），烟酰胺核糖苷（</a:t>
             </a:r>
             <a:r>
               <a:rPr lang="en-US" altLang="zh-CN" dirty="0" smtClean="0">
@@ -14234,15 +14501,7 @@
                 <a:ea typeface="微软雅黑" pitchFamily="34" charset="-122"/>
                 <a:cs typeface="Times New Roman" pitchFamily="18" charset="0"/>
               </a:rPr>
-              <a:t>能够</a:t>
-            </a:r>
-            <a:r>
-              <a:rPr lang="zh-CN" altLang="en-US" sz="2000" dirty="0" smtClean="0">
-                <a:latin typeface="Times New Roman" pitchFamily="18" charset="0"/>
-                <a:ea typeface="微软雅黑" pitchFamily="34" charset="-122"/>
-                <a:cs typeface="Times New Roman" pitchFamily="18" charset="0"/>
-              </a:rPr>
-              <a:t>帮助细胞</a:t>
+              <a:t>能够帮助细胞</a:t>
             </a:r>
             <a:r>
               <a:rPr lang="zh-CN" altLang="en-US" sz="2000" dirty="0" smtClean="0">
@@ -14253,18 +14512,7 @@
                 <a:ea typeface="微软雅黑" pitchFamily="34" charset="-122"/>
                 <a:cs typeface="Times New Roman" pitchFamily="18" charset="0"/>
               </a:rPr>
-              <a:t>修复</a:t>
-            </a:r>
-            <a:r>
-              <a:rPr lang="zh-CN" altLang="en-US" sz="2000" dirty="0" smtClean="0">
-                <a:solidFill>
-                  <a:srgbClr val="C00000"/>
-                </a:solidFill>
-                <a:latin typeface="Times New Roman" pitchFamily="18" charset="0"/>
-                <a:ea typeface="微软雅黑" pitchFamily="34" charset="-122"/>
-                <a:cs typeface="Times New Roman" pitchFamily="18" charset="0"/>
-              </a:rPr>
-              <a:t>被损坏的</a:t>
+              <a:t>修复被损坏的</a:t>
             </a:r>
             <a:r>
               <a:rPr lang="en-US" altLang="zh-CN" sz="2000" dirty="0" smtClean="0">
@@ -14375,15 +14623,7 @@
                 <a:ea typeface="微软雅黑" pitchFamily="34" charset="-122"/>
                 <a:cs typeface="Times New Roman" pitchFamily="18" charset="0"/>
               </a:rPr>
-              <a:t>    NAD</a:t>
-            </a:r>
-            <a:r>
-              <a:rPr lang="en-US" altLang="zh-CN" sz="2000" dirty="0" smtClean="0">
-                <a:latin typeface="Times New Roman" pitchFamily="18" charset="0"/>
-                <a:ea typeface="微软雅黑" pitchFamily="34" charset="-122"/>
-                <a:cs typeface="Times New Roman" pitchFamily="18" charset="0"/>
-              </a:rPr>
-              <a:t>+</a:t>
+              <a:t>    NAD+</a:t>
             </a:r>
             <a:r>
               <a:rPr lang="zh-CN" altLang="en-US" sz="2000" dirty="0" smtClean="0">
@@ -14391,15 +14631,7 @@
                 <a:ea typeface="微软雅黑" pitchFamily="34" charset="-122"/>
                 <a:cs typeface="Times New Roman" pitchFamily="18" charset="0"/>
               </a:rPr>
-              <a:t>实现修复功能</a:t>
-            </a:r>
-            <a:r>
-              <a:rPr lang="zh-CN" altLang="en-US" sz="2000" dirty="0" smtClean="0">
-                <a:latin typeface="Times New Roman" pitchFamily="18" charset="0"/>
-                <a:ea typeface="微软雅黑" pitchFamily="34" charset="-122"/>
-                <a:cs typeface="Times New Roman" pitchFamily="18" charset="0"/>
-              </a:rPr>
-              <a:t>。</a:t>
+              <a:t>实现修复功能。</a:t>
             </a:r>
             <a:endParaRPr lang="en-US" altLang="zh-CN" sz="2000" dirty="0" smtClean="0">
               <a:latin typeface="Times New Roman" pitchFamily="18" charset="0"/>
@@ -14923,56 +15155,21 @@
                 <a:latin typeface="Times New Roman" pitchFamily="18" charset="0"/>
                 <a:ea typeface="微软雅黑" pitchFamily="34" charset="-122"/>
               </a:rPr>
-              <a:t>等研究领域，提高人</a:t>
+              <a:t>等研究领域，提高人体内</a:t>
+            </a:r>
+            <a:r>
+              <a:rPr lang="en-US" altLang="zh-CN" sz="2000" dirty="0" smtClean="0">
+                <a:latin typeface="Times New Roman" pitchFamily="18" charset="0"/>
+                <a:ea typeface="微软雅黑" pitchFamily="34" charset="-122"/>
+              </a:rPr>
+              <a:t>NAD+</a:t>
             </a:r>
             <a:r>
               <a:rPr lang="zh-CN" altLang="en-US" sz="2000" dirty="0" smtClean="0">
                 <a:latin typeface="Times New Roman" pitchFamily="18" charset="0"/>
                 <a:ea typeface="微软雅黑" pitchFamily="34" charset="-122"/>
               </a:rPr>
-              <a:t>体内</a:t>
-            </a:r>
-            <a:r>
-              <a:rPr lang="en-US" altLang="zh-CN" sz="2000" dirty="0" smtClean="0">
-                <a:latin typeface="Times New Roman" pitchFamily="18" charset="0"/>
-                <a:ea typeface="微软雅黑" pitchFamily="34" charset="-122"/>
-              </a:rPr>
-              <a:t>NAD+</a:t>
-            </a:r>
-            <a:r>
-              <a:rPr lang="zh-CN" altLang="en-US" sz="2000" dirty="0" smtClean="0">
-                <a:latin typeface="Times New Roman" pitchFamily="18" charset="0"/>
-                <a:ea typeface="微软雅黑" pitchFamily="34" charset="-122"/>
-              </a:rPr>
-              <a:t>含量得到了积极的</a:t>
-            </a:r>
-            <a:r>
-              <a:rPr lang="zh-CN" altLang="en-US" sz="2000" dirty="0" smtClean="0">
-                <a:latin typeface="Times New Roman" pitchFamily="18" charset="0"/>
-                <a:ea typeface="微软雅黑" pitchFamily="34" charset="-122"/>
-              </a:rPr>
-              <a:t>结果，</a:t>
-            </a:r>
-            <a:r>
-              <a:rPr lang="zh-CN" altLang="en-US" sz="2000" dirty="0" smtClean="0">
-                <a:latin typeface="Times New Roman" pitchFamily="18" charset="0"/>
-                <a:ea typeface="微软雅黑" pitchFamily="34" charset="-122"/>
-              </a:rPr>
-              <a:t>并显示</a:t>
-            </a:r>
-            <a:r>
-              <a:rPr lang="zh-CN" altLang="en-US" sz="2000" dirty="0" smtClean="0">
-                <a:latin typeface="Times New Roman" pitchFamily="18" charset="0"/>
-                <a:ea typeface="微软雅黑" pitchFamily="34" charset="-122"/>
-              </a:rPr>
-              <a:t>出某些抗衰老特性</a:t>
-            </a:r>
-            <a:r>
-              <a:rPr lang="zh-CN" altLang="en-US" sz="2000" dirty="0" smtClean="0">
-                <a:latin typeface="Times New Roman" pitchFamily="18" charset="0"/>
-                <a:ea typeface="微软雅黑" pitchFamily="34" charset="-122"/>
-              </a:rPr>
-              <a:t>。</a:t>
+              <a:t>含量得到了积极的结果，并显示出某些抗衰老特性。</a:t>
             </a:r>
             <a:endParaRPr lang="en-US" altLang="zh-CN" sz="2000" dirty="0" smtClean="0">
               <a:latin typeface="Times New Roman" pitchFamily="18" charset="0"/>
@@ -14997,14 +15194,7 @@
                 <a:latin typeface="Times New Roman" pitchFamily="18" charset="0"/>
                 <a:ea typeface="微软雅黑" pitchFamily="34" charset="-122"/>
               </a:rPr>
-              <a:t>具有</a:t>
-            </a:r>
-            <a:r>
-              <a:rPr lang="zh-CN" altLang="en-US" sz="2000" dirty="0" smtClean="0">
-                <a:latin typeface="Times New Roman" pitchFamily="18" charset="0"/>
-                <a:ea typeface="微软雅黑" pitchFamily="34" charset="-122"/>
-              </a:rPr>
-              <a:t>以下功能：</a:t>
+              <a:t>具有以下功能：</a:t>
             </a:r>
             <a:endParaRPr lang="en-US" altLang="zh-CN" sz="2000" dirty="0" smtClean="0">
               <a:latin typeface="Times New Roman" pitchFamily="18" charset="0"/>
@@ -15135,17 +15325,7 @@
                 <a:latin typeface="Times New Roman" pitchFamily="18" charset="0"/>
                 <a:ea typeface="微软雅黑" pitchFamily="34" charset="-122"/>
               </a:rPr>
-              <a:t>NAD</a:t>
-            </a:r>
-            <a:r>
-              <a:rPr lang="en-US" altLang="zh-CN" sz="2000" dirty="0" smtClean="0">
-                <a:solidFill>
-                  <a:srgbClr val="C00000"/>
-                </a:solidFill>
-                <a:latin typeface="Times New Roman" pitchFamily="18" charset="0"/>
-                <a:ea typeface="微软雅黑" pitchFamily="34" charset="-122"/>
-              </a:rPr>
-              <a:t>+</a:t>
+              <a:t>NAD+</a:t>
             </a:r>
             <a:r>
               <a:rPr lang="zh-CN" altLang="en-US" sz="2000" dirty="0" smtClean="0">
@@ -15595,31 +15775,7 @@
                 <a:ea typeface="微软雅黑" pitchFamily="34" charset="-122"/>
                 <a:cs typeface="Times New Roman" pitchFamily="18" charset="0"/>
               </a:rPr>
-              <a:t>水平，得到</a:t>
-            </a:r>
-            <a:r>
-              <a:rPr lang="zh-CN" altLang="en-US" dirty="0" smtClean="0">
-                <a:latin typeface="Times New Roman" pitchFamily="18" charset="0"/>
-                <a:ea typeface="微软雅黑" pitchFamily="34" charset="-122"/>
-                <a:cs typeface="Times New Roman" pitchFamily="18" charset="0"/>
-              </a:rPr>
-              <a:t>了肯定的</a:t>
-            </a:r>
-            <a:r>
-              <a:rPr lang="zh-CN" altLang="en-US" dirty="0" smtClean="0">
-                <a:latin typeface="Times New Roman" pitchFamily="18" charset="0"/>
-                <a:ea typeface="微软雅黑" pitchFamily="34" charset="-122"/>
-                <a:cs typeface="Times New Roman" pitchFamily="18" charset="0"/>
-              </a:rPr>
-              <a:t>结论</a:t>
-            </a:r>
-            <a:r>
-              <a:rPr lang="zh-CN" altLang="en-US" dirty="0" smtClean="0">
-                <a:latin typeface="Times New Roman" pitchFamily="18" charset="0"/>
-                <a:ea typeface="微软雅黑" pitchFamily="34" charset="-122"/>
-                <a:cs typeface="Times New Roman" pitchFamily="18" charset="0"/>
-              </a:rPr>
-              <a:t>。</a:t>
+              <a:t>水平，得到了肯定的结论。</a:t>
             </a:r>
             <a:endParaRPr lang="en-US" altLang="zh-CN" dirty="0" smtClean="0">
               <a:latin typeface="Times New Roman" pitchFamily="18" charset="0"/>
@@ -16463,7 +16619,7 @@
         <p:spPr>
           <a:xfrm>
             <a:off x="460101" y="1776819"/>
-            <a:ext cx="11091197" cy="1938992"/>
+            <a:ext cx="11091197" cy="2400657"/>
           </a:xfrm>
           <a:prstGeom prst="rect">
             <a:avLst/>
@@ -16546,15 +16702,7 @@
                 <a:ea typeface="微软雅黑" pitchFamily="34" charset="-122"/>
                 <a:cs typeface="Times New Roman" pitchFamily="18" charset="0"/>
               </a:rPr>
-              <a:t>），</a:t>
-            </a:r>
-            <a:r>
-              <a:rPr lang="zh-CN" altLang="en-US" sz="2000" b="0" dirty="0" smtClean="0">
-                <a:latin typeface="Times New Roman" pitchFamily="18" charset="0"/>
-                <a:ea typeface="微软雅黑" pitchFamily="34" charset="-122"/>
-                <a:cs typeface="Times New Roman" pitchFamily="18" charset="0"/>
-              </a:rPr>
-              <a:t>未来</a:t>
+              <a:t>），未来</a:t>
             </a:r>
             <a:r>
               <a:rPr lang="zh-CN" altLang="en-US" sz="2000" b="0" dirty="0">
@@ -16756,57 +16904,49 @@
                 <a:ea typeface="微软雅黑" pitchFamily="34" charset="-122"/>
                 <a:cs typeface="Times New Roman" pitchFamily="18" charset="0"/>
               </a:rPr>
-              <a:t>根据中信证券预测</a:t>
+              <a:t>根据中信证券预测，</a:t>
+            </a:r>
+            <a:r>
+              <a:rPr lang="en-US" altLang="zh-CN" sz="2000" dirty="0" smtClean="0">
+                <a:latin typeface="Times New Roman" pitchFamily="18" charset="0"/>
+                <a:cs typeface="Times New Roman" pitchFamily="18" charset="0"/>
+              </a:rPr>
+              <a:t>NMN</a:t>
             </a:r>
             <a:r>
               <a:rPr lang="zh-CN" altLang="en-US" sz="2000" dirty="0" smtClean="0">
                 <a:latin typeface="Times New Roman" pitchFamily="18" charset="0"/>
-                <a:ea typeface="微软雅黑" pitchFamily="34" charset="-122"/>
-                <a:cs typeface="Times New Roman" pitchFamily="18" charset="0"/>
-              </a:rPr>
-              <a:t>，</a:t>
+                <a:cs typeface="Times New Roman" pitchFamily="18" charset="0"/>
+              </a:rPr>
+              <a:t>产品每覆盖</a:t>
             </a:r>
             <a:r>
               <a:rPr lang="en-US" altLang="zh-CN" sz="2000" dirty="0" smtClean="0">
                 <a:latin typeface="Times New Roman" pitchFamily="18" charset="0"/>
                 <a:cs typeface="Times New Roman" pitchFamily="18" charset="0"/>
               </a:rPr>
-              <a:t> NMN</a:t>
+              <a:t>1%</a:t>
             </a:r>
             <a:r>
               <a:rPr lang="zh-CN" altLang="en-US" sz="2000" dirty="0" smtClean="0">
                 <a:latin typeface="Times New Roman" pitchFamily="18" charset="0"/>
                 <a:cs typeface="Times New Roman" pitchFamily="18" charset="0"/>
               </a:rPr>
-              <a:t>产品每覆盖</a:t>
+              <a:t>服用保健品的人口就对应</a:t>
             </a:r>
             <a:r>
               <a:rPr lang="en-US" altLang="zh-CN" sz="2000" dirty="0" smtClean="0">
                 <a:latin typeface="Times New Roman" pitchFamily="18" charset="0"/>
                 <a:cs typeface="Times New Roman" pitchFamily="18" charset="0"/>
               </a:rPr>
-              <a:t>1%</a:t>
+              <a:t>304</a:t>
             </a:r>
             <a:r>
               <a:rPr lang="zh-CN" altLang="en-US" sz="2000" dirty="0" smtClean="0">
                 <a:latin typeface="Times New Roman" pitchFamily="18" charset="0"/>
                 <a:cs typeface="Times New Roman" pitchFamily="18" charset="0"/>
               </a:rPr>
-              <a:t>保健品人口对应</a:t>
-            </a:r>
-            <a:r>
-              <a:rPr lang="en-US" altLang="zh-CN" sz="2000" dirty="0" smtClean="0">
-                <a:latin typeface="Times New Roman" pitchFamily="18" charset="0"/>
-                <a:cs typeface="Times New Roman" pitchFamily="18" charset="0"/>
-              </a:rPr>
-              <a:t>304</a:t>
-            </a:r>
-            <a:r>
-              <a:rPr lang="zh-CN" altLang="en-US" sz="2000" dirty="0" smtClean="0">
-                <a:latin typeface="Times New Roman" pitchFamily="18" charset="0"/>
-                <a:cs typeface="Times New Roman" pitchFamily="18" charset="0"/>
-              </a:rPr>
-              <a:t>亿元市场空间，伴随抗衰老产品未来市场不断推广，如果</a:t>
+              <a:t>亿元的市场空间，伴随抗衰老产品未来市场不断推广，如果</a:t>
             </a:r>
             <a:r>
               <a:rPr lang="en-US" altLang="zh-CN" sz="2000" dirty="0" smtClean="0">
@@ -16911,7 +17051,7 @@
         </p:blipFill>
         <p:spPr bwMode="auto">
           <a:xfrm>
-            <a:off x="3284376" y="3765161"/>
+            <a:off x="3293613" y="3894470"/>
             <a:ext cx="5038530" cy="2834607"/>
           </a:xfrm>
           <a:prstGeom prst="rect">
@@ -16935,7 +17075,7 @@
         </p:nvSpPr>
         <p:spPr>
           <a:xfrm rot="20931296">
-            <a:off x="6073159" y="4444215"/>
+            <a:off x="6119340" y="4480320"/>
             <a:ext cx="1376296" cy="240104"/>
           </a:xfrm>
           <a:prstGeom prst="rightArrow">
@@ -17189,7 +17329,7 @@
   <a:extraClrSchemeLst/>
   <a:extLst>
     <a:ext uri="{05A4C25C-085E-4340-85A3-A5531E510DB2}">
-      <thm15:themeFamily xmlns="" xmlns:thm15="http://schemas.microsoft.com/office/thememl/2012/main" name="Office Theme" id="{62F939B6-93AF-4DB8-9C6B-D6C7DFDC589F}" vid="{4A3C46E8-61CC-4603-A589-7422A47A8E4A}"/>
+      <thm15:themeFamily xmlns:thm15="http://schemas.microsoft.com/office/thememl/2012/main" name="Office Theme" id="{62F939B6-93AF-4DB8-9C6B-D6C7DFDC589F}" vid="{4A3C46E8-61CC-4603-A589-7422A47A8E4A}"/>
     </a:ext>
   </a:extLst>
 </a:theme>
@@ -17450,7 +17590,7 @@
   <a:extraClrSchemeLst/>
   <a:extLst>
     <a:ext uri="{05A4C25C-085E-4340-85A3-A5531E510DB2}">
-      <thm15:themeFamily xmlns="" xmlns:thm15="http://schemas.microsoft.com/office/thememl/2012/main" name="Office Theme" id="{62F939B6-93AF-4DB8-9C6B-D6C7DFDC589F}" vid="{4A3C46E8-61CC-4603-A589-7422A47A8E4A}"/>
+      <thm15:themeFamily xmlns:thm15="http://schemas.microsoft.com/office/thememl/2012/main" name="Office Theme" id="{62F939B6-93AF-4DB8-9C6B-D6C7DFDC589F}" vid="{4A3C46E8-61CC-4603-A589-7422A47A8E4A}"/>
     </a:ext>
   </a:extLst>
 </a:theme>
